--- a/s1/w2/Sprint review template.pptx
+++ b/s1/w2/Sprint review template.pptx
@@ -10,13 +10,13 @@
   <p:sldIdLst>
     <p:sldId id="259" r:id="rId2"/>
     <p:sldId id="256" r:id="rId3"/>
-    <p:sldId id="258" r:id="rId4"/>
-    <p:sldId id="260" r:id="rId5"/>
-    <p:sldId id="261" r:id="rId6"/>
-    <p:sldId id="262" r:id="rId7"/>
-    <p:sldId id="263" r:id="rId8"/>
-    <p:sldId id="264" r:id="rId9"/>
-    <p:sldId id="265" r:id="rId10"/>
+    <p:sldId id="268" r:id="rId4"/>
+    <p:sldId id="269" r:id="rId5"/>
+    <p:sldId id="270" r:id="rId6"/>
+    <p:sldId id="271" r:id="rId7"/>
+    <p:sldId id="272" r:id="rId8"/>
+    <p:sldId id="273" r:id="rId9"/>
+    <p:sldId id="274" r:id="rId10"/>
     <p:sldId id="257" r:id="rId11"/>
     <p:sldId id="266" r:id="rId12"/>
     <p:sldId id="267" r:id="rId13"/>
@@ -125,13 +125,13 @@
           <p14:sldIdLst>
             <p14:sldId id="259"/>
             <p14:sldId id="256"/>
-            <p14:sldId id="258"/>
-            <p14:sldId id="260"/>
-            <p14:sldId id="261"/>
-            <p14:sldId id="262"/>
-            <p14:sldId id="263"/>
-            <p14:sldId id="264"/>
-            <p14:sldId id="265"/>
+            <p14:sldId id="268"/>
+            <p14:sldId id="269"/>
+            <p14:sldId id="270"/>
+            <p14:sldId id="271"/>
+            <p14:sldId id="272"/>
+            <p14:sldId id="273"/>
+            <p14:sldId id="274"/>
             <p14:sldId id="257"/>
             <p14:sldId id="266"/>
             <p14:sldId id="267"/>
@@ -148,7 +148,7 @@
 
 <file path=ppt/commentAuthors.xml><?xml version="1.0" encoding="utf-8"?>
 <p:cmAuthorLst xmlns:a="http://schemas.openxmlformats.org/drawingml/2006/main" xmlns:r="http://schemas.openxmlformats.org/officeDocument/2006/relationships" xmlns:p="http://schemas.openxmlformats.org/presentationml/2006/main">
-  <p:cmAuthor id="1" name="Nikola Luburić" initials="NL" lastIdx="7" clrIdx="0">
+  <p:cmAuthor id="1" name="Nikola Luburić" initials="NL" lastIdx="14" clrIdx="0">
     <p:extLst>
       <p:ext uri="{19B8F6BF-5375-455C-9EA6-DF929625EA0E}">
         <p15:presenceInfo xmlns:p15="http://schemas.microsoft.com/office/powerpoint/2012/main" userId="dc2ca0e3fe3dca1d" providerId="Windows Live"/>
@@ -172,856 +172,14 @@
 </p:cmAuthorLst>
 </file>
 
-<file path=ppt/charts/chart1.xml><?xml version="1.0" encoding="utf-8"?>
-<c:chartSpace xmlns:c="http://schemas.openxmlformats.org/drawingml/2006/chart" xmlns:a="http://schemas.openxmlformats.org/drawingml/2006/main" xmlns:r="http://schemas.openxmlformats.org/officeDocument/2006/relationships" xmlns:c16r2="http://schemas.microsoft.com/office/drawing/2015/06/chart">
-  <c:date1904 val="0"/>
-  <c:lang val="en-US"/>
-  <c:roundedCorners val="0"/>
-  <mc:AlternateContent xmlns:mc="http://schemas.openxmlformats.org/markup-compatibility/2006">
-    <mc:Choice xmlns:c14="http://schemas.microsoft.com/office/drawing/2007/8/2/chart" Requires="c14">
-      <c14:style val="102"/>
-    </mc:Choice>
-    <mc:Fallback>
-      <c:style val="2"/>
-    </mc:Fallback>
-  </mc:AlternateContent>
-  <c:chart>
-    <c:title>
-      <c:tx>
-        <c:rich>
-          <a:bodyPr rot="0" spcFirstLastPara="1" vertOverflow="ellipsis" vert="horz" wrap="square" anchor="ctr" anchorCtr="1"/>
-          <a:lstStyle/>
-          <a:p>
-            <a:pPr>
-              <a:defRPr sz="1862" b="0" i="0" u="none" strike="noStrike" kern="1200" spc="0" baseline="0">
-                <a:solidFill>
-                  <a:schemeClr val="tx1">
-                    <a:lumMod val="65000"/>
-                    <a:lumOff val="35000"/>
-                  </a:schemeClr>
-                </a:solidFill>
-                <a:latin typeface="+mn-lt"/>
-                <a:ea typeface="+mn-ea"/>
-                <a:cs typeface="+mn-cs"/>
-              </a:defRPr>
-            </a:pPr>
-            <a:r>
-              <a:rPr lang="sr-Latn-RS" dirty="0"/>
-              <a:t>Team </a:t>
-            </a:r>
-            <a:r>
-              <a:rPr lang="sr-Latn-RS" dirty="0" err="1"/>
-              <a:t>velocity</a:t>
-            </a:r>
-            <a:endParaRPr lang="en-US" dirty="0"/>
-          </a:p>
-        </c:rich>
-      </c:tx>
-      <c:overlay val="0"/>
-      <c:spPr>
-        <a:noFill/>
-        <a:ln>
-          <a:noFill/>
-        </a:ln>
-        <a:effectLst/>
-      </c:spPr>
-      <c:txPr>
-        <a:bodyPr rot="0" spcFirstLastPara="1" vertOverflow="ellipsis" vert="horz" wrap="square" anchor="ctr" anchorCtr="1"/>
-        <a:lstStyle/>
-        <a:p>
-          <a:pPr>
-            <a:defRPr sz="1862" b="0" i="0" u="none" strike="noStrike" kern="1200" spc="0" baseline="0">
-              <a:solidFill>
-                <a:schemeClr val="tx1">
-                  <a:lumMod val="65000"/>
-                  <a:lumOff val="35000"/>
-                </a:schemeClr>
-              </a:solidFill>
-              <a:latin typeface="+mn-lt"/>
-              <a:ea typeface="+mn-ea"/>
-              <a:cs typeface="+mn-cs"/>
-            </a:defRPr>
-          </a:pPr>
-          <a:endParaRPr lang="en-US"/>
-        </a:p>
-      </c:txPr>
-    </c:title>
-    <c:autoTitleDeleted val="0"/>
-    <c:plotArea>
-      <c:layout/>
-      <c:barChart>
-        <c:barDir val="col"/>
-        <c:grouping val="clustered"/>
-        <c:varyColors val="0"/>
-        <c:ser>
-          <c:idx val="0"/>
-          <c:order val="0"/>
-          <c:tx>
-            <c:strRef>
-              <c:f>Sheet1!$B$1</c:f>
-              <c:strCache>
-                <c:ptCount val="1"/>
-                <c:pt idx="0">
-                  <c:v>Velocity</c:v>
-                </c:pt>
-              </c:strCache>
-            </c:strRef>
-          </c:tx>
-          <c:spPr>
-            <a:solidFill>
-              <a:schemeClr val="accent2"/>
-            </a:solidFill>
-            <a:ln>
-              <a:noFill/>
-            </a:ln>
-            <a:effectLst/>
-          </c:spPr>
-          <c:invertIfNegative val="0"/>
-          <c:cat>
-            <c:strRef>
-              <c:f>Sheet1!$A$2:$A$5</c:f>
-              <c:strCache>
-                <c:ptCount val="4"/>
-                <c:pt idx="0">
-                  <c:v>Sprint 1</c:v>
-                </c:pt>
-                <c:pt idx="1">
-                  <c:v>Sprint 2</c:v>
-                </c:pt>
-                <c:pt idx="2">
-                  <c:v>Sprint 3</c:v>
-                </c:pt>
-                <c:pt idx="3">
-                  <c:v>Sprint 4</c:v>
-                </c:pt>
-              </c:strCache>
-            </c:strRef>
-          </c:cat>
-          <c:val>
-            <c:numRef>
-              <c:f>Sheet1!$B$2:$B$5</c:f>
-              <c:numCache>
-                <c:formatCode>General</c:formatCode>
-                <c:ptCount val="4"/>
-                <c:pt idx="0">
-                  <c:v>10</c:v>
-                </c:pt>
-              </c:numCache>
-            </c:numRef>
-          </c:val>
-          <c:extLst>
-            <c:ext xmlns:c16="http://schemas.microsoft.com/office/drawing/2014/chart" uri="{C3380CC4-5D6E-409C-BE32-E72D297353CC}">
-              <c16:uniqueId val="{00000000-619B-4E2D-9965-AB201508FCEC}"/>
-            </c:ext>
-          </c:extLst>
-        </c:ser>
-        <c:dLbls>
-          <c:showLegendKey val="0"/>
-          <c:showVal val="0"/>
-          <c:showCatName val="0"/>
-          <c:showSerName val="0"/>
-          <c:showPercent val="0"/>
-          <c:showBubbleSize val="0"/>
-        </c:dLbls>
-        <c:gapWidth val="219"/>
-        <c:overlap val="-27"/>
-        <c:axId val="1144671584"/>
-        <c:axId val="1268185824"/>
-      </c:barChart>
-      <c:catAx>
-        <c:axId val="1144671584"/>
-        <c:scaling>
-          <c:orientation val="minMax"/>
-        </c:scaling>
-        <c:delete val="0"/>
-        <c:axPos val="b"/>
-        <c:numFmt formatCode="General" sourceLinked="1"/>
-        <c:majorTickMark val="out"/>
-        <c:minorTickMark val="none"/>
-        <c:tickLblPos val="nextTo"/>
-        <c:spPr>
-          <a:noFill/>
-          <a:ln w="9525" cap="flat" cmpd="sng" algn="ctr">
-            <a:solidFill>
-              <a:schemeClr val="tx1">
-                <a:lumMod val="15000"/>
-                <a:lumOff val="85000"/>
-              </a:schemeClr>
-            </a:solidFill>
-            <a:round/>
-          </a:ln>
-          <a:effectLst/>
-        </c:spPr>
-        <c:txPr>
-          <a:bodyPr rot="-60000000" spcFirstLastPara="1" vertOverflow="ellipsis" vert="horz" wrap="square" anchor="ctr" anchorCtr="1"/>
-          <a:lstStyle/>
-          <a:p>
-            <a:pPr>
-              <a:defRPr sz="1197" b="0" i="0" u="none" strike="noStrike" kern="1200" baseline="0">
-                <a:solidFill>
-                  <a:schemeClr val="tx1">
-                    <a:lumMod val="65000"/>
-                    <a:lumOff val="35000"/>
-                  </a:schemeClr>
-                </a:solidFill>
-                <a:latin typeface="+mn-lt"/>
-                <a:ea typeface="+mn-ea"/>
-                <a:cs typeface="+mn-cs"/>
-              </a:defRPr>
-            </a:pPr>
-            <a:endParaRPr lang="en-US"/>
-          </a:p>
-        </c:txPr>
-        <c:crossAx val="1268185824"/>
-        <c:crosses val="autoZero"/>
-        <c:auto val="1"/>
-        <c:lblAlgn val="ctr"/>
-        <c:lblOffset val="100"/>
-        <c:noMultiLvlLbl val="0"/>
-      </c:catAx>
-      <c:valAx>
-        <c:axId val="1268185824"/>
-        <c:scaling>
-          <c:orientation val="minMax"/>
-        </c:scaling>
-        <c:delete val="0"/>
-        <c:axPos val="l"/>
-        <c:majorGridlines>
-          <c:spPr>
-            <a:ln w="9525" cap="flat" cmpd="sng" algn="ctr">
-              <a:solidFill>
-                <a:schemeClr val="tx1">
-                  <a:lumMod val="15000"/>
-                  <a:lumOff val="85000"/>
-                </a:schemeClr>
-              </a:solidFill>
-              <a:round/>
-            </a:ln>
-            <a:effectLst/>
-          </c:spPr>
-        </c:majorGridlines>
-        <c:numFmt formatCode="General" sourceLinked="1"/>
-        <c:majorTickMark val="out"/>
-        <c:minorTickMark val="none"/>
-        <c:tickLblPos val="nextTo"/>
-        <c:spPr>
-          <a:noFill/>
-          <a:ln>
-            <a:noFill/>
-          </a:ln>
-          <a:effectLst/>
-        </c:spPr>
-        <c:txPr>
-          <a:bodyPr rot="-60000000" spcFirstLastPara="1" vertOverflow="ellipsis" vert="horz" wrap="square" anchor="ctr" anchorCtr="1"/>
-          <a:lstStyle/>
-          <a:p>
-            <a:pPr>
-              <a:defRPr sz="1197" b="0" i="0" u="none" strike="noStrike" kern="1200" baseline="0">
-                <a:solidFill>
-                  <a:schemeClr val="tx1">
-                    <a:lumMod val="65000"/>
-                    <a:lumOff val="35000"/>
-                  </a:schemeClr>
-                </a:solidFill>
-                <a:latin typeface="+mn-lt"/>
-                <a:ea typeface="+mn-ea"/>
-                <a:cs typeface="+mn-cs"/>
-              </a:defRPr>
-            </a:pPr>
-            <a:endParaRPr lang="en-US"/>
-          </a:p>
-        </c:txPr>
-        <c:crossAx val="1144671584"/>
-        <c:crosses val="autoZero"/>
-        <c:crossBetween val="between"/>
-      </c:valAx>
-      <c:spPr>
-        <a:noFill/>
-        <a:ln>
-          <a:noFill/>
-        </a:ln>
-        <a:effectLst/>
-      </c:spPr>
-    </c:plotArea>
-    <c:plotVisOnly val="1"/>
-    <c:dispBlanksAs val="gap"/>
-    <c:extLst>
-      <c:ext xmlns:c16r3="http://schemas.microsoft.com/office/drawing/2017/03/chart" uri="{56B9EC1D-385E-4148-901F-78D8002777C0}">
-        <c16r3:dataDisplayOptions16>
-          <c16r3:dispNaAsBlank val="1"/>
-        </c16r3:dataDisplayOptions16>
-      </c:ext>
-    </c:extLst>
-    <c:showDLblsOverMax val="0"/>
-  </c:chart>
-  <c:spPr>
-    <a:noFill/>
-    <a:ln>
-      <a:noFill/>
-    </a:ln>
-    <a:effectLst/>
-  </c:spPr>
-  <c:txPr>
-    <a:bodyPr/>
-    <a:lstStyle/>
-    <a:p>
-      <a:pPr>
-        <a:defRPr/>
-      </a:pPr>
-      <a:endParaRPr lang="en-US"/>
-    </a:p>
-  </c:txPr>
-  <c:externalData r:id="rId3">
-    <c:autoUpdate val="0"/>
-  </c:externalData>
-</c:chartSpace>
-</file>
-
-<file path=ppt/charts/colors1.xml><?xml version="1.0" encoding="utf-8"?>
-<cs:colorStyle xmlns:cs="http://schemas.microsoft.com/office/drawing/2012/chartStyle" xmlns:a="http://schemas.openxmlformats.org/drawingml/2006/main" meth="cycle" id="12">
-  <a:schemeClr val="accent2"/>
-  <a:schemeClr val="accent4"/>
-  <a:schemeClr val="accent6"/>
-  <cs:variation/>
-  <cs:variation>
-    <a:lumMod val="60000"/>
-  </cs:variation>
-  <cs:variation>
-    <a:lumMod val="80000"/>
-    <a:lumOff val="20000"/>
-  </cs:variation>
-  <cs:variation>
-    <a:lumMod val="80000"/>
-  </cs:variation>
-  <cs:variation>
-    <a:lumMod val="60000"/>
-    <a:lumOff val="40000"/>
-  </cs:variation>
-  <cs:variation>
-    <a:lumMod val="50000"/>
-  </cs:variation>
-  <cs:variation>
-    <a:lumMod val="70000"/>
-    <a:lumOff val="30000"/>
-  </cs:variation>
-  <cs:variation>
-    <a:lumMod val="70000"/>
-  </cs:variation>
-  <cs:variation>
-    <a:lumMod val="50000"/>
-    <a:lumOff val="50000"/>
-  </cs:variation>
-</cs:colorStyle>
-</file>
-
-<file path=ppt/charts/style1.xml><?xml version="1.0" encoding="utf-8"?>
-<cs:chartStyle xmlns:cs="http://schemas.microsoft.com/office/drawing/2012/chartStyle" xmlns:a="http://schemas.openxmlformats.org/drawingml/2006/main" id="201">
-  <cs:axisTitle>
-    <cs:lnRef idx="0"/>
-    <cs:fillRef idx="0"/>
-    <cs:effectRef idx="0"/>
-    <cs:fontRef idx="minor">
-      <a:schemeClr val="tx1">
-        <a:lumMod val="65000"/>
-        <a:lumOff val="35000"/>
-      </a:schemeClr>
-    </cs:fontRef>
-    <cs:defRPr sz="1330" kern="1200"/>
-  </cs:axisTitle>
-  <cs:categoryAxis>
-    <cs:lnRef idx="0"/>
-    <cs:fillRef idx="0"/>
-    <cs:effectRef idx="0"/>
-    <cs:fontRef idx="minor">
-      <a:schemeClr val="tx1">
-        <a:lumMod val="65000"/>
-        <a:lumOff val="35000"/>
-      </a:schemeClr>
-    </cs:fontRef>
-    <cs:spPr>
-      <a:ln w="9525" cap="flat" cmpd="sng" algn="ctr">
-        <a:solidFill>
-          <a:schemeClr val="tx1">
-            <a:lumMod val="15000"/>
-            <a:lumOff val="85000"/>
-          </a:schemeClr>
-        </a:solidFill>
-        <a:round/>
-      </a:ln>
-    </cs:spPr>
-    <cs:defRPr sz="1197" kern="1200"/>
-  </cs:categoryAxis>
-  <cs:chartArea mods="allowNoFillOverride allowNoLineOverride">
-    <cs:lnRef idx="0"/>
-    <cs:fillRef idx="0"/>
-    <cs:effectRef idx="0"/>
-    <cs:fontRef idx="minor">
-      <a:schemeClr val="tx1"/>
-    </cs:fontRef>
-    <cs:spPr>
-      <a:solidFill>
-        <a:schemeClr val="bg1"/>
-      </a:solidFill>
-      <a:ln w="9525" cap="flat" cmpd="sng" algn="ctr">
-        <a:solidFill>
-          <a:schemeClr val="tx1">
-            <a:lumMod val="15000"/>
-            <a:lumOff val="85000"/>
-          </a:schemeClr>
-        </a:solidFill>
-        <a:round/>
-      </a:ln>
-    </cs:spPr>
-    <cs:defRPr sz="1330" kern="1200"/>
-  </cs:chartArea>
-  <cs:dataLabel>
-    <cs:lnRef idx="0"/>
-    <cs:fillRef idx="0"/>
-    <cs:effectRef idx="0"/>
-    <cs:fontRef idx="minor">
-      <a:schemeClr val="tx1">
-        <a:lumMod val="75000"/>
-        <a:lumOff val="25000"/>
-      </a:schemeClr>
-    </cs:fontRef>
-    <cs:defRPr sz="1197" kern="1200"/>
-  </cs:dataLabel>
-  <cs:dataLabelCallout>
-    <cs:lnRef idx="0"/>
-    <cs:fillRef idx="0"/>
-    <cs:effectRef idx="0"/>
-    <cs:fontRef idx="minor">
-      <a:schemeClr val="dk1">
-        <a:lumMod val="65000"/>
-        <a:lumOff val="35000"/>
-      </a:schemeClr>
-    </cs:fontRef>
-    <cs:spPr>
-      <a:solidFill>
-        <a:schemeClr val="lt1"/>
-      </a:solidFill>
-      <a:ln>
-        <a:solidFill>
-          <a:schemeClr val="dk1">
-            <a:lumMod val="25000"/>
-            <a:lumOff val="75000"/>
-          </a:schemeClr>
-        </a:solidFill>
-      </a:ln>
-    </cs:spPr>
-    <cs:defRPr sz="1197" kern="1200"/>
-    <cs:bodyPr rot="0" spcFirstLastPara="1" vertOverflow="clip" horzOverflow="clip" vert="horz" wrap="square" lIns="36576" tIns="18288" rIns="36576" bIns="18288" anchor="ctr" anchorCtr="1">
-      <a:spAutoFit/>
-    </cs:bodyPr>
-  </cs:dataLabelCallout>
-  <cs:dataPoint>
-    <cs:lnRef idx="0"/>
-    <cs:fillRef idx="1">
-      <cs:styleClr val="auto"/>
-    </cs:fillRef>
-    <cs:effectRef idx="0"/>
-    <cs:fontRef idx="minor">
-      <a:schemeClr val="tx1"/>
-    </cs:fontRef>
-  </cs:dataPoint>
-  <cs:dataPoint3D>
-    <cs:lnRef idx="0"/>
-    <cs:fillRef idx="1">
-      <cs:styleClr val="auto"/>
-    </cs:fillRef>
-    <cs:effectRef idx="0"/>
-    <cs:fontRef idx="minor">
-      <a:schemeClr val="tx1"/>
-    </cs:fontRef>
-  </cs:dataPoint3D>
-  <cs:dataPointLine>
-    <cs:lnRef idx="0">
-      <cs:styleClr val="auto"/>
-    </cs:lnRef>
-    <cs:fillRef idx="1"/>
-    <cs:effectRef idx="0"/>
-    <cs:fontRef idx="minor">
-      <a:schemeClr val="tx1"/>
-    </cs:fontRef>
-    <cs:spPr>
-      <a:ln w="28575" cap="rnd">
-        <a:solidFill>
-          <a:schemeClr val="phClr"/>
-        </a:solidFill>
-        <a:round/>
-      </a:ln>
-    </cs:spPr>
-  </cs:dataPointLine>
-  <cs:dataPointMarker>
-    <cs:lnRef idx="0">
-      <cs:styleClr val="auto"/>
-    </cs:lnRef>
-    <cs:fillRef idx="1">
-      <cs:styleClr val="auto"/>
-    </cs:fillRef>
-    <cs:effectRef idx="0"/>
-    <cs:fontRef idx="minor">
-      <a:schemeClr val="tx1"/>
-    </cs:fontRef>
-    <cs:spPr>
-      <a:ln w="9525">
-        <a:solidFill>
-          <a:schemeClr val="phClr"/>
-        </a:solidFill>
-      </a:ln>
-    </cs:spPr>
-  </cs:dataPointMarker>
-  <cs:dataPointMarkerLayout symbol="circle" size="5"/>
-  <cs:dataPointWireframe>
-    <cs:lnRef idx="0">
-      <cs:styleClr val="auto"/>
-    </cs:lnRef>
-    <cs:fillRef idx="1"/>
-    <cs:effectRef idx="0"/>
-    <cs:fontRef idx="minor">
-      <a:schemeClr val="tx1"/>
-    </cs:fontRef>
-    <cs:spPr>
-      <a:ln w="9525" cap="rnd">
-        <a:solidFill>
-          <a:schemeClr val="phClr"/>
-        </a:solidFill>
-        <a:round/>
-      </a:ln>
-    </cs:spPr>
-  </cs:dataPointWireframe>
-  <cs:dataTable>
-    <cs:lnRef idx="0"/>
-    <cs:fillRef idx="0"/>
-    <cs:effectRef idx="0"/>
-    <cs:fontRef idx="minor">
-      <a:schemeClr val="tx1">
-        <a:lumMod val="65000"/>
-        <a:lumOff val="35000"/>
-      </a:schemeClr>
-    </cs:fontRef>
-    <cs:spPr>
-      <a:noFill/>
-      <a:ln w="9525" cap="flat" cmpd="sng" algn="ctr">
-        <a:solidFill>
-          <a:schemeClr val="tx1">
-            <a:lumMod val="15000"/>
-            <a:lumOff val="85000"/>
-          </a:schemeClr>
-        </a:solidFill>
-        <a:round/>
-      </a:ln>
-    </cs:spPr>
-    <cs:defRPr sz="1197" kern="1200"/>
-  </cs:dataTable>
-  <cs:downBar>
-    <cs:lnRef idx="0"/>
-    <cs:fillRef idx="0"/>
-    <cs:effectRef idx="0"/>
-    <cs:fontRef idx="minor">
-      <a:schemeClr val="dk1"/>
-    </cs:fontRef>
-    <cs:spPr>
-      <a:solidFill>
-        <a:schemeClr val="dk1">
-          <a:lumMod val="65000"/>
-          <a:lumOff val="35000"/>
-        </a:schemeClr>
-      </a:solidFill>
-      <a:ln w="9525">
-        <a:solidFill>
-          <a:schemeClr val="tx1">
-            <a:lumMod val="65000"/>
-            <a:lumOff val="35000"/>
-          </a:schemeClr>
-        </a:solidFill>
-      </a:ln>
-    </cs:spPr>
-  </cs:downBar>
-  <cs:dropLine>
-    <cs:lnRef idx="0"/>
-    <cs:fillRef idx="0"/>
-    <cs:effectRef idx="0"/>
-    <cs:fontRef idx="minor">
-      <a:schemeClr val="tx1"/>
-    </cs:fontRef>
-    <cs:spPr>
-      <a:ln w="9525" cap="flat" cmpd="sng" algn="ctr">
-        <a:solidFill>
-          <a:schemeClr val="tx1">
-            <a:lumMod val="35000"/>
-            <a:lumOff val="65000"/>
-          </a:schemeClr>
-        </a:solidFill>
-        <a:round/>
-      </a:ln>
-    </cs:spPr>
-  </cs:dropLine>
-  <cs:errorBar>
-    <cs:lnRef idx="0"/>
-    <cs:fillRef idx="0"/>
-    <cs:effectRef idx="0"/>
-    <cs:fontRef idx="minor">
-      <a:schemeClr val="tx1"/>
-    </cs:fontRef>
-    <cs:spPr>
-      <a:ln w="9525" cap="flat" cmpd="sng" algn="ctr">
-        <a:solidFill>
-          <a:schemeClr val="tx1">
-            <a:lumMod val="65000"/>
-            <a:lumOff val="35000"/>
-          </a:schemeClr>
-        </a:solidFill>
-        <a:round/>
-      </a:ln>
-    </cs:spPr>
-  </cs:errorBar>
-  <cs:floor>
-    <cs:lnRef idx="0"/>
-    <cs:fillRef idx="0"/>
-    <cs:effectRef idx="0"/>
-    <cs:fontRef idx="minor">
-      <a:schemeClr val="tx1"/>
-    </cs:fontRef>
-    <cs:spPr>
-      <a:noFill/>
-      <a:ln>
-        <a:noFill/>
-      </a:ln>
-    </cs:spPr>
-  </cs:floor>
-  <cs:gridlineMajor>
-    <cs:lnRef idx="0"/>
-    <cs:fillRef idx="0"/>
-    <cs:effectRef idx="0"/>
-    <cs:fontRef idx="minor">
-      <a:schemeClr val="tx1"/>
-    </cs:fontRef>
-    <cs:spPr>
-      <a:ln w="9525" cap="flat" cmpd="sng" algn="ctr">
-        <a:solidFill>
-          <a:schemeClr val="tx1">
-            <a:lumMod val="15000"/>
-            <a:lumOff val="85000"/>
-          </a:schemeClr>
-        </a:solidFill>
-        <a:round/>
-      </a:ln>
-    </cs:spPr>
-  </cs:gridlineMajor>
-  <cs:gridlineMinor>
-    <cs:lnRef idx="0"/>
-    <cs:fillRef idx="0"/>
-    <cs:effectRef idx="0"/>
-    <cs:fontRef idx="minor">
-      <a:schemeClr val="tx1"/>
-    </cs:fontRef>
-    <cs:spPr>
-      <a:ln w="9525" cap="flat" cmpd="sng" algn="ctr">
-        <a:solidFill>
-          <a:schemeClr val="tx1">
-            <a:lumMod val="5000"/>
-            <a:lumOff val="95000"/>
-          </a:schemeClr>
-        </a:solidFill>
-        <a:round/>
-      </a:ln>
-    </cs:spPr>
-  </cs:gridlineMinor>
-  <cs:hiLoLine>
-    <cs:lnRef idx="0"/>
-    <cs:fillRef idx="0"/>
-    <cs:effectRef idx="0"/>
-    <cs:fontRef idx="minor">
-      <a:schemeClr val="tx1"/>
-    </cs:fontRef>
-    <cs:spPr>
-      <a:ln w="9525" cap="flat" cmpd="sng" algn="ctr">
-        <a:solidFill>
-          <a:schemeClr val="tx1">
-            <a:lumMod val="75000"/>
-            <a:lumOff val="25000"/>
-          </a:schemeClr>
-        </a:solidFill>
-        <a:round/>
-      </a:ln>
-    </cs:spPr>
-  </cs:hiLoLine>
-  <cs:leaderLine>
-    <cs:lnRef idx="0"/>
-    <cs:fillRef idx="0"/>
-    <cs:effectRef idx="0"/>
-    <cs:fontRef idx="minor">
-      <a:schemeClr val="tx1"/>
-    </cs:fontRef>
-    <cs:spPr>
-      <a:ln w="9525" cap="flat" cmpd="sng" algn="ctr">
-        <a:solidFill>
-          <a:schemeClr val="tx1">
-            <a:lumMod val="35000"/>
-            <a:lumOff val="65000"/>
-          </a:schemeClr>
-        </a:solidFill>
-        <a:round/>
-      </a:ln>
-    </cs:spPr>
-  </cs:leaderLine>
-  <cs:legend>
-    <cs:lnRef idx="0"/>
-    <cs:fillRef idx="0"/>
-    <cs:effectRef idx="0"/>
-    <cs:fontRef idx="minor">
-      <a:schemeClr val="tx1">
-        <a:lumMod val="65000"/>
-        <a:lumOff val="35000"/>
-      </a:schemeClr>
-    </cs:fontRef>
-    <cs:defRPr sz="1197" kern="1200"/>
-  </cs:legend>
-  <cs:plotArea mods="allowNoFillOverride allowNoLineOverride">
-    <cs:lnRef idx="0"/>
-    <cs:fillRef idx="0"/>
-    <cs:effectRef idx="0"/>
-    <cs:fontRef idx="minor">
-      <a:schemeClr val="tx1"/>
-    </cs:fontRef>
-  </cs:plotArea>
-  <cs:plotArea3D mods="allowNoFillOverride allowNoLineOverride">
-    <cs:lnRef idx="0"/>
-    <cs:fillRef idx="0"/>
-    <cs:effectRef idx="0"/>
-    <cs:fontRef idx="minor">
-      <a:schemeClr val="tx1"/>
-    </cs:fontRef>
-  </cs:plotArea3D>
-  <cs:seriesAxis>
-    <cs:lnRef idx="0"/>
-    <cs:fillRef idx="0"/>
-    <cs:effectRef idx="0"/>
-    <cs:fontRef idx="minor">
-      <a:schemeClr val="tx1">
-        <a:lumMod val="65000"/>
-        <a:lumOff val="35000"/>
-      </a:schemeClr>
-    </cs:fontRef>
-    <cs:defRPr sz="1197" kern="1200"/>
-  </cs:seriesAxis>
-  <cs:seriesLine>
-    <cs:lnRef idx="0"/>
-    <cs:fillRef idx="0"/>
-    <cs:effectRef idx="0"/>
-    <cs:fontRef idx="minor">
-      <a:schemeClr val="tx1"/>
-    </cs:fontRef>
-    <cs:spPr>
-      <a:ln w="9525" cap="flat" cmpd="sng" algn="ctr">
-        <a:solidFill>
-          <a:schemeClr val="tx1">
-            <a:lumMod val="35000"/>
-            <a:lumOff val="65000"/>
-          </a:schemeClr>
-        </a:solidFill>
-        <a:round/>
-      </a:ln>
-    </cs:spPr>
-  </cs:seriesLine>
-  <cs:title>
-    <cs:lnRef idx="0"/>
-    <cs:fillRef idx="0"/>
-    <cs:effectRef idx="0"/>
-    <cs:fontRef idx="minor">
-      <a:schemeClr val="tx1">
-        <a:lumMod val="65000"/>
-        <a:lumOff val="35000"/>
-      </a:schemeClr>
-    </cs:fontRef>
-    <cs:defRPr sz="1862" b="0" kern="1200" spc="0" baseline="0"/>
-  </cs:title>
-  <cs:trendline>
-    <cs:lnRef idx="0">
-      <cs:styleClr val="auto"/>
-    </cs:lnRef>
-    <cs:fillRef idx="0"/>
-    <cs:effectRef idx="0"/>
-    <cs:fontRef idx="minor">
-      <a:schemeClr val="tx1"/>
-    </cs:fontRef>
-    <cs:spPr>
-      <a:ln w="19050" cap="rnd">
-        <a:solidFill>
-          <a:schemeClr val="phClr"/>
-        </a:solidFill>
-        <a:prstDash val="sysDot"/>
-      </a:ln>
-    </cs:spPr>
-  </cs:trendline>
-  <cs:trendlineLabel>
-    <cs:lnRef idx="0"/>
-    <cs:fillRef idx="0"/>
-    <cs:effectRef idx="0"/>
-    <cs:fontRef idx="minor">
-      <a:schemeClr val="tx1">
-        <a:lumMod val="65000"/>
-        <a:lumOff val="35000"/>
-      </a:schemeClr>
-    </cs:fontRef>
-    <cs:defRPr sz="1197" kern="1200"/>
-  </cs:trendlineLabel>
-  <cs:upBar>
-    <cs:lnRef idx="0"/>
-    <cs:fillRef idx="0"/>
-    <cs:effectRef idx="0"/>
-    <cs:fontRef idx="minor">
-      <a:schemeClr val="dk1"/>
-    </cs:fontRef>
-    <cs:spPr>
-      <a:solidFill>
-        <a:schemeClr val="lt1"/>
-      </a:solidFill>
-      <a:ln w="9525">
-        <a:solidFill>
-          <a:schemeClr val="tx1">
-            <a:lumMod val="15000"/>
-            <a:lumOff val="85000"/>
-          </a:schemeClr>
-        </a:solidFill>
-      </a:ln>
-    </cs:spPr>
-  </cs:upBar>
-  <cs:valueAxis>
-    <cs:lnRef idx="0"/>
-    <cs:fillRef idx="0"/>
-    <cs:effectRef idx="0"/>
-    <cs:fontRef idx="minor">
-      <a:schemeClr val="tx1">
-        <a:lumMod val="65000"/>
-        <a:lumOff val="35000"/>
-      </a:schemeClr>
-    </cs:fontRef>
-    <cs:defRPr sz="1197" kern="1200"/>
-  </cs:valueAxis>
-  <cs:wall>
-    <cs:lnRef idx="0"/>
-    <cs:fillRef idx="0"/>
-    <cs:effectRef idx="0"/>
-    <cs:fontRef idx="minor">
-      <a:schemeClr val="tx1"/>
-    </cs:fontRef>
-    <cs:spPr>
-      <a:noFill/>
-      <a:ln>
-        <a:noFill/>
-      </a:ln>
-    </cs:spPr>
-  </cs:wall>
-</cs:chartStyle>
-</file>
-
 <file path=ppt/comments/comment1.xml><?xml version="1.0" encoding="utf-8"?>
 <p:cmLst xmlns:a="http://schemas.openxmlformats.org/drawingml/2006/main" xmlns:r="http://schemas.openxmlformats.org/officeDocument/2006/relationships" xmlns:p="http://schemas.openxmlformats.org/presentationml/2006/main">
-  <p:cm authorId="1" dt="2020-10-19T09:23:39.140" idx="6">
-    <p:pos x="7167" y="120"/>
-    <p:text>Unesite broj tima u panel levo, i iz sprinta u sprint ažurirajte grafikon sa brojem rešenih story poena i imenom scrum mastera za dati sprint.</p:text>
+  <p:cm authorId="1" dt="2020-10-19T09:06:20.017" idx="3">
+    <p:pos x="7385" y="50"/>
+    <p:text>Ova kolona služi da naznači korisničke priče čija implementacija je imala neki interesantan aspekt, koji može uključiti:
+- Pomoć nekog člana tima kog biste pohvalili
+- Problem u komunikaciji, organizaciji ili nekom drugom aspektu posla koji se desio u vezi sa pričom (ne krivimo nikoga, hoćemo da identifikujemo i loše aspekte kako bi ih ispravili)
+- Upotreba interesantnog tehničkog rešenja (npr. dizajn šablona, novog alata, ozbiljnog refaktorisanja)</p:text>
     <p:extLst>
       <p:ext uri="{C676402C-5697-4E1C-873F-D02D1690AC5C}">
         <p15:threadingInfo xmlns:p15="http://schemas.microsoft.com/office/powerpoint/2012/main" timeZoneBias="-120"/>
@@ -1033,18 +191,110 @@
 
 <file path=ppt/comments/comment2.xml><?xml version="1.0" encoding="utf-8"?>
 <p:cmLst xmlns:a="http://schemas.openxmlformats.org/drawingml/2006/main" xmlns:r="http://schemas.openxmlformats.org/officeDocument/2006/relationships" xmlns:p="http://schemas.openxmlformats.org/presentationml/2006/main">
-  <p:cm authorId="1" dt="2020-10-19T09:01:48.343" idx="2">
-    <p:pos x="6525" y="149"/>
-    <p:text>Nakon što se priča zatvori, prodiskutujte u okviru tima šta je sve bilo potrebno uraditi (uključujući bilo kakvo istraživanje i implementaciju) i odredite koji broj bi dodelili priči da je ponovo estimirate. Za svako odstupanje pripremite rečenicu ili dve da istaknete razlog odstupanja. Razlog možete navesti u okviru komentara ili beleške u ovoj prezentaciji.
-VAŽNO: Priče koje nisu završene u toku sprinta treba da ostave ovo polje praznim</p:text>
+  <p:cm authorId="1" dt="2020-10-19T09:06:20.017" idx="8">
+    <p:pos x="7385" y="50"/>
+    <p:text>Ova kolona služi da naznači korisničke priče čija implementacija je imala neki interesantan aspekt, koji može uključiti:
+- Pomoć nekog člana tima kog biste pohvalili
+- Problem u komunikaciji, organizaciji ili nekom drugom aspektu posla koji se desio u vezi sa pričom (ne krivimo nikoga, hoćemo da identifikujemo i loše aspekte kako bi ih ispravili)
+- Upotreba interesantnog tehničkog rešenja (npr. dizajn šablona, novog alata, ozbiljnog refaktorisanja)</p:text>
     <p:extLst>
       <p:ext uri="{C676402C-5697-4E1C-873F-D02D1690AC5C}">
         <p15:threadingInfo xmlns:p15="http://schemas.microsoft.com/office/powerpoint/2012/main" timeZoneBias="-120"/>
       </p:ext>
     </p:extLst>
   </p:cm>
-  <p:cm authorId="1" dt="2020-10-19T09:06:20.017" idx="3">
-    <p:pos x="7370" y="173"/>
+</p:cmLst>
+</file>
+
+<file path=ppt/comments/comment3.xml><?xml version="1.0" encoding="utf-8"?>
+<p:cmLst xmlns:a="http://schemas.openxmlformats.org/drawingml/2006/main" xmlns:r="http://schemas.openxmlformats.org/officeDocument/2006/relationships" xmlns:p="http://schemas.openxmlformats.org/presentationml/2006/main">
+  <p:cm authorId="1" dt="2020-10-19T09:06:20.017" idx="9">
+    <p:pos x="7385" y="50"/>
+    <p:text>Ova kolona služi da naznači korisničke priče čija implementacija je imala neki interesantan aspekt, koji može uključiti:
+- Pomoć nekog člana tima kog biste pohvalili
+- Problem u komunikaciji, organizaciji ili nekom drugom aspektu posla koji se desio u vezi sa pričom (ne krivimo nikoga, hoćemo da identifikujemo i loše aspekte kako bi ih ispravili)
+- Upotreba interesantnog tehničkog rešenja (npr. dizajn šablona, novog alata, ozbiljnog refaktorisanja)</p:text>
+    <p:extLst>
+      <p:ext uri="{C676402C-5697-4E1C-873F-D02D1690AC5C}">
+        <p15:threadingInfo xmlns:p15="http://schemas.microsoft.com/office/powerpoint/2012/main" timeZoneBias="-120"/>
+      </p:ext>
+    </p:extLst>
+  </p:cm>
+</p:cmLst>
+</file>
+
+<file path=ppt/comments/comment4.xml><?xml version="1.0" encoding="utf-8"?>
+<p:cmLst xmlns:a="http://schemas.openxmlformats.org/drawingml/2006/main" xmlns:r="http://schemas.openxmlformats.org/officeDocument/2006/relationships" xmlns:p="http://schemas.openxmlformats.org/presentationml/2006/main">
+  <p:cm authorId="1" dt="2020-10-19T09:06:20.017" idx="10">
+    <p:pos x="7385" y="50"/>
+    <p:text>Ova kolona služi da naznači korisničke priče čija implementacija je imala neki interesantan aspekt, koji može uključiti:
+- Pomoć nekog člana tima kog biste pohvalili
+- Problem u komunikaciji, organizaciji ili nekom drugom aspektu posla koji se desio u vezi sa pričom (ne krivimo nikoga, hoćemo da identifikujemo i loše aspekte kako bi ih ispravili)
+- Upotreba interesantnog tehničkog rešenja (npr. dizajn šablona, novog alata, ozbiljnog refaktorisanja)</p:text>
+    <p:extLst>
+      <p:ext uri="{C676402C-5697-4E1C-873F-D02D1690AC5C}">
+        <p15:threadingInfo xmlns:p15="http://schemas.microsoft.com/office/powerpoint/2012/main" timeZoneBias="-120"/>
+      </p:ext>
+    </p:extLst>
+  </p:cm>
+</p:cmLst>
+</file>
+
+<file path=ppt/comments/comment5.xml><?xml version="1.0" encoding="utf-8"?>
+<p:cmLst xmlns:a="http://schemas.openxmlformats.org/drawingml/2006/main" xmlns:r="http://schemas.openxmlformats.org/officeDocument/2006/relationships" xmlns:p="http://schemas.openxmlformats.org/presentationml/2006/main">
+  <p:cm authorId="1" dt="2020-10-19T09:06:20.017" idx="11">
+    <p:pos x="7385" y="50"/>
+    <p:text>Ova kolona služi da naznači korisničke priče čija implementacija je imala neki interesantan aspekt, koji može uključiti:
+- Pomoć nekog člana tima kog biste pohvalili
+- Problem u komunikaciji, organizaciji ili nekom drugom aspektu posla koji se desio u vezi sa pričom (ne krivimo nikoga, hoćemo da identifikujemo i loše aspekte kako bi ih ispravili)
+- Upotreba interesantnog tehničkog rešenja (npr. dizajn šablona, novog alata, ozbiljnog refaktorisanja)</p:text>
+    <p:extLst>
+      <p:ext uri="{C676402C-5697-4E1C-873F-D02D1690AC5C}">
+        <p15:threadingInfo xmlns:p15="http://schemas.microsoft.com/office/powerpoint/2012/main" timeZoneBias="-120"/>
+      </p:ext>
+    </p:extLst>
+  </p:cm>
+</p:cmLst>
+</file>
+
+<file path=ppt/comments/comment6.xml><?xml version="1.0" encoding="utf-8"?>
+<p:cmLst xmlns:a="http://schemas.openxmlformats.org/drawingml/2006/main" xmlns:r="http://schemas.openxmlformats.org/officeDocument/2006/relationships" xmlns:p="http://schemas.openxmlformats.org/presentationml/2006/main">
+  <p:cm authorId="1" dt="2020-10-19T09:06:20.017" idx="12">
+    <p:pos x="7385" y="50"/>
+    <p:text>Ova kolona služi da naznači korisničke priče čija implementacija je imala neki interesantan aspekt, koji može uključiti:
+- Pomoć nekog člana tima kog biste pohvalili
+- Problem u komunikaciji, organizaciji ili nekom drugom aspektu posla koji se desio u vezi sa pričom (ne krivimo nikoga, hoćemo da identifikujemo i loše aspekte kako bi ih ispravili)
+- Upotreba interesantnog tehničkog rešenja (npr. dizajn šablona, novog alata, ozbiljnog refaktorisanja)</p:text>
+    <p:extLst>
+      <p:ext uri="{C676402C-5697-4E1C-873F-D02D1690AC5C}">
+        <p15:threadingInfo xmlns:p15="http://schemas.microsoft.com/office/powerpoint/2012/main" timeZoneBias="-120"/>
+      </p:ext>
+    </p:extLst>
+  </p:cm>
+</p:cmLst>
+</file>
+
+<file path=ppt/comments/comment7.xml><?xml version="1.0" encoding="utf-8"?>
+<p:cmLst xmlns:a="http://schemas.openxmlformats.org/drawingml/2006/main" xmlns:r="http://schemas.openxmlformats.org/officeDocument/2006/relationships" xmlns:p="http://schemas.openxmlformats.org/presentationml/2006/main">
+  <p:cm authorId="1" dt="2020-10-19T09:06:20.017" idx="13">
+    <p:pos x="7385" y="50"/>
+    <p:text>Ova kolona služi da naznači korisničke priče čija implementacija je imala neki interesantan aspekt, koji može uključiti:
+- Pomoć nekog člana tima kog biste pohvalili
+- Problem u komunikaciji, organizaciji ili nekom drugom aspektu posla koji se desio u vezi sa pričom (ne krivimo nikoga, hoćemo da identifikujemo i loše aspekte kako bi ih ispravili)
+- Upotreba interesantnog tehničkog rešenja (npr. dizajn šablona, novog alata, ozbiljnog refaktorisanja)</p:text>
+    <p:extLst>
+      <p:ext uri="{C676402C-5697-4E1C-873F-D02D1690AC5C}">
+        <p15:threadingInfo xmlns:p15="http://schemas.microsoft.com/office/powerpoint/2012/main" timeZoneBias="-120"/>
+      </p:ext>
+    </p:extLst>
+  </p:cm>
+</p:cmLst>
+</file>
+
+<file path=ppt/comments/comment8.xml><?xml version="1.0" encoding="utf-8"?>
+<p:cmLst xmlns:a="http://schemas.openxmlformats.org/drawingml/2006/main" xmlns:r="http://schemas.openxmlformats.org/officeDocument/2006/relationships" xmlns:p="http://schemas.openxmlformats.org/presentationml/2006/main">
+  <p:cm authorId="1" dt="2020-10-19T09:06:20.017" idx="14">
+    <p:pos x="7385" y="50"/>
     <p:text>Ova kolona služi da naznači korisničke priče čija implementacija je imala neki interesantan aspekt, koji može uključiti:
 - Pomoć nekog člana tima kog biste pohvalili
 - Problem u komunikaciji, organizaciji ili nekom drugom aspektu posla koji se desio u vezi sa pričom (ne krivimo nikoga, hoćemo da identifikujemo i loše aspekte kako bi ih ispravili)
@@ -1140,7 +390,7 @@
           <a:p>
             <a:fld id="{E7DC0F3B-8DEE-4CCE-A34E-A43007B7772B}" type="datetimeFigureOut">
               <a:rPr lang="en-US" smtClean="0"/>
-              <a:t>25-Sep-23</a:t>
+              <a:t>02-Oct-23</a:t>
             </a:fld>
             <a:endParaRPr lang="en-US"/>
           </a:p>
@@ -1909,7 +1159,7 @@
     </p:spTree>
     <p:extLst>
       <p:ext uri="{BB962C8B-B14F-4D97-AF65-F5344CB8AC3E}">
-        <p14:creationId xmlns:p14="http://schemas.microsoft.com/office/powerpoint/2010/main" val="713362195"/>
+        <p14:creationId xmlns:p14="http://schemas.microsoft.com/office/powerpoint/2010/main" val="1783939100"/>
       </p:ext>
     </p:extLst>
   </p:cSld>
@@ -1997,7 +1247,7 @@
     </p:spTree>
     <p:extLst>
       <p:ext uri="{BB962C8B-B14F-4D97-AF65-F5344CB8AC3E}">
-        <p14:creationId xmlns:p14="http://schemas.microsoft.com/office/powerpoint/2010/main" val="1256267531"/>
+        <p14:creationId xmlns:p14="http://schemas.microsoft.com/office/powerpoint/2010/main" val="3860176403"/>
       </p:ext>
     </p:extLst>
   </p:cSld>
@@ -2085,7 +1335,7 @@
     </p:spTree>
     <p:extLst>
       <p:ext uri="{BB962C8B-B14F-4D97-AF65-F5344CB8AC3E}">
-        <p14:creationId xmlns:p14="http://schemas.microsoft.com/office/powerpoint/2010/main" val="2387960333"/>
+        <p14:creationId xmlns:p14="http://schemas.microsoft.com/office/powerpoint/2010/main" val="2227158192"/>
       </p:ext>
     </p:extLst>
   </p:cSld>
@@ -2173,7 +1423,7 @@
     </p:spTree>
     <p:extLst>
       <p:ext uri="{BB962C8B-B14F-4D97-AF65-F5344CB8AC3E}">
-        <p14:creationId xmlns:p14="http://schemas.microsoft.com/office/powerpoint/2010/main" val="2938062957"/>
+        <p14:creationId xmlns:p14="http://schemas.microsoft.com/office/powerpoint/2010/main" val="557947176"/>
       </p:ext>
     </p:extLst>
   </p:cSld>
@@ -2261,7 +1511,7 @@
     </p:spTree>
     <p:extLst>
       <p:ext uri="{BB962C8B-B14F-4D97-AF65-F5344CB8AC3E}">
-        <p14:creationId xmlns:p14="http://schemas.microsoft.com/office/powerpoint/2010/main" val="4016929121"/>
+        <p14:creationId xmlns:p14="http://schemas.microsoft.com/office/powerpoint/2010/main" val="3583246640"/>
       </p:ext>
     </p:extLst>
   </p:cSld>
@@ -2349,7 +1599,7 @@
     </p:spTree>
     <p:extLst>
       <p:ext uri="{BB962C8B-B14F-4D97-AF65-F5344CB8AC3E}">
-        <p14:creationId xmlns:p14="http://schemas.microsoft.com/office/powerpoint/2010/main" val="1228160295"/>
+        <p14:creationId xmlns:p14="http://schemas.microsoft.com/office/powerpoint/2010/main" val="3749756286"/>
       </p:ext>
     </p:extLst>
   </p:cSld>
@@ -2437,7 +1687,7 @@
     </p:spTree>
     <p:extLst>
       <p:ext uri="{BB962C8B-B14F-4D97-AF65-F5344CB8AC3E}">
-        <p14:creationId xmlns:p14="http://schemas.microsoft.com/office/powerpoint/2010/main" val="3816980263"/>
+        <p14:creationId xmlns:p14="http://schemas.microsoft.com/office/powerpoint/2010/main" val="3995296626"/>
       </p:ext>
     </p:extLst>
   </p:cSld>
@@ -2594,7 +1844,7 @@
           <a:p>
             <a:fld id="{499460C1-C589-4EBF-8205-118C82FB244C}" type="datetimeFigureOut">
               <a:rPr lang="en-US" smtClean="0"/>
-              <a:t>25-Sep-23</a:t>
+              <a:t>02-Oct-23</a:t>
             </a:fld>
             <a:endParaRPr lang="en-US"/>
           </a:p>
@@ -2792,7 +2042,7 @@
           <a:p>
             <a:fld id="{499460C1-C589-4EBF-8205-118C82FB244C}" type="datetimeFigureOut">
               <a:rPr lang="en-US" smtClean="0"/>
-              <a:t>25-Sep-23</a:t>
+              <a:t>02-Oct-23</a:t>
             </a:fld>
             <a:endParaRPr lang="en-US"/>
           </a:p>
@@ -3000,7 +2250,7 @@
           <a:p>
             <a:fld id="{499460C1-C589-4EBF-8205-118C82FB244C}" type="datetimeFigureOut">
               <a:rPr lang="en-US" smtClean="0"/>
-              <a:t>25-Sep-23</a:t>
+              <a:t>02-Oct-23</a:t>
             </a:fld>
             <a:endParaRPr lang="en-US"/>
           </a:p>
@@ -3198,7 +2448,7 @@
           <a:p>
             <a:fld id="{499460C1-C589-4EBF-8205-118C82FB244C}" type="datetimeFigureOut">
               <a:rPr lang="en-US" smtClean="0"/>
-              <a:t>25-Sep-23</a:t>
+              <a:t>02-Oct-23</a:t>
             </a:fld>
             <a:endParaRPr lang="en-US"/>
           </a:p>
@@ -3473,7 +2723,7 @@
           <a:p>
             <a:fld id="{499460C1-C589-4EBF-8205-118C82FB244C}" type="datetimeFigureOut">
               <a:rPr lang="en-US" smtClean="0"/>
-              <a:t>25-Sep-23</a:t>
+              <a:t>02-Oct-23</a:t>
             </a:fld>
             <a:endParaRPr lang="en-US"/>
           </a:p>
@@ -3738,7 +2988,7 @@
           <a:p>
             <a:fld id="{499460C1-C589-4EBF-8205-118C82FB244C}" type="datetimeFigureOut">
               <a:rPr lang="en-US" smtClean="0"/>
-              <a:t>25-Sep-23</a:t>
+              <a:t>02-Oct-23</a:t>
             </a:fld>
             <a:endParaRPr lang="en-US"/>
           </a:p>
@@ -4150,7 +3400,7 @@
           <a:p>
             <a:fld id="{499460C1-C589-4EBF-8205-118C82FB244C}" type="datetimeFigureOut">
               <a:rPr lang="en-US" smtClean="0"/>
-              <a:t>25-Sep-23</a:t>
+              <a:t>02-Oct-23</a:t>
             </a:fld>
             <a:endParaRPr lang="en-US"/>
           </a:p>
@@ -4291,7 +3541,7 @@
           <a:p>
             <a:fld id="{499460C1-C589-4EBF-8205-118C82FB244C}" type="datetimeFigureOut">
               <a:rPr lang="en-US" smtClean="0"/>
-              <a:t>25-Sep-23</a:t>
+              <a:t>02-Oct-23</a:t>
             </a:fld>
             <a:endParaRPr lang="en-US"/>
           </a:p>
@@ -4404,7 +3654,7 @@
           <a:p>
             <a:fld id="{499460C1-C589-4EBF-8205-118C82FB244C}" type="datetimeFigureOut">
               <a:rPr lang="en-US" smtClean="0"/>
-              <a:t>25-Sep-23</a:t>
+              <a:t>02-Oct-23</a:t>
             </a:fld>
             <a:endParaRPr lang="en-US"/>
           </a:p>
@@ -4715,7 +3965,7 @@
           <a:p>
             <a:fld id="{499460C1-C589-4EBF-8205-118C82FB244C}" type="datetimeFigureOut">
               <a:rPr lang="en-US" smtClean="0"/>
-              <a:t>25-Sep-23</a:t>
+              <a:t>02-Oct-23</a:t>
             </a:fld>
             <a:endParaRPr lang="en-US"/>
           </a:p>
@@ -5003,7 +4253,7 @@
           <a:p>
             <a:fld id="{499460C1-C589-4EBF-8205-118C82FB244C}" type="datetimeFigureOut">
               <a:rPr lang="en-US" smtClean="0"/>
-              <a:t>25-Sep-23</a:t>
+              <a:t>02-Oct-23</a:t>
             </a:fld>
             <a:endParaRPr lang="en-US"/>
           </a:p>
@@ -5244,7 +4494,7 @@
           <a:p>
             <a:fld id="{499460C1-C589-4EBF-8205-118C82FB244C}" type="datetimeFigureOut">
               <a:rPr lang="en-US" smtClean="0"/>
-              <a:t>25-Sep-23</a:t>
+              <a:t>02-Oct-23</a:t>
             </a:fld>
             <a:endParaRPr lang="en-US"/>
           </a:p>
@@ -5901,34 +5151,6 @@
           </a:p>
         </p:txBody>
       </p:sp>
-      <p:graphicFrame>
-        <p:nvGraphicFramePr>
-          <p:cNvPr id="7" name="Chart 6">
-            <a:extLst>
-              <a:ext uri="{FF2B5EF4-FFF2-40B4-BE49-F238E27FC236}">
-                <a16:creationId xmlns:a16="http://schemas.microsoft.com/office/drawing/2014/main" id="{3619096C-A1FA-43D1-A2CD-76DA6A482609}"/>
-              </a:ext>
-            </a:extLst>
-          </p:cNvPr>
-          <p:cNvGraphicFramePr/>
-          <p:nvPr>
-            <p:extLst>
-              <p:ext uri="{D42A27DB-BD31-4B8C-83A1-F6EECF244321}">
-                <p14:modId xmlns:p14="http://schemas.microsoft.com/office/powerpoint/2010/main" val="2231896754"/>
-              </p:ext>
-            </p:extLst>
-          </p:nvPr>
-        </p:nvGraphicFramePr>
-        <p:xfrm>
-          <a:off x="5153822" y="492573"/>
-          <a:ext cx="6553545" cy="5880796"/>
-        </p:xfrm>
-        <a:graphic>
-          <a:graphicData uri="http://schemas.openxmlformats.org/drawingml/2006/chart">
-            <c:chart xmlns:c="http://schemas.openxmlformats.org/drawingml/2006/chart" xmlns:r="http://schemas.openxmlformats.org/officeDocument/2006/relationships" r:id="rId3"/>
-          </a:graphicData>
-        </a:graphic>
-      </p:graphicFrame>
     </p:spTree>
     <p:extLst>
       <p:ext uri="{BB962C8B-B14F-4D97-AF65-F5344CB8AC3E}">
@@ -7033,14 +6255,14 @@
           <p:nvPr>
             <p:extLst>
               <p:ext uri="{D42A27DB-BD31-4B8C-83A1-F6EECF244321}">
-                <p14:modId xmlns:p14="http://schemas.microsoft.com/office/powerpoint/2010/main" val="3242281211"/>
+                <p14:modId xmlns:p14="http://schemas.microsoft.com/office/powerpoint/2010/main" val="4126793448"/>
               </p:ext>
             </p:extLst>
           </p:nvPr>
         </p:nvGraphicFramePr>
         <p:xfrm>
           <a:off x="0" y="-25054"/>
-          <a:ext cx="12192000" cy="6907870"/>
+          <a:ext cx="12204192" cy="6858007"/>
         </p:xfrm>
         <a:graphic>
           <a:graphicData uri="http://schemas.openxmlformats.org/drawingml/2006/table">
@@ -7056,28 +6278,14 @@
                     </a:ext>
                   </a:extLst>
                 </a:gridCol>
-                <a:gridCol w="6048679">
+                <a:gridCol w="7784007">
                   <a:extLst>
                     <a:ext uri="{9D8B030D-6E8A-4147-A177-3AD203B41FA5}">
                       <a16:colId xmlns:a16="http://schemas.microsoft.com/office/drawing/2014/main" val="1209773232"/>
                     </a:ext>
                   </a:extLst>
                 </a:gridCol>
-                <a:gridCol w="1354667">
-                  <a:extLst>
-                    <a:ext uri="{9D8B030D-6E8A-4147-A177-3AD203B41FA5}">
-                      <a16:colId xmlns:a16="http://schemas.microsoft.com/office/drawing/2014/main" val="158251857"/>
-                    </a:ext>
-                  </a:extLst>
-                </a:gridCol>
-                <a:gridCol w="1354666">
-                  <a:extLst>
-                    <a:ext uri="{9D8B030D-6E8A-4147-A177-3AD203B41FA5}">
-                      <a16:colId xmlns:a16="http://schemas.microsoft.com/office/drawing/2014/main" val="545691634"/>
-                    </a:ext>
-                  </a:extLst>
-                </a:gridCol>
-                <a:gridCol w="1354667">
+                <a:gridCol w="2340864">
                   <a:extLst>
                     <a:ext uri="{9D8B030D-6E8A-4147-A177-3AD203B41FA5}">
                       <a16:colId xmlns:a16="http://schemas.microsoft.com/office/drawing/2014/main" val="3865287554"/>
@@ -7136,46 +6344,6 @@
                           <a:latin typeface="Arial" panose="020B0604020202020204" pitchFamily="34" charset="0"/>
                           <a:cs typeface="Arial" panose="020B0604020202020204" pitchFamily="34" charset="0"/>
                         </a:rPr>
-                        <a:t>Procena poena</a:t>
-                      </a:r>
-                      <a:endParaRPr lang="en-US" sz="1800" dirty="0">
-                        <a:latin typeface="Arial" panose="020B0604020202020204" pitchFamily="34" charset="0"/>
-                        <a:cs typeface="Arial" panose="020B0604020202020204" pitchFamily="34" charset="0"/>
-                      </a:endParaRPr>
-                    </a:p>
-                  </a:txBody>
-                  <a:tcPr anchor="ctr"/>
-                </a:tc>
-                <a:tc>
-                  <a:txBody>
-                    <a:bodyPr/>
-                    <a:lstStyle/>
-                    <a:p>
-                      <a:r>
-                        <a:rPr lang="sr-Latn-RS" sz="1800" dirty="0">
-                          <a:latin typeface="Arial" panose="020B0604020202020204" pitchFamily="34" charset="0"/>
-                          <a:cs typeface="Arial" panose="020B0604020202020204" pitchFamily="34" charset="0"/>
-                        </a:rPr>
-                        <a:t>Stvarno poena</a:t>
-                      </a:r>
-                      <a:endParaRPr lang="en-US" sz="2400" dirty="0">
-                        <a:latin typeface="Arial" panose="020B0604020202020204" pitchFamily="34" charset="0"/>
-                        <a:cs typeface="Arial" panose="020B0604020202020204" pitchFamily="34" charset="0"/>
-                      </a:endParaRPr>
-                    </a:p>
-                  </a:txBody>
-                  <a:tcPr anchor="ctr"/>
-                </a:tc>
-                <a:tc>
-                  <a:txBody>
-                    <a:bodyPr/>
-                    <a:lstStyle/>
-                    <a:p>
-                      <a:r>
-                        <a:rPr lang="sr-Latn-RS" sz="1800" dirty="0">
-                          <a:latin typeface="Arial" panose="020B0604020202020204" pitchFamily="34" charset="0"/>
-                          <a:cs typeface="Arial" panose="020B0604020202020204" pitchFamily="34" charset="0"/>
-                        </a:rPr>
                         <a:t>Nešto za istaći?</a:t>
                       </a:r>
                       <a:endParaRPr lang="en-US" sz="2400" dirty="0">
@@ -7239,32 +6407,6 @@
                   </a:txBody>
                   <a:tcPr anchor="ctr"/>
                 </a:tc>
-                <a:tc>
-                  <a:txBody>
-                    <a:bodyPr/>
-                    <a:lstStyle/>
-                    <a:p>
-                      <a:endParaRPr lang="en-US" sz="1800" dirty="0">
-                        <a:latin typeface="Arial" panose="020B0604020202020204" pitchFamily="34" charset="0"/>
-                        <a:cs typeface="Arial" panose="020B0604020202020204" pitchFamily="34" charset="0"/>
-                      </a:endParaRPr>
-                    </a:p>
-                  </a:txBody>
-                  <a:tcPr anchor="ctr"/>
-                </a:tc>
-                <a:tc>
-                  <a:txBody>
-                    <a:bodyPr/>
-                    <a:lstStyle/>
-                    <a:p>
-                      <a:endParaRPr lang="en-US" sz="1800" dirty="0">
-                        <a:latin typeface="Arial" panose="020B0604020202020204" pitchFamily="34" charset="0"/>
-                        <a:cs typeface="Arial" panose="020B0604020202020204" pitchFamily="34" charset="0"/>
-                      </a:endParaRPr>
-                    </a:p>
-                  </a:txBody>
-                  <a:tcPr anchor="ctr"/>
-                </a:tc>
                 <a:extLst>
                   <a:ext uri="{0D108BD9-81ED-4DB2-BD59-A6C34878D82A}">
                     <a16:rowId xmlns:a16="http://schemas.microsoft.com/office/drawing/2014/main" val="264378487"/>
@@ -7308,32 +6450,6 @@
                   </a:txBody>
                   <a:tcPr anchor="ctr"/>
                 </a:tc>
-                <a:tc>
-                  <a:txBody>
-                    <a:bodyPr/>
-                    <a:lstStyle/>
-                    <a:p>
-                      <a:endParaRPr lang="en-US" sz="1800" dirty="0">
-                        <a:latin typeface="Arial" panose="020B0604020202020204" pitchFamily="34" charset="0"/>
-                        <a:cs typeface="Arial" panose="020B0604020202020204" pitchFamily="34" charset="0"/>
-                      </a:endParaRPr>
-                    </a:p>
-                  </a:txBody>
-                  <a:tcPr anchor="ctr"/>
-                </a:tc>
-                <a:tc>
-                  <a:txBody>
-                    <a:bodyPr/>
-                    <a:lstStyle/>
-                    <a:p>
-                      <a:endParaRPr lang="en-US" sz="1800" dirty="0">
-                        <a:latin typeface="Arial" panose="020B0604020202020204" pitchFamily="34" charset="0"/>
-                        <a:cs typeface="Arial" panose="020B0604020202020204" pitchFamily="34" charset="0"/>
-                      </a:endParaRPr>
-                    </a:p>
-                  </a:txBody>
-                  <a:tcPr anchor="ctr"/>
-                </a:tc>
                 <a:extLst>
                   <a:ext uri="{0D108BD9-81ED-4DB2-BD59-A6C34878D82A}">
                     <a16:rowId xmlns:a16="http://schemas.microsoft.com/office/drawing/2014/main" val="741495083"/>
@@ -7377,32 +6493,6 @@
                   </a:txBody>
                   <a:tcPr anchor="ctr"/>
                 </a:tc>
-                <a:tc>
-                  <a:txBody>
-                    <a:bodyPr/>
-                    <a:lstStyle/>
-                    <a:p>
-                      <a:endParaRPr lang="en-US" sz="1800" dirty="0">
-                        <a:latin typeface="Arial" panose="020B0604020202020204" pitchFamily="34" charset="0"/>
-                        <a:cs typeface="Arial" panose="020B0604020202020204" pitchFamily="34" charset="0"/>
-                      </a:endParaRPr>
-                    </a:p>
-                  </a:txBody>
-                  <a:tcPr anchor="ctr"/>
-                </a:tc>
-                <a:tc>
-                  <a:txBody>
-                    <a:bodyPr/>
-                    <a:lstStyle/>
-                    <a:p>
-                      <a:endParaRPr lang="en-US" sz="1800" dirty="0">
-                        <a:latin typeface="Arial" panose="020B0604020202020204" pitchFamily="34" charset="0"/>
-                        <a:cs typeface="Arial" panose="020B0604020202020204" pitchFamily="34" charset="0"/>
-                      </a:endParaRPr>
-                    </a:p>
-                  </a:txBody>
-                  <a:tcPr anchor="ctr"/>
-                </a:tc>
                 <a:extLst>
                   <a:ext uri="{0D108BD9-81ED-4DB2-BD59-A6C34878D82A}">
                     <a16:rowId xmlns:a16="http://schemas.microsoft.com/office/drawing/2014/main" val="407375999"/>
@@ -7419,32 +6509,6 @@
                     </a:p>
                   </a:txBody>
                   <a:tcPr/>
-                </a:tc>
-                <a:tc>
-                  <a:txBody>
-                    <a:bodyPr/>
-                    <a:lstStyle/>
-                    <a:p>
-                      <a:endParaRPr lang="en-US" sz="1800" dirty="0">
-                        <a:latin typeface="Arial" panose="020B0604020202020204" pitchFamily="34" charset="0"/>
-                        <a:cs typeface="Arial" panose="020B0604020202020204" pitchFamily="34" charset="0"/>
-                      </a:endParaRPr>
-                    </a:p>
-                  </a:txBody>
-                  <a:tcPr anchor="ctr"/>
-                </a:tc>
-                <a:tc>
-                  <a:txBody>
-                    <a:bodyPr/>
-                    <a:lstStyle/>
-                    <a:p>
-                      <a:endParaRPr lang="en-US" sz="1800" dirty="0">
-                        <a:latin typeface="Arial" panose="020B0604020202020204" pitchFamily="34" charset="0"/>
-                        <a:cs typeface="Arial" panose="020B0604020202020204" pitchFamily="34" charset="0"/>
-                      </a:endParaRPr>
-                    </a:p>
-                  </a:txBody>
-                  <a:tcPr anchor="ctr"/>
                 </a:tc>
                 <a:tc>
                   <a:txBody>
@@ -7544,32 +6608,6 @@
                   </a:txBody>
                   <a:tcPr anchor="ctr"/>
                 </a:tc>
-                <a:tc>
-                  <a:txBody>
-                    <a:bodyPr/>
-                    <a:lstStyle/>
-                    <a:p>
-                      <a:endParaRPr lang="en-US" sz="1800" dirty="0">
-                        <a:latin typeface="Arial" panose="020B0604020202020204" pitchFamily="34" charset="0"/>
-                        <a:cs typeface="Arial" panose="020B0604020202020204" pitchFamily="34" charset="0"/>
-                      </a:endParaRPr>
-                    </a:p>
-                  </a:txBody>
-                  <a:tcPr anchor="ctr"/>
-                </a:tc>
-                <a:tc>
-                  <a:txBody>
-                    <a:bodyPr/>
-                    <a:lstStyle/>
-                    <a:p>
-                      <a:endParaRPr lang="en-US" sz="1800" dirty="0">
-                        <a:latin typeface="Arial" panose="020B0604020202020204" pitchFamily="34" charset="0"/>
-                        <a:cs typeface="Arial" panose="020B0604020202020204" pitchFamily="34" charset="0"/>
-                      </a:endParaRPr>
-                    </a:p>
-                  </a:txBody>
-                  <a:tcPr anchor="ctr"/>
-                </a:tc>
                 <a:extLst>
                   <a:ext uri="{0D108BD9-81ED-4DB2-BD59-A6C34878D82A}">
                     <a16:rowId xmlns:a16="http://schemas.microsoft.com/office/drawing/2014/main" val="3953925865"/>
@@ -7613,32 +6651,6 @@
                   </a:txBody>
                   <a:tcPr anchor="ctr"/>
                 </a:tc>
-                <a:tc>
-                  <a:txBody>
-                    <a:bodyPr/>
-                    <a:lstStyle/>
-                    <a:p>
-                      <a:endParaRPr lang="en-US" sz="1800" dirty="0">
-                        <a:latin typeface="Arial" panose="020B0604020202020204" pitchFamily="34" charset="0"/>
-                        <a:cs typeface="Arial" panose="020B0604020202020204" pitchFamily="34" charset="0"/>
-                      </a:endParaRPr>
-                    </a:p>
-                  </a:txBody>
-                  <a:tcPr anchor="ctr"/>
-                </a:tc>
-                <a:tc>
-                  <a:txBody>
-                    <a:bodyPr/>
-                    <a:lstStyle/>
-                    <a:p>
-                      <a:endParaRPr lang="en-US" sz="1800" dirty="0">
-                        <a:latin typeface="Arial" panose="020B0604020202020204" pitchFamily="34" charset="0"/>
-                        <a:cs typeface="Arial" panose="020B0604020202020204" pitchFamily="34" charset="0"/>
-                      </a:endParaRPr>
-                    </a:p>
-                  </a:txBody>
-                  <a:tcPr anchor="ctr"/>
-                </a:tc>
                 <a:extLst>
                   <a:ext uri="{0D108BD9-81ED-4DB2-BD59-A6C34878D82A}">
                     <a16:rowId xmlns:a16="http://schemas.microsoft.com/office/drawing/2014/main" val="4196659394"/>
@@ -7682,32 +6694,6 @@
                   </a:txBody>
                   <a:tcPr anchor="ctr"/>
                 </a:tc>
-                <a:tc>
-                  <a:txBody>
-                    <a:bodyPr/>
-                    <a:lstStyle/>
-                    <a:p>
-                      <a:endParaRPr lang="en-US" sz="1800" dirty="0">
-                        <a:latin typeface="Arial" panose="020B0604020202020204" pitchFamily="34" charset="0"/>
-                        <a:cs typeface="Arial" panose="020B0604020202020204" pitchFamily="34" charset="0"/>
-                      </a:endParaRPr>
-                    </a:p>
-                  </a:txBody>
-                  <a:tcPr anchor="ctr"/>
-                </a:tc>
-                <a:tc>
-                  <a:txBody>
-                    <a:bodyPr/>
-                    <a:lstStyle/>
-                    <a:p>
-                      <a:endParaRPr lang="en-US" sz="1800" dirty="0">
-                        <a:latin typeface="Arial" panose="020B0604020202020204" pitchFamily="34" charset="0"/>
-                        <a:cs typeface="Arial" panose="020B0604020202020204" pitchFamily="34" charset="0"/>
-                      </a:endParaRPr>
-                    </a:p>
-                  </a:txBody>
-                  <a:tcPr anchor="ctr"/>
-                </a:tc>
                 <a:extLst>
                   <a:ext uri="{0D108BD9-81ED-4DB2-BD59-A6C34878D82A}">
                     <a16:rowId xmlns:a16="http://schemas.microsoft.com/office/drawing/2014/main" val="1856707970"/>
@@ -7724,32 +6710,6 @@
                     </a:p>
                   </a:txBody>
                   <a:tcPr/>
-                </a:tc>
-                <a:tc>
-                  <a:txBody>
-                    <a:bodyPr/>
-                    <a:lstStyle/>
-                    <a:p>
-                      <a:endParaRPr lang="en-US" sz="1800" dirty="0">
-                        <a:latin typeface="Arial" panose="020B0604020202020204" pitchFamily="34" charset="0"/>
-                        <a:cs typeface="Arial" panose="020B0604020202020204" pitchFamily="34" charset="0"/>
-                      </a:endParaRPr>
-                    </a:p>
-                  </a:txBody>
-                  <a:tcPr anchor="ctr"/>
-                </a:tc>
-                <a:tc>
-                  <a:txBody>
-                    <a:bodyPr/>
-                    <a:lstStyle/>
-                    <a:p>
-                      <a:endParaRPr lang="en-US" sz="1800" dirty="0">
-                        <a:latin typeface="Arial" panose="020B0604020202020204" pitchFamily="34" charset="0"/>
-                        <a:cs typeface="Arial" panose="020B0604020202020204" pitchFamily="34" charset="0"/>
-                      </a:endParaRPr>
-                    </a:p>
-                  </a:txBody>
-                  <a:tcPr anchor="ctr"/>
                 </a:tc>
                 <a:tc>
                   <a:txBody>
@@ -7830,32 +6790,6 @@
                   </a:txBody>
                   <a:tcPr anchor="ctr"/>
                 </a:tc>
-                <a:tc>
-                  <a:txBody>
-                    <a:bodyPr/>
-                    <a:lstStyle/>
-                    <a:p>
-                      <a:endParaRPr lang="en-US" sz="1800" dirty="0">
-                        <a:latin typeface="Arial" panose="020B0604020202020204" pitchFamily="34" charset="0"/>
-                        <a:cs typeface="Arial" panose="020B0604020202020204" pitchFamily="34" charset="0"/>
-                      </a:endParaRPr>
-                    </a:p>
-                  </a:txBody>
-                  <a:tcPr anchor="ctr"/>
-                </a:tc>
-                <a:tc>
-                  <a:txBody>
-                    <a:bodyPr/>
-                    <a:lstStyle/>
-                    <a:p>
-                      <a:endParaRPr lang="en-US" sz="1800" dirty="0">
-                        <a:latin typeface="Arial" panose="020B0604020202020204" pitchFamily="34" charset="0"/>
-                        <a:cs typeface="Arial" panose="020B0604020202020204" pitchFamily="34" charset="0"/>
-                      </a:endParaRPr>
-                    </a:p>
-                  </a:txBody>
-                  <a:tcPr anchor="ctr"/>
-                </a:tc>
                 <a:extLst>
                   <a:ext uri="{0D108BD9-81ED-4DB2-BD59-A6C34878D82A}">
                     <a16:rowId xmlns:a16="http://schemas.microsoft.com/office/drawing/2014/main" val="1615706111"/>
@@ -7899,32 +6833,6 @@
                   </a:txBody>
                   <a:tcPr anchor="ctr"/>
                 </a:tc>
-                <a:tc>
-                  <a:txBody>
-                    <a:bodyPr/>
-                    <a:lstStyle/>
-                    <a:p>
-                      <a:endParaRPr lang="en-US" sz="1800" dirty="0">
-                        <a:latin typeface="Arial" panose="020B0604020202020204" pitchFamily="34" charset="0"/>
-                        <a:cs typeface="Arial" panose="020B0604020202020204" pitchFamily="34" charset="0"/>
-                      </a:endParaRPr>
-                    </a:p>
-                  </a:txBody>
-                  <a:tcPr anchor="ctr"/>
-                </a:tc>
-                <a:tc>
-                  <a:txBody>
-                    <a:bodyPr/>
-                    <a:lstStyle/>
-                    <a:p>
-                      <a:endParaRPr lang="en-US" sz="1800" dirty="0">
-                        <a:latin typeface="Arial" panose="020B0604020202020204" pitchFamily="34" charset="0"/>
-                        <a:cs typeface="Arial" panose="020B0604020202020204" pitchFamily="34" charset="0"/>
-                      </a:endParaRPr>
-                    </a:p>
-                  </a:txBody>
-                  <a:tcPr anchor="ctr"/>
-                </a:tc>
                 <a:extLst>
                   <a:ext uri="{0D108BD9-81ED-4DB2-BD59-A6C34878D82A}">
                     <a16:rowId xmlns:a16="http://schemas.microsoft.com/office/drawing/2014/main" val="500200411"/>
@@ -7968,32 +6876,6 @@
                   </a:txBody>
                   <a:tcPr anchor="ctr"/>
                 </a:tc>
-                <a:tc>
-                  <a:txBody>
-                    <a:bodyPr/>
-                    <a:lstStyle/>
-                    <a:p>
-                      <a:endParaRPr lang="en-US" sz="1800" dirty="0">
-                        <a:latin typeface="Arial" panose="020B0604020202020204" pitchFamily="34" charset="0"/>
-                        <a:cs typeface="Arial" panose="020B0604020202020204" pitchFamily="34" charset="0"/>
-                      </a:endParaRPr>
-                    </a:p>
-                  </a:txBody>
-                  <a:tcPr anchor="ctr"/>
-                </a:tc>
-                <a:tc>
-                  <a:txBody>
-                    <a:bodyPr/>
-                    <a:lstStyle/>
-                    <a:p>
-                      <a:endParaRPr lang="en-US" sz="1800" dirty="0">
-                        <a:latin typeface="Arial" panose="020B0604020202020204" pitchFamily="34" charset="0"/>
-                        <a:cs typeface="Arial" panose="020B0604020202020204" pitchFamily="34" charset="0"/>
-                      </a:endParaRPr>
-                    </a:p>
-                  </a:txBody>
-                  <a:tcPr anchor="ctr"/>
-                </a:tc>
                 <a:extLst>
                   <a:ext uri="{0D108BD9-81ED-4DB2-BD59-A6C34878D82A}">
                     <a16:rowId xmlns:a16="http://schemas.microsoft.com/office/drawing/2014/main" val="894306909"/>
@@ -8010,32 +6892,6 @@
                     </a:p>
                   </a:txBody>
                   <a:tcPr/>
-                </a:tc>
-                <a:tc>
-                  <a:txBody>
-                    <a:bodyPr/>
-                    <a:lstStyle/>
-                    <a:p>
-                      <a:endParaRPr lang="en-US" sz="1800" dirty="0">
-                        <a:latin typeface="Arial" panose="020B0604020202020204" pitchFamily="34" charset="0"/>
-                        <a:cs typeface="Arial" panose="020B0604020202020204" pitchFamily="34" charset="0"/>
-                      </a:endParaRPr>
-                    </a:p>
-                  </a:txBody>
-                  <a:tcPr anchor="ctr"/>
-                </a:tc>
-                <a:tc>
-                  <a:txBody>
-                    <a:bodyPr/>
-                    <a:lstStyle/>
-                    <a:p>
-                      <a:endParaRPr lang="en-US" sz="1800" dirty="0">
-                        <a:latin typeface="Arial" panose="020B0604020202020204" pitchFamily="34" charset="0"/>
-                        <a:cs typeface="Arial" panose="020B0604020202020204" pitchFamily="34" charset="0"/>
-                      </a:endParaRPr>
-                    </a:p>
-                  </a:txBody>
-                  <a:tcPr anchor="ctr"/>
                 </a:tc>
                 <a:tc>
                   <a:txBody>
@@ -8126,32 +6982,6 @@
                   </a:txBody>
                   <a:tcPr anchor="ctr"/>
                 </a:tc>
-                <a:tc>
-                  <a:txBody>
-                    <a:bodyPr/>
-                    <a:lstStyle/>
-                    <a:p>
-                      <a:endParaRPr lang="en-US" sz="1800" dirty="0">
-                        <a:latin typeface="Arial" panose="020B0604020202020204" pitchFamily="34" charset="0"/>
-                        <a:cs typeface="Arial" panose="020B0604020202020204" pitchFamily="34" charset="0"/>
-                      </a:endParaRPr>
-                    </a:p>
-                  </a:txBody>
-                  <a:tcPr anchor="ctr"/>
-                </a:tc>
-                <a:tc>
-                  <a:txBody>
-                    <a:bodyPr/>
-                    <a:lstStyle/>
-                    <a:p>
-                      <a:endParaRPr lang="en-US" sz="1800" dirty="0">
-                        <a:latin typeface="Arial" panose="020B0604020202020204" pitchFamily="34" charset="0"/>
-                        <a:cs typeface="Arial" panose="020B0604020202020204" pitchFamily="34" charset="0"/>
-                      </a:endParaRPr>
-                    </a:p>
-                  </a:txBody>
-                  <a:tcPr anchor="ctr"/>
-                </a:tc>
                 <a:extLst>
                   <a:ext uri="{0D108BD9-81ED-4DB2-BD59-A6C34878D82A}">
                     <a16:rowId xmlns:a16="http://schemas.microsoft.com/office/drawing/2014/main" val="2258469179"/>
@@ -8195,32 +7025,6 @@
                   </a:txBody>
                   <a:tcPr anchor="ctr"/>
                 </a:tc>
-                <a:tc>
-                  <a:txBody>
-                    <a:bodyPr/>
-                    <a:lstStyle/>
-                    <a:p>
-                      <a:endParaRPr lang="en-US" sz="1800" dirty="0">
-                        <a:latin typeface="Arial" panose="020B0604020202020204" pitchFamily="34" charset="0"/>
-                        <a:cs typeface="Arial" panose="020B0604020202020204" pitchFamily="34" charset="0"/>
-                      </a:endParaRPr>
-                    </a:p>
-                  </a:txBody>
-                  <a:tcPr anchor="ctr"/>
-                </a:tc>
-                <a:tc>
-                  <a:txBody>
-                    <a:bodyPr/>
-                    <a:lstStyle/>
-                    <a:p>
-                      <a:endParaRPr lang="en-US" sz="1800" dirty="0">
-                        <a:latin typeface="Arial" panose="020B0604020202020204" pitchFamily="34" charset="0"/>
-                        <a:cs typeface="Arial" panose="020B0604020202020204" pitchFamily="34" charset="0"/>
-                      </a:endParaRPr>
-                    </a:p>
-                  </a:txBody>
-                  <a:tcPr anchor="ctr"/>
-                </a:tc>
                 <a:extLst>
                   <a:ext uri="{0D108BD9-81ED-4DB2-BD59-A6C34878D82A}">
                     <a16:rowId xmlns:a16="http://schemas.microsoft.com/office/drawing/2014/main" val="3385457170"/>
@@ -8264,32 +7068,6 @@
                   </a:txBody>
                   <a:tcPr anchor="ctr"/>
                 </a:tc>
-                <a:tc>
-                  <a:txBody>
-                    <a:bodyPr/>
-                    <a:lstStyle/>
-                    <a:p>
-                      <a:endParaRPr lang="en-US" sz="1800" dirty="0">
-                        <a:latin typeface="Arial" panose="020B0604020202020204" pitchFamily="34" charset="0"/>
-                        <a:cs typeface="Arial" panose="020B0604020202020204" pitchFamily="34" charset="0"/>
-                      </a:endParaRPr>
-                    </a:p>
-                  </a:txBody>
-                  <a:tcPr anchor="ctr"/>
-                </a:tc>
-                <a:tc>
-                  <a:txBody>
-                    <a:bodyPr/>
-                    <a:lstStyle/>
-                    <a:p>
-                      <a:endParaRPr lang="en-US" sz="1800" dirty="0">
-                        <a:latin typeface="Arial" panose="020B0604020202020204" pitchFamily="34" charset="0"/>
-                        <a:cs typeface="Arial" panose="020B0604020202020204" pitchFamily="34" charset="0"/>
-                      </a:endParaRPr>
-                    </a:p>
-                  </a:txBody>
-                  <a:tcPr anchor="ctr"/>
-                </a:tc>
                 <a:extLst>
                   <a:ext uri="{0D108BD9-81ED-4DB2-BD59-A6C34878D82A}">
                     <a16:rowId xmlns:a16="http://schemas.microsoft.com/office/drawing/2014/main" val="1285668822"/>
@@ -8306,32 +7084,6 @@
                     </a:p>
                   </a:txBody>
                   <a:tcPr/>
-                </a:tc>
-                <a:tc>
-                  <a:txBody>
-                    <a:bodyPr/>
-                    <a:lstStyle/>
-                    <a:p>
-                      <a:endParaRPr lang="en-US" sz="1800" dirty="0">
-                        <a:latin typeface="Arial" panose="020B0604020202020204" pitchFamily="34" charset="0"/>
-                        <a:cs typeface="Arial" panose="020B0604020202020204" pitchFamily="34" charset="0"/>
-                      </a:endParaRPr>
-                    </a:p>
-                  </a:txBody>
-                  <a:tcPr anchor="ctr"/>
-                </a:tc>
-                <a:tc>
-                  <a:txBody>
-                    <a:bodyPr/>
-                    <a:lstStyle/>
-                    <a:p>
-                      <a:endParaRPr lang="en-US" sz="1800" dirty="0">
-                        <a:latin typeface="Arial" panose="020B0604020202020204" pitchFamily="34" charset="0"/>
-                        <a:cs typeface="Arial" panose="020B0604020202020204" pitchFamily="34" charset="0"/>
-                      </a:endParaRPr>
-                    </a:p>
-                  </a:txBody>
-                  <a:tcPr anchor="ctr"/>
                 </a:tc>
                 <a:tc>
                   <a:txBody>
@@ -8414,14 +7166,14 @@
           <p:nvPr>
             <p:extLst>
               <p:ext uri="{D42A27DB-BD31-4B8C-83A1-F6EECF244321}">
-                <p14:modId xmlns:p14="http://schemas.microsoft.com/office/powerpoint/2010/main" val="3712909609"/>
+                <p14:modId xmlns:p14="http://schemas.microsoft.com/office/powerpoint/2010/main" val="2304455598"/>
               </p:ext>
             </p:extLst>
           </p:nvPr>
         </p:nvGraphicFramePr>
         <p:xfrm>
           <a:off x="0" y="-25054"/>
-          <a:ext cx="12192000" cy="6907870"/>
+          <a:ext cx="12204192" cy="6858007"/>
         </p:xfrm>
         <a:graphic>
           <a:graphicData uri="http://schemas.openxmlformats.org/drawingml/2006/table">
@@ -8437,28 +7189,14 @@
                     </a:ext>
                   </a:extLst>
                 </a:gridCol>
-                <a:gridCol w="6048679">
+                <a:gridCol w="7784007">
                   <a:extLst>
                     <a:ext uri="{9D8B030D-6E8A-4147-A177-3AD203B41FA5}">
                       <a16:colId xmlns:a16="http://schemas.microsoft.com/office/drawing/2014/main" val="1209773232"/>
                     </a:ext>
                   </a:extLst>
                 </a:gridCol>
-                <a:gridCol w="1354667">
-                  <a:extLst>
-                    <a:ext uri="{9D8B030D-6E8A-4147-A177-3AD203B41FA5}">
-                      <a16:colId xmlns:a16="http://schemas.microsoft.com/office/drawing/2014/main" val="158251857"/>
-                    </a:ext>
-                  </a:extLst>
-                </a:gridCol>
-                <a:gridCol w="1354666">
-                  <a:extLst>
-                    <a:ext uri="{9D8B030D-6E8A-4147-A177-3AD203B41FA5}">
-                      <a16:colId xmlns:a16="http://schemas.microsoft.com/office/drawing/2014/main" val="545691634"/>
-                    </a:ext>
-                  </a:extLst>
-                </a:gridCol>
-                <a:gridCol w="1354667">
+                <a:gridCol w="2340864">
                   <a:extLst>
                     <a:ext uri="{9D8B030D-6E8A-4147-A177-3AD203B41FA5}">
                       <a16:colId xmlns:a16="http://schemas.microsoft.com/office/drawing/2014/main" val="3865287554"/>
@@ -8517,46 +7255,6 @@
                           <a:latin typeface="Arial" panose="020B0604020202020204" pitchFamily="34" charset="0"/>
                           <a:cs typeface="Arial" panose="020B0604020202020204" pitchFamily="34" charset="0"/>
                         </a:rPr>
-                        <a:t>Procena poena</a:t>
-                      </a:r>
-                      <a:endParaRPr lang="en-US" sz="1800" dirty="0">
-                        <a:latin typeface="Arial" panose="020B0604020202020204" pitchFamily="34" charset="0"/>
-                        <a:cs typeface="Arial" panose="020B0604020202020204" pitchFamily="34" charset="0"/>
-                      </a:endParaRPr>
-                    </a:p>
-                  </a:txBody>
-                  <a:tcPr anchor="ctr"/>
-                </a:tc>
-                <a:tc>
-                  <a:txBody>
-                    <a:bodyPr/>
-                    <a:lstStyle/>
-                    <a:p>
-                      <a:r>
-                        <a:rPr lang="sr-Latn-RS" sz="1800" dirty="0">
-                          <a:latin typeface="Arial" panose="020B0604020202020204" pitchFamily="34" charset="0"/>
-                          <a:cs typeface="Arial" panose="020B0604020202020204" pitchFamily="34" charset="0"/>
-                        </a:rPr>
-                        <a:t>Stvarno poena</a:t>
-                      </a:r>
-                      <a:endParaRPr lang="en-US" sz="2400" dirty="0">
-                        <a:latin typeface="Arial" panose="020B0604020202020204" pitchFamily="34" charset="0"/>
-                        <a:cs typeface="Arial" panose="020B0604020202020204" pitchFamily="34" charset="0"/>
-                      </a:endParaRPr>
-                    </a:p>
-                  </a:txBody>
-                  <a:tcPr anchor="ctr"/>
-                </a:tc>
-                <a:tc>
-                  <a:txBody>
-                    <a:bodyPr/>
-                    <a:lstStyle/>
-                    <a:p>
-                      <a:r>
-                        <a:rPr lang="sr-Latn-RS" sz="1800" dirty="0">
-                          <a:latin typeface="Arial" panose="020B0604020202020204" pitchFamily="34" charset="0"/>
-                          <a:cs typeface="Arial" panose="020B0604020202020204" pitchFamily="34" charset="0"/>
-                        </a:rPr>
                         <a:t>Nešto za istaći?</a:t>
                       </a:r>
                       <a:endParaRPr lang="en-US" sz="2400" dirty="0">
@@ -8584,38 +7282,15 @@
                           <a:latin typeface="Arial" panose="020B0604020202020204" pitchFamily="34" charset="0"/>
                           <a:cs typeface="Arial" panose="020B0604020202020204" pitchFamily="34" charset="0"/>
                         </a:rPr>
-                        <a:t>Član 3</a:t>
+                        <a:t>Član </a:t>
                       </a:r>
-                      <a:endParaRPr lang="en-US" sz="2400" dirty="0">
-                        <a:latin typeface="Arial" panose="020B0604020202020204" pitchFamily="34" charset="0"/>
-                        <a:cs typeface="Arial" panose="020B0604020202020204" pitchFamily="34" charset="0"/>
-                      </a:endParaRPr>
-                    </a:p>
-                  </a:txBody>
-                  <a:tcPr anchor="ctr"/>
-                </a:tc>
-                <a:tc>
-                  <a:txBody>
-                    <a:bodyPr/>
-                    <a:lstStyle/>
-                    <a:p>
-                      <a:endParaRPr lang="en-US" sz="1800" dirty="0">
-                        <a:latin typeface="Arial" panose="020B0604020202020204" pitchFamily="34" charset="0"/>
-                        <a:cs typeface="Arial" panose="020B0604020202020204" pitchFamily="34" charset="0"/>
-                      </a:endParaRPr>
-                    </a:p>
-                  </a:txBody>
-                  <a:tcPr anchor="ctr"/>
-                </a:tc>
-                <a:tc>
-                  <a:txBody>
-                    <a:bodyPr/>
-                    <a:lstStyle/>
-                    <a:p>
-                      <a:endParaRPr lang="en-US" sz="1800" dirty="0">
-                        <a:latin typeface="Arial" panose="020B0604020202020204" pitchFamily="34" charset="0"/>
-                        <a:cs typeface="Arial" panose="020B0604020202020204" pitchFamily="34" charset="0"/>
-                      </a:endParaRPr>
+                      <a:r>
+                        <a:rPr lang="en-US" sz="2400" dirty="0">
+                          <a:latin typeface="Arial" panose="020B0604020202020204" pitchFamily="34" charset="0"/>
+                          <a:cs typeface="Arial" panose="020B0604020202020204" pitchFamily="34" charset="0"/>
+                        </a:rPr>
+                        <a:t>3</a:t>
+                      </a:r>
                     </a:p>
                   </a:txBody>
                   <a:tcPr anchor="ctr"/>
@@ -8689,32 +7364,6 @@
                   </a:txBody>
                   <a:tcPr anchor="ctr"/>
                 </a:tc>
-                <a:tc>
-                  <a:txBody>
-                    <a:bodyPr/>
-                    <a:lstStyle/>
-                    <a:p>
-                      <a:endParaRPr lang="en-US" sz="1800" dirty="0">
-                        <a:latin typeface="Arial" panose="020B0604020202020204" pitchFamily="34" charset="0"/>
-                        <a:cs typeface="Arial" panose="020B0604020202020204" pitchFamily="34" charset="0"/>
-                      </a:endParaRPr>
-                    </a:p>
-                  </a:txBody>
-                  <a:tcPr anchor="ctr"/>
-                </a:tc>
-                <a:tc>
-                  <a:txBody>
-                    <a:bodyPr/>
-                    <a:lstStyle/>
-                    <a:p>
-                      <a:endParaRPr lang="en-US" sz="1800" dirty="0">
-                        <a:latin typeface="Arial" panose="020B0604020202020204" pitchFamily="34" charset="0"/>
-                        <a:cs typeface="Arial" panose="020B0604020202020204" pitchFamily="34" charset="0"/>
-                      </a:endParaRPr>
-                    </a:p>
-                  </a:txBody>
-                  <a:tcPr anchor="ctr"/>
-                </a:tc>
                 <a:extLst>
                   <a:ext uri="{0D108BD9-81ED-4DB2-BD59-A6C34878D82A}">
                     <a16:rowId xmlns:a16="http://schemas.microsoft.com/office/drawing/2014/main" val="741495083"/>
@@ -8758,32 +7407,6 @@
                   </a:txBody>
                   <a:tcPr anchor="ctr"/>
                 </a:tc>
-                <a:tc>
-                  <a:txBody>
-                    <a:bodyPr/>
-                    <a:lstStyle/>
-                    <a:p>
-                      <a:endParaRPr lang="en-US" sz="1800" dirty="0">
-                        <a:latin typeface="Arial" panose="020B0604020202020204" pitchFamily="34" charset="0"/>
-                        <a:cs typeface="Arial" panose="020B0604020202020204" pitchFamily="34" charset="0"/>
-                      </a:endParaRPr>
-                    </a:p>
-                  </a:txBody>
-                  <a:tcPr anchor="ctr"/>
-                </a:tc>
-                <a:tc>
-                  <a:txBody>
-                    <a:bodyPr/>
-                    <a:lstStyle/>
-                    <a:p>
-                      <a:endParaRPr lang="en-US" sz="1800" dirty="0">
-                        <a:latin typeface="Arial" panose="020B0604020202020204" pitchFamily="34" charset="0"/>
-                        <a:cs typeface="Arial" panose="020B0604020202020204" pitchFamily="34" charset="0"/>
-                      </a:endParaRPr>
-                    </a:p>
-                  </a:txBody>
-                  <a:tcPr anchor="ctr"/>
-                </a:tc>
                 <a:extLst>
                   <a:ext uri="{0D108BD9-81ED-4DB2-BD59-A6C34878D82A}">
                     <a16:rowId xmlns:a16="http://schemas.microsoft.com/office/drawing/2014/main" val="407375999"/>
@@ -8800,32 +7423,6 @@
                     </a:p>
                   </a:txBody>
                   <a:tcPr/>
-                </a:tc>
-                <a:tc>
-                  <a:txBody>
-                    <a:bodyPr/>
-                    <a:lstStyle/>
-                    <a:p>
-                      <a:endParaRPr lang="en-US" sz="1800" dirty="0">
-                        <a:latin typeface="Arial" panose="020B0604020202020204" pitchFamily="34" charset="0"/>
-                        <a:cs typeface="Arial" panose="020B0604020202020204" pitchFamily="34" charset="0"/>
-                      </a:endParaRPr>
-                    </a:p>
-                  </a:txBody>
-                  <a:tcPr anchor="ctr"/>
-                </a:tc>
-                <a:tc>
-                  <a:txBody>
-                    <a:bodyPr/>
-                    <a:lstStyle/>
-                    <a:p>
-                      <a:endParaRPr lang="en-US" sz="1800" dirty="0">
-                        <a:latin typeface="Arial" panose="020B0604020202020204" pitchFamily="34" charset="0"/>
-                        <a:cs typeface="Arial" panose="020B0604020202020204" pitchFamily="34" charset="0"/>
-                      </a:endParaRPr>
-                    </a:p>
-                  </a:txBody>
-                  <a:tcPr anchor="ctr"/>
                 </a:tc>
                 <a:tc>
                   <a:txBody>
@@ -8925,32 +7522,6 @@
                   </a:txBody>
                   <a:tcPr anchor="ctr"/>
                 </a:tc>
-                <a:tc>
-                  <a:txBody>
-                    <a:bodyPr/>
-                    <a:lstStyle/>
-                    <a:p>
-                      <a:endParaRPr lang="en-US" sz="1800" dirty="0">
-                        <a:latin typeface="Arial" panose="020B0604020202020204" pitchFamily="34" charset="0"/>
-                        <a:cs typeface="Arial" panose="020B0604020202020204" pitchFamily="34" charset="0"/>
-                      </a:endParaRPr>
-                    </a:p>
-                  </a:txBody>
-                  <a:tcPr anchor="ctr"/>
-                </a:tc>
-                <a:tc>
-                  <a:txBody>
-                    <a:bodyPr/>
-                    <a:lstStyle/>
-                    <a:p>
-                      <a:endParaRPr lang="en-US" sz="1800" dirty="0">
-                        <a:latin typeface="Arial" panose="020B0604020202020204" pitchFamily="34" charset="0"/>
-                        <a:cs typeface="Arial" panose="020B0604020202020204" pitchFamily="34" charset="0"/>
-                      </a:endParaRPr>
-                    </a:p>
-                  </a:txBody>
-                  <a:tcPr anchor="ctr"/>
-                </a:tc>
                 <a:extLst>
                   <a:ext uri="{0D108BD9-81ED-4DB2-BD59-A6C34878D82A}">
                     <a16:rowId xmlns:a16="http://schemas.microsoft.com/office/drawing/2014/main" val="3953925865"/>
@@ -8994,32 +7565,6 @@
                   </a:txBody>
                   <a:tcPr anchor="ctr"/>
                 </a:tc>
-                <a:tc>
-                  <a:txBody>
-                    <a:bodyPr/>
-                    <a:lstStyle/>
-                    <a:p>
-                      <a:endParaRPr lang="en-US" sz="1800" dirty="0">
-                        <a:latin typeface="Arial" panose="020B0604020202020204" pitchFamily="34" charset="0"/>
-                        <a:cs typeface="Arial" panose="020B0604020202020204" pitchFamily="34" charset="0"/>
-                      </a:endParaRPr>
-                    </a:p>
-                  </a:txBody>
-                  <a:tcPr anchor="ctr"/>
-                </a:tc>
-                <a:tc>
-                  <a:txBody>
-                    <a:bodyPr/>
-                    <a:lstStyle/>
-                    <a:p>
-                      <a:endParaRPr lang="en-US" sz="1800" dirty="0">
-                        <a:latin typeface="Arial" panose="020B0604020202020204" pitchFamily="34" charset="0"/>
-                        <a:cs typeface="Arial" panose="020B0604020202020204" pitchFamily="34" charset="0"/>
-                      </a:endParaRPr>
-                    </a:p>
-                  </a:txBody>
-                  <a:tcPr anchor="ctr"/>
-                </a:tc>
                 <a:extLst>
                   <a:ext uri="{0D108BD9-81ED-4DB2-BD59-A6C34878D82A}">
                     <a16:rowId xmlns:a16="http://schemas.microsoft.com/office/drawing/2014/main" val="4196659394"/>
@@ -9063,32 +7608,6 @@
                   </a:txBody>
                   <a:tcPr anchor="ctr"/>
                 </a:tc>
-                <a:tc>
-                  <a:txBody>
-                    <a:bodyPr/>
-                    <a:lstStyle/>
-                    <a:p>
-                      <a:endParaRPr lang="en-US" sz="1800" dirty="0">
-                        <a:latin typeface="Arial" panose="020B0604020202020204" pitchFamily="34" charset="0"/>
-                        <a:cs typeface="Arial" panose="020B0604020202020204" pitchFamily="34" charset="0"/>
-                      </a:endParaRPr>
-                    </a:p>
-                  </a:txBody>
-                  <a:tcPr anchor="ctr"/>
-                </a:tc>
-                <a:tc>
-                  <a:txBody>
-                    <a:bodyPr/>
-                    <a:lstStyle/>
-                    <a:p>
-                      <a:endParaRPr lang="en-US" sz="1800" dirty="0">
-                        <a:latin typeface="Arial" panose="020B0604020202020204" pitchFamily="34" charset="0"/>
-                        <a:cs typeface="Arial" panose="020B0604020202020204" pitchFamily="34" charset="0"/>
-                      </a:endParaRPr>
-                    </a:p>
-                  </a:txBody>
-                  <a:tcPr anchor="ctr"/>
-                </a:tc>
                 <a:extLst>
                   <a:ext uri="{0D108BD9-81ED-4DB2-BD59-A6C34878D82A}">
                     <a16:rowId xmlns:a16="http://schemas.microsoft.com/office/drawing/2014/main" val="1856707970"/>
@@ -9105,32 +7624,6 @@
                     </a:p>
                   </a:txBody>
                   <a:tcPr/>
-                </a:tc>
-                <a:tc>
-                  <a:txBody>
-                    <a:bodyPr/>
-                    <a:lstStyle/>
-                    <a:p>
-                      <a:endParaRPr lang="en-US" sz="1800" dirty="0">
-                        <a:latin typeface="Arial" panose="020B0604020202020204" pitchFamily="34" charset="0"/>
-                        <a:cs typeface="Arial" panose="020B0604020202020204" pitchFamily="34" charset="0"/>
-                      </a:endParaRPr>
-                    </a:p>
-                  </a:txBody>
-                  <a:tcPr anchor="ctr"/>
-                </a:tc>
-                <a:tc>
-                  <a:txBody>
-                    <a:bodyPr/>
-                    <a:lstStyle/>
-                    <a:p>
-                      <a:endParaRPr lang="en-US" sz="1800" dirty="0">
-                        <a:latin typeface="Arial" panose="020B0604020202020204" pitchFamily="34" charset="0"/>
-                        <a:cs typeface="Arial" panose="020B0604020202020204" pitchFamily="34" charset="0"/>
-                      </a:endParaRPr>
-                    </a:p>
-                  </a:txBody>
-                  <a:tcPr anchor="ctr"/>
                 </a:tc>
                 <a:tc>
                   <a:txBody>
@@ -9175,38 +7668,15 @@
                           <a:latin typeface="Arial" panose="020B0604020202020204" pitchFamily="34" charset="0"/>
                           <a:cs typeface="Arial" panose="020B0604020202020204" pitchFamily="34" charset="0"/>
                         </a:rPr>
-                        <a:t>Član 4</a:t>
+                        <a:t>Član </a:t>
                       </a:r>
-                      <a:endParaRPr lang="en-US" sz="2400" dirty="0">
-                        <a:latin typeface="Arial" panose="020B0604020202020204" pitchFamily="34" charset="0"/>
-                        <a:cs typeface="Arial" panose="020B0604020202020204" pitchFamily="34" charset="0"/>
-                      </a:endParaRPr>
-                    </a:p>
-                  </a:txBody>
-                  <a:tcPr anchor="ctr"/>
-                </a:tc>
-                <a:tc>
-                  <a:txBody>
-                    <a:bodyPr/>
-                    <a:lstStyle/>
-                    <a:p>
-                      <a:endParaRPr lang="en-US" sz="1800" dirty="0">
-                        <a:latin typeface="Arial" panose="020B0604020202020204" pitchFamily="34" charset="0"/>
-                        <a:cs typeface="Arial" panose="020B0604020202020204" pitchFamily="34" charset="0"/>
-                      </a:endParaRPr>
-                    </a:p>
-                  </a:txBody>
-                  <a:tcPr anchor="ctr"/>
-                </a:tc>
-                <a:tc>
-                  <a:txBody>
-                    <a:bodyPr/>
-                    <a:lstStyle/>
-                    <a:p>
-                      <a:endParaRPr lang="en-US" sz="1800" dirty="0">
-                        <a:latin typeface="Arial" panose="020B0604020202020204" pitchFamily="34" charset="0"/>
-                        <a:cs typeface="Arial" panose="020B0604020202020204" pitchFamily="34" charset="0"/>
-                      </a:endParaRPr>
+                      <a:r>
+                        <a:rPr lang="en-US" sz="2400" dirty="0">
+                          <a:latin typeface="Arial" panose="020B0604020202020204" pitchFamily="34" charset="0"/>
+                          <a:cs typeface="Arial" panose="020B0604020202020204" pitchFamily="34" charset="0"/>
+                        </a:rPr>
+                        <a:t>4</a:t>
+                      </a:r>
                     </a:p>
                   </a:txBody>
                   <a:tcPr anchor="ctr"/>
@@ -9280,32 +7750,6 @@
                   </a:txBody>
                   <a:tcPr anchor="ctr"/>
                 </a:tc>
-                <a:tc>
-                  <a:txBody>
-                    <a:bodyPr/>
-                    <a:lstStyle/>
-                    <a:p>
-                      <a:endParaRPr lang="en-US" sz="1800" dirty="0">
-                        <a:latin typeface="Arial" panose="020B0604020202020204" pitchFamily="34" charset="0"/>
-                        <a:cs typeface="Arial" panose="020B0604020202020204" pitchFamily="34" charset="0"/>
-                      </a:endParaRPr>
-                    </a:p>
-                  </a:txBody>
-                  <a:tcPr anchor="ctr"/>
-                </a:tc>
-                <a:tc>
-                  <a:txBody>
-                    <a:bodyPr/>
-                    <a:lstStyle/>
-                    <a:p>
-                      <a:endParaRPr lang="en-US" sz="1800" dirty="0">
-                        <a:latin typeface="Arial" panose="020B0604020202020204" pitchFamily="34" charset="0"/>
-                        <a:cs typeface="Arial" panose="020B0604020202020204" pitchFamily="34" charset="0"/>
-                      </a:endParaRPr>
-                    </a:p>
-                  </a:txBody>
-                  <a:tcPr anchor="ctr"/>
-                </a:tc>
                 <a:extLst>
                   <a:ext uri="{0D108BD9-81ED-4DB2-BD59-A6C34878D82A}">
                     <a16:rowId xmlns:a16="http://schemas.microsoft.com/office/drawing/2014/main" val="500200411"/>
@@ -9349,32 +7793,6 @@
                   </a:txBody>
                   <a:tcPr anchor="ctr"/>
                 </a:tc>
-                <a:tc>
-                  <a:txBody>
-                    <a:bodyPr/>
-                    <a:lstStyle/>
-                    <a:p>
-                      <a:endParaRPr lang="en-US" sz="1800" dirty="0">
-                        <a:latin typeface="Arial" panose="020B0604020202020204" pitchFamily="34" charset="0"/>
-                        <a:cs typeface="Arial" panose="020B0604020202020204" pitchFamily="34" charset="0"/>
-                      </a:endParaRPr>
-                    </a:p>
-                  </a:txBody>
-                  <a:tcPr anchor="ctr"/>
-                </a:tc>
-                <a:tc>
-                  <a:txBody>
-                    <a:bodyPr/>
-                    <a:lstStyle/>
-                    <a:p>
-                      <a:endParaRPr lang="en-US" sz="1800" dirty="0">
-                        <a:latin typeface="Arial" panose="020B0604020202020204" pitchFamily="34" charset="0"/>
-                        <a:cs typeface="Arial" panose="020B0604020202020204" pitchFamily="34" charset="0"/>
-                      </a:endParaRPr>
-                    </a:p>
-                  </a:txBody>
-                  <a:tcPr anchor="ctr"/>
-                </a:tc>
                 <a:extLst>
                   <a:ext uri="{0D108BD9-81ED-4DB2-BD59-A6C34878D82A}">
                     <a16:rowId xmlns:a16="http://schemas.microsoft.com/office/drawing/2014/main" val="894306909"/>
@@ -9391,32 +7809,6 @@
                     </a:p>
                   </a:txBody>
                   <a:tcPr/>
-                </a:tc>
-                <a:tc>
-                  <a:txBody>
-                    <a:bodyPr/>
-                    <a:lstStyle/>
-                    <a:p>
-                      <a:endParaRPr lang="en-US" sz="1800" dirty="0">
-                        <a:latin typeface="Arial" panose="020B0604020202020204" pitchFamily="34" charset="0"/>
-                        <a:cs typeface="Arial" panose="020B0604020202020204" pitchFamily="34" charset="0"/>
-                      </a:endParaRPr>
-                    </a:p>
-                  </a:txBody>
-                  <a:tcPr anchor="ctr"/>
-                </a:tc>
-                <a:tc>
-                  <a:txBody>
-                    <a:bodyPr/>
-                    <a:lstStyle/>
-                    <a:p>
-                      <a:endParaRPr lang="en-US" sz="1800" dirty="0">
-                        <a:latin typeface="Arial" panose="020B0604020202020204" pitchFamily="34" charset="0"/>
-                        <a:cs typeface="Arial" panose="020B0604020202020204" pitchFamily="34" charset="0"/>
-                      </a:endParaRPr>
-                    </a:p>
-                  </a:txBody>
-                  <a:tcPr anchor="ctr"/>
                 </a:tc>
                 <a:tc>
                   <a:txBody>
@@ -9507,32 +7899,6 @@
                   </a:txBody>
                   <a:tcPr anchor="ctr"/>
                 </a:tc>
-                <a:tc>
-                  <a:txBody>
-                    <a:bodyPr/>
-                    <a:lstStyle/>
-                    <a:p>
-                      <a:endParaRPr lang="en-US" sz="1800" dirty="0">
-                        <a:latin typeface="Arial" panose="020B0604020202020204" pitchFamily="34" charset="0"/>
-                        <a:cs typeface="Arial" panose="020B0604020202020204" pitchFamily="34" charset="0"/>
-                      </a:endParaRPr>
-                    </a:p>
-                  </a:txBody>
-                  <a:tcPr anchor="ctr"/>
-                </a:tc>
-                <a:tc>
-                  <a:txBody>
-                    <a:bodyPr/>
-                    <a:lstStyle/>
-                    <a:p>
-                      <a:endParaRPr lang="en-US" sz="1800" dirty="0">
-                        <a:latin typeface="Arial" panose="020B0604020202020204" pitchFamily="34" charset="0"/>
-                        <a:cs typeface="Arial" panose="020B0604020202020204" pitchFamily="34" charset="0"/>
-                      </a:endParaRPr>
-                    </a:p>
-                  </a:txBody>
-                  <a:tcPr anchor="ctr"/>
-                </a:tc>
                 <a:extLst>
                   <a:ext uri="{0D108BD9-81ED-4DB2-BD59-A6C34878D82A}">
                     <a16:rowId xmlns:a16="http://schemas.microsoft.com/office/drawing/2014/main" val="2258469179"/>
@@ -9576,32 +7942,6 @@
                   </a:txBody>
                   <a:tcPr anchor="ctr"/>
                 </a:tc>
-                <a:tc>
-                  <a:txBody>
-                    <a:bodyPr/>
-                    <a:lstStyle/>
-                    <a:p>
-                      <a:endParaRPr lang="en-US" sz="1800" dirty="0">
-                        <a:latin typeface="Arial" panose="020B0604020202020204" pitchFamily="34" charset="0"/>
-                        <a:cs typeface="Arial" panose="020B0604020202020204" pitchFamily="34" charset="0"/>
-                      </a:endParaRPr>
-                    </a:p>
-                  </a:txBody>
-                  <a:tcPr anchor="ctr"/>
-                </a:tc>
-                <a:tc>
-                  <a:txBody>
-                    <a:bodyPr/>
-                    <a:lstStyle/>
-                    <a:p>
-                      <a:endParaRPr lang="en-US" sz="1800" dirty="0">
-                        <a:latin typeface="Arial" panose="020B0604020202020204" pitchFamily="34" charset="0"/>
-                        <a:cs typeface="Arial" panose="020B0604020202020204" pitchFamily="34" charset="0"/>
-                      </a:endParaRPr>
-                    </a:p>
-                  </a:txBody>
-                  <a:tcPr anchor="ctr"/>
-                </a:tc>
                 <a:extLst>
                   <a:ext uri="{0D108BD9-81ED-4DB2-BD59-A6C34878D82A}">
                     <a16:rowId xmlns:a16="http://schemas.microsoft.com/office/drawing/2014/main" val="3385457170"/>
@@ -9645,32 +7985,6 @@
                   </a:txBody>
                   <a:tcPr anchor="ctr"/>
                 </a:tc>
-                <a:tc>
-                  <a:txBody>
-                    <a:bodyPr/>
-                    <a:lstStyle/>
-                    <a:p>
-                      <a:endParaRPr lang="en-US" sz="1800" dirty="0">
-                        <a:latin typeface="Arial" panose="020B0604020202020204" pitchFamily="34" charset="0"/>
-                        <a:cs typeface="Arial" panose="020B0604020202020204" pitchFamily="34" charset="0"/>
-                      </a:endParaRPr>
-                    </a:p>
-                  </a:txBody>
-                  <a:tcPr anchor="ctr"/>
-                </a:tc>
-                <a:tc>
-                  <a:txBody>
-                    <a:bodyPr/>
-                    <a:lstStyle/>
-                    <a:p>
-                      <a:endParaRPr lang="en-US" sz="1800" dirty="0">
-                        <a:latin typeface="Arial" panose="020B0604020202020204" pitchFamily="34" charset="0"/>
-                        <a:cs typeface="Arial" panose="020B0604020202020204" pitchFamily="34" charset="0"/>
-                      </a:endParaRPr>
-                    </a:p>
-                  </a:txBody>
-                  <a:tcPr anchor="ctr"/>
-                </a:tc>
                 <a:extLst>
                   <a:ext uri="{0D108BD9-81ED-4DB2-BD59-A6C34878D82A}">
                     <a16:rowId xmlns:a16="http://schemas.microsoft.com/office/drawing/2014/main" val="1285668822"/>
@@ -9687,32 +8001,6 @@
                     </a:p>
                   </a:txBody>
                   <a:tcPr/>
-                </a:tc>
-                <a:tc>
-                  <a:txBody>
-                    <a:bodyPr/>
-                    <a:lstStyle/>
-                    <a:p>
-                      <a:endParaRPr lang="en-US" sz="1800" dirty="0">
-                        <a:latin typeface="Arial" panose="020B0604020202020204" pitchFamily="34" charset="0"/>
-                        <a:cs typeface="Arial" panose="020B0604020202020204" pitchFamily="34" charset="0"/>
-                      </a:endParaRPr>
-                    </a:p>
-                  </a:txBody>
-                  <a:tcPr anchor="ctr"/>
-                </a:tc>
-                <a:tc>
-                  <a:txBody>
-                    <a:bodyPr/>
-                    <a:lstStyle/>
-                    <a:p>
-                      <a:endParaRPr lang="en-US" sz="1800" dirty="0">
-                        <a:latin typeface="Arial" panose="020B0604020202020204" pitchFamily="34" charset="0"/>
-                        <a:cs typeface="Arial" panose="020B0604020202020204" pitchFamily="34" charset="0"/>
-                      </a:endParaRPr>
-                    </a:p>
-                  </a:txBody>
-                  <a:tcPr anchor="ctr"/>
                 </a:tc>
                 <a:tc>
                   <a:txBody>
@@ -9753,7 +8041,7 @@
     </p:spTree>
     <p:extLst>
       <p:ext uri="{BB962C8B-B14F-4D97-AF65-F5344CB8AC3E}">
-        <p14:creationId xmlns:p14="http://schemas.microsoft.com/office/powerpoint/2010/main" val="3116106981"/>
+        <p14:creationId xmlns:p14="http://schemas.microsoft.com/office/powerpoint/2010/main" val="437451310"/>
       </p:ext>
     </p:extLst>
   </p:cSld>
@@ -9795,14 +8083,14 @@
           <p:nvPr>
             <p:extLst>
               <p:ext uri="{D42A27DB-BD31-4B8C-83A1-F6EECF244321}">
-                <p14:modId xmlns:p14="http://schemas.microsoft.com/office/powerpoint/2010/main" val="822376112"/>
+                <p14:modId xmlns:p14="http://schemas.microsoft.com/office/powerpoint/2010/main" val="3596118956"/>
               </p:ext>
             </p:extLst>
           </p:nvPr>
         </p:nvGraphicFramePr>
         <p:xfrm>
           <a:off x="0" y="-25054"/>
-          <a:ext cx="12192000" cy="6907870"/>
+          <a:ext cx="12204192" cy="6858007"/>
         </p:xfrm>
         <a:graphic>
           <a:graphicData uri="http://schemas.openxmlformats.org/drawingml/2006/table">
@@ -9818,28 +8106,14 @@
                     </a:ext>
                   </a:extLst>
                 </a:gridCol>
-                <a:gridCol w="6048679">
+                <a:gridCol w="7784007">
                   <a:extLst>
                     <a:ext uri="{9D8B030D-6E8A-4147-A177-3AD203B41FA5}">
                       <a16:colId xmlns:a16="http://schemas.microsoft.com/office/drawing/2014/main" val="1209773232"/>
                     </a:ext>
                   </a:extLst>
                 </a:gridCol>
-                <a:gridCol w="1354667">
-                  <a:extLst>
-                    <a:ext uri="{9D8B030D-6E8A-4147-A177-3AD203B41FA5}">
-                      <a16:colId xmlns:a16="http://schemas.microsoft.com/office/drawing/2014/main" val="158251857"/>
-                    </a:ext>
-                  </a:extLst>
-                </a:gridCol>
-                <a:gridCol w="1354666">
-                  <a:extLst>
-                    <a:ext uri="{9D8B030D-6E8A-4147-A177-3AD203B41FA5}">
-                      <a16:colId xmlns:a16="http://schemas.microsoft.com/office/drawing/2014/main" val="545691634"/>
-                    </a:ext>
-                  </a:extLst>
-                </a:gridCol>
-                <a:gridCol w="1354667">
+                <a:gridCol w="2340864">
                   <a:extLst>
                     <a:ext uri="{9D8B030D-6E8A-4147-A177-3AD203B41FA5}">
                       <a16:colId xmlns:a16="http://schemas.microsoft.com/office/drawing/2014/main" val="3865287554"/>
@@ -9879,46 +8153,6 @@
                           <a:cs typeface="Arial" panose="020B0604020202020204" pitchFamily="34" charset="0"/>
                         </a:rPr>
                         <a:t>Kratak opis preuzete priče</a:t>
-                      </a:r>
-                      <a:endParaRPr lang="en-US" sz="2400" dirty="0">
-                        <a:latin typeface="Arial" panose="020B0604020202020204" pitchFamily="34" charset="0"/>
-                        <a:cs typeface="Arial" panose="020B0604020202020204" pitchFamily="34" charset="0"/>
-                      </a:endParaRPr>
-                    </a:p>
-                  </a:txBody>
-                  <a:tcPr anchor="ctr"/>
-                </a:tc>
-                <a:tc>
-                  <a:txBody>
-                    <a:bodyPr/>
-                    <a:lstStyle/>
-                    <a:p>
-                      <a:r>
-                        <a:rPr lang="sr-Latn-RS" sz="1800" dirty="0">
-                          <a:latin typeface="Arial" panose="020B0604020202020204" pitchFamily="34" charset="0"/>
-                          <a:cs typeface="Arial" panose="020B0604020202020204" pitchFamily="34" charset="0"/>
-                        </a:rPr>
-                        <a:t>Procena poena</a:t>
-                      </a:r>
-                      <a:endParaRPr lang="en-US" sz="1800" dirty="0">
-                        <a:latin typeface="Arial" panose="020B0604020202020204" pitchFamily="34" charset="0"/>
-                        <a:cs typeface="Arial" panose="020B0604020202020204" pitchFamily="34" charset="0"/>
-                      </a:endParaRPr>
-                    </a:p>
-                  </a:txBody>
-                  <a:tcPr anchor="ctr"/>
-                </a:tc>
-                <a:tc>
-                  <a:txBody>
-                    <a:bodyPr/>
-                    <a:lstStyle/>
-                    <a:p>
-                      <a:r>
-                        <a:rPr lang="sr-Latn-RS" sz="1800" dirty="0">
-                          <a:latin typeface="Arial" panose="020B0604020202020204" pitchFamily="34" charset="0"/>
-                          <a:cs typeface="Arial" panose="020B0604020202020204" pitchFamily="34" charset="0"/>
-                        </a:rPr>
-                        <a:t>Stvarno poena</a:t>
                       </a:r>
                       <a:endParaRPr lang="en-US" sz="2400" dirty="0">
                         <a:latin typeface="Arial" panose="020B0604020202020204" pitchFamily="34" charset="0"/>
@@ -10004,32 +8238,6 @@
                   </a:txBody>
                   <a:tcPr anchor="ctr"/>
                 </a:tc>
-                <a:tc>
-                  <a:txBody>
-                    <a:bodyPr/>
-                    <a:lstStyle/>
-                    <a:p>
-                      <a:endParaRPr lang="en-US" sz="1800" dirty="0">
-                        <a:latin typeface="Arial" panose="020B0604020202020204" pitchFamily="34" charset="0"/>
-                        <a:cs typeface="Arial" panose="020B0604020202020204" pitchFamily="34" charset="0"/>
-                      </a:endParaRPr>
-                    </a:p>
-                  </a:txBody>
-                  <a:tcPr anchor="ctr"/>
-                </a:tc>
-                <a:tc>
-                  <a:txBody>
-                    <a:bodyPr/>
-                    <a:lstStyle/>
-                    <a:p>
-                      <a:endParaRPr lang="en-US" sz="1800" dirty="0">
-                        <a:latin typeface="Arial" panose="020B0604020202020204" pitchFamily="34" charset="0"/>
-                        <a:cs typeface="Arial" panose="020B0604020202020204" pitchFamily="34" charset="0"/>
-                      </a:endParaRPr>
-                    </a:p>
-                  </a:txBody>
-                  <a:tcPr anchor="ctr"/>
-                </a:tc>
                 <a:extLst>
                   <a:ext uri="{0D108BD9-81ED-4DB2-BD59-A6C34878D82A}">
                     <a16:rowId xmlns:a16="http://schemas.microsoft.com/office/drawing/2014/main" val="264378487"/>
@@ -10073,32 +8281,6 @@
                   </a:txBody>
                   <a:tcPr anchor="ctr"/>
                 </a:tc>
-                <a:tc>
-                  <a:txBody>
-                    <a:bodyPr/>
-                    <a:lstStyle/>
-                    <a:p>
-                      <a:endParaRPr lang="en-US" sz="1800" dirty="0">
-                        <a:latin typeface="Arial" panose="020B0604020202020204" pitchFamily="34" charset="0"/>
-                        <a:cs typeface="Arial" panose="020B0604020202020204" pitchFamily="34" charset="0"/>
-                      </a:endParaRPr>
-                    </a:p>
-                  </a:txBody>
-                  <a:tcPr anchor="ctr"/>
-                </a:tc>
-                <a:tc>
-                  <a:txBody>
-                    <a:bodyPr/>
-                    <a:lstStyle/>
-                    <a:p>
-                      <a:endParaRPr lang="en-US" sz="1800" dirty="0">
-                        <a:latin typeface="Arial" panose="020B0604020202020204" pitchFamily="34" charset="0"/>
-                        <a:cs typeface="Arial" panose="020B0604020202020204" pitchFamily="34" charset="0"/>
-                      </a:endParaRPr>
-                    </a:p>
-                  </a:txBody>
-                  <a:tcPr anchor="ctr"/>
-                </a:tc>
                 <a:extLst>
                   <a:ext uri="{0D108BD9-81ED-4DB2-BD59-A6C34878D82A}">
                     <a16:rowId xmlns:a16="http://schemas.microsoft.com/office/drawing/2014/main" val="741495083"/>
@@ -10142,32 +8324,6 @@
                   </a:txBody>
                   <a:tcPr anchor="ctr"/>
                 </a:tc>
-                <a:tc>
-                  <a:txBody>
-                    <a:bodyPr/>
-                    <a:lstStyle/>
-                    <a:p>
-                      <a:endParaRPr lang="en-US" sz="1800" dirty="0">
-                        <a:latin typeface="Arial" panose="020B0604020202020204" pitchFamily="34" charset="0"/>
-                        <a:cs typeface="Arial" panose="020B0604020202020204" pitchFamily="34" charset="0"/>
-                      </a:endParaRPr>
-                    </a:p>
-                  </a:txBody>
-                  <a:tcPr anchor="ctr"/>
-                </a:tc>
-                <a:tc>
-                  <a:txBody>
-                    <a:bodyPr/>
-                    <a:lstStyle/>
-                    <a:p>
-                      <a:endParaRPr lang="en-US" sz="1800" dirty="0">
-                        <a:latin typeface="Arial" panose="020B0604020202020204" pitchFamily="34" charset="0"/>
-                        <a:cs typeface="Arial" panose="020B0604020202020204" pitchFamily="34" charset="0"/>
-                      </a:endParaRPr>
-                    </a:p>
-                  </a:txBody>
-                  <a:tcPr anchor="ctr"/>
-                </a:tc>
                 <a:extLst>
                   <a:ext uri="{0D108BD9-81ED-4DB2-BD59-A6C34878D82A}">
                     <a16:rowId xmlns:a16="http://schemas.microsoft.com/office/drawing/2014/main" val="407375999"/>
@@ -10184,32 +8340,6 @@
                     </a:p>
                   </a:txBody>
                   <a:tcPr/>
-                </a:tc>
-                <a:tc>
-                  <a:txBody>
-                    <a:bodyPr/>
-                    <a:lstStyle/>
-                    <a:p>
-                      <a:endParaRPr lang="en-US" sz="1800" dirty="0">
-                        <a:latin typeface="Arial" panose="020B0604020202020204" pitchFamily="34" charset="0"/>
-                        <a:cs typeface="Arial" panose="020B0604020202020204" pitchFamily="34" charset="0"/>
-                      </a:endParaRPr>
-                    </a:p>
-                  </a:txBody>
-                  <a:tcPr anchor="ctr"/>
-                </a:tc>
-                <a:tc>
-                  <a:txBody>
-                    <a:bodyPr/>
-                    <a:lstStyle/>
-                    <a:p>
-                      <a:endParaRPr lang="en-US" sz="1800" dirty="0">
-                        <a:latin typeface="Arial" panose="020B0604020202020204" pitchFamily="34" charset="0"/>
-                        <a:cs typeface="Arial" panose="020B0604020202020204" pitchFamily="34" charset="0"/>
-                      </a:endParaRPr>
-                    </a:p>
-                  </a:txBody>
-                  <a:tcPr anchor="ctr"/>
                 </a:tc>
                 <a:tc>
                   <a:txBody>
@@ -10309,32 +8439,6 @@
                   </a:txBody>
                   <a:tcPr anchor="ctr"/>
                 </a:tc>
-                <a:tc>
-                  <a:txBody>
-                    <a:bodyPr/>
-                    <a:lstStyle/>
-                    <a:p>
-                      <a:endParaRPr lang="en-US" sz="1800" dirty="0">
-                        <a:latin typeface="Arial" panose="020B0604020202020204" pitchFamily="34" charset="0"/>
-                        <a:cs typeface="Arial" panose="020B0604020202020204" pitchFamily="34" charset="0"/>
-                      </a:endParaRPr>
-                    </a:p>
-                  </a:txBody>
-                  <a:tcPr anchor="ctr"/>
-                </a:tc>
-                <a:tc>
-                  <a:txBody>
-                    <a:bodyPr/>
-                    <a:lstStyle/>
-                    <a:p>
-                      <a:endParaRPr lang="en-US" sz="1800" dirty="0">
-                        <a:latin typeface="Arial" panose="020B0604020202020204" pitchFamily="34" charset="0"/>
-                        <a:cs typeface="Arial" panose="020B0604020202020204" pitchFamily="34" charset="0"/>
-                      </a:endParaRPr>
-                    </a:p>
-                  </a:txBody>
-                  <a:tcPr anchor="ctr"/>
-                </a:tc>
                 <a:extLst>
                   <a:ext uri="{0D108BD9-81ED-4DB2-BD59-A6C34878D82A}">
                     <a16:rowId xmlns:a16="http://schemas.microsoft.com/office/drawing/2014/main" val="3953925865"/>
@@ -10378,32 +8482,6 @@
                   </a:txBody>
                   <a:tcPr anchor="ctr"/>
                 </a:tc>
-                <a:tc>
-                  <a:txBody>
-                    <a:bodyPr/>
-                    <a:lstStyle/>
-                    <a:p>
-                      <a:endParaRPr lang="en-US" sz="1800" dirty="0">
-                        <a:latin typeface="Arial" panose="020B0604020202020204" pitchFamily="34" charset="0"/>
-                        <a:cs typeface="Arial" panose="020B0604020202020204" pitchFamily="34" charset="0"/>
-                      </a:endParaRPr>
-                    </a:p>
-                  </a:txBody>
-                  <a:tcPr anchor="ctr"/>
-                </a:tc>
-                <a:tc>
-                  <a:txBody>
-                    <a:bodyPr/>
-                    <a:lstStyle/>
-                    <a:p>
-                      <a:endParaRPr lang="en-US" sz="1800" dirty="0">
-                        <a:latin typeface="Arial" panose="020B0604020202020204" pitchFamily="34" charset="0"/>
-                        <a:cs typeface="Arial" panose="020B0604020202020204" pitchFamily="34" charset="0"/>
-                      </a:endParaRPr>
-                    </a:p>
-                  </a:txBody>
-                  <a:tcPr anchor="ctr"/>
-                </a:tc>
                 <a:extLst>
                   <a:ext uri="{0D108BD9-81ED-4DB2-BD59-A6C34878D82A}">
                     <a16:rowId xmlns:a16="http://schemas.microsoft.com/office/drawing/2014/main" val="4196659394"/>
@@ -10447,32 +8525,6 @@
                   </a:txBody>
                   <a:tcPr anchor="ctr"/>
                 </a:tc>
-                <a:tc>
-                  <a:txBody>
-                    <a:bodyPr/>
-                    <a:lstStyle/>
-                    <a:p>
-                      <a:endParaRPr lang="en-US" sz="1800" dirty="0">
-                        <a:latin typeface="Arial" panose="020B0604020202020204" pitchFamily="34" charset="0"/>
-                        <a:cs typeface="Arial" panose="020B0604020202020204" pitchFamily="34" charset="0"/>
-                      </a:endParaRPr>
-                    </a:p>
-                  </a:txBody>
-                  <a:tcPr anchor="ctr"/>
-                </a:tc>
-                <a:tc>
-                  <a:txBody>
-                    <a:bodyPr/>
-                    <a:lstStyle/>
-                    <a:p>
-                      <a:endParaRPr lang="en-US" sz="1800" dirty="0">
-                        <a:latin typeface="Arial" panose="020B0604020202020204" pitchFamily="34" charset="0"/>
-                        <a:cs typeface="Arial" panose="020B0604020202020204" pitchFamily="34" charset="0"/>
-                      </a:endParaRPr>
-                    </a:p>
-                  </a:txBody>
-                  <a:tcPr anchor="ctr"/>
-                </a:tc>
                 <a:extLst>
                   <a:ext uri="{0D108BD9-81ED-4DB2-BD59-A6C34878D82A}">
                     <a16:rowId xmlns:a16="http://schemas.microsoft.com/office/drawing/2014/main" val="1856707970"/>
@@ -10489,32 +8541,6 @@
                     </a:p>
                   </a:txBody>
                   <a:tcPr/>
-                </a:tc>
-                <a:tc>
-                  <a:txBody>
-                    <a:bodyPr/>
-                    <a:lstStyle/>
-                    <a:p>
-                      <a:endParaRPr lang="en-US" sz="1800" dirty="0">
-                        <a:latin typeface="Arial" panose="020B0604020202020204" pitchFamily="34" charset="0"/>
-                        <a:cs typeface="Arial" panose="020B0604020202020204" pitchFamily="34" charset="0"/>
-                      </a:endParaRPr>
-                    </a:p>
-                  </a:txBody>
-                  <a:tcPr anchor="ctr"/>
-                </a:tc>
-                <a:tc>
-                  <a:txBody>
-                    <a:bodyPr/>
-                    <a:lstStyle/>
-                    <a:p>
-                      <a:endParaRPr lang="en-US" sz="1800" dirty="0">
-                        <a:latin typeface="Arial" panose="020B0604020202020204" pitchFamily="34" charset="0"/>
-                        <a:cs typeface="Arial" panose="020B0604020202020204" pitchFamily="34" charset="0"/>
-                      </a:endParaRPr>
-                    </a:p>
-                  </a:txBody>
-                  <a:tcPr anchor="ctr"/>
                 </a:tc>
                 <a:tc>
                   <a:txBody>
@@ -10598,32 +8624,6 @@
                   </a:txBody>
                   <a:tcPr anchor="ctr"/>
                 </a:tc>
-                <a:tc>
-                  <a:txBody>
-                    <a:bodyPr/>
-                    <a:lstStyle/>
-                    <a:p>
-                      <a:endParaRPr lang="en-US" sz="1800" dirty="0">
-                        <a:latin typeface="Arial" panose="020B0604020202020204" pitchFamily="34" charset="0"/>
-                        <a:cs typeface="Arial" panose="020B0604020202020204" pitchFamily="34" charset="0"/>
-                      </a:endParaRPr>
-                    </a:p>
-                  </a:txBody>
-                  <a:tcPr anchor="ctr"/>
-                </a:tc>
-                <a:tc>
-                  <a:txBody>
-                    <a:bodyPr/>
-                    <a:lstStyle/>
-                    <a:p>
-                      <a:endParaRPr lang="en-US" sz="1800" dirty="0">
-                        <a:latin typeface="Arial" panose="020B0604020202020204" pitchFamily="34" charset="0"/>
-                        <a:cs typeface="Arial" panose="020B0604020202020204" pitchFamily="34" charset="0"/>
-                      </a:endParaRPr>
-                    </a:p>
-                  </a:txBody>
-                  <a:tcPr anchor="ctr"/>
-                </a:tc>
                 <a:extLst>
                   <a:ext uri="{0D108BD9-81ED-4DB2-BD59-A6C34878D82A}">
                     <a16:rowId xmlns:a16="http://schemas.microsoft.com/office/drawing/2014/main" val="1615706111"/>
@@ -10667,32 +8667,6 @@
                   </a:txBody>
                   <a:tcPr anchor="ctr"/>
                 </a:tc>
-                <a:tc>
-                  <a:txBody>
-                    <a:bodyPr/>
-                    <a:lstStyle/>
-                    <a:p>
-                      <a:endParaRPr lang="en-US" sz="1800" dirty="0">
-                        <a:latin typeface="Arial" panose="020B0604020202020204" pitchFamily="34" charset="0"/>
-                        <a:cs typeface="Arial" panose="020B0604020202020204" pitchFamily="34" charset="0"/>
-                      </a:endParaRPr>
-                    </a:p>
-                  </a:txBody>
-                  <a:tcPr anchor="ctr"/>
-                </a:tc>
-                <a:tc>
-                  <a:txBody>
-                    <a:bodyPr/>
-                    <a:lstStyle/>
-                    <a:p>
-                      <a:endParaRPr lang="en-US" sz="1800" dirty="0">
-                        <a:latin typeface="Arial" panose="020B0604020202020204" pitchFamily="34" charset="0"/>
-                        <a:cs typeface="Arial" panose="020B0604020202020204" pitchFamily="34" charset="0"/>
-                      </a:endParaRPr>
-                    </a:p>
-                  </a:txBody>
-                  <a:tcPr anchor="ctr"/>
-                </a:tc>
                 <a:extLst>
                   <a:ext uri="{0D108BD9-81ED-4DB2-BD59-A6C34878D82A}">
                     <a16:rowId xmlns:a16="http://schemas.microsoft.com/office/drawing/2014/main" val="500200411"/>
@@ -10736,32 +8710,6 @@
                   </a:txBody>
                   <a:tcPr anchor="ctr"/>
                 </a:tc>
-                <a:tc>
-                  <a:txBody>
-                    <a:bodyPr/>
-                    <a:lstStyle/>
-                    <a:p>
-                      <a:endParaRPr lang="en-US" sz="1800" dirty="0">
-                        <a:latin typeface="Arial" panose="020B0604020202020204" pitchFamily="34" charset="0"/>
-                        <a:cs typeface="Arial" panose="020B0604020202020204" pitchFamily="34" charset="0"/>
-                      </a:endParaRPr>
-                    </a:p>
-                  </a:txBody>
-                  <a:tcPr anchor="ctr"/>
-                </a:tc>
-                <a:tc>
-                  <a:txBody>
-                    <a:bodyPr/>
-                    <a:lstStyle/>
-                    <a:p>
-                      <a:endParaRPr lang="en-US" sz="1800" dirty="0">
-                        <a:latin typeface="Arial" panose="020B0604020202020204" pitchFamily="34" charset="0"/>
-                        <a:cs typeface="Arial" panose="020B0604020202020204" pitchFamily="34" charset="0"/>
-                      </a:endParaRPr>
-                    </a:p>
-                  </a:txBody>
-                  <a:tcPr anchor="ctr"/>
-                </a:tc>
                 <a:extLst>
                   <a:ext uri="{0D108BD9-81ED-4DB2-BD59-A6C34878D82A}">
                     <a16:rowId xmlns:a16="http://schemas.microsoft.com/office/drawing/2014/main" val="894306909"/>
@@ -10778,32 +8726,6 @@
                     </a:p>
                   </a:txBody>
                   <a:tcPr/>
-                </a:tc>
-                <a:tc>
-                  <a:txBody>
-                    <a:bodyPr/>
-                    <a:lstStyle/>
-                    <a:p>
-                      <a:endParaRPr lang="en-US" sz="1800" dirty="0">
-                        <a:latin typeface="Arial" panose="020B0604020202020204" pitchFamily="34" charset="0"/>
-                        <a:cs typeface="Arial" panose="020B0604020202020204" pitchFamily="34" charset="0"/>
-                      </a:endParaRPr>
-                    </a:p>
-                  </a:txBody>
-                  <a:tcPr anchor="ctr"/>
-                </a:tc>
-                <a:tc>
-                  <a:txBody>
-                    <a:bodyPr/>
-                    <a:lstStyle/>
-                    <a:p>
-                      <a:endParaRPr lang="en-US" sz="1800" dirty="0">
-                        <a:latin typeface="Arial" panose="020B0604020202020204" pitchFamily="34" charset="0"/>
-                        <a:cs typeface="Arial" panose="020B0604020202020204" pitchFamily="34" charset="0"/>
-                      </a:endParaRPr>
-                    </a:p>
-                  </a:txBody>
-                  <a:tcPr anchor="ctr"/>
                 </a:tc>
                 <a:tc>
                   <a:txBody>
@@ -10894,32 +8816,6 @@
                   </a:txBody>
                   <a:tcPr anchor="ctr"/>
                 </a:tc>
-                <a:tc>
-                  <a:txBody>
-                    <a:bodyPr/>
-                    <a:lstStyle/>
-                    <a:p>
-                      <a:endParaRPr lang="en-US" sz="1800" dirty="0">
-                        <a:latin typeface="Arial" panose="020B0604020202020204" pitchFamily="34" charset="0"/>
-                        <a:cs typeface="Arial" panose="020B0604020202020204" pitchFamily="34" charset="0"/>
-                      </a:endParaRPr>
-                    </a:p>
-                  </a:txBody>
-                  <a:tcPr anchor="ctr"/>
-                </a:tc>
-                <a:tc>
-                  <a:txBody>
-                    <a:bodyPr/>
-                    <a:lstStyle/>
-                    <a:p>
-                      <a:endParaRPr lang="en-US" sz="1800" dirty="0">
-                        <a:latin typeface="Arial" panose="020B0604020202020204" pitchFamily="34" charset="0"/>
-                        <a:cs typeface="Arial" panose="020B0604020202020204" pitchFamily="34" charset="0"/>
-                      </a:endParaRPr>
-                    </a:p>
-                  </a:txBody>
-                  <a:tcPr anchor="ctr"/>
-                </a:tc>
                 <a:extLst>
                   <a:ext uri="{0D108BD9-81ED-4DB2-BD59-A6C34878D82A}">
                     <a16:rowId xmlns:a16="http://schemas.microsoft.com/office/drawing/2014/main" val="2258469179"/>
@@ -10963,32 +8859,6 @@
                   </a:txBody>
                   <a:tcPr anchor="ctr"/>
                 </a:tc>
-                <a:tc>
-                  <a:txBody>
-                    <a:bodyPr/>
-                    <a:lstStyle/>
-                    <a:p>
-                      <a:endParaRPr lang="en-US" sz="1800" dirty="0">
-                        <a:latin typeface="Arial" panose="020B0604020202020204" pitchFamily="34" charset="0"/>
-                        <a:cs typeface="Arial" panose="020B0604020202020204" pitchFamily="34" charset="0"/>
-                      </a:endParaRPr>
-                    </a:p>
-                  </a:txBody>
-                  <a:tcPr anchor="ctr"/>
-                </a:tc>
-                <a:tc>
-                  <a:txBody>
-                    <a:bodyPr/>
-                    <a:lstStyle/>
-                    <a:p>
-                      <a:endParaRPr lang="en-US" sz="1800" dirty="0">
-                        <a:latin typeface="Arial" panose="020B0604020202020204" pitchFamily="34" charset="0"/>
-                        <a:cs typeface="Arial" panose="020B0604020202020204" pitchFamily="34" charset="0"/>
-                      </a:endParaRPr>
-                    </a:p>
-                  </a:txBody>
-                  <a:tcPr anchor="ctr"/>
-                </a:tc>
                 <a:extLst>
                   <a:ext uri="{0D108BD9-81ED-4DB2-BD59-A6C34878D82A}">
                     <a16:rowId xmlns:a16="http://schemas.microsoft.com/office/drawing/2014/main" val="3385457170"/>
@@ -11032,32 +8902,6 @@
                   </a:txBody>
                   <a:tcPr anchor="ctr"/>
                 </a:tc>
-                <a:tc>
-                  <a:txBody>
-                    <a:bodyPr/>
-                    <a:lstStyle/>
-                    <a:p>
-                      <a:endParaRPr lang="en-US" sz="1800" dirty="0">
-                        <a:latin typeface="Arial" panose="020B0604020202020204" pitchFamily="34" charset="0"/>
-                        <a:cs typeface="Arial" panose="020B0604020202020204" pitchFamily="34" charset="0"/>
-                      </a:endParaRPr>
-                    </a:p>
-                  </a:txBody>
-                  <a:tcPr anchor="ctr"/>
-                </a:tc>
-                <a:tc>
-                  <a:txBody>
-                    <a:bodyPr/>
-                    <a:lstStyle/>
-                    <a:p>
-                      <a:endParaRPr lang="en-US" sz="1800" dirty="0">
-                        <a:latin typeface="Arial" panose="020B0604020202020204" pitchFamily="34" charset="0"/>
-                        <a:cs typeface="Arial" panose="020B0604020202020204" pitchFamily="34" charset="0"/>
-                      </a:endParaRPr>
-                    </a:p>
-                  </a:txBody>
-                  <a:tcPr anchor="ctr"/>
-                </a:tc>
                 <a:extLst>
                   <a:ext uri="{0D108BD9-81ED-4DB2-BD59-A6C34878D82A}">
                     <a16:rowId xmlns:a16="http://schemas.microsoft.com/office/drawing/2014/main" val="1285668822"/>
@@ -11074,32 +8918,6 @@
                     </a:p>
                   </a:txBody>
                   <a:tcPr/>
-                </a:tc>
-                <a:tc>
-                  <a:txBody>
-                    <a:bodyPr/>
-                    <a:lstStyle/>
-                    <a:p>
-                      <a:endParaRPr lang="en-US" sz="1800" dirty="0">
-                        <a:latin typeface="Arial" panose="020B0604020202020204" pitchFamily="34" charset="0"/>
-                        <a:cs typeface="Arial" panose="020B0604020202020204" pitchFamily="34" charset="0"/>
-                      </a:endParaRPr>
-                    </a:p>
-                  </a:txBody>
-                  <a:tcPr anchor="ctr"/>
-                </a:tc>
-                <a:tc>
-                  <a:txBody>
-                    <a:bodyPr/>
-                    <a:lstStyle/>
-                    <a:p>
-                      <a:endParaRPr lang="en-US" sz="1800" dirty="0">
-                        <a:latin typeface="Arial" panose="020B0604020202020204" pitchFamily="34" charset="0"/>
-                        <a:cs typeface="Arial" panose="020B0604020202020204" pitchFamily="34" charset="0"/>
-                      </a:endParaRPr>
-                    </a:p>
-                  </a:txBody>
-                  <a:tcPr anchor="ctr"/>
                 </a:tc>
                 <a:tc>
                   <a:txBody>
@@ -11140,7 +8958,7 @@
     </p:spTree>
     <p:extLst>
       <p:ext uri="{BB962C8B-B14F-4D97-AF65-F5344CB8AC3E}">
-        <p14:creationId xmlns:p14="http://schemas.microsoft.com/office/powerpoint/2010/main" val="2733041070"/>
+        <p14:creationId xmlns:p14="http://schemas.microsoft.com/office/powerpoint/2010/main" val="3270257064"/>
       </p:ext>
     </p:extLst>
   </p:cSld>
@@ -11182,14 +9000,14 @@
           <p:nvPr>
             <p:extLst>
               <p:ext uri="{D42A27DB-BD31-4B8C-83A1-F6EECF244321}">
-                <p14:modId xmlns:p14="http://schemas.microsoft.com/office/powerpoint/2010/main" val="700634126"/>
+                <p14:modId xmlns:p14="http://schemas.microsoft.com/office/powerpoint/2010/main" val="1321847149"/>
               </p:ext>
             </p:extLst>
           </p:nvPr>
         </p:nvGraphicFramePr>
         <p:xfrm>
           <a:off x="0" y="-25054"/>
-          <a:ext cx="12192000" cy="6907870"/>
+          <a:ext cx="12204192" cy="6858007"/>
         </p:xfrm>
         <a:graphic>
           <a:graphicData uri="http://schemas.openxmlformats.org/drawingml/2006/table">
@@ -11205,28 +9023,14 @@
                     </a:ext>
                   </a:extLst>
                 </a:gridCol>
-                <a:gridCol w="6048679">
+                <a:gridCol w="7784007">
                   <a:extLst>
                     <a:ext uri="{9D8B030D-6E8A-4147-A177-3AD203B41FA5}">
                       <a16:colId xmlns:a16="http://schemas.microsoft.com/office/drawing/2014/main" val="1209773232"/>
                     </a:ext>
                   </a:extLst>
                 </a:gridCol>
-                <a:gridCol w="1354667">
-                  <a:extLst>
-                    <a:ext uri="{9D8B030D-6E8A-4147-A177-3AD203B41FA5}">
-                      <a16:colId xmlns:a16="http://schemas.microsoft.com/office/drawing/2014/main" val="158251857"/>
-                    </a:ext>
-                  </a:extLst>
-                </a:gridCol>
-                <a:gridCol w="1354666">
-                  <a:extLst>
-                    <a:ext uri="{9D8B030D-6E8A-4147-A177-3AD203B41FA5}">
-                      <a16:colId xmlns:a16="http://schemas.microsoft.com/office/drawing/2014/main" val="545691634"/>
-                    </a:ext>
-                  </a:extLst>
-                </a:gridCol>
-                <a:gridCol w="1354667">
+                <a:gridCol w="2340864">
                   <a:extLst>
                     <a:ext uri="{9D8B030D-6E8A-4147-A177-3AD203B41FA5}">
                       <a16:colId xmlns:a16="http://schemas.microsoft.com/office/drawing/2014/main" val="3865287554"/>
@@ -11266,46 +9070,6 @@
                           <a:cs typeface="Arial" panose="020B0604020202020204" pitchFamily="34" charset="0"/>
                         </a:rPr>
                         <a:t>Kratak opis preuzete priče</a:t>
-                      </a:r>
-                      <a:endParaRPr lang="en-US" sz="2400" dirty="0">
-                        <a:latin typeface="Arial" panose="020B0604020202020204" pitchFamily="34" charset="0"/>
-                        <a:cs typeface="Arial" panose="020B0604020202020204" pitchFamily="34" charset="0"/>
-                      </a:endParaRPr>
-                    </a:p>
-                  </a:txBody>
-                  <a:tcPr anchor="ctr"/>
-                </a:tc>
-                <a:tc>
-                  <a:txBody>
-                    <a:bodyPr/>
-                    <a:lstStyle/>
-                    <a:p>
-                      <a:r>
-                        <a:rPr lang="sr-Latn-RS" sz="1800" dirty="0">
-                          <a:latin typeface="Arial" panose="020B0604020202020204" pitchFamily="34" charset="0"/>
-                          <a:cs typeface="Arial" panose="020B0604020202020204" pitchFamily="34" charset="0"/>
-                        </a:rPr>
-                        <a:t>Procena poena</a:t>
-                      </a:r>
-                      <a:endParaRPr lang="en-US" sz="1800" dirty="0">
-                        <a:latin typeface="Arial" panose="020B0604020202020204" pitchFamily="34" charset="0"/>
-                        <a:cs typeface="Arial" panose="020B0604020202020204" pitchFamily="34" charset="0"/>
-                      </a:endParaRPr>
-                    </a:p>
-                  </a:txBody>
-                  <a:tcPr anchor="ctr"/>
-                </a:tc>
-                <a:tc>
-                  <a:txBody>
-                    <a:bodyPr/>
-                    <a:lstStyle/>
-                    <a:p>
-                      <a:r>
-                        <a:rPr lang="sr-Latn-RS" sz="1800" dirty="0">
-                          <a:latin typeface="Arial" panose="020B0604020202020204" pitchFamily="34" charset="0"/>
-                          <a:cs typeface="Arial" panose="020B0604020202020204" pitchFamily="34" charset="0"/>
-                        </a:rPr>
-                        <a:t>Stvarno poena</a:t>
                       </a:r>
                       <a:endParaRPr lang="en-US" sz="2400" dirty="0">
                         <a:latin typeface="Arial" panose="020B0604020202020204" pitchFamily="34" charset="0"/>
@@ -11391,32 +9155,6 @@
                   </a:txBody>
                   <a:tcPr anchor="ctr"/>
                 </a:tc>
-                <a:tc>
-                  <a:txBody>
-                    <a:bodyPr/>
-                    <a:lstStyle/>
-                    <a:p>
-                      <a:endParaRPr lang="en-US" sz="1800" dirty="0">
-                        <a:latin typeface="Arial" panose="020B0604020202020204" pitchFamily="34" charset="0"/>
-                        <a:cs typeface="Arial" panose="020B0604020202020204" pitchFamily="34" charset="0"/>
-                      </a:endParaRPr>
-                    </a:p>
-                  </a:txBody>
-                  <a:tcPr anchor="ctr"/>
-                </a:tc>
-                <a:tc>
-                  <a:txBody>
-                    <a:bodyPr/>
-                    <a:lstStyle/>
-                    <a:p>
-                      <a:endParaRPr lang="en-US" sz="1800" dirty="0">
-                        <a:latin typeface="Arial" panose="020B0604020202020204" pitchFamily="34" charset="0"/>
-                        <a:cs typeface="Arial" panose="020B0604020202020204" pitchFamily="34" charset="0"/>
-                      </a:endParaRPr>
-                    </a:p>
-                  </a:txBody>
-                  <a:tcPr anchor="ctr"/>
-                </a:tc>
                 <a:extLst>
                   <a:ext uri="{0D108BD9-81ED-4DB2-BD59-A6C34878D82A}">
                     <a16:rowId xmlns:a16="http://schemas.microsoft.com/office/drawing/2014/main" val="264378487"/>
@@ -11460,32 +9198,6 @@
                   </a:txBody>
                   <a:tcPr anchor="ctr"/>
                 </a:tc>
-                <a:tc>
-                  <a:txBody>
-                    <a:bodyPr/>
-                    <a:lstStyle/>
-                    <a:p>
-                      <a:endParaRPr lang="en-US" sz="1800" dirty="0">
-                        <a:latin typeface="Arial" panose="020B0604020202020204" pitchFamily="34" charset="0"/>
-                        <a:cs typeface="Arial" panose="020B0604020202020204" pitchFamily="34" charset="0"/>
-                      </a:endParaRPr>
-                    </a:p>
-                  </a:txBody>
-                  <a:tcPr anchor="ctr"/>
-                </a:tc>
-                <a:tc>
-                  <a:txBody>
-                    <a:bodyPr/>
-                    <a:lstStyle/>
-                    <a:p>
-                      <a:endParaRPr lang="en-US" sz="1800" dirty="0">
-                        <a:latin typeface="Arial" panose="020B0604020202020204" pitchFamily="34" charset="0"/>
-                        <a:cs typeface="Arial" panose="020B0604020202020204" pitchFamily="34" charset="0"/>
-                      </a:endParaRPr>
-                    </a:p>
-                  </a:txBody>
-                  <a:tcPr anchor="ctr"/>
-                </a:tc>
                 <a:extLst>
                   <a:ext uri="{0D108BD9-81ED-4DB2-BD59-A6C34878D82A}">
                     <a16:rowId xmlns:a16="http://schemas.microsoft.com/office/drawing/2014/main" val="741495083"/>
@@ -11529,32 +9241,6 @@
                   </a:txBody>
                   <a:tcPr anchor="ctr"/>
                 </a:tc>
-                <a:tc>
-                  <a:txBody>
-                    <a:bodyPr/>
-                    <a:lstStyle/>
-                    <a:p>
-                      <a:endParaRPr lang="en-US" sz="1800" dirty="0">
-                        <a:latin typeface="Arial" panose="020B0604020202020204" pitchFamily="34" charset="0"/>
-                        <a:cs typeface="Arial" panose="020B0604020202020204" pitchFamily="34" charset="0"/>
-                      </a:endParaRPr>
-                    </a:p>
-                  </a:txBody>
-                  <a:tcPr anchor="ctr"/>
-                </a:tc>
-                <a:tc>
-                  <a:txBody>
-                    <a:bodyPr/>
-                    <a:lstStyle/>
-                    <a:p>
-                      <a:endParaRPr lang="en-US" sz="1800" dirty="0">
-                        <a:latin typeface="Arial" panose="020B0604020202020204" pitchFamily="34" charset="0"/>
-                        <a:cs typeface="Arial" panose="020B0604020202020204" pitchFamily="34" charset="0"/>
-                      </a:endParaRPr>
-                    </a:p>
-                  </a:txBody>
-                  <a:tcPr anchor="ctr"/>
-                </a:tc>
                 <a:extLst>
                   <a:ext uri="{0D108BD9-81ED-4DB2-BD59-A6C34878D82A}">
                     <a16:rowId xmlns:a16="http://schemas.microsoft.com/office/drawing/2014/main" val="407375999"/>
@@ -11571,32 +9257,6 @@
                     </a:p>
                   </a:txBody>
                   <a:tcPr/>
-                </a:tc>
-                <a:tc>
-                  <a:txBody>
-                    <a:bodyPr/>
-                    <a:lstStyle/>
-                    <a:p>
-                      <a:endParaRPr lang="en-US" sz="1800" dirty="0">
-                        <a:latin typeface="Arial" panose="020B0604020202020204" pitchFamily="34" charset="0"/>
-                        <a:cs typeface="Arial" panose="020B0604020202020204" pitchFamily="34" charset="0"/>
-                      </a:endParaRPr>
-                    </a:p>
-                  </a:txBody>
-                  <a:tcPr anchor="ctr"/>
-                </a:tc>
-                <a:tc>
-                  <a:txBody>
-                    <a:bodyPr/>
-                    <a:lstStyle/>
-                    <a:p>
-                      <a:endParaRPr lang="en-US" sz="1800" dirty="0">
-                        <a:latin typeface="Arial" panose="020B0604020202020204" pitchFamily="34" charset="0"/>
-                        <a:cs typeface="Arial" panose="020B0604020202020204" pitchFamily="34" charset="0"/>
-                      </a:endParaRPr>
-                    </a:p>
-                  </a:txBody>
-                  <a:tcPr anchor="ctr"/>
                 </a:tc>
                 <a:tc>
                   <a:txBody>
@@ -11696,32 +9356,6 @@
                   </a:txBody>
                   <a:tcPr anchor="ctr"/>
                 </a:tc>
-                <a:tc>
-                  <a:txBody>
-                    <a:bodyPr/>
-                    <a:lstStyle/>
-                    <a:p>
-                      <a:endParaRPr lang="en-US" sz="1800" dirty="0">
-                        <a:latin typeface="Arial" panose="020B0604020202020204" pitchFamily="34" charset="0"/>
-                        <a:cs typeface="Arial" panose="020B0604020202020204" pitchFamily="34" charset="0"/>
-                      </a:endParaRPr>
-                    </a:p>
-                  </a:txBody>
-                  <a:tcPr anchor="ctr"/>
-                </a:tc>
-                <a:tc>
-                  <a:txBody>
-                    <a:bodyPr/>
-                    <a:lstStyle/>
-                    <a:p>
-                      <a:endParaRPr lang="en-US" sz="1800" dirty="0">
-                        <a:latin typeface="Arial" panose="020B0604020202020204" pitchFamily="34" charset="0"/>
-                        <a:cs typeface="Arial" panose="020B0604020202020204" pitchFamily="34" charset="0"/>
-                      </a:endParaRPr>
-                    </a:p>
-                  </a:txBody>
-                  <a:tcPr anchor="ctr"/>
-                </a:tc>
                 <a:extLst>
                   <a:ext uri="{0D108BD9-81ED-4DB2-BD59-A6C34878D82A}">
                     <a16:rowId xmlns:a16="http://schemas.microsoft.com/office/drawing/2014/main" val="3953925865"/>
@@ -11765,32 +9399,6 @@
                   </a:txBody>
                   <a:tcPr anchor="ctr"/>
                 </a:tc>
-                <a:tc>
-                  <a:txBody>
-                    <a:bodyPr/>
-                    <a:lstStyle/>
-                    <a:p>
-                      <a:endParaRPr lang="en-US" sz="1800" dirty="0">
-                        <a:latin typeface="Arial" panose="020B0604020202020204" pitchFamily="34" charset="0"/>
-                        <a:cs typeface="Arial" panose="020B0604020202020204" pitchFamily="34" charset="0"/>
-                      </a:endParaRPr>
-                    </a:p>
-                  </a:txBody>
-                  <a:tcPr anchor="ctr"/>
-                </a:tc>
-                <a:tc>
-                  <a:txBody>
-                    <a:bodyPr/>
-                    <a:lstStyle/>
-                    <a:p>
-                      <a:endParaRPr lang="en-US" sz="1800" dirty="0">
-                        <a:latin typeface="Arial" panose="020B0604020202020204" pitchFamily="34" charset="0"/>
-                        <a:cs typeface="Arial" panose="020B0604020202020204" pitchFamily="34" charset="0"/>
-                      </a:endParaRPr>
-                    </a:p>
-                  </a:txBody>
-                  <a:tcPr anchor="ctr"/>
-                </a:tc>
                 <a:extLst>
                   <a:ext uri="{0D108BD9-81ED-4DB2-BD59-A6C34878D82A}">
                     <a16:rowId xmlns:a16="http://schemas.microsoft.com/office/drawing/2014/main" val="4196659394"/>
@@ -11834,32 +9442,6 @@
                   </a:txBody>
                   <a:tcPr anchor="ctr"/>
                 </a:tc>
-                <a:tc>
-                  <a:txBody>
-                    <a:bodyPr/>
-                    <a:lstStyle/>
-                    <a:p>
-                      <a:endParaRPr lang="en-US" sz="1800" dirty="0">
-                        <a:latin typeface="Arial" panose="020B0604020202020204" pitchFamily="34" charset="0"/>
-                        <a:cs typeface="Arial" panose="020B0604020202020204" pitchFamily="34" charset="0"/>
-                      </a:endParaRPr>
-                    </a:p>
-                  </a:txBody>
-                  <a:tcPr anchor="ctr"/>
-                </a:tc>
-                <a:tc>
-                  <a:txBody>
-                    <a:bodyPr/>
-                    <a:lstStyle/>
-                    <a:p>
-                      <a:endParaRPr lang="en-US" sz="1800" dirty="0">
-                        <a:latin typeface="Arial" panose="020B0604020202020204" pitchFamily="34" charset="0"/>
-                        <a:cs typeface="Arial" panose="020B0604020202020204" pitchFamily="34" charset="0"/>
-                      </a:endParaRPr>
-                    </a:p>
-                  </a:txBody>
-                  <a:tcPr anchor="ctr"/>
-                </a:tc>
                 <a:extLst>
                   <a:ext uri="{0D108BD9-81ED-4DB2-BD59-A6C34878D82A}">
                     <a16:rowId xmlns:a16="http://schemas.microsoft.com/office/drawing/2014/main" val="1856707970"/>
@@ -11876,32 +9458,6 @@
                     </a:p>
                   </a:txBody>
                   <a:tcPr/>
-                </a:tc>
-                <a:tc>
-                  <a:txBody>
-                    <a:bodyPr/>
-                    <a:lstStyle/>
-                    <a:p>
-                      <a:endParaRPr lang="en-US" sz="1800" dirty="0">
-                        <a:latin typeface="Arial" panose="020B0604020202020204" pitchFamily="34" charset="0"/>
-                        <a:cs typeface="Arial" panose="020B0604020202020204" pitchFamily="34" charset="0"/>
-                      </a:endParaRPr>
-                    </a:p>
-                  </a:txBody>
-                  <a:tcPr anchor="ctr"/>
-                </a:tc>
-                <a:tc>
-                  <a:txBody>
-                    <a:bodyPr/>
-                    <a:lstStyle/>
-                    <a:p>
-                      <a:endParaRPr lang="en-US" sz="1800" dirty="0">
-                        <a:latin typeface="Arial" panose="020B0604020202020204" pitchFamily="34" charset="0"/>
-                        <a:cs typeface="Arial" panose="020B0604020202020204" pitchFamily="34" charset="0"/>
-                      </a:endParaRPr>
-                    </a:p>
-                  </a:txBody>
-                  <a:tcPr anchor="ctr"/>
                 </a:tc>
                 <a:tc>
                   <a:txBody>
@@ -11985,32 +9541,6 @@
                   </a:txBody>
                   <a:tcPr anchor="ctr"/>
                 </a:tc>
-                <a:tc>
-                  <a:txBody>
-                    <a:bodyPr/>
-                    <a:lstStyle/>
-                    <a:p>
-                      <a:endParaRPr lang="en-US" sz="1800" dirty="0">
-                        <a:latin typeface="Arial" panose="020B0604020202020204" pitchFamily="34" charset="0"/>
-                        <a:cs typeface="Arial" panose="020B0604020202020204" pitchFamily="34" charset="0"/>
-                      </a:endParaRPr>
-                    </a:p>
-                  </a:txBody>
-                  <a:tcPr anchor="ctr"/>
-                </a:tc>
-                <a:tc>
-                  <a:txBody>
-                    <a:bodyPr/>
-                    <a:lstStyle/>
-                    <a:p>
-                      <a:endParaRPr lang="en-US" sz="1800" dirty="0">
-                        <a:latin typeface="Arial" panose="020B0604020202020204" pitchFamily="34" charset="0"/>
-                        <a:cs typeface="Arial" panose="020B0604020202020204" pitchFamily="34" charset="0"/>
-                      </a:endParaRPr>
-                    </a:p>
-                  </a:txBody>
-                  <a:tcPr anchor="ctr"/>
-                </a:tc>
                 <a:extLst>
                   <a:ext uri="{0D108BD9-81ED-4DB2-BD59-A6C34878D82A}">
                     <a16:rowId xmlns:a16="http://schemas.microsoft.com/office/drawing/2014/main" val="1615706111"/>
@@ -12054,32 +9584,6 @@
                   </a:txBody>
                   <a:tcPr anchor="ctr"/>
                 </a:tc>
-                <a:tc>
-                  <a:txBody>
-                    <a:bodyPr/>
-                    <a:lstStyle/>
-                    <a:p>
-                      <a:endParaRPr lang="en-US" sz="1800" dirty="0">
-                        <a:latin typeface="Arial" panose="020B0604020202020204" pitchFamily="34" charset="0"/>
-                        <a:cs typeface="Arial" panose="020B0604020202020204" pitchFamily="34" charset="0"/>
-                      </a:endParaRPr>
-                    </a:p>
-                  </a:txBody>
-                  <a:tcPr anchor="ctr"/>
-                </a:tc>
-                <a:tc>
-                  <a:txBody>
-                    <a:bodyPr/>
-                    <a:lstStyle/>
-                    <a:p>
-                      <a:endParaRPr lang="en-US" sz="1800" dirty="0">
-                        <a:latin typeface="Arial" panose="020B0604020202020204" pitchFamily="34" charset="0"/>
-                        <a:cs typeface="Arial" panose="020B0604020202020204" pitchFamily="34" charset="0"/>
-                      </a:endParaRPr>
-                    </a:p>
-                  </a:txBody>
-                  <a:tcPr anchor="ctr"/>
-                </a:tc>
                 <a:extLst>
                   <a:ext uri="{0D108BD9-81ED-4DB2-BD59-A6C34878D82A}">
                     <a16:rowId xmlns:a16="http://schemas.microsoft.com/office/drawing/2014/main" val="500200411"/>
@@ -12123,32 +9627,6 @@
                   </a:txBody>
                   <a:tcPr anchor="ctr"/>
                 </a:tc>
-                <a:tc>
-                  <a:txBody>
-                    <a:bodyPr/>
-                    <a:lstStyle/>
-                    <a:p>
-                      <a:endParaRPr lang="en-US" sz="1800" dirty="0">
-                        <a:latin typeface="Arial" panose="020B0604020202020204" pitchFamily="34" charset="0"/>
-                        <a:cs typeface="Arial" panose="020B0604020202020204" pitchFamily="34" charset="0"/>
-                      </a:endParaRPr>
-                    </a:p>
-                  </a:txBody>
-                  <a:tcPr anchor="ctr"/>
-                </a:tc>
-                <a:tc>
-                  <a:txBody>
-                    <a:bodyPr/>
-                    <a:lstStyle/>
-                    <a:p>
-                      <a:endParaRPr lang="en-US" sz="1800" dirty="0">
-                        <a:latin typeface="Arial" panose="020B0604020202020204" pitchFamily="34" charset="0"/>
-                        <a:cs typeface="Arial" panose="020B0604020202020204" pitchFamily="34" charset="0"/>
-                      </a:endParaRPr>
-                    </a:p>
-                  </a:txBody>
-                  <a:tcPr anchor="ctr"/>
-                </a:tc>
                 <a:extLst>
                   <a:ext uri="{0D108BD9-81ED-4DB2-BD59-A6C34878D82A}">
                     <a16:rowId xmlns:a16="http://schemas.microsoft.com/office/drawing/2014/main" val="894306909"/>
@@ -12165,32 +9643,6 @@
                     </a:p>
                   </a:txBody>
                   <a:tcPr/>
-                </a:tc>
-                <a:tc>
-                  <a:txBody>
-                    <a:bodyPr/>
-                    <a:lstStyle/>
-                    <a:p>
-                      <a:endParaRPr lang="en-US" sz="1800" dirty="0">
-                        <a:latin typeface="Arial" panose="020B0604020202020204" pitchFamily="34" charset="0"/>
-                        <a:cs typeface="Arial" panose="020B0604020202020204" pitchFamily="34" charset="0"/>
-                      </a:endParaRPr>
-                    </a:p>
-                  </a:txBody>
-                  <a:tcPr anchor="ctr"/>
-                </a:tc>
-                <a:tc>
-                  <a:txBody>
-                    <a:bodyPr/>
-                    <a:lstStyle/>
-                    <a:p>
-                      <a:endParaRPr lang="en-US" sz="1800" dirty="0">
-                        <a:latin typeface="Arial" panose="020B0604020202020204" pitchFamily="34" charset="0"/>
-                        <a:cs typeface="Arial" panose="020B0604020202020204" pitchFamily="34" charset="0"/>
-                      </a:endParaRPr>
-                    </a:p>
-                  </a:txBody>
-                  <a:tcPr anchor="ctr"/>
                 </a:tc>
                 <a:tc>
                   <a:txBody>
@@ -12281,32 +9733,6 @@
                   </a:txBody>
                   <a:tcPr anchor="ctr"/>
                 </a:tc>
-                <a:tc>
-                  <a:txBody>
-                    <a:bodyPr/>
-                    <a:lstStyle/>
-                    <a:p>
-                      <a:endParaRPr lang="en-US" sz="1800" dirty="0">
-                        <a:latin typeface="Arial" panose="020B0604020202020204" pitchFamily="34" charset="0"/>
-                        <a:cs typeface="Arial" panose="020B0604020202020204" pitchFamily="34" charset="0"/>
-                      </a:endParaRPr>
-                    </a:p>
-                  </a:txBody>
-                  <a:tcPr anchor="ctr"/>
-                </a:tc>
-                <a:tc>
-                  <a:txBody>
-                    <a:bodyPr/>
-                    <a:lstStyle/>
-                    <a:p>
-                      <a:endParaRPr lang="en-US" sz="1800" dirty="0">
-                        <a:latin typeface="Arial" panose="020B0604020202020204" pitchFamily="34" charset="0"/>
-                        <a:cs typeface="Arial" panose="020B0604020202020204" pitchFamily="34" charset="0"/>
-                      </a:endParaRPr>
-                    </a:p>
-                  </a:txBody>
-                  <a:tcPr anchor="ctr"/>
-                </a:tc>
                 <a:extLst>
                   <a:ext uri="{0D108BD9-81ED-4DB2-BD59-A6C34878D82A}">
                     <a16:rowId xmlns:a16="http://schemas.microsoft.com/office/drawing/2014/main" val="2258469179"/>
@@ -12350,32 +9776,6 @@
                   </a:txBody>
                   <a:tcPr anchor="ctr"/>
                 </a:tc>
-                <a:tc>
-                  <a:txBody>
-                    <a:bodyPr/>
-                    <a:lstStyle/>
-                    <a:p>
-                      <a:endParaRPr lang="en-US" sz="1800" dirty="0">
-                        <a:latin typeface="Arial" panose="020B0604020202020204" pitchFamily="34" charset="0"/>
-                        <a:cs typeface="Arial" panose="020B0604020202020204" pitchFamily="34" charset="0"/>
-                      </a:endParaRPr>
-                    </a:p>
-                  </a:txBody>
-                  <a:tcPr anchor="ctr"/>
-                </a:tc>
-                <a:tc>
-                  <a:txBody>
-                    <a:bodyPr/>
-                    <a:lstStyle/>
-                    <a:p>
-                      <a:endParaRPr lang="en-US" sz="1800" dirty="0">
-                        <a:latin typeface="Arial" panose="020B0604020202020204" pitchFamily="34" charset="0"/>
-                        <a:cs typeface="Arial" panose="020B0604020202020204" pitchFamily="34" charset="0"/>
-                      </a:endParaRPr>
-                    </a:p>
-                  </a:txBody>
-                  <a:tcPr anchor="ctr"/>
-                </a:tc>
                 <a:extLst>
                   <a:ext uri="{0D108BD9-81ED-4DB2-BD59-A6C34878D82A}">
                     <a16:rowId xmlns:a16="http://schemas.microsoft.com/office/drawing/2014/main" val="3385457170"/>
@@ -12419,32 +9819,6 @@
                   </a:txBody>
                   <a:tcPr anchor="ctr"/>
                 </a:tc>
-                <a:tc>
-                  <a:txBody>
-                    <a:bodyPr/>
-                    <a:lstStyle/>
-                    <a:p>
-                      <a:endParaRPr lang="en-US" sz="1800" dirty="0">
-                        <a:latin typeface="Arial" panose="020B0604020202020204" pitchFamily="34" charset="0"/>
-                        <a:cs typeface="Arial" panose="020B0604020202020204" pitchFamily="34" charset="0"/>
-                      </a:endParaRPr>
-                    </a:p>
-                  </a:txBody>
-                  <a:tcPr anchor="ctr"/>
-                </a:tc>
-                <a:tc>
-                  <a:txBody>
-                    <a:bodyPr/>
-                    <a:lstStyle/>
-                    <a:p>
-                      <a:endParaRPr lang="en-US" sz="1800" dirty="0">
-                        <a:latin typeface="Arial" panose="020B0604020202020204" pitchFamily="34" charset="0"/>
-                        <a:cs typeface="Arial" panose="020B0604020202020204" pitchFamily="34" charset="0"/>
-                      </a:endParaRPr>
-                    </a:p>
-                  </a:txBody>
-                  <a:tcPr anchor="ctr"/>
-                </a:tc>
                 <a:extLst>
                   <a:ext uri="{0D108BD9-81ED-4DB2-BD59-A6C34878D82A}">
                     <a16:rowId xmlns:a16="http://schemas.microsoft.com/office/drawing/2014/main" val="1285668822"/>
@@ -12461,32 +9835,6 @@
                     </a:p>
                   </a:txBody>
                   <a:tcPr/>
-                </a:tc>
-                <a:tc>
-                  <a:txBody>
-                    <a:bodyPr/>
-                    <a:lstStyle/>
-                    <a:p>
-                      <a:endParaRPr lang="en-US" sz="1800" dirty="0">
-                        <a:latin typeface="Arial" panose="020B0604020202020204" pitchFamily="34" charset="0"/>
-                        <a:cs typeface="Arial" panose="020B0604020202020204" pitchFamily="34" charset="0"/>
-                      </a:endParaRPr>
-                    </a:p>
-                  </a:txBody>
-                  <a:tcPr anchor="ctr"/>
-                </a:tc>
-                <a:tc>
-                  <a:txBody>
-                    <a:bodyPr/>
-                    <a:lstStyle/>
-                    <a:p>
-                      <a:endParaRPr lang="en-US" sz="1800" dirty="0">
-                        <a:latin typeface="Arial" panose="020B0604020202020204" pitchFamily="34" charset="0"/>
-                        <a:cs typeface="Arial" panose="020B0604020202020204" pitchFamily="34" charset="0"/>
-                      </a:endParaRPr>
-                    </a:p>
-                  </a:txBody>
-                  <a:tcPr anchor="ctr"/>
                 </a:tc>
                 <a:tc>
                   <a:txBody>
@@ -12527,7 +9875,7 @@
     </p:spTree>
     <p:extLst>
       <p:ext uri="{BB962C8B-B14F-4D97-AF65-F5344CB8AC3E}">
-        <p14:creationId xmlns:p14="http://schemas.microsoft.com/office/powerpoint/2010/main" val="3344976893"/>
+        <p14:creationId xmlns:p14="http://schemas.microsoft.com/office/powerpoint/2010/main" val="3173171918"/>
       </p:ext>
     </p:extLst>
   </p:cSld>
@@ -12569,14 +9917,14 @@
           <p:nvPr>
             <p:extLst>
               <p:ext uri="{D42A27DB-BD31-4B8C-83A1-F6EECF244321}">
-                <p14:modId xmlns:p14="http://schemas.microsoft.com/office/powerpoint/2010/main" val="1908834139"/>
+                <p14:modId xmlns:p14="http://schemas.microsoft.com/office/powerpoint/2010/main" val="2693037628"/>
               </p:ext>
             </p:extLst>
           </p:nvPr>
         </p:nvGraphicFramePr>
         <p:xfrm>
           <a:off x="0" y="-25054"/>
-          <a:ext cx="12192000" cy="6907870"/>
+          <a:ext cx="12204192" cy="6858007"/>
         </p:xfrm>
         <a:graphic>
           <a:graphicData uri="http://schemas.openxmlformats.org/drawingml/2006/table">
@@ -12592,28 +9940,14 @@
                     </a:ext>
                   </a:extLst>
                 </a:gridCol>
-                <a:gridCol w="6048679">
+                <a:gridCol w="7784007">
                   <a:extLst>
                     <a:ext uri="{9D8B030D-6E8A-4147-A177-3AD203B41FA5}">
                       <a16:colId xmlns:a16="http://schemas.microsoft.com/office/drawing/2014/main" val="1209773232"/>
                     </a:ext>
                   </a:extLst>
                 </a:gridCol>
-                <a:gridCol w="1354667">
-                  <a:extLst>
-                    <a:ext uri="{9D8B030D-6E8A-4147-A177-3AD203B41FA5}">
-                      <a16:colId xmlns:a16="http://schemas.microsoft.com/office/drawing/2014/main" val="158251857"/>
-                    </a:ext>
-                  </a:extLst>
-                </a:gridCol>
-                <a:gridCol w="1354666">
-                  <a:extLst>
-                    <a:ext uri="{9D8B030D-6E8A-4147-A177-3AD203B41FA5}">
-                      <a16:colId xmlns:a16="http://schemas.microsoft.com/office/drawing/2014/main" val="545691634"/>
-                    </a:ext>
-                  </a:extLst>
-                </a:gridCol>
-                <a:gridCol w="1354667">
+                <a:gridCol w="2340864">
                   <a:extLst>
                     <a:ext uri="{9D8B030D-6E8A-4147-A177-3AD203B41FA5}">
                       <a16:colId xmlns:a16="http://schemas.microsoft.com/office/drawing/2014/main" val="3865287554"/>
@@ -12653,46 +9987,6 @@
                           <a:cs typeface="Arial" panose="020B0604020202020204" pitchFamily="34" charset="0"/>
                         </a:rPr>
                         <a:t>Kratak opis preuzete priče</a:t>
-                      </a:r>
-                      <a:endParaRPr lang="en-US" sz="2400" dirty="0">
-                        <a:latin typeface="Arial" panose="020B0604020202020204" pitchFamily="34" charset="0"/>
-                        <a:cs typeface="Arial" panose="020B0604020202020204" pitchFamily="34" charset="0"/>
-                      </a:endParaRPr>
-                    </a:p>
-                  </a:txBody>
-                  <a:tcPr anchor="ctr"/>
-                </a:tc>
-                <a:tc>
-                  <a:txBody>
-                    <a:bodyPr/>
-                    <a:lstStyle/>
-                    <a:p>
-                      <a:r>
-                        <a:rPr lang="sr-Latn-RS" sz="1800" dirty="0">
-                          <a:latin typeface="Arial" panose="020B0604020202020204" pitchFamily="34" charset="0"/>
-                          <a:cs typeface="Arial" panose="020B0604020202020204" pitchFamily="34" charset="0"/>
-                        </a:rPr>
-                        <a:t>Procena poena</a:t>
-                      </a:r>
-                      <a:endParaRPr lang="en-US" sz="1800" dirty="0">
-                        <a:latin typeface="Arial" panose="020B0604020202020204" pitchFamily="34" charset="0"/>
-                        <a:cs typeface="Arial" panose="020B0604020202020204" pitchFamily="34" charset="0"/>
-                      </a:endParaRPr>
-                    </a:p>
-                  </a:txBody>
-                  <a:tcPr anchor="ctr"/>
-                </a:tc>
-                <a:tc>
-                  <a:txBody>
-                    <a:bodyPr/>
-                    <a:lstStyle/>
-                    <a:p>
-                      <a:r>
-                        <a:rPr lang="sr-Latn-RS" sz="1800" dirty="0">
-                          <a:latin typeface="Arial" panose="020B0604020202020204" pitchFamily="34" charset="0"/>
-                          <a:cs typeface="Arial" panose="020B0604020202020204" pitchFamily="34" charset="0"/>
-                        </a:rPr>
-                        <a:t>Stvarno poena</a:t>
                       </a:r>
                       <a:endParaRPr lang="en-US" sz="2400" dirty="0">
                         <a:latin typeface="Arial" panose="020B0604020202020204" pitchFamily="34" charset="0"/>
@@ -12778,32 +10072,6 @@
                   </a:txBody>
                   <a:tcPr anchor="ctr"/>
                 </a:tc>
-                <a:tc>
-                  <a:txBody>
-                    <a:bodyPr/>
-                    <a:lstStyle/>
-                    <a:p>
-                      <a:endParaRPr lang="en-US" sz="1800" dirty="0">
-                        <a:latin typeface="Arial" panose="020B0604020202020204" pitchFamily="34" charset="0"/>
-                        <a:cs typeface="Arial" panose="020B0604020202020204" pitchFamily="34" charset="0"/>
-                      </a:endParaRPr>
-                    </a:p>
-                  </a:txBody>
-                  <a:tcPr anchor="ctr"/>
-                </a:tc>
-                <a:tc>
-                  <a:txBody>
-                    <a:bodyPr/>
-                    <a:lstStyle/>
-                    <a:p>
-                      <a:endParaRPr lang="en-US" sz="1800" dirty="0">
-                        <a:latin typeface="Arial" panose="020B0604020202020204" pitchFamily="34" charset="0"/>
-                        <a:cs typeface="Arial" panose="020B0604020202020204" pitchFamily="34" charset="0"/>
-                      </a:endParaRPr>
-                    </a:p>
-                  </a:txBody>
-                  <a:tcPr anchor="ctr"/>
-                </a:tc>
                 <a:extLst>
                   <a:ext uri="{0D108BD9-81ED-4DB2-BD59-A6C34878D82A}">
                     <a16:rowId xmlns:a16="http://schemas.microsoft.com/office/drawing/2014/main" val="264378487"/>
@@ -12847,32 +10115,6 @@
                   </a:txBody>
                   <a:tcPr anchor="ctr"/>
                 </a:tc>
-                <a:tc>
-                  <a:txBody>
-                    <a:bodyPr/>
-                    <a:lstStyle/>
-                    <a:p>
-                      <a:endParaRPr lang="en-US" sz="1800" dirty="0">
-                        <a:latin typeface="Arial" panose="020B0604020202020204" pitchFamily="34" charset="0"/>
-                        <a:cs typeface="Arial" panose="020B0604020202020204" pitchFamily="34" charset="0"/>
-                      </a:endParaRPr>
-                    </a:p>
-                  </a:txBody>
-                  <a:tcPr anchor="ctr"/>
-                </a:tc>
-                <a:tc>
-                  <a:txBody>
-                    <a:bodyPr/>
-                    <a:lstStyle/>
-                    <a:p>
-                      <a:endParaRPr lang="en-US" sz="1800" dirty="0">
-                        <a:latin typeface="Arial" panose="020B0604020202020204" pitchFamily="34" charset="0"/>
-                        <a:cs typeface="Arial" panose="020B0604020202020204" pitchFamily="34" charset="0"/>
-                      </a:endParaRPr>
-                    </a:p>
-                  </a:txBody>
-                  <a:tcPr anchor="ctr"/>
-                </a:tc>
                 <a:extLst>
                   <a:ext uri="{0D108BD9-81ED-4DB2-BD59-A6C34878D82A}">
                     <a16:rowId xmlns:a16="http://schemas.microsoft.com/office/drawing/2014/main" val="741495083"/>
@@ -12916,32 +10158,6 @@
                   </a:txBody>
                   <a:tcPr anchor="ctr"/>
                 </a:tc>
-                <a:tc>
-                  <a:txBody>
-                    <a:bodyPr/>
-                    <a:lstStyle/>
-                    <a:p>
-                      <a:endParaRPr lang="en-US" sz="1800" dirty="0">
-                        <a:latin typeface="Arial" panose="020B0604020202020204" pitchFamily="34" charset="0"/>
-                        <a:cs typeface="Arial" panose="020B0604020202020204" pitchFamily="34" charset="0"/>
-                      </a:endParaRPr>
-                    </a:p>
-                  </a:txBody>
-                  <a:tcPr anchor="ctr"/>
-                </a:tc>
-                <a:tc>
-                  <a:txBody>
-                    <a:bodyPr/>
-                    <a:lstStyle/>
-                    <a:p>
-                      <a:endParaRPr lang="en-US" sz="1800" dirty="0">
-                        <a:latin typeface="Arial" panose="020B0604020202020204" pitchFamily="34" charset="0"/>
-                        <a:cs typeface="Arial" panose="020B0604020202020204" pitchFamily="34" charset="0"/>
-                      </a:endParaRPr>
-                    </a:p>
-                  </a:txBody>
-                  <a:tcPr anchor="ctr"/>
-                </a:tc>
                 <a:extLst>
                   <a:ext uri="{0D108BD9-81ED-4DB2-BD59-A6C34878D82A}">
                     <a16:rowId xmlns:a16="http://schemas.microsoft.com/office/drawing/2014/main" val="407375999"/>
@@ -12958,32 +10174,6 @@
                     </a:p>
                   </a:txBody>
                   <a:tcPr/>
-                </a:tc>
-                <a:tc>
-                  <a:txBody>
-                    <a:bodyPr/>
-                    <a:lstStyle/>
-                    <a:p>
-                      <a:endParaRPr lang="en-US" sz="1800" dirty="0">
-                        <a:latin typeface="Arial" panose="020B0604020202020204" pitchFamily="34" charset="0"/>
-                        <a:cs typeface="Arial" panose="020B0604020202020204" pitchFamily="34" charset="0"/>
-                      </a:endParaRPr>
-                    </a:p>
-                  </a:txBody>
-                  <a:tcPr anchor="ctr"/>
-                </a:tc>
-                <a:tc>
-                  <a:txBody>
-                    <a:bodyPr/>
-                    <a:lstStyle/>
-                    <a:p>
-                      <a:endParaRPr lang="en-US" sz="1800" dirty="0">
-                        <a:latin typeface="Arial" panose="020B0604020202020204" pitchFamily="34" charset="0"/>
-                        <a:cs typeface="Arial" panose="020B0604020202020204" pitchFamily="34" charset="0"/>
-                      </a:endParaRPr>
-                    </a:p>
-                  </a:txBody>
-                  <a:tcPr anchor="ctr"/>
                 </a:tc>
                 <a:tc>
                   <a:txBody>
@@ -13083,32 +10273,6 @@
                   </a:txBody>
                   <a:tcPr anchor="ctr"/>
                 </a:tc>
-                <a:tc>
-                  <a:txBody>
-                    <a:bodyPr/>
-                    <a:lstStyle/>
-                    <a:p>
-                      <a:endParaRPr lang="en-US" sz="1800" dirty="0">
-                        <a:latin typeface="Arial" panose="020B0604020202020204" pitchFamily="34" charset="0"/>
-                        <a:cs typeface="Arial" panose="020B0604020202020204" pitchFamily="34" charset="0"/>
-                      </a:endParaRPr>
-                    </a:p>
-                  </a:txBody>
-                  <a:tcPr anchor="ctr"/>
-                </a:tc>
-                <a:tc>
-                  <a:txBody>
-                    <a:bodyPr/>
-                    <a:lstStyle/>
-                    <a:p>
-                      <a:endParaRPr lang="en-US" sz="1800" dirty="0">
-                        <a:latin typeface="Arial" panose="020B0604020202020204" pitchFamily="34" charset="0"/>
-                        <a:cs typeface="Arial" panose="020B0604020202020204" pitchFamily="34" charset="0"/>
-                      </a:endParaRPr>
-                    </a:p>
-                  </a:txBody>
-                  <a:tcPr anchor="ctr"/>
-                </a:tc>
                 <a:extLst>
                   <a:ext uri="{0D108BD9-81ED-4DB2-BD59-A6C34878D82A}">
                     <a16:rowId xmlns:a16="http://schemas.microsoft.com/office/drawing/2014/main" val="3953925865"/>
@@ -13152,32 +10316,6 @@
                   </a:txBody>
                   <a:tcPr anchor="ctr"/>
                 </a:tc>
-                <a:tc>
-                  <a:txBody>
-                    <a:bodyPr/>
-                    <a:lstStyle/>
-                    <a:p>
-                      <a:endParaRPr lang="en-US" sz="1800" dirty="0">
-                        <a:latin typeface="Arial" panose="020B0604020202020204" pitchFamily="34" charset="0"/>
-                        <a:cs typeface="Arial" panose="020B0604020202020204" pitchFamily="34" charset="0"/>
-                      </a:endParaRPr>
-                    </a:p>
-                  </a:txBody>
-                  <a:tcPr anchor="ctr"/>
-                </a:tc>
-                <a:tc>
-                  <a:txBody>
-                    <a:bodyPr/>
-                    <a:lstStyle/>
-                    <a:p>
-                      <a:endParaRPr lang="en-US" sz="1800" dirty="0">
-                        <a:latin typeface="Arial" panose="020B0604020202020204" pitchFamily="34" charset="0"/>
-                        <a:cs typeface="Arial" panose="020B0604020202020204" pitchFamily="34" charset="0"/>
-                      </a:endParaRPr>
-                    </a:p>
-                  </a:txBody>
-                  <a:tcPr anchor="ctr"/>
-                </a:tc>
                 <a:extLst>
                   <a:ext uri="{0D108BD9-81ED-4DB2-BD59-A6C34878D82A}">
                     <a16:rowId xmlns:a16="http://schemas.microsoft.com/office/drawing/2014/main" val="4196659394"/>
@@ -13221,32 +10359,6 @@
                   </a:txBody>
                   <a:tcPr anchor="ctr"/>
                 </a:tc>
-                <a:tc>
-                  <a:txBody>
-                    <a:bodyPr/>
-                    <a:lstStyle/>
-                    <a:p>
-                      <a:endParaRPr lang="en-US" sz="1800" dirty="0">
-                        <a:latin typeface="Arial" panose="020B0604020202020204" pitchFamily="34" charset="0"/>
-                        <a:cs typeface="Arial" panose="020B0604020202020204" pitchFamily="34" charset="0"/>
-                      </a:endParaRPr>
-                    </a:p>
-                  </a:txBody>
-                  <a:tcPr anchor="ctr"/>
-                </a:tc>
-                <a:tc>
-                  <a:txBody>
-                    <a:bodyPr/>
-                    <a:lstStyle/>
-                    <a:p>
-                      <a:endParaRPr lang="en-US" sz="1800" dirty="0">
-                        <a:latin typeface="Arial" panose="020B0604020202020204" pitchFamily="34" charset="0"/>
-                        <a:cs typeface="Arial" panose="020B0604020202020204" pitchFamily="34" charset="0"/>
-                      </a:endParaRPr>
-                    </a:p>
-                  </a:txBody>
-                  <a:tcPr anchor="ctr"/>
-                </a:tc>
                 <a:extLst>
                   <a:ext uri="{0D108BD9-81ED-4DB2-BD59-A6C34878D82A}">
                     <a16:rowId xmlns:a16="http://schemas.microsoft.com/office/drawing/2014/main" val="1856707970"/>
@@ -13263,32 +10375,6 @@
                     </a:p>
                   </a:txBody>
                   <a:tcPr/>
-                </a:tc>
-                <a:tc>
-                  <a:txBody>
-                    <a:bodyPr/>
-                    <a:lstStyle/>
-                    <a:p>
-                      <a:endParaRPr lang="en-US" sz="1800" dirty="0">
-                        <a:latin typeface="Arial" panose="020B0604020202020204" pitchFamily="34" charset="0"/>
-                        <a:cs typeface="Arial" panose="020B0604020202020204" pitchFamily="34" charset="0"/>
-                      </a:endParaRPr>
-                    </a:p>
-                  </a:txBody>
-                  <a:tcPr anchor="ctr"/>
-                </a:tc>
-                <a:tc>
-                  <a:txBody>
-                    <a:bodyPr/>
-                    <a:lstStyle/>
-                    <a:p>
-                      <a:endParaRPr lang="en-US" sz="1800" dirty="0">
-                        <a:latin typeface="Arial" panose="020B0604020202020204" pitchFamily="34" charset="0"/>
-                        <a:cs typeface="Arial" panose="020B0604020202020204" pitchFamily="34" charset="0"/>
-                      </a:endParaRPr>
-                    </a:p>
-                  </a:txBody>
-                  <a:tcPr anchor="ctr"/>
                 </a:tc>
                 <a:tc>
                   <a:txBody>
@@ -13372,32 +10458,6 @@
                   </a:txBody>
                   <a:tcPr anchor="ctr"/>
                 </a:tc>
-                <a:tc>
-                  <a:txBody>
-                    <a:bodyPr/>
-                    <a:lstStyle/>
-                    <a:p>
-                      <a:endParaRPr lang="en-US" sz="1800" dirty="0">
-                        <a:latin typeface="Arial" panose="020B0604020202020204" pitchFamily="34" charset="0"/>
-                        <a:cs typeface="Arial" panose="020B0604020202020204" pitchFamily="34" charset="0"/>
-                      </a:endParaRPr>
-                    </a:p>
-                  </a:txBody>
-                  <a:tcPr anchor="ctr"/>
-                </a:tc>
-                <a:tc>
-                  <a:txBody>
-                    <a:bodyPr/>
-                    <a:lstStyle/>
-                    <a:p>
-                      <a:endParaRPr lang="en-US" sz="1800" dirty="0">
-                        <a:latin typeface="Arial" panose="020B0604020202020204" pitchFamily="34" charset="0"/>
-                        <a:cs typeface="Arial" panose="020B0604020202020204" pitchFamily="34" charset="0"/>
-                      </a:endParaRPr>
-                    </a:p>
-                  </a:txBody>
-                  <a:tcPr anchor="ctr"/>
-                </a:tc>
                 <a:extLst>
                   <a:ext uri="{0D108BD9-81ED-4DB2-BD59-A6C34878D82A}">
                     <a16:rowId xmlns:a16="http://schemas.microsoft.com/office/drawing/2014/main" val="1615706111"/>
@@ -13441,32 +10501,6 @@
                   </a:txBody>
                   <a:tcPr anchor="ctr"/>
                 </a:tc>
-                <a:tc>
-                  <a:txBody>
-                    <a:bodyPr/>
-                    <a:lstStyle/>
-                    <a:p>
-                      <a:endParaRPr lang="en-US" sz="1800" dirty="0">
-                        <a:latin typeface="Arial" panose="020B0604020202020204" pitchFamily="34" charset="0"/>
-                        <a:cs typeface="Arial" panose="020B0604020202020204" pitchFamily="34" charset="0"/>
-                      </a:endParaRPr>
-                    </a:p>
-                  </a:txBody>
-                  <a:tcPr anchor="ctr"/>
-                </a:tc>
-                <a:tc>
-                  <a:txBody>
-                    <a:bodyPr/>
-                    <a:lstStyle/>
-                    <a:p>
-                      <a:endParaRPr lang="en-US" sz="1800" dirty="0">
-                        <a:latin typeface="Arial" panose="020B0604020202020204" pitchFamily="34" charset="0"/>
-                        <a:cs typeface="Arial" panose="020B0604020202020204" pitchFamily="34" charset="0"/>
-                      </a:endParaRPr>
-                    </a:p>
-                  </a:txBody>
-                  <a:tcPr anchor="ctr"/>
-                </a:tc>
                 <a:extLst>
                   <a:ext uri="{0D108BD9-81ED-4DB2-BD59-A6C34878D82A}">
                     <a16:rowId xmlns:a16="http://schemas.microsoft.com/office/drawing/2014/main" val="500200411"/>
@@ -13510,32 +10544,6 @@
                   </a:txBody>
                   <a:tcPr anchor="ctr"/>
                 </a:tc>
-                <a:tc>
-                  <a:txBody>
-                    <a:bodyPr/>
-                    <a:lstStyle/>
-                    <a:p>
-                      <a:endParaRPr lang="en-US" sz="1800" dirty="0">
-                        <a:latin typeface="Arial" panose="020B0604020202020204" pitchFamily="34" charset="0"/>
-                        <a:cs typeface="Arial" panose="020B0604020202020204" pitchFamily="34" charset="0"/>
-                      </a:endParaRPr>
-                    </a:p>
-                  </a:txBody>
-                  <a:tcPr anchor="ctr"/>
-                </a:tc>
-                <a:tc>
-                  <a:txBody>
-                    <a:bodyPr/>
-                    <a:lstStyle/>
-                    <a:p>
-                      <a:endParaRPr lang="en-US" sz="1800" dirty="0">
-                        <a:latin typeface="Arial" panose="020B0604020202020204" pitchFamily="34" charset="0"/>
-                        <a:cs typeface="Arial" panose="020B0604020202020204" pitchFamily="34" charset="0"/>
-                      </a:endParaRPr>
-                    </a:p>
-                  </a:txBody>
-                  <a:tcPr anchor="ctr"/>
-                </a:tc>
                 <a:extLst>
                   <a:ext uri="{0D108BD9-81ED-4DB2-BD59-A6C34878D82A}">
                     <a16:rowId xmlns:a16="http://schemas.microsoft.com/office/drawing/2014/main" val="894306909"/>
@@ -13552,32 +10560,6 @@
                     </a:p>
                   </a:txBody>
                   <a:tcPr/>
-                </a:tc>
-                <a:tc>
-                  <a:txBody>
-                    <a:bodyPr/>
-                    <a:lstStyle/>
-                    <a:p>
-                      <a:endParaRPr lang="en-US" sz="1800" dirty="0">
-                        <a:latin typeface="Arial" panose="020B0604020202020204" pitchFamily="34" charset="0"/>
-                        <a:cs typeface="Arial" panose="020B0604020202020204" pitchFamily="34" charset="0"/>
-                      </a:endParaRPr>
-                    </a:p>
-                  </a:txBody>
-                  <a:tcPr anchor="ctr"/>
-                </a:tc>
-                <a:tc>
-                  <a:txBody>
-                    <a:bodyPr/>
-                    <a:lstStyle/>
-                    <a:p>
-                      <a:endParaRPr lang="en-US" sz="1800" dirty="0">
-                        <a:latin typeface="Arial" panose="020B0604020202020204" pitchFamily="34" charset="0"/>
-                        <a:cs typeface="Arial" panose="020B0604020202020204" pitchFamily="34" charset="0"/>
-                      </a:endParaRPr>
-                    </a:p>
-                  </a:txBody>
-                  <a:tcPr anchor="ctr"/>
                 </a:tc>
                 <a:tc>
                   <a:txBody>
@@ -13668,32 +10650,6 @@
                   </a:txBody>
                   <a:tcPr anchor="ctr"/>
                 </a:tc>
-                <a:tc>
-                  <a:txBody>
-                    <a:bodyPr/>
-                    <a:lstStyle/>
-                    <a:p>
-                      <a:endParaRPr lang="en-US" sz="1800" dirty="0">
-                        <a:latin typeface="Arial" panose="020B0604020202020204" pitchFamily="34" charset="0"/>
-                        <a:cs typeface="Arial" panose="020B0604020202020204" pitchFamily="34" charset="0"/>
-                      </a:endParaRPr>
-                    </a:p>
-                  </a:txBody>
-                  <a:tcPr anchor="ctr"/>
-                </a:tc>
-                <a:tc>
-                  <a:txBody>
-                    <a:bodyPr/>
-                    <a:lstStyle/>
-                    <a:p>
-                      <a:endParaRPr lang="en-US" sz="1800" dirty="0">
-                        <a:latin typeface="Arial" panose="020B0604020202020204" pitchFamily="34" charset="0"/>
-                        <a:cs typeface="Arial" panose="020B0604020202020204" pitchFamily="34" charset="0"/>
-                      </a:endParaRPr>
-                    </a:p>
-                  </a:txBody>
-                  <a:tcPr anchor="ctr"/>
-                </a:tc>
                 <a:extLst>
                   <a:ext uri="{0D108BD9-81ED-4DB2-BD59-A6C34878D82A}">
                     <a16:rowId xmlns:a16="http://schemas.microsoft.com/office/drawing/2014/main" val="2258469179"/>
@@ -13737,32 +10693,6 @@
                   </a:txBody>
                   <a:tcPr anchor="ctr"/>
                 </a:tc>
-                <a:tc>
-                  <a:txBody>
-                    <a:bodyPr/>
-                    <a:lstStyle/>
-                    <a:p>
-                      <a:endParaRPr lang="en-US" sz="1800" dirty="0">
-                        <a:latin typeface="Arial" panose="020B0604020202020204" pitchFamily="34" charset="0"/>
-                        <a:cs typeface="Arial" panose="020B0604020202020204" pitchFamily="34" charset="0"/>
-                      </a:endParaRPr>
-                    </a:p>
-                  </a:txBody>
-                  <a:tcPr anchor="ctr"/>
-                </a:tc>
-                <a:tc>
-                  <a:txBody>
-                    <a:bodyPr/>
-                    <a:lstStyle/>
-                    <a:p>
-                      <a:endParaRPr lang="en-US" sz="1800" dirty="0">
-                        <a:latin typeface="Arial" panose="020B0604020202020204" pitchFamily="34" charset="0"/>
-                        <a:cs typeface="Arial" panose="020B0604020202020204" pitchFamily="34" charset="0"/>
-                      </a:endParaRPr>
-                    </a:p>
-                  </a:txBody>
-                  <a:tcPr anchor="ctr"/>
-                </a:tc>
                 <a:extLst>
                   <a:ext uri="{0D108BD9-81ED-4DB2-BD59-A6C34878D82A}">
                     <a16:rowId xmlns:a16="http://schemas.microsoft.com/office/drawing/2014/main" val="3385457170"/>
@@ -13806,32 +10736,6 @@
                   </a:txBody>
                   <a:tcPr anchor="ctr"/>
                 </a:tc>
-                <a:tc>
-                  <a:txBody>
-                    <a:bodyPr/>
-                    <a:lstStyle/>
-                    <a:p>
-                      <a:endParaRPr lang="en-US" sz="1800" dirty="0">
-                        <a:latin typeface="Arial" panose="020B0604020202020204" pitchFamily="34" charset="0"/>
-                        <a:cs typeface="Arial" panose="020B0604020202020204" pitchFamily="34" charset="0"/>
-                      </a:endParaRPr>
-                    </a:p>
-                  </a:txBody>
-                  <a:tcPr anchor="ctr"/>
-                </a:tc>
-                <a:tc>
-                  <a:txBody>
-                    <a:bodyPr/>
-                    <a:lstStyle/>
-                    <a:p>
-                      <a:endParaRPr lang="en-US" sz="1800" dirty="0">
-                        <a:latin typeface="Arial" panose="020B0604020202020204" pitchFamily="34" charset="0"/>
-                        <a:cs typeface="Arial" panose="020B0604020202020204" pitchFamily="34" charset="0"/>
-                      </a:endParaRPr>
-                    </a:p>
-                  </a:txBody>
-                  <a:tcPr anchor="ctr"/>
-                </a:tc>
                 <a:extLst>
                   <a:ext uri="{0D108BD9-81ED-4DB2-BD59-A6C34878D82A}">
                     <a16:rowId xmlns:a16="http://schemas.microsoft.com/office/drawing/2014/main" val="1285668822"/>
@@ -13848,32 +10752,6 @@
                     </a:p>
                   </a:txBody>
                   <a:tcPr/>
-                </a:tc>
-                <a:tc>
-                  <a:txBody>
-                    <a:bodyPr/>
-                    <a:lstStyle/>
-                    <a:p>
-                      <a:endParaRPr lang="en-US" sz="1800" dirty="0">
-                        <a:latin typeface="Arial" panose="020B0604020202020204" pitchFamily="34" charset="0"/>
-                        <a:cs typeface="Arial" panose="020B0604020202020204" pitchFamily="34" charset="0"/>
-                      </a:endParaRPr>
-                    </a:p>
-                  </a:txBody>
-                  <a:tcPr anchor="ctr"/>
-                </a:tc>
-                <a:tc>
-                  <a:txBody>
-                    <a:bodyPr/>
-                    <a:lstStyle/>
-                    <a:p>
-                      <a:endParaRPr lang="en-US" sz="1800" dirty="0">
-                        <a:latin typeface="Arial" panose="020B0604020202020204" pitchFamily="34" charset="0"/>
-                        <a:cs typeface="Arial" panose="020B0604020202020204" pitchFamily="34" charset="0"/>
-                      </a:endParaRPr>
-                    </a:p>
-                  </a:txBody>
-                  <a:tcPr anchor="ctr"/>
                 </a:tc>
                 <a:tc>
                   <a:txBody>
@@ -13914,7 +10792,7 @@
     </p:spTree>
     <p:extLst>
       <p:ext uri="{BB962C8B-B14F-4D97-AF65-F5344CB8AC3E}">
-        <p14:creationId xmlns:p14="http://schemas.microsoft.com/office/powerpoint/2010/main" val="2090698388"/>
+        <p14:creationId xmlns:p14="http://schemas.microsoft.com/office/powerpoint/2010/main" val="1466351939"/>
       </p:ext>
     </p:extLst>
   </p:cSld>
@@ -13956,14 +10834,14 @@
           <p:nvPr>
             <p:extLst>
               <p:ext uri="{D42A27DB-BD31-4B8C-83A1-F6EECF244321}">
-                <p14:modId xmlns:p14="http://schemas.microsoft.com/office/powerpoint/2010/main" val="3375595461"/>
+                <p14:modId xmlns:p14="http://schemas.microsoft.com/office/powerpoint/2010/main" val="1645009693"/>
               </p:ext>
             </p:extLst>
           </p:nvPr>
         </p:nvGraphicFramePr>
         <p:xfrm>
           <a:off x="0" y="-25054"/>
-          <a:ext cx="12192000" cy="6907870"/>
+          <a:ext cx="12204192" cy="6858007"/>
         </p:xfrm>
         <a:graphic>
           <a:graphicData uri="http://schemas.openxmlformats.org/drawingml/2006/table">
@@ -13979,28 +10857,14 @@
                     </a:ext>
                   </a:extLst>
                 </a:gridCol>
-                <a:gridCol w="6048679">
+                <a:gridCol w="7784007">
                   <a:extLst>
                     <a:ext uri="{9D8B030D-6E8A-4147-A177-3AD203B41FA5}">
                       <a16:colId xmlns:a16="http://schemas.microsoft.com/office/drawing/2014/main" val="1209773232"/>
                     </a:ext>
                   </a:extLst>
                 </a:gridCol>
-                <a:gridCol w="1354667">
-                  <a:extLst>
-                    <a:ext uri="{9D8B030D-6E8A-4147-A177-3AD203B41FA5}">
-                      <a16:colId xmlns:a16="http://schemas.microsoft.com/office/drawing/2014/main" val="158251857"/>
-                    </a:ext>
-                  </a:extLst>
-                </a:gridCol>
-                <a:gridCol w="1354666">
-                  <a:extLst>
-                    <a:ext uri="{9D8B030D-6E8A-4147-A177-3AD203B41FA5}">
-                      <a16:colId xmlns:a16="http://schemas.microsoft.com/office/drawing/2014/main" val="545691634"/>
-                    </a:ext>
-                  </a:extLst>
-                </a:gridCol>
-                <a:gridCol w="1354667">
+                <a:gridCol w="2340864">
                   <a:extLst>
                     <a:ext uri="{9D8B030D-6E8A-4147-A177-3AD203B41FA5}">
                       <a16:colId xmlns:a16="http://schemas.microsoft.com/office/drawing/2014/main" val="3865287554"/>
@@ -14040,46 +10904,6 @@
                           <a:cs typeface="Arial" panose="020B0604020202020204" pitchFamily="34" charset="0"/>
                         </a:rPr>
                         <a:t>Kratak opis preuzete priče</a:t>
-                      </a:r>
-                      <a:endParaRPr lang="en-US" sz="2400" dirty="0">
-                        <a:latin typeface="Arial" panose="020B0604020202020204" pitchFamily="34" charset="0"/>
-                        <a:cs typeface="Arial" panose="020B0604020202020204" pitchFamily="34" charset="0"/>
-                      </a:endParaRPr>
-                    </a:p>
-                  </a:txBody>
-                  <a:tcPr anchor="ctr"/>
-                </a:tc>
-                <a:tc>
-                  <a:txBody>
-                    <a:bodyPr/>
-                    <a:lstStyle/>
-                    <a:p>
-                      <a:r>
-                        <a:rPr lang="sr-Latn-RS" sz="1800" dirty="0">
-                          <a:latin typeface="Arial" panose="020B0604020202020204" pitchFamily="34" charset="0"/>
-                          <a:cs typeface="Arial" panose="020B0604020202020204" pitchFamily="34" charset="0"/>
-                        </a:rPr>
-                        <a:t>Procena poena</a:t>
-                      </a:r>
-                      <a:endParaRPr lang="en-US" sz="1800" dirty="0">
-                        <a:latin typeface="Arial" panose="020B0604020202020204" pitchFamily="34" charset="0"/>
-                        <a:cs typeface="Arial" panose="020B0604020202020204" pitchFamily="34" charset="0"/>
-                      </a:endParaRPr>
-                    </a:p>
-                  </a:txBody>
-                  <a:tcPr anchor="ctr"/>
-                </a:tc>
-                <a:tc>
-                  <a:txBody>
-                    <a:bodyPr/>
-                    <a:lstStyle/>
-                    <a:p>
-                      <a:r>
-                        <a:rPr lang="sr-Latn-RS" sz="1800" dirty="0">
-                          <a:latin typeface="Arial" panose="020B0604020202020204" pitchFamily="34" charset="0"/>
-                          <a:cs typeface="Arial" panose="020B0604020202020204" pitchFamily="34" charset="0"/>
-                        </a:rPr>
-                        <a:t>Stvarno poena</a:t>
                       </a:r>
                       <a:endParaRPr lang="en-US" sz="2400" dirty="0">
                         <a:latin typeface="Arial" panose="020B0604020202020204" pitchFamily="34" charset="0"/>
@@ -14165,32 +10989,6 @@
                   </a:txBody>
                   <a:tcPr anchor="ctr"/>
                 </a:tc>
-                <a:tc>
-                  <a:txBody>
-                    <a:bodyPr/>
-                    <a:lstStyle/>
-                    <a:p>
-                      <a:endParaRPr lang="en-US" sz="1800" dirty="0">
-                        <a:latin typeface="Arial" panose="020B0604020202020204" pitchFamily="34" charset="0"/>
-                        <a:cs typeface="Arial" panose="020B0604020202020204" pitchFamily="34" charset="0"/>
-                      </a:endParaRPr>
-                    </a:p>
-                  </a:txBody>
-                  <a:tcPr anchor="ctr"/>
-                </a:tc>
-                <a:tc>
-                  <a:txBody>
-                    <a:bodyPr/>
-                    <a:lstStyle/>
-                    <a:p>
-                      <a:endParaRPr lang="en-US" sz="1800" dirty="0">
-                        <a:latin typeface="Arial" panose="020B0604020202020204" pitchFamily="34" charset="0"/>
-                        <a:cs typeface="Arial" panose="020B0604020202020204" pitchFamily="34" charset="0"/>
-                      </a:endParaRPr>
-                    </a:p>
-                  </a:txBody>
-                  <a:tcPr anchor="ctr"/>
-                </a:tc>
                 <a:extLst>
                   <a:ext uri="{0D108BD9-81ED-4DB2-BD59-A6C34878D82A}">
                     <a16:rowId xmlns:a16="http://schemas.microsoft.com/office/drawing/2014/main" val="264378487"/>
@@ -14234,32 +11032,6 @@
                   </a:txBody>
                   <a:tcPr anchor="ctr"/>
                 </a:tc>
-                <a:tc>
-                  <a:txBody>
-                    <a:bodyPr/>
-                    <a:lstStyle/>
-                    <a:p>
-                      <a:endParaRPr lang="en-US" sz="1800" dirty="0">
-                        <a:latin typeface="Arial" panose="020B0604020202020204" pitchFamily="34" charset="0"/>
-                        <a:cs typeface="Arial" panose="020B0604020202020204" pitchFamily="34" charset="0"/>
-                      </a:endParaRPr>
-                    </a:p>
-                  </a:txBody>
-                  <a:tcPr anchor="ctr"/>
-                </a:tc>
-                <a:tc>
-                  <a:txBody>
-                    <a:bodyPr/>
-                    <a:lstStyle/>
-                    <a:p>
-                      <a:endParaRPr lang="en-US" sz="1800" dirty="0">
-                        <a:latin typeface="Arial" panose="020B0604020202020204" pitchFamily="34" charset="0"/>
-                        <a:cs typeface="Arial" panose="020B0604020202020204" pitchFamily="34" charset="0"/>
-                      </a:endParaRPr>
-                    </a:p>
-                  </a:txBody>
-                  <a:tcPr anchor="ctr"/>
-                </a:tc>
                 <a:extLst>
                   <a:ext uri="{0D108BD9-81ED-4DB2-BD59-A6C34878D82A}">
                     <a16:rowId xmlns:a16="http://schemas.microsoft.com/office/drawing/2014/main" val="741495083"/>
@@ -14303,32 +11075,6 @@
                   </a:txBody>
                   <a:tcPr anchor="ctr"/>
                 </a:tc>
-                <a:tc>
-                  <a:txBody>
-                    <a:bodyPr/>
-                    <a:lstStyle/>
-                    <a:p>
-                      <a:endParaRPr lang="en-US" sz="1800" dirty="0">
-                        <a:latin typeface="Arial" panose="020B0604020202020204" pitchFamily="34" charset="0"/>
-                        <a:cs typeface="Arial" panose="020B0604020202020204" pitchFamily="34" charset="0"/>
-                      </a:endParaRPr>
-                    </a:p>
-                  </a:txBody>
-                  <a:tcPr anchor="ctr"/>
-                </a:tc>
-                <a:tc>
-                  <a:txBody>
-                    <a:bodyPr/>
-                    <a:lstStyle/>
-                    <a:p>
-                      <a:endParaRPr lang="en-US" sz="1800" dirty="0">
-                        <a:latin typeface="Arial" panose="020B0604020202020204" pitchFamily="34" charset="0"/>
-                        <a:cs typeface="Arial" panose="020B0604020202020204" pitchFamily="34" charset="0"/>
-                      </a:endParaRPr>
-                    </a:p>
-                  </a:txBody>
-                  <a:tcPr anchor="ctr"/>
-                </a:tc>
                 <a:extLst>
                   <a:ext uri="{0D108BD9-81ED-4DB2-BD59-A6C34878D82A}">
                     <a16:rowId xmlns:a16="http://schemas.microsoft.com/office/drawing/2014/main" val="407375999"/>
@@ -14345,32 +11091,6 @@
                     </a:p>
                   </a:txBody>
                   <a:tcPr/>
-                </a:tc>
-                <a:tc>
-                  <a:txBody>
-                    <a:bodyPr/>
-                    <a:lstStyle/>
-                    <a:p>
-                      <a:endParaRPr lang="en-US" sz="1800" dirty="0">
-                        <a:latin typeface="Arial" panose="020B0604020202020204" pitchFamily="34" charset="0"/>
-                        <a:cs typeface="Arial" panose="020B0604020202020204" pitchFamily="34" charset="0"/>
-                      </a:endParaRPr>
-                    </a:p>
-                  </a:txBody>
-                  <a:tcPr anchor="ctr"/>
-                </a:tc>
-                <a:tc>
-                  <a:txBody>
-                    <a:bodyPr/>
-                    <a:lstStyle/>
-                    <a:p>
-                      <a:endParaRPr lang="en-US" sz="1800" dirty="0">
-                        <a:latin typeface="Arial" panose="020B0604020202020204" pitchFamily="34" charset="0"/>
-                        <a:cs typeface="Arial" panose="020B0604020202020204" pitchFamily="34" charset="0"/>
-                      </a:endParaRPr>
-                    </a:p>
-                  </a:txBody>
-                  <a:tcPr anchor="ctr"/>
                 </a:tc>
                 <a:tc>
                   <a:txBody>
@@ -14470,32 +11190,6 @@
                   </a:txBody>
                   <a:tcPr anchor="ctr"/>
                 </a:tc>
-                <a:tc>
-                  <a:txBody>
-                    <a:bodyPr/>
-                    <a:lstStyle/>
-                    <a:p>
-                      <a:endParaRPr lang="en-US" sz="1800" dirty="0">
-                        <a:latin typeface="Arial" panose="020B0604020202020204" pitchFamily="34" charset="0"/>
-                        <a:cs typeface="Arial" panose="020B0604020202020204" pitchFamily="34" charset="0"/>
-                      </a:endParaRPr>
-                    </a:p>
-                  </a:txBody>
-                  <a:tcPr anchor="ctr"/>
-                </a:tc>
-                <a:tc>
-                  <a:txBody>
-                    <a:bodyPr/>
-                    <a:lstStyle/>
-                    <a:p>
-                      <a:endParaRPr lang="en-US" sz="1800" dirty="0">
-                        <a:latin typeface="Arial" panose="020B0604020202020204" pitchFamily="34" charset="0"/>
-                        <a:cs typeface="Arial" panose="020B0604020202020204" pitchFamily="34" charset="0"/>
-                      </a:endParaRPr>
-                    </a:p>
-                  </a:txBody>
-                  <a:tcPr anchor="ctr"/>
-                </a:tc>
                 <a:extLst>
                   <a:ext uri="{0D108BD9-81ED-4DB2-BD59-A6C34878D82A}">
                     <a16:rowId xmlns:a16="http://schemas.microsoft.com/office/drawing/2014/main" val="3953925865"/>
@@ -14539,32 +11233,6 @@
                   </a:txBody>
                   <a:tcPr anchor="ctr"/>
                 </a:tc>
-                <a:tc>
-                  <a:txBody>
-                    <a:bodyPr/>
-                    <a:lstStyle/>
-                    <a:p>
-                      <a:endParaRPr lang="en-US" sz="1800" dirty="0">
-                        <a:latin typeface="Arial" panose="020B0604020202020204" pitchFamily="34" charset="0"/>
-                        <a:cs typeface="Arial" panose="020B0604020202020204" pitchFamily="34" charset="0"/>
-                      </a:endParaRPr>
-                    </a:p>
-                  </a:txBody>
-                  <a:tcPr anchor="ctr"/>
-                </a:tc>
-                <a:tc>
-                  <a:txBody>
-                    <a:bodyPr/>
-                    <a:lstStyle/>
-                    <a:p>
-                      <a:endParaRPr lang="en-US" sz="1800" dirty="0">
-                        <a:latin typeface="Arial" panose="020B0604020202020204" pitchFamily="34" charset="0"/>
-                        <a:cs typeface="Arial" panose="020B0604020202020204" pitchFamily="34" charset="0"/>
-                      </a:endParaRPr>
-                    </a:p>
-                  </a:txBody>
-                  <a:tcPr anchor="ctr"/>
-                </a:tc>
                 <a:extLst>
                   <a:ext uri="{0D108BD9-81ED-4DB2-BD59-A6C34878D82A}">
                     <a16:rowId xmlns:a16="http://schemas.microsoft.com/office/drawing/2014/main" val="4196659394"/>
@@ -14608,32 +11276,6 @@
                   </a:txBody>
                   <a:tcPr anchor="ctr"/>
                 </a:tc>
-                <a:tc>
-                  <a:txBody>
-                    <a:bodyPr/>
-                    <a:lstStyle/>
-                    <a:p>
-                      <a:endParaRPr lang="en-US" sz="1800" dirty="0">
-                        <a:latin typeface="Arial" panose="020B0604020202020204" pitchFamily="34" charset="0"/>
-                        <a:cs typeface="Arial" panose="020B0604020202020204" pitchFamily="34" charset="0"/>
-                      </a:endParaRPr>
-                    </a:p>
-                  </a:txBody>
-                  <a:tcPr anchor="ctr"/>
-                </a:tc>
-                <a:tc>
-                  <a:txBody>
-                    <a:bodyPr/>
-                    <a:lstStyle/>
-                    <a:p>
-                      <a:endParaRPr lang="en-US" sz="1800" dirty="0">
-                        <a:latin typeface="Arial" panose="020B0604020202020204" pitchFamily="34" charset="0"/>
-                        <a:cs typeface="Arial" panose="020B0604020202020204" pitchFamily="34" charset="0"/>
-                      </a:endParaRPr>
-                    </a:p>
-                  </a:txBody>
-                  <a:tcPr anchor="ctr"/>
-                </a:tc>
                 <a:extLst>
                   <a:ext uri="{0D108BD9-81ED-4DB2-BD59-A6C34878D82A}">
                     <a16:rowId xmlns:a16="http://schemas.microsoft.com/office/drawing/2014/main" val="1856707970"/>
@@ -14650,32 +11292,6 @@
                     </a:p>
                   </a:txBody>
                   <a:tcPr/>
-                </a:tc>
-                <a:tc>
-                  <a:txBody>
-                    <a:bodyPr/>
-                    <a:lstStyle/>
-                    <a:p>
-                      <a:endParaRPr lang="en-US" sz="1800" dirty="0">
-                        <a:latin typeface="Arial" panose="020B0604020202020204" pitchFamily="34" charset="0"/>
-                        <a:cs typeface="Arial" panose="020B0604020202020204" pitchFamily="34" charset="0"/>
-                      </a:endParaRPr>
-                    </a:p>
-                  </a:txBody>
-                  <a:tcPr anchor="ctr"/>
-                </a:tc>
-                <a:tc>
-                  <a:txBody>
-                    <a:bodyPr/>
-                    <a:lstStyle/>
-                    <a:p>
-                      <a:endParaRPr lang="en-US" sz="1800" dirty="0">
-                        <a:latin typeface="Arial" panose="020B0604020202020204" pitchFamily="34" charset="0"/>
-                        <a:cs typeface="Arial" panose="020B0604020202020204" pitchFamily="34" charset="0"/>
-                      </a:endParaRPr>
-                    </a:p>
-                  </a:txBody>
-                  <a:tcPr anchor="ctr"/>
                 </a:tc>
                 <a:tc>
                   <a:txBody>
@@ -14759,32 +11375,6 @@
                   </a:txBody>
                   <a:tcPr anchor="ctr"/>
                 </a:tc>
-                <a:tc>
-                  <a:txBody>
-                    <a:bodyPr/>
-                    <a:lstStyle/>
-                    <a:p>
-                      <a:endParaRPr lang="en-US" sz="1800" dirty="0">
-                        <a:latin typeface="Arial" panose="020B0604020202020204" pitchFamily="34" charset="0"/>
-                        <a:cs typeface="Arial" panose="020B0604020202020204" pitchFamily="34" charset="0"/>
-                      </a:endParaRPr>
-                    </a:p>
-                  </a:txBody>
-                  <a:tcPr anchor="ctr"/>
-                </a:tc>
-                <a:tc>
-                  <a:txBody>
-                    <a:bodyPr/>
-                    <a:lstStyle/>
-                    <a:p>
-                      <a:endParaRPr lang="en-US" sz="1800" dirty="0">
-                        <a:latin typeface="Arial" panose="020B0604020202020204" pitchFamily="34" charset="0"/>
-                        <a:cs typeface="Arial" panose="020B0604020202020204" pitchFamily="34" charset="0"/>
-                      </a:endParaRPr>
-                    </a:p>
-                  </a:txBody>
-                  <a:tcPr anchor="ctr"/>
-                </a:tc>
                 <a:extLst>
                   <a:ext uri="{0D108BD9-81ED-4DB2-BD59-A6C34878D82A}">
                     <a16:rowId xmlns:a16="http://schemas.microsoft.com/office/drawing/2014/main" val="1615706111"/>
@@ -14828,32 +11418,6 @@
                   </a:txBody>
                   <a:tcPr anchor="ctr"/>
                 </a:tc>
-                <a:tc>
-                  <a:txBody>
-                    <a:bodyPr/>
-                    <a:lstStyle/>
-                    <a:p>
-                      <a:endParaRPr lang="en-US" sz="1800" dirty="0">
-                        <a:latin typeface="Arial" panose="020B0604020202020204" pitchFamily="34" charset="0"/>
-                        <a:cs typeface="Arial" panose="020B0604020202020204" pitchFamily="34" charset="0"/>
-                      </a:endParaRPr>
-                    </a:p>
-                  </a:txBody>
-                  <a:tcPr anchor="ctr"/>
-                </a:tc>
-                <a:tc>
-                  <a:txBody>
-                    <a:bodyPr/>
-                    <a:lstStyle/>
-                    <a:p>
-                      <a:endParaRPr lang="en-US" sz="1800" dirty="0">
-                        <a:latin typeface="Arial" panose="020B0604020202020204" pitchFamily="34" charset="0"/>
-                        <a:cs typeface="Arial" panose="020B0604020202020204" pitchFamily="34" charset="0"/>
-                      </a:endParaRPr>
-                    </a:p>
-                  </a:txBody>
-                  <a:tcPr anchor="ctr"/>
-                </a:tc>
                 <a:extLst>
                   <a:ext uri="{0D108BD9-81ED-4DB2-BD59-A6C34878D82A}">
                     <a16:rowId xmlns:a16="http://schemas.microsoft.com/office/drawing/2014/main" val="500200411"/>
@@ -14897,32 +11461,6 @@
                   </a:txBody>
                   <a:tcPr anchor="ctr"/>
                 </a:tc>
-                <a:tc>
-                  <a:txBody>
-                    <a:bodyPr/>
-                    <a:lstStyle/>
-                    <a:p>
-                      <a:endParaRPr lang="en-US" sz="1800" dirty="0">
-                        <a:latin typeface="Arial" panose="020B0604020202020204" pitchFamily="34" charset="0"/>
-                        <a:cs typeface="Arial" panose="020B0604020202020204" pitchFamily="34" charset="0"/>
-                      </a:endParaRPr>
-                    </a:p>
-                  </a:txBody>
-                  <a:tcPr anchor="ctr"/>
-                </a:tc>
-                <a:tc>
-                  <a:txBody>
-                    <a:bodyPr/>
-                    <a:lstStyle/>
-                    <a:p>
-                      <a:endParaRPr lang="en-US" sz="1800" dirty="0">
-                        <a:latin typeface="Arial" panose="020B0604020202020204" pitchFamily="34" charset="0"/>
-                        <a:cs typeface="Arial" panose="020B0604020202020204" pitchFamily="34" charset="0"/>
-                      </a:endParaRPr>
-                    </a:p>
-                  </a:txBody>
-                  <a:tcPr anchor="ctr"/>
-                </a:tc>
                 <a:extLst>
                   <a:ext uri="{0D108BD9-81ED-4DB2-BD59-A6C34878D82A}">
                     <a16:rowId xmlns:a16="http://schemas.microsoft.com/office/drawing/2014/main" val="894306909"/>
@@ -14939,32 +11477,6 @@
                     </a:p>
                   </a:txBody>
                   <a:tcPr/>
-                </a:tc>
-                <a:tc>
-                  <a:txBody>
-                    <a:bodyPr/>
-                    <a:lstStyle/>
-                    <a:p>
-                      <a:endParaRPr lang="en-US" sz="1800" dirty="0">
-                        <a:latin typeface="Arial" panose="020B0604020202020204" pitchFamily="34" charset="0"/>
-                        <a:cs typeface="Arial" panose="020B0604020202020204" pitchFamily="34" charset="0"/>
-                      </a:endParaRPr>
-                    </a:p>
-                  </a:txBody>
-                  <a:tcPr anchor="ctr"/>
-                </a:tc>
-                <a:tc>
-                  <a:txBody>
-                    <a:bodyPr/>
-                    <a:lstStyle/>
-                    <a:p>
-                      <a:endParaRPr lang="en-US" sz="1800" dirty="0">
-                        <a:latin typeface="Arial" panose="020B0604020202020204" pitchFamily="34" charset="0"/>
-                        <a:cs typeface="Arial" panose="020B0604020202020204" pitchFamily="34" charset="0"/>
-                      </a:endParaRPr>
-                    </a:p>
-                  </a:txBody>
-                  <a:tcPr anchor="ctr"/>
                 </a:tc>
                 <a:tc>
                   <a:txBody>
@@ -15055,32 +11567,6 @@
                   </a:txBody>
                   <a:tcPr anchor="ctr"/>
                 </a:tc>
-                <a:tc>
-                  <a:txBody>
-                    <a:bodyPr/>
-                    <a:lstStyle/>
-                    <a:p>
-                      <a:endParaRPr lang="en-US" sz="1800" dirty="0">
-                        <a:latin typeface="Arial" panose="020B0604020202020204" pitchFamily="34" charset="0"/>
-                        <a:cs typeface="Arial" panose="020B0604020202020204" pitchFamily="34" charset="0"/>
-                      </a:endParaRPr>
-                    </a:p>
-                  </a:txBody>
-                  <a:tcPr anchor="ctr"/>
-                </a:tc>
-                <a:tc>
-                  <a:txBody>
-                    <a:bodyPr/>
-                    <a:lstStyle/>
-                    <a:p>
-                      <a:endParaRPr lang="en-US" sz="1800" dirty="0">
-                        <a:latin typeface="Arial" panose="020B0604020202020204" pitchFamily="34" charset="0"/>
-                        <a:cs typeface="Arial" panose="020B0604020202020204" pitchFamily="34" charset="0"/>
-                      </a:endParaRPr>
-                    </a:p>
-                  </a:txBody>
-                  <a:tcPr anchor="ctr"/>
-                </a:tc>
                 <a:extLst>
                   <a:ext uri="{0D108BD9-81ED-4DB2-BD59-A6C34878D82A}">
                     <a16:rowId xmlns:a16="http://schemas.microsoft.com/office/drawing/2014/main" val="2258469179"/>
@@ -15124,32 +11610,6 @@
                   </a:txBody>
                   <a:tcPr anchor="ctr"/>
                 </a:tc>
-                <a:tc>
-                  <a:txBody>
-                    <a:bodyPr/>
-                    <a:lstStyle/>
-                    <a:p>
-                      <a:endParaRPr lang="en-US" sz="1800" dirty="0">
-                        <a:latin typeface="Arial" panose="020B0604020202020204" pitchFamily="34" charset="0"/>
-                        <a:cs typeface="Arial" panose="020B0604020202020204" pitchFamily="34" charset="0"/>
-                      </a:endParaRPr>
-                    </a:p>
-                  </a:txBody>
-                  <a:tcPr anchor="ctr"/>
-                </a:tc>
-                <a:tc>
-                  <a:txBody>
-                    <a:bodyPr/>
-                    <a:lstStyle/>
-                    <a:p>
-                      <a:endParaRPr lang="en-US" sz="1800" dirty="0">
-                        <a:latin typeface="Arial" panose="020B0604020202020204" pitchFamily="34" charset="0"/>
-                        <a:cs typeface="Arial" panose="020B0604020202020204" pitchFamily="34" charset="0"/>
-                      </a:endParaRPr>
-                    </a:p>
-                  </a:txBody>
-                  <a:tcPr anchor="ctr"/>
-                </a:tc>
                 <a:extLst>
                   <a:ext uri="{0D108BD9-81ED-4DB2-BD59-A6C34878D82A}">
                     <a16:rowId xmlns:a16="http://schemas.microsoft.com/office/drawing/2014/main" val="3385457170"/>
@@ -15193,32 +11653,6 @@
                   </a:txBody>
                   <a:tcPr anchor="ctr"/>
                 </a:tc>
-                <a:tc>
-                  <a:txBody>
-                    <a:bodyPr/>
-                    <a:lstStyle/>
-                    <a:p>
-                      <a:endParaRPr lang="en-US" sz="1800" dirty="0">
-                        <a:latin typeface="Arial" panose="020B0604020202020204" pitchFamily="34" charset="0"/>
-                        <a:cs typeface="Arial" panose="020B0604020202020204" pitchFamily="34" charset="0"/>
-                      </a:endParaRPr>
-                    </a:p>
-                  </a:txBody>
-                  <a:tcPr anchor="ctr"/>
-                </a:tc>
-                <a:tc>
-                  <a:txBody>
-                    <a:bodyPr/>
-                    <a:lstStyle/>
-                    <a:p>
-                      <a:endParaRPr lang="en-US" sz="1800" dirty="0">
-                        <a:latin typeface="Arial" panose="020B0604020202020204" pitchFamily="34" charset="0"/>
-                        <a:cs typeface="Arial" panose="020B0604020202020204" pitchFamily="34" charset="0"/>
-                      </a:endParaRPr>
-                    </a:p>
-                  </a:txBody>
-                  <a:tcPr anchor="ctr"/>
-                </a:tc>
                 <a:extLst>
                   <a:ext uri="{0D108BD9-81ED-4DB2-BD59-A6C34878D82A}">
                     <a16:rowId xmlns:a16="http://schemas.microsoft.com/office/drawing/2014/main" val="1285668822"/>
@@ -15235,32 +11669,6 @@
                     </a:p>
                   </a:txBody>
                   <a:tcPr/>
-                </a:tc>
-                <a:tc>
-                  <a:txBody>
-                    <a:bodyPr/>
-                    <a:lstStyle/>
-                    <a:p>
-                      <a:endParaRPr lang="en-US" sz="1800" dirty="0">
-                        <a:latin typeface="Arial" panose="020B0604020202020204" pitchFamily="34" charset="0"/>
-                        <a:cs typeface="Arial" panose="020B0604020202020204" pitchFamily="34" charset="0"/>
-                      </a:endParaRPr>
-                    </a:p>
-                  </a:txBody>
-                  <a:tcPr anchor="ctr"/>
-                </a:tc>
-                <a:tc>
-                  <a:txBody>
-                    <a:bodyPr/>
-                    <a:lstStyle/>
-                    <a:p>
-                      <a:endParaRPr lang="en-US" sz="1800" dirty="0">
-                        <a:latin typeface="Arial" panose="020B0604020202020204" pitchFamily="34" charset="0"/>
-                        <a:cs typeface="Arial" panose="020B0604020202020204" pitchFamily="34" charset="0"/>
-                      </a:endParaRPr>
-                    </a:p>
-                  </a:txBody>
-                  <a:tcPr anchor="ctr"/>
                 </a:tc>
                 <a:tc>
                   <a:txBody>
@@ -15301,7 +11709,7 @@
     </p:spTree>
     <p:extLst>
       <p:ext uri="{BB962C8B-B14F-4D97-AF65-F5344CB8AC3E}">
-        <p14:creationId xmlns:p14="http://schemas.microsoft.com/office/powerpoint/2010/main" val="3486784870"/>
+        <p14:creationId xmlns:p14="http://schemas.microsoft.com/office/powerpoint/2010/main" val="687852587"/>
       </p:ext>
     </p:extLst>
   </p:cSld>
@@ -15343,14 +11751,14 @@
           <p:nvPr>
             <p:extLst>
               <p:ext uri="{D42A27DB-BD31-4B8C-83A1-F6EECF244321}">
-                <p14:modId xmlns:p14="http://schemas.microsoft.com/office/powerpoint/2010/main" val="615260460"/>
+                <p14:modId xmlns:p14="http://schemas.microsoft.com/office/powerpoint/2010/main" val="3639567905"/>
               </p:ext>
             </p:extLst>
           </p:nvPr>
         </p:nvGraphicFramePr>
         <p:xfrm>
           <a:off x="0" y="-25054"/>
-          <a:ext cx="12192000" cy="6907870"/>
+          <a:ext cx="12204192" cy="6858007"/>
         </p:xfrm>
         <a:graphic>
           <a:graphicData uri="http://schemas.openxmlformats.org/drawingml/2006/table">
@@ -15366,28 +11774,14 @@
                     </a:ext>
                   </a:extLst>
                 </a:gridCol>
-                <a:gridCol w="6048679">
+                <a:gridCol w="7784007">
                   <a:extLst>
                     <a:ext uri="{9D8B030D-6E8A-4147-A177-3AD203B41FA5}">
                       <a16:colId xmlns:a16="http://schemas.microsoft.com/office/drawing/2014/main" val="1209773232"/>
                     </a:ext>
                   </a:extLst>
                 </a:gridCol>
-                <a:gridCol w="1354667">
-                  <a:extLst>
-                    <a:ext uri="{9D8B030D-6E8A-4147-A177-3AD203B41FA5}">
-                      <a16:colId xmlns:a16="http://schemas.microsoft.com/office/drawing/2014/main" val="158251857"/>
-                    </a:ext>
-                  </a:extLst>
-                </a:gridCol>
-                <a:gridCol w="1354666">
-                  <a:extLst>
-                    <a:ext uri="{9D8B030D-6E8A-4147-A177-3AD203B41FA5}">
-                      <a16:colId xmlns:a16="http://schemas.microsoft.com/office/drawing/2014/main" val="545691634"/>
-                    </a:ext>
-                  </a:extLst>
-                </a:gridCol>
-                <a:gridCol w="1354667">
+                <a:gridCol w="2340864">
                   <a:extLst>
                     <a:ext uri="{9D8B030D-6E8A-4147-A177-3AD203B41FA5}">
                       <a16:colId xmlns:a16="http://schemas.microsoft.com/office/drawing/2014/main" val="3865287554"/>
@@ -15427,46 +11821,6 @@
                           <a:cs typeface="Arial" panose="020B0604020202020204" pitchFamily="34" charset="0"/>
                         </a:rPr>
                         <a:t>Kratak opis preuzete priče</a:t>
-                      </a:r>
-                      <a:endParaRPr lang="en-US" sz="2400" dirty="0">
-                        <a:latin typeface="Arial" panose="020B0604020202020204" pitchFamily="34" charset="0"/>
-                        <a:cs typeface="Arial" panose="020B0604020202020204" pitchFamily="34" charset="0"/>
-                      </a:endParaRPr>
-                    </a:p>
-                  </a:txBody>
-                  <a:tcPr anchor="ctr"/>
-                </a:tc>
-                <a:tc>
-                  <a:txBody>
-                    <a:bodyPr/>
-                    <a:lstStyle/>
-                    <a:p>
-                      <a:r>
-                        <a:rPr lang="sr-Latn-RS" sz="1800" dirty="0">
-                          <a:latin typeface="Arial" panose="020B0604020202020204" pitchFamily="34" charset="0"/>
-                          <a:cs typeface="Arial" panose="020B0604020202020204" pitchFamily="34" charset="0"/>
-                        </a:rPr>
-                        <a:t>Procena poena</a:t>
-                      </a:r>
-                      <a:endParaRPr lang="en-US" sz="1800" dirty="0">
-                        <a:latin typeface="Arial" panose="020B0604020202020204" pitchFamily="34" charset="0"/>
-                        <a:cs typeface="Arial" panose="020B0604020202020204" pitchFamily="34" charset="0"/>
-                      </a:endParaRPr>
-                    </a:p>
-                  </a:txBody>
-                  <a:tcPr anchor="ctr"/>
-                </a:tc>
-                <a:tc>
-                  <a:txBody>
-                    <a:bodyPr/>
-                    <a:lstStyle/>
-                    <a:p>
-                      <a:r>
-                        <a:rPr lang="sr-Latn-RS" sz="1800" dirty="0">
-                          <a:latin typeface="Arial" panose="020B0604020202020204" pitchFamily="34" charset="0"/>
-                          <a:cs typeface="Arial" panose="020B0604020202020204" pitchFamily="34" charset="0"/>
-                        </a:rPr>
-                        <a:t>Stvarno poena</a:t>
                       </a:r>
                       <a:endParaRPr lang="en-US" sz="2400" dirty="0">
                         <a:latin typeface="Arial" panose="020B0604020202020204" pitchFamily="34" charset="0"/>
@@ -15552,32 +11906,6 @@
                   </a:txBody>
                   <a:tcPr anchor="ctr"/>
                 </a:tc>
-                <a:tc>
-                  <a:txBody>
-                    <a:bodyPr/>
-                    <a:lstStyle/>
-                    <a:p>
-                      <a:endParaRPr lang="en-US" sz="1800" dirty="0">
-                        <a:latin typeface="Arial" panose="020B0604020202020204" pitchFamily="34" charset="0"/>
-                        <a:cs typeface="Arial" panose="020B0604020202020204" pitchFamily="34" charset="0"/>
-                      </a:endParaRPr>
-                    </a:p>
-                  </a:txBody>
-                  <a:tcPr anchor="ctr"/>
-                </a:tc>
-                <a:tc>
-                  <a:txBody>
-                    <a:bodyPr/>
-                    <a:lstStyle/>
-                    <a:p>
-                      <a:endParaRPr lang="en-US" sz="1800" dirty="0">
-                        <a:latin typeface="Arial" panose="020B0604020202020204" pitchFamily="34" charset="0"/>
-                        <a:cs typeface="Arial" panose="020B0604020202020204" pitchFamily="34" charset="0"/>
-                      </a:endParaRPr>
-                    </a:p>
-                  </a:txBody>
-                  <a:tcPr anchor="ctr"/>
-                </a:tc>
                 <a:extLst>
                   <a:ext uri="{0D108BD9-81ED-4DB2-BD59-A6C34878D82A}">
                     <a16:rowId xmlns:a16="http://schemas.microsoft.com/office/drawing/2014/main" val="264378487"/>
@@ -15621,32 +11949,6 @@
                   </a:txBody>
                   <a:tcPr anchor="ctr"/>
                 </a:tc>
-                <a:tc>
-                  <a:txBody>
-                    <a:bodyPr/>
-                    <a:lstStyle/>
-                    <a:p>
-                      <a:endParaRPr lang="en-US" sz="1800" dirty="0">
-                        <a:latin typeface="Arial" panose="020B0604020202020204" pitchFamily="34" charset="0"/>
-                        <a:cs typeface="Arial" panose="020B0604020202020204" pitchFamily="34" charset="0"/>
-                      </a:endParaRPr>
-                    </a:p>
-                  </a:txBody>
-                  <a:tcPr anchor="ctr"/>
-                </a:tc>
-                <a:tc>
-                  <a:txBody>
-                    <a:bodyPr/>
-                    <a:lstStyle/>
-                    <a:p>
-                      <a:endParaRPr lang="en-US" sz="1800" dirty="0">
-                        <a:latin typeface="Arial" panose="020B0604020202020204" pitchFamily="34" charset="0"/>
-                        <a:cs typeface="Arial" panose="020B0604020202020204" pitchFamily="34" charset="0"/>
-                      </a:endParaRPr>
-                    </a:p>
-                  </a:txBody>
-                  <a:tcPr anchor="ctr"/>
-                </a:tc>
                 <a:extLst>
                   <a:ext uri="{0D108BD9-81ED-4DB2-BD59-A6C34878D82A}">
                     <a16:rowId xmlns:a16="http://schemas.microsoft.com/office/drawing/2014/main" val="741495083"/>
@@ -15690,32 +11992,6 @@
                   </a:txBody>
                   <a:tcPr anchor="ctr"/>
                 </a:tc>
-                <a:tc>
-                  <a:txBody>
-                    <a:bodyPr/>
-                    <a:lstStyle/>
-                    <a:p>
-                      <a:endParaRPr lang="en-US" sz="1800" dirty="0">
-                        <a:latin typeface="Arial" panose="020B0604020202020204" pitchFamily="34" charset="0"/>
-                        <a:cs typeface="Arial" panose="020B0604020202020204" pitchFamily="34" charset="0"/>
-                      </a:endParaRPr>
-                    </a:p>
-                  </a:txBody>
-                  <a:tcPr anchor="ctr"/>
-                </a:tc>
-                <a:tc>
-                  <a:txBody>
-                    <a:bodyPr/>
-                    <a:lstStyle/>
-                    <a:p>
-                      <a:endParaRPr lang="en-US" sz="1800" dirty="0">
-                        <a:latin typeface="Arial" panose="020B0604020202020204" pitchFamily="34" charset="0"/>
-                        <a:cs typeface="Arial" panose="020B0604020202020204" pitchFamily="34" charset="0"/>
-                      </a:endParaRPr>
-                    </a:p>
-                  </a:txBody>
-                  <a:tcPr anchor="ctr"/>
-                </a:tc>
                 <a:extLst>
                   <a:ext uri="{0D108BD9-81ED-4DB2-BD59-A6C34878D82A}">
                     <a16:rowId xmlns:a16="http://schemas.microsoft.com/office/drawing/2014/main" val="407375999"/>
@@ -15732,32 +12008,6 @@
                     </a:p>
                   </a:txBody>
                   <a:tcPr/>
-                </a:tc>
-                <a:tc>
-                  <a:txBody>
-                    <a:bodyPr/>
-                    <a:lstStyle/>
-                    <a:p>
-                      <a:endParaRPr lang="en-US" sz="1800" dirty="0">
-                        <a:latin typeface="Arial" panose="020B0604020202020204" pitchFamily="34" charset="0"/>
-                        <a:cs typeface="Arial" panose="020B0604020202020204" pitchFamily="34" charset="0"/>
-                      </a:endParaRPr>
-                    </a:p>
-                  </a:txBody>
-                  <a:tcPr anchor="ctr"/>
-                </a:tc>
-                <a:tc>
-                  <a:txBody>
-                    <a:bodyPr/>
-                    <a:lstStyle/>
-                    <a:p>
-                      <a:endParaRPr lang="en-US" sz="1800" dirty="0">
-                        <a:latin typeface="Arial" panose="020B0604020202020204" pitchFamily="34" charset="0"/>
-                        <a:cs typeface="Arial" panose="020B0604020202020204" pitchFamily="34" charset="0"/>
-                      </a:endParaRPr>
-                    </a:p>
-                  </a:txBody>
-                  <a:tcPr anchor="ctr"/>
                 </a:tc>
                 <a:tc>
                   <a:txBody>
@@ -15857,32 +12107,6 @@
                   </a:txBody>
                   <a:tcPr anchor="ctr"/>
                 </a:tc>
-                <a:tc>
-                  <a:txBody>
-                    <a:bodyPr/>
-                    <a:lstStyle/>
-                    <a:p>
-                      <a:endParaRPr lang="en-US" sz="1800" dirty="0">
-                        <a:latin typeface="Arial" panose="020B0604020202020204" pitchFamily="34" charset="0"/>
-                        <a:cs typeface="Arial" panose="020B0604020202020204" pitchFamily="34" charset="0"/>
-                      </a:endParaRPr>
-                    </a:p>
-                  </a:txBody>
-                  <a:tcPr anchor="ctr"/>
-                </a:tc>
-                <a:tc>
-                  <a:txBody>
-                    <a:bodyPr/>
-                    <a:lstStyle/>
-                    <a:p>
-                      <a:endParaRPr lang="en-US" sz="1800" dirty="0">
-                        <a:latin typeface="Arial" panose="020B0604020202020204" pitchFamily="34" charset="0"/>
-                        <a:cs typeface="Arial" panose="020B0604020202020204" pitchFamily="34" charset="0"/>
-                      </a:endParaRPr>
-                    </a:p>
-                  </a:txBody>
-                  <a:tcPr anchor="ctr"/>
-                </a:tc>
                 <a:extLst>
                   <a:ext uri="{0D108BD9-81ED-4DB2-BD59-A6C34878D82A}">
                     <a16:rowId xmlns:a16="http://schemas.microsoft.com/office/drawing/2014/main" val="3953925865"/>
@@ -15926,32 +12150,6 @@
                   </a:txBody>
                   <a:tcPr anchor="ctr"/>
                 </a:tc>
-                <a:tc>
-                  <a:txBody>
-                    <a:bodyPr/>
-                    <a:lstStyle/>
-                    <a:p>
-                      <a:endParaRPr lang="en-US" sz="1800" dirty="0">
-                        <a:latin typeface="Arial" panose="020B0604020202020204" pitchFamily="34" charset="0"/>
-                        <a:cs typeface="Arial" panose="020B0604020202020204" pitchFamily="34" charset="0"/>
-                      </a:endParaRPr>
-                    </a:p>
-                  </a:txBody>
-                  <a:tcPr anchor="ctr"/>
-                </a:tc>
-                <a:tc>
-                  <a:txBody>
-                    <a:bodyPr/>
-                    <a:lstStyle/>
-                    <a:p>
-                      <a:endParaRPr lang="en-US" sz="1800" dirty="0">
-                        <a:latin typeface="Arial" panose="020B0604020202020204" pitchFamily="34" charset="0"/>
-                        <a:cs typeface="Arial" panose="020B0604020202020204" pitchFamily="34" charset="0"/>
-                      </a:endParaRPr>
-                    </a:p>
-                  </a:txBody>
-                  <a:tcPr anchor="ctr"/>
-                </a:tc>
                 <a:extLst>
                   <a:ext uri="{0D108BD9-81ED-4DB2-BD59-A6C34878D82A}">
                     <a16:rowId xmlns:a16="http://schemas.microsoft.com/office/drawing/2014/main" val="4196659394"/>
@@ -15995,32 +12193,6 @@
                   </a:txBody>
                   <a:tcPr anchor="ctr"/>
                 </a:tc>
-                <a:tc>
-                  <a:txBody>
-                    <a:bodyPr/>
-                    <a:lstStyle/>
-                    <a:p>
-                      <a:endParaRPr lang="en-US" sz="1800" dirty="0">
-                        <a:latin typeface="Arial" panose="020B0604020202020204" pitchFamily="34" charset="0"/>
-                        <a:cs typeface="Arial" panose="020B0604020202020204" pitchFamily="34" charset="0"/>
-                      </a:endParaRPr>
-                    </a:p>
-                  </a:txBody>
-                  <a:tcPr anchor="ctr"/>
-                </a:tc>
-                <a:tc>
-                  <a:txBody>
-                    <a:bodyPr/>
-                    <a:lstStyle/>
-                    <a:p>
-                      <a:endParaRPr lang="en-US" sz="1800" dirty="0">
-                        <a:latin typeface="Arial" panose="020B0604020202020204" pitchFamily="34" charset="0"/>
-                        <a:cs typeface="Arial" panose="020B0604020202020204" pitchFamily="34" charset="0"/>
-                      </a:endParaRPr>
-                    </a:p>
-                  </a:txBody>
-                  <a:tcPr anchor="ctr"/>
-                </a:tc>
                 <a:extLst>
                   <a:ext uri="{0D108BD9-81ED-4DB2-BD59-A6C34878D82A}">
                     <a16:rowId xmlns:a16="http://schemas.microsoft.com/office/drawing/2014/main" val="1856707970"/>
@@ -16037,32 +12209,6 @@
                     </a:p>
                   </a:txBody>
                   <a:tcPr/>
-                </a:tc>
-                <a:tc>
-                  <a:txBody>
-                    <a:bodyPr/>
-                    <a:lstStyle/>
-                    <a:p>
-                      <a:endParaRPr lang="en-US" sz="1800" dirty="0">
-                        <a:latin typeface="Arial" panose="020B0604020202020204" pitchFamily="34" charset="0"/>
-                        <a:cs typeface="Arial" panose="020B0604020202020204" pitchFamily="34" charset="0"/>
-                      </a:endParaRPr>
-                    </a:p>
-                  </a:txBody>
-                  <a:tcPr anchor="ctr"/>
-                </a:tc>
-                <a:tc>
-                  <a:txBody>
-                    <a:bodyPr/>
-                    <a:lstStyle/>
-                    <a:p>
-                      <a:endParaRPr lang="en-US" sz="1800" dirty="0">
-                        <a:latin typeface="Arial" panose="020B0604020202020204" pitchFamily="34" charset="0"/>
-                        <a:cs typeface="Arial" panose="020B0604020202020204" pitchFamily="34" charset="0"/>
-                      </a:endParaRPr>
-                    </a:p>
-                  </a:txBody>
-                  <a:tcPr anchor="ctr"/>
                 </a:tc>
                 <a:tc>
                   <a:txBody>
@@ -16146,32 +12292,6 @@
                   </a:txBody>
                   <a:tcPr anchor="ctr"/>
                 </a:tc>
-                <a:tc>
-                  <a:txBody>
-                    <a:bodyPr/>
-                    <a:lstStyle/>
-                    <a:p>
-                      <a:endParaRPr lang="en-US" sz="1800" dirty="0">
-                        <a:latin typeface="Arial" panose="020B0604020202020204" pitchFamily="34" charset="0"/>
-                        <a:cs typeface="Arial" panose="020B0604020202020204" pitchFamily="34" charset="0"/>
-                      </a:endParaRPr>
-                    </a:p>
-                  </a:txBody>
-                  <a:tcPr anchor="ctr"/>
-                </a:tc>
-                <a:tc>
-                  <a:txBody>
-                    <a:bodyPr/>
-                    <a:lstStyle/>
-                    <a:p>
-                      <a:endParaRPr lang="en-US" sz="1800" dirty="0">
-                        <a:latin typeface="Arial" panose="020B0604020202020204" pitchFamily="34" charset="0"/>
-                        <a:cs typeface="Arial" panose="020B0604020202020204" pitchFamily="34" charset="0"/>
-                      </a:endParaRPr>
-                    </a:p>
-                  </a:txBody>
-                  <a:tcPr anchor="ctr"/>
-                </a:tc>
                 <a:extLst>
                   <a:ext uri="{0D108BD9-81ED-4DB2-BD59-A6C34878D82A}">
                     <a16:rowId xmlns:a16="http://schemas.microsoft.com/office/drawing/2014/main" val="1615706111"/>
@@ -16215,32 +12335,6 @@
                   </a:txBody>
                   <a:tcPr anchor="ctr"/>
                 </a:tc>
-                <a:tc>
-                  <a:txBody>
-                    <a:bodyPr/>
-                    <a:lstStyle/>
-                    <a:p>
-                      <a:endParaRPr lang="en-US" sz="1800" dirty="0">
-                        <a:latin typeface="Arial" panose="020B0604020202020204" pitchFamily="34" charset="0"/>
-                        <a:cs typeface="Arial" panose="020B0604020202020204" pitchFamily="34" charset="0"/>
-                      </a:endParaRPr>
-                    </a:p>
-                  </a:txBody>
-                  <a:tcPr anchor="ctr"/>
-                </a:tc>
-                <a:tc>
-                  <a:txBody>
-                    <a:bodyPr/>
-                    <a:lstStyle/>
-                    <a:p>
-                      <a:endParaRPr lang="en-US" sz="1800" dirty="0">
-                        <a:latin typeface="Arial" panose="020B0604020202020204" pitchFamily="34" charset="0"/>
-                        <a:cs typeface="Arial" panose="020B0604020202020204" pitchFamily="34" charset="0"/>
-                      </a:endParaRPr>
-                    </a:p>
-                  </a:txBody>
-                  <a:tcPr anchor="ctr"/>
-                </a:tc>
                 <a:extLst>
                   <a:ext uri="{0D108BD9-81ED-4DB2-BD59-A6C34878D82A}">
                     <a16:rowId xmlns:a16="http://schemas.microsoft.com/office/drawing/2014/main" val="500200411"/>
@@ -16284,32 +12378,6 @@
                   </a:txBody>
                   <a:tcPr anchor="ctr"/>
                 </a:tc>
-                <a:tc>
-                  <a:txBody>
-                    <a:bodyPr/>
-                    <a:lstStyle/>
-                    <a:p>
-                      <a:endParaRPr lang="en-US" sz="1800" dirty="0">
-                        <a:latin typeface="Arial" panose="020B0604020202020204" pitchFamily="34" charset="0"/>
-                        <a:cs typeface="Arial" panose="020B0604020202020204" pitchFamily="34" charset="0"/>
-                      </a:endParaRPr>
-                    </a:p>
-                  </a:txBody>
-                  <a:tcPr anchor="ctr"/>
-                </a:tc>
-                <a:tc>
-                  <a:txBody>
-                    <a:bodyPr/>
-                    <a:lstStyle/>
-                    <a:p>
-                      <a:endParaRPr lang="en-US" sz="1800" dirty="0">
-                        <a:latin typeface="Arial" panose="020B0604020202020204" pitchFamily="34" charset="0"/>
-                        <a:cs typeface="Arial" panose="020B0604020202020204" pitchFamily="34" charset="0"/>
-                      </a:endParaRPr>
-                    </a:p>
-                  </a:txBody>
-                  <a:tcPr anchor="ctr"/>
-                </a:tc>
                 <a:extLst>
                   <a:ext uri="{0D108BD9-81ED-4DB2-BD59-A6C34878D82A}">
                     <a16:rowId xmlns:a16="http://schemas.microsoft.com/office/drawing/2014/main" val="894306909"/>
@@ -16326,32 +12394,6 @@
                     </a:p>
                   </a:txBody>
                   <a:tcPr/>
-                </a:tc>
-                <a:tc>
-                  <a:txBody>
-                    <a:bodyPr/>
-                    <a:lstStyle/>
-                    <a:p>
-                      <a:endParaRPr lang="en-US" sz="1800" dirty="0">
-                        <a:latin typeface="Arial" panose="020B0604020202020204" pitchFamily="34" charset="0"/>
-                        <a:cs typeface="Arial" panose="020B0604020202020204" pitchFamily="34" charset="0"/>
-                      </a:endParaRPr>
-                    </a:p>
-                  </a:txBody>
-                  <a:tcPr anchor="ctr"/>
-                </a:tc>
-                <a:tc>
-                  <a:txBody>
-                    <a:bodyPr/>
-                    <a:lstStyle/>
-                    <a:p>
-                      <a:endParaRPr lang="en-US" sz="1800" dirty="0">
-                        <a:latin typeface="Arial" panose="020B0604020202020204" pitchFamily="34" charset="0"/>
-                        <a:cs typeface="Arial" panose="020B0604020202020204" pitchFamily="34" charset="0"/>
-                      </a:endParaRPr>
-                    </a:p>
-                  </a:txBody>
-                  <a:tcPr anchor="ctr"/>
                 </a:tc>
                 <a:tc>
                   <a:txBody>
@@ -16442,32 +12484,6 @@
                   </a:txBody>
                   <a:tcPr anchor="ctr"/>
                 </a:tc>
-                <a:tc>
-                  <a:txBody>
-                    <a:bodyPr/>
-                    <a:lstStyle/>
-                    <a:p>
-                      <a:endParaRPr lang="en-US" sz="1800" dirty="0">
-                        <a:latin typeface="Arial" panose="020B0604020202020204" pitchFamily="34" charset="0"/>
-                        <a:cs typeface="Arial" panose="020B0604020202020204" pitchFamily="34" charset="0"/>
-                      </a:endParaRPr>
-                    </a:p>
-                  </a:txBody>
-                  <a:tcPr anchor="ctr"/>
-                </a:tc>
-                <a:tc>
-                  <a:txBody>
-                    <a:bodyPr/>
-                    <a:lstStyle/>
-                    <a:p>
-                      <a:endParaRPr lang="en-US" sz="1800" dirty="0">
-                        <a:latin typeface="Arial" panose="020B0604020202020204" pitchFamily="34" charset="0"/>
-                        <a:cs typeface="Arial" panose="020B0604020202020204" pitchFamily="34" charset="0"/>
-                      </a:endParaRPr>
-                    </a:p>
-                  </a:txBody>
-                  <a:tcPr anchor="ctr"/>
-                </a:tc>
                 <a:extLst>
                   <a:ext uri="{0D108BD9-81ED-4DB2-BD59-A6C34878D82A}">
                     <a16:rowId xmlns:a16="http://schemas.microsoft.com/office/drawing/2014/main" val="2258469179"/>
@@ -16511,32 +12527,6 @@
                   </a:txBody>
                   <a:tcPr anchor="ctr"/>
                 </a:tc>
-                <a:tc>
-                  <a:txBody>
-                    <a:bodyPr/>
-                    <a:lstStyle/>
-                    <a:p>
-                      <a:endParaRPr lang="en-US" sz="1800" dirty="0">
-                        <a:latin typeface="Arial" panose="020B0604020202020204" pitchFamily="34" charset="0"/>
-                        <a:cs typeface="Arial" panose="020B0604020202020204" pitchFamily="34" charset="0"/>
-                      </a:endParaRPr>
-                    </a:p>
-                  </a:txBody>
-                  <a:tcPr anchor="ctr"/>
-                </a:tc>
-                <a:tc>
-                  <a:txBody>
-                    <a:bodyPr/>
-                    <a:lstStyle/>
-                    <a:p>
-                      <a:endParaRPr lang="en-US" sz="1800" dirty="0">
-                        <a:latin typeface="Arial" panose="020B0604020202020204" pitchFamily="34" charset="0"/>
-                        <a:cs typeface="Arial" panose="020B0604020202020204" pitchFamily="34" charset="0"/>
-                      </a:endParaRPr>
-                    </a:p>
-                  </a:txBody>
-                  <a:tcPr anchor="ctr"/>
-                </a:tc>
                 <a:extLst>
                   <a:ext uri="{0D108BD9-81ED-4DB2-BD59-A6C34878D82A}">
                     <a16:rowId xmlns:a16="http://schemas.microsoft.com/office/drawing/2014/main" val="3385457170"/>
@@ -16580,32 +12570,6 @@
                   </a:txBody>
                   <a:tcPr anchor="ctr"/>
                 </a:tc>
-                <a:tc>
-                  <a:txBody>
-                    <a:bodyPr/>
-                    <a:lstStyle/>
-                    <a:p>
-                      <a:endParaRPr lang="en-US" sz="1800" dirty="0">
-                        <a:latin typeface="Arial" panose="020B0604020202020204" pitchFamily="34" charset="0"/>
-                        <a:cs typeface="Arial" panose="020B0604020202020204" pitchFamily="34" charset="0"/>
-                      </a:endParaRPr>
-                    </a:p>
-                  </a:txBody>
-                  <a:tcPr anchor="ctr"/>
-                </a:tc>
-                <a:tc>
-                  <a:txBody>
-                    <a:bodyPr/>
-                    <a:lstStyle/>
-                    <a:p>
-                      <a:endParaRPr lang="en-US" sz="1800" dirty="0">
-                        <a:latin typeface="Arial" panose="020B0604020202020204" pitchFamily="34" charset="0"/>
-                        <a:cs typeface="Arial" panose="020B0604020202020204" pitchFamily="34" charset="0"/>
-                      </a:endParaRPr>
-                    </a:p>
-                  </a:txBody>
-                  <a:tcPr anchor="ctr"/>
-                </a:tc>
                 <a:extLst>
                   <a:ext uri="{0D108BD9-81ED-4DB2-BD59-A6C34878D82A}">
                     <a16:rowId xmlns:a16="http://schemas.microsoft.com/office/drawing/2014/main" val="1285668822"/>
@@ -16622,32 +12586,6 @@
                     </a:p>
                   </a:txBody>
                   <a:tcPr/>
-                </a:tc>
-                <a:tc>
-                  <a:txBody>
-                    <a:bodyPr/>
-                    <a:lstStyle/>
-                    <a:p>
-                      <a:endParaRPr lang="en-US" sz="1800" dirty="0">
-                        <a:latin typeface="Arial" panose="020B0604020202020204" pitchFamily="34" charset="0"/>
-                        <a:cs typeface="Arial" panose="020B0604020202020204" pitchFamily="34" charset="0"/>
-                      </a:endParaRPr>
-                    </a:p>
-                  </a:txBody>
-                  <a:tcPr anchor="ctr"/>
-                </a:tc>
-                <a:tc>
-                  <a:txBody>
-                    <a:bodyPr/>
-                    <a:lstStyle/>
-                    <a:p>
-                      <a:endParaRPr lang="en-US" sz="1800" dirty="0">
-                        <a:latin typeface="Arial" panose="020B0604020202020204" pitchFamily="34" charset="0"/>
-                        <a:cs typeface="Arial" panose="020B0604020202020204" pitchFamily="34" charset="0"/>
-                      </a:endParaRPr>
-                    </a:p>
-                  </a:txBody>
-                  <a:tcPr anchor="ctr"/>
                 </a:tc>
                 <a:tc>
                   <a:txBody>
@@ -16688,7 +12626,7 @@
     </p:spTree>
     <p:extLst>
       <p:ext uri="{BB962C8B-B14F-4D97-AF65-F5344CB8AC3E}">
-        <p14:creationId xmlns:p14="http://schemas.microsoft.com/office/powerpoint/2010/main" val="1237554873"/>
+        <p14:creationId xmlns:p14="http://schemas.microsoft.com/office/powerpoint/2010/main" val="3732406946"/>
       </p:ext>
     </p:extLst>
   </p:cSld>
@@ -16730,14 +12668,14 @@
           <p:nvPr>
             <p:extLst>
               <p:ext uri="{D42A27DB-BD31-4B8C-83A1-F6EECF244321}">
-                <p14:modId xmlns:p14="http://schemas.microsoft.com/office/powerpoint/2010/main" val="2945042684"/>
+                <p14:modId xmlns:p14="http://schemas.microsoft.com/office/powerpoint/2010/main" val="2950855699"/>
               </p:ext>
             </p:extLst>
           </p:nvPr>
         </p:nvGraphicFramePr>
         <p:xfrm>
           <a:off x="0" y="-25054"/>
-          <a:ext cx="12192000" cy="6907870"/>
+          <a:ext cx="12204192" cy="6858007"/>
         </p:xfrm>
         <a:graphic>
           <a:graphicData uri="http://schemas.openxmlformats.org/drawingml/2006/table">
@@ -16753,28 +12691,14 @@
                     </a:ext>
                   </a:extLst>
                 </a:gridCol>
-                <a:gridCol w="6048679">
+                <a:gridCol w="7784007">
                   <a:extLst>
                     <a:ext uri="{9D8B030D-6E8A-4147-A177-3AD203B41FA5}">
                       <a16:colId xmlns:a16="http://schemas.microsoft.com/office/drawing/2014/main" val="1209773232"/>
                     </a:ext>
                   </a:extLst>
                 </a:gridCol>
-                <a:gridCol w="1354667">
-                  <a:extLst>
-                    <a:ext uri="{9D8B030D-6E8A-4147-A177-3AD203B41FA5}">
-                      <a16:colId xmlns:a16="http://schemas.microsoft.com/office/drawing/2014/main" val="158251857"/>
-                    </a:ext>
-                  </a:extLst>
-                </a:gridCol>
-                <a:gridCol w="1354666">
-                  <a:extLst>
-                    <a:ext uri="{9D8B030D-6E8A-4147-A177-3AD203B41FA5}">
-                      <a16:colId xmlns:a16="http://schemas.microsoft.com/office/drawing/2014/main" val="545691634"/>
-                    </a:ext>
-                  </a:extLst>
-                </a:gridCol>
-                <a:gridCol w="1354667">
+                <a:gridCol w="2340864">
                   <a:extLst>
                     <a:ext uri="{9D8B030D-6E8A-4147-A177-3AD203B41FA5}">
                       <a16:colId xmlns:a16="http://schemas.microsoft.com/office/drawing/2014/main" val="3865287554"/>
@@ -16814,46 +12738,6 @@
                           <a:cs typeface="Arial" panose="020B0604020202020204" pitchFamily="34" charset="0"/>
                         </a:rPr>
                         <a:t>Kratak opis preuzete priče</a:t>
-                      </a:r>
-                      <a:endParaRPr lang="en-US" sz="2400" dirty="0">
-                        <a:latin typeface="Arial" panose="020B0604020202020204" pitchFamily="34" charset="0"/>
-                        <a:cs typeface="Arial" panose="020B0604020202020204" pitchFamily="34" charset="0"/>
-                      </a:endParaRPr>
-                    </a:p>
-                  </a:txBody>
-                  <a:tcPr anchor="ctr"/>
-                </a:tc>
-                <a:tc>
-                  <a:txBody>
-                    <a:bodyPr/>
-                    <a:lstStyle/>
-                    <a:p>
-                      <a:r>
-                        <a:rPr lang="sr-Latn-RS" sz="1800" dirty="0">
-                          <a:latin typeface="Arial" panose="020B0604020202020204" pitchFamily="34" charset="0"/>
-                          <a:cs typeface="Arial" panose="020B0604020202020204" pitchFamily="34" charset="0"/>
-                        </a:rPr>
-                        <a:t>Procena poena</a:t>
-                      </a:r>
-                      <a:endParaRPr lang="en-US" sz="1800" dirty="0">
-                        <a:latin typeface="Arial" panose="020B0604020202020204" pitchFamily="34" charset="0"/>
-                        <a:cs typeface="Arial" panose="020B0604020202020204" pitchFamily="34" charset="0"/>
-                      </a:endParaRPr>
-                    </a:p>
-                  </a:txBody>
-                  <a:tcPr anchor="ctr"/>
-                </a:tc>
-                <a:tc>
-                  <a:txBody>
-                    <a:bodyPr/>
-                    <a:lstStyle/>
-                    <a:p>
-                      <a:r>
-                        <a:rPr lang="sr-Latn-RS" sz="1800" dirty="0">
-                          <a:latin typeface="Arial" panose="020B0604020202020204" pitchFamily="34" charset="0"/>
-                          <a:cs typeface="Arial" panose="020B0604020202020204" pitchFamily="34" charset="0"/>
-                        </a:rPr>
-                        <a:t>Stvarno poena</a:t>
                       </a:r>
                       <a:endParaRPr lang="en-US" sz="2400" dirty="0">
                         <a:latin typeface="Arial" panose="020B0604020202020204" pitchFamily="34" charset="0"/>
@@ -16939,32 +12823,6 @@
                   </a:txBody>
                   <a:tcPr anchor="ctr"/>
                 </a:tc>
-                <a:tc>
-                  <a:txBody>
-                    <a:bodyPr/>
-                    <a:lstStyle/>
-                    <a:p>
-                      <a:endParaRPr lang="en-US" sz="1800" dirty="0">
-                        <a:latin typeface="Arial" panose="020B0604020202020204" pitchFamily="34" charset="0"/>
-                        <a:cs typeface="Arial" panose="020B0604020202020204" pitchFamily="34" charset="0"/>
-                      </a:endParaRPr>
-                    </a:p>
-                  </a:txBody>
-                  <a:tcPr anchor="ctr"/>
-                </a:tc>
-                <a:tc>
-                  <a:txBody>
-                    <a:bodyPr/>
-                    <a:lstStyle/>
-                    <a:p>
-                      <a:endParaRPr lang="en-US" sz="1800" dirty="0">
-                        <a:latin typeface="Arial" panose="020B0604020202020204" pitchFamily="34" charset="0"/>
-                        <a:cs typeface="Arial" panose="020B0604020202020204" pitchFamily="34" charset="0"/>
-                      </a:endParaRPr>
-                    </a:p>
-                  </a:txBody>
-                  <a:tcPr anchor="ctr"/>
-                </a:tc>
                 <a:extLst>
                   <a:ext uri="{0D108BD9-81ED-4DB2-BD59-A6C34878D82A}">
                     <a16:rowId xmlns:a16="http://schemas.microsoft.com/office/drawing/2014/main" val="264378487"/>
@@ -17008,32 +12866,6 @@
                   </a:txBody>
                   <a:tcPr anchor="ctr"/>
                 </a:tc>
-                <a:tc>
-                  <a:txBody>
-                    <a:bodyPr/>
-                    <a:lstStyle/>
-                    <a:p>
-                      <a:endParaRPr lang="en-US" sz="1800" dirty="0">
-                        <a:latin typeface="Arial" panose="020B0604020202020204" pitchFamily="34" charset="0"/>
-                        <a:cs typeface="Arial" panose="020B0604020202020204" pitchFamily="34" charset="0"/>
-                      </a:endParaRPr>
-                    </a:p>
-                  </a:txBody>
-                  <a:tcPr anchor="ctr"/>
-                </a:tc>
-                <a:tc>
-                  <a:txBody>
-                    <a:bodyPr/>
-                    <a:lstStyle/>
-                    <a:p>
-                      <a:endParaRPr lang="en-US" sz="1800" dirty="0">
-                        <a:latin typeface="Arial" panose="020B0604020202020204" pitchFamily="34" charset="0"/>
-                        <a:cs typeface="Arial" panose="020B0604020202020204" pitchFamily="34" charset="0"/>
-                      </a:endParaRPr>
-                    </a:p>
-                  </a:txBody>
-                  <a:tcPr anchor="ctr"/>
-                </a:tc>
                 <a:extLst>
                   <a:ext uri="{0D108BD9-81ED-4DB2-BD59-A6C34878D82A}">
                     <a16:rowId xmlns:a16="http://schemas.microsoft.com/office/drawing/2014/main" val="741495083"/>
@@ -17077,32 +12909,6 @@
                   </a:txBody>
                   <a:tcPr anchor="ctr"/>
                 </a:tc>
-                <a:tc>
-                  <a:txBody>
-                    <a:bodyPr/>
-                    <a:lstStyle/>
-                    <a:p>
-                      <a:endParaRPr lang="en-US" sz="1800" dirty="0">
-                        <a:latin typeface="Arial" panose="020B0604020202020204" pitchFamily="34" charset="0"/>
-                        <a:cs typeface="Arial" panose="020B0604020202020204" pitchFamily="34" charset="0"/>
-                      </a:endParaRPr>
-                    </a:p>
-                  </a:txBody>
-                  <a:tcPr anchor="ctr"/>
-                </a:tc>
-                <a:tc>
-                  <a:txBody>
-                    <a:bodyPr/>
-                    <a:lstStyle/>
-                    <a:p>
-                      <a:endParaRPr lang="en-US" sz="1800" dirty="0">
-                        <a:latin typeface="Arial" panose="020B0604020202020204" pitchFamily="34" charset="0"/>
-                        <a:cs typeface="Arial" panose="020B0604020202020204" pitchFamily="34" charset="0"/>
-                      </a:endParaRPr>
-                    </a:p>
-                  </a:txBody>
-                  <a:tcPr anchor="ctr"/>
-                </a:tc>
                 <a:extLst>
                   <a:ext uri="{0D108BD9-81ED-4DB2-BD59-A6C34878D82A}">
                     <a16:rowId xmlns:a16="http://schemas.microsoft.com/office/drawing/2014/main" val="407375999"/>
@@ -17119,32 +12925,6 @@
                     </a:p>
                   </a:txBody>
                   <a:tcPr/>
-                </a:tc>
-                <a:tc>
-                  <a:txBody>
-                    <a:bodyPr/>
-                    <a:lstStyle/>
-                    <a:p>
-                      <a:endParaRPr lang="en-US" sz="1800" dirty="0">
-                        <a:latin typeface="Arial" panose="020B0604020202020204" pitchFamily="34" charset="0"/>
-                        <a:cs typeface="Arial" panose="020B0604020202020204" pitchFamily="34" charset="0"/>
-                      </a:endParaRPr>
-                    </a:p>
-                  </a:txBody>
-                  <a:tcPr anchor="ctr"/>
-                </a:tc>
-                <a:tc>
-                  <a:txBody>
-                    <a:bodyPr/>
-                    <a:lstStyle/>
-                    <a:p>
-                      <a:endParaRPr lang="en-US" sz="1800" dirty="0">
-                        <a:latin typeface="Arial" panose="020B0604020202020204" pitchFamily="34" charset="0"/>
-                        <a:cs typeface="Arial" panose="020B0604020202020204" pitchFamily="34" charset="0"/>
-                      </a:endParaRPr>
-                    </a:p>
-                  </a:txBody>
-                  <a:tcPr anchor="ctr"/>
                 </a:tc>
                 <a:tc>
                   <a:txBody>
@@ -17244,32 +13024,6 @@
                   </a:txBody>
                   <a:tcPr anchor="ctr"/>
                 </a:tc>
-                <a:tc>
-                  <a:txBody>
-                    <a:bodyPr/>
-                    <a:lstStyle/>
-                    <a:p>
-                      <a:endParaRPr lang="en-US" sz="1800" dirty="0">
-                        <a:latin typeface="Arial" panose="020B0604020202020204" pitchFamily="34" charset="0"/>
-                        <a:cs typeface="Arial" panose="020B0604020202020204" pitchFamily="34" charset="0"/>
-                      </a:endParaRPr>
-                    </a:p>
-                  </a:txBody>
-                  <a:tcPr anchor="ctr"/>
-                </a:tc>
-                <a:tc>
-                  <a:txBody>
-                    <a:bodyPr/>
-                    <a:lstStyle/>
-                    <a:p>
-                      <a:endParaRPr lang="en-US" sz="1800" dirty="0">
-                        <a:latin typeface="Arial" panose="020B0604020202020204" pitchFamily="34" charset="0"/>
-                        <a:cs typeface="Arial" panose="020B0604020202020204" pitchFamily="34" charset="0"/>
-                      </a:endParaRPr>
-                    </a:p>
-                  </a:txBody>
-                  <a:tcPr anchor="ctr"/>
-                </a:tc>
                 <a:extLst>
                   <a:ext uri="{0D108BD9-81ED-4DB2-BD59-A6C34878D82A}">
                     <a16:rowId xmlns:a16="http://schemas.microsoft.com/office/drawing/2014/main" val="3953925865"/>
@@ -17313,32 +13067,6 @@
                   </a:txBody>
                   <a:tcPr anchor="ctr"/>
                 </a:tc>
-                <a:tc>
-                  <a:txBody>
-                    <a:bodyPr/>
-                    <a:lstStyle/>
-                    <a:p>
-                      <a:endParaRPr lang="en-US" sz="1800" dirty="0">
-                        <a:latin typeface="Arial" panose="020B0604020202020204" pitchFamily="34" charset="0"/>
-                        <a:cs typeface="Arial" panose="020B0604020202020204" pitchFamily="34" charset="0"/>
-                      </a:endParaRPr>
-                    </a:p>
-                  </a:txBody>
-                  <a:tcPr anchor="ctr"/>
-                </a:tc>
-                <a:tc>
-                  <a:txBody>
-                    <a:bodyPr/>
-                    <a:lstStyle/>
-                    <a:p>
-                      <a:endParaRPr lang="en-US" sz="1800" dirty="0">
-                        <a:latin typeface="Arial" panose="020B0604020202020204" pitchFamily="34" charset="0"/>
-                        <a:cs typeface="Arial" panose="020B0604020202020204" pitchFamily="34" charset="0"/>
-                      </a:endParaRPr>
-                    </a:p>
-                  </a:txBody>
-                  <a:tcPr anchor="ctr"/>
-                </a:tc>
                 <a:extLst>
                   <a:ext uri="{0D108BD9-81ED-4DB2-BD59-A6C34878D82A}">
                     <a16:rowId xmlns:a16="http://schemas.microsoft.com/office/drawing/2014/main" val="4196659394"/>
@@ -17382,32 +13110,6 @@
                   </a:txBody>
                   <a:tcPr anchor="ctr"/>
                 </a:tc>
-                <a:tc>
-                  <a:txBody>
-                    <a:bodyPr/>
-                    <a:lstStyle/>
-                    <a:p>
-                      <a:endParaRPr lang="en-US" sz="1800" dirty="0">
-                        <a:latin typeface="Arial" panose="020B0604020202020204" pitchFamily="34" charset="0"/>
-                        <a:cs typeface="Arial" panose="020B0604020202020204" pitchFamily="34" charset="0"/>
-                      </a:endParaRPr>
-                    </a:p>
-                  </a:txBody>
-                  <a:tcPr anchor="ctr"/>
-                </a:tc>
-                <a:tc>
-                  <a:txBody>
-                    <a:bodyPr/>
-                    <a:lstStyle/>
-                    <a:p>
-                      <a:endParaRPr lang="en-US" sz="1800" dirty="0">
-                        <a:latin typeface="Arial" panose="020B0604020202020204" pitchFamily="34" charset="0"/>
-                        <a:cs typeface="Arial" panose="020B0604020202020204" pitchFamily="34" charset="0"/>
-                      </a:endParaRPr>
-                    </a:p>
-                  </a:txBody>
-                  <a:tcPr anchor="ctr"/>
-                </a:tc>
                 <a:extLst>
                   <a:ext uri="{0D108BD9-81ED-4DB2-BD59-A6C34878D82A}">
                     <a16:rowId xmlns:a16="http://schemas.microsoft.com/office/drawing/2014/main" val="1856707970"/>
@@ -17424,32 +13126,6 @@
                     </a:p>
                   </a:txBody>
                   <a:tcPr/>
-                </a:tc>
-                <a:tc>
-                  <a:txBody>
-                    <a:bodyPr/>
-                    <a:lstStyle/>
-                    <a:p>
-                      <a:endParaRPr lang="en-US" sz="1800" dirty="0">
-                        <a:latin typeface="Arial" panose="020B0604020202020204" pitchFamily="34" charset="0"/>
-                        <a:cs typeface="Arial" panose="020B0604020202020204" pitchFamily="34" charset="0"/>
-                      </a:endParaRPr>
-                    </a:p>
-                  </a:txBody>
-                  <a:tcPr anchor="ctr"/>
-                </a:tc>
-                <a:tc>
-                  <a:txBody>
-                    <a:bodyPr/>
-                    <a:lstStyle/>
-                    <a:p>
-                      <a:endParaRPr lang="en-US" sz="1800" dirty="0">
-                        <a:latin typeface="Arial" panose="020B0604020202020204" pitchFamily="34" charset="0"/>
-                        <a:cs typeface="Arial" panose="020B0604020202020204" pitchFamily="34" charset="0"/>
-                      </a:endParaRPr>
-                    </a:p>
-                  </a:txBody>
-                  <a:tcPr anchor="ctr"/>
                 </a:tc>
                 <a:tc>
                   <a:txBody>
@@ -17533,32 +13209,6 @@
                   </a:txBody>
                   <a:tcPr anchor="ctr"/>
                 </a:tc>
-                <a:tc>
-                  <a:txBody>
-                    <a:bodyPr/>
-                    <a:lstStyle/>
-                    <a:p>
-                      <a:endParaRPr lang="en-US" sz="1800" dirty="0">
-                        <a:latin typeface="Arial" panose="020B0604020202020204" pitchFamily="34" charset="0"/>
-                        <a:cs typeface="Arial" panose="020B0604020202020204" pitchFamily="34" charset="0"/>
-                      </a:endParaRPr>
-                    </a:p>
-                  </a:txBody>
-                  <a:tcPr anchor="ctr"/>
-                </a:tc>
-                <a:tc>
-                  <a:txBody>
-                    <a:bodyPr/>
-                    <a:lstStyle/>
-                    <a:p>
-                      <a:endParaRPr lang="en-US" sz="1800" dirty="0">
-                        <a:latin typeface="Arial" panose="020B0604020202020204" pitchFamily="34" charset="0"/>
-                        <a:cs typeface="Arial" panose="020B0604020202020204" pitchFamily="34" charset="0"/>
-                      </a:endParaRPr>
-                    </a:p>
-                  </a:txBody>
-                  <a:tcPr anchor="ctr"/>
-                </a:tc>
                 <a:extLst>
                   <a:ext uri="{0D108BD9-81ED-4DB2-BD59-A6C34878D82A}">
                     <a16:rowId xmlns:a16="http://schemas.microsoft.com/office/drawing/2014/main" val="1615706111"/>
@@ -17602,32 +13252,6 @@
                   </a:txBody>
                   <a:tcPr anchor="ctr"/>
                 </a:tc>
-                <a:tc>
-                  <a:txBody>
-                    <a:bodyPr/>
-                    <a:lstStyle/>
-                    <a:p>
-                      <a:endParaRPr lang="en-US" sz="1800" dirty="0">
-                        <a:latin typeface="Arial" panose="020B0604020202020204" pitchFamily="34" charset="0"/>
-                        <a:cs typeface="Arial" panose="020B0604020202020204" pitchFamily="34" charset="0"/>
-                      </a:endParaRPr>
-                    </a:p>
-                  </a:txBody>
-                  <a:tcPr anchor="ctr"/>
-                </a:tc>
-                <a:tc>
-                  <a:txBody>
-                    <a:bodyPr/>
-                    <a:lstStyle/>
-                    <a:p>
-                      <a:endParaRPr lang="en-US" sz="1800" dirty="0">
-                        <a:latin typeface="Arial" panose="020B0604020202020204" pitchFamily="34" charset="0"/>
-                        <a:cs typeface="Arial" panose="020B0604020202020204" pitchFamily="34" charset="0"/>
-                      </a:endParaRPr>
-                    </a:p>
-                  </a:txBody>
-                  <a:tcPr anchor="ctr"/>
-                </a:tc>
                 <a:extLst>
                   <a:ext uri="{0D108BD9-81ED-4DB2-BD59-A6C34878D82A}">
                     <a16:rowId xmlns:a16="http://schemas.microsoft.com/office/drawing/2014/main" val="500200411"/>
@@ -17671,32 +13295,6 @@
                   </a:txBody>
                   <a:tcPr anchor="ctr"/>
                 </a:tc>
-                <a:tc>
-                  <a:txBody>
-                    <a:bodyPr/>
-                    <a:lstStyle/>
-                    <a:p>
-                      <a:endParaRPr lang="en-US" sz="1800" dirty="0">
-                        <a:latin typeface="Arial" panose="020B0604020202020204" pitchFamily="34" charset="0"/>
-                        <a:cs typeface="Arial" panose="020B0604020202020204" pitchFamily="34" charset="0"/>
-                      </a:endParaRPr>
-                    </a:p>
-                  </a:txBody>
-                  <a:tcPr anchor="ctr"/>
-                </a:tc>
-                <a:tc>
-                  <a:txBody>
-                    <a:bodyPr/>
-                    <a:lstStyle/>
-                    <a:p>
-                      <a:endParaRPr lang="en-US" sz="1800" dirty="0">
-                        <a:latin typeface="Arial" panose="020B0604020202020204" pitchFamily="34" charset="0"/>
-                        <a:cs typeface="Arial" panose="020B0604020202020204" pitchFamily="34" charset="0"/>
-                      </a:endParaRPr>
-                    </a:p>
-                  </a:txBody>
-                  <a:tcPr anchor="ctr"/>
-                </a:tc>
                 <a:extLst>
                   <a:ext uri="{0D108BD9-81ED-4DB2-BD59-A6C34878D82A}">
                     <a16:rowId xmlns:a16="http://schemas.microsoft.com/office/drawing/2014/main" val="894306909"/>
@@ -17713,32 +13311,6 @@
                     </a:p>
                   </a:txBody>
                   <a:tcPr/>
-                </a:tc>
-                <a:tc>
-                  <a:txBody>
-                    <a:bodyPr/>
-                    <a:lstStyle/>
-                    <a:p>
-                      <a:endParaRPr lang="en-US" sz="1800" dirty="0">
-                        <a:latin typeface="Arial" panose="020B0604020202020204" pitchFamily="34" charset="0"/>
-                        <a:cs typeface="Arial" panose="020B0604020202020204" pitchFamily="34" charset="0"/>
-                      </a:endParaRPr>
-                    </a:p>
-                  </a:txBody>
-                  <a:tcPr anchor="ctr"/>
-                </a:tc>
-                <a:tc>
-                  <a:txBody>
-                    <a:bodyPr/>
-                    <a:lstStyle/>
-                    <a:p>
-                      <a:endParaRPr lang="en-US" sz="1800" dirty="0">
-                        <a:latin typeface="Arial" panose="020B0604020202020204" pitchFamily="34" charset="0"/>
-                        <a:cs typeface="Arial" panose="020B0604020202020204" pitchFamily="34" charset="0"/>
-                      </a:endParaRPr>
-                    </a:p>
-                  </a:txBody>
-                  <a:tcPr anchor="ctr"/>
                 </a:tc>
                 <a:tc>
                   <a:txBody>
@@ -17829,32 +13401,6 @@
                   </a:txBody>
                   <a:tcPr anchor="ctr"/>
                 </a:tc>
-                <a:tc>
-                  <a:txBody>
-                    <a:bodyPr/>
-                    <a:lstStyle/>
-                    <a:p>
-                      <a:endParaRPr lang="en-US" sz="1800" dirty="0">
-                        <a:latin typeface="Arial" panose="020B0604020202020204" pitchFamily="34" charset="0"/>
-                        <a:cs typeface="Arial" panose="020B0604020202020204" pitchFamily="34" charset="0"/>
-                      </a:endParaRPr>
-                    </a:p>
-                  </a:txBody>
-                  <a:tcPr anchor="ctr"/>
-                </a:tc>
-                <a:tc>
-                  <a:txBody>
-                    <a:bodyPr/>
-                    <a:lstStyle/>
-                    <a:p>
-                      <a:endParaRPr lang="en-US" sz="1800" dirty="0">
-                        <a:latin typeface="Arial" panose="020B0604020202020204" pitchFamily="34" charset="0"/>
-                        <a:cs typeface="Arial" panose="020B0604020202020204" pitchFamily="34" charset="0"/>
-                      </a:endParaRPr>
-                    </a:p>
-                  </a:txBody>
-                  <a:tcPr anchor="ctr"/>
-                </a:tc>
                 <a:extLst>
                   <a:ext uri="{0D108BD9-81ED-4DB2-BD59-A6C34878D82A}">
                     <a16:rowId xmlns:a16="http://schemas.microsoft.com/office/drawing/2014/main" val="2258469179"/>
@@ -17898,32 +13444,6 @@
                   </a:txBody>
                   <a:tcPr anchor="ctr"/>
                 </a:tc>
-                <a:tc>
-                  <a:txBody>
-                    <a:bodyPr/>
-                    <a:lstStyle/>
-                    <a:p>
-                      <a:endParaRPr lang="en-US" sz="1800" dirty="0">
-                        <a:latin typeface="Arial" panose="020B0604020202020204" pitchFamily="34" charset="0"/>
-                        <a:cs typeface="Arial" panose="020B0604020202020204" pitchFamily="34" charset="0"/>
-                      </a:endParaRPr>
-                    </a:p>
-                  </a:txBody>
-                  <a:tcPr anchor="ctr"/>
-                </a:tc>
-                <a:tc>
-                  <a:txBody>
-                    <a:bodyPr/>
-                    <a:lstStyle/>
-                    <a:p>
-                      <a:endParaRPr lang="en-US" sz="1800" dirty="0">
-                        <a:latin typeface="Arial" panose="020B0604020202020204" pitchFamily="34" charset="0"/>
-                        <a:cs typeface="Arial" panose="020B0604020202020204" pitchFamily="34" charset="0"/>
-                      </a:endParaRPr>
-                    </a:p>
-                  </a:txBody>
-                  <a:tcPr anchor="ctr"/>
-                </a:tc>
                 <a:extLst>
                   <a:ext uri="{0D108BD9-81ED-4DB2-BD59-A6C34878D82A}">
                     <a16:rowId xmlns:a16="http://schemas.microsoft.com/office/drawing/2014/main" val="3385457170"/>
@@ -17967,32 +13487,6 @@
                   </a:txBody>
                   <a:tcPr anchor="ctr"/>
                 </a:tc>
-                <a:tc>
-                  <a:txBody>
-                    <a:bodyPr/>
-                    <a:lstStyle/>
-                    <a:p>
-                      <a:endParaRPr lang="en-US" sz="1800" dirty="0">
-                        <a:latin typeface="Arial" panose="020B0604020202020204" pitchFamily="34" charset="0"/>
-                        <a:cs typeface="Arial" panose="020B0604020202020204" pitchFamily="34" charset="0"/>
-                      </a:endParaRPr>
-                    </a:p>
-                  </a:txBody>
-                  <a:tcPr anchor="ctr"/>
-                </a:tc>
-                <a:tc>
-                  <a:txBody>
-                    <a:bodyPr/>
-                    <a:lstStyle/>
-                    <a:p>
-                      <a:endParaRPr lang="en-US" sz="1800" dirty="0">
-                        <a:latin typeface="Arial" panose="020B0604020202020204" pitchFamily="34" charset="0"/>
-                        <a:cs typeface="Arial" panose="020B0604020202020204" pitchFamily="34" charset="0"/>
-                      </a:endParaRPr>
-                    </a:p>
-                  </a:txBody>
-                  <a:tcPr anchor="ctr"/>
-                </a:tc>
                 <a:extLst>
                   <a:ext uri="{0D108BD9-81ED-4DB2-BD59-A6C34878D82A}">
                     <a16:rowId xmlns:a16="http://schemas.microsoft.com/office/drawing/2014/main" val="1285668822"/>
@@ -18009,32 +13503,6 @@
                     </a:p>
                   </a:txBody>
                   <a:tcPr/>
-                </a:tc>
-                <a:tc>
-                  <a:txBody>
-                    <a:bodyPr/>
-                    <a:lstStyle/>
-                    <a:p>
-                      <a:endParaRPr lang="en-US" sz="1800" dirty="0">
-                        <a:latin typeface="Arial" panose="020B0604020202020204" pitchFamily="34" charset="0"/>
-                        <a:cs typeface="Arial" panose="020B0604020202020204" pitchFamily="34" charset="0"/>
-                      </a:endParaRPr>
-                    </a:p>
-                  </a:txBody>
-                  <a:tcPr anchor="ctr"/>
-                </a:tc>
-                <a:tc>
-                  <a:txBody>
-                    <a:bodyPr/>
-                    <a:lstStyle/>
-                    <a:p>
-                      <a:endParaRPr lang="en-US" sz="1800" dirty="0">
-                        <a:latin typeface="Arial" panose="020B0604020202020204" pitchFamily="34" charset="0"/>
-                        <a:cs typeface="Arial" panose="020B0604020202020204" pitchFamily="34" charset="0"/>
-                      </a:endParaRPr>
-                    </a:p>
-                  </a:txBody>
-                  <a:tcPr anchor="ctr"/>
                 </a:tc>
                 <a:tc>
                   <a:txBody>
@@ -18075,7 +13543,7 @@
     </p:spTree>
     <p:extLst>
       <p:ext uri="{BB962C8B-B14F-4D97-AF65-F5344CB8AC3E}">
-        <p14:creationId xmlns:p14="http://schemas.microsoft.com/office/powerpoint/2010/main" val="8272441"/>
+        <p14:creationId xmlns:p14="http://schemas.microsoft.com/office/powerpoint/2010/main" val="2211851263"/>
       </p:ext>
     </p:extLst>
   </p:cSld>

--- a/s1/w2/Sprint review template.pptx
+++ b/s1/w2/Sprint review template.pptx
@@ -189,125 +189,6 @@
 </p:cmLst>
 </file>
 
-<file path=ppt/comments/comment2.xml><?xml version="1.0" encoding="utf-8"?>
-<p:cmLst xmlns:a="http://schemas.openxmlformats.org/drawingml/2006/main" xmlns:r="http://schemas.openxmlformats.org/officeDocument/2006/relationships" xmlns:p="http://schemas.openxmlformats.org/presentationml/2006/main">
-  <p:cm authorId="1" dt="2020-10-19T09:06:20.017" idx="8">
-    <p:pos x="7385" y="50"/>
-    <p:text>Ova kolona služi da naznači korisničke priče čija implementacija je imala neki interesantan aspekt, koji može uključiti:
-- Pomoć nekog člana tima kog biste pohvalili
-- Problem u komunikaciji, organizaciji ili nekom drugom aspektu posla koji se desio u vezi sa pričom (ne krivimo nikoga, hoćemo da identifikujemo i loše aspekte kako bi ih ispravili)
-- Upotreba interesantnog tehničkog rešenja (npr. dizajn šablona, novog alata, ozbiljnog refaktorisanja)</p:text>
-    <p:extLst>
-      <p:ext uri="{C676402C-5697-4E1C-873F-D02D1690AC5C}">
-        <p15:threadingInfo xmlns:p15="http://schemas.microsoft.com/office/powerpoint/2012/main" timeZoneBias="-120"/>
-      </p:ext>
-    </p:extLst>
-  </p:cm>
-</p:cmLst>
-</file>
-
-<file path=ppt/comments/comment3.xml><?xml version="1.0" encoding="utf-8"?>
-<p:cmLst xmlns:a="http://schemas.openxmlformats.org/drawingml/2006/main" xmlns:r="http://schemas.openxmlformats.org/officeDocument/2006/relationships" xmlns:p="http://schemas.openxmlformats.org/presentationml/2006/main">
-  <p:cm authorId="1" dt="2020-10-19T09:06:20.017" idx="9">
-    <p:pos x="7385" y="50"/>
-    <p:text>Ova kolona služi da naznači korisničke priče čija implementacija je imala neki interesantan aspekt, koji može uključiti:
-- Pomoć nekog člana tima kog biste pohvalili
-- Problem u komunikaciji, organizaciji ili nekom drugom aspektu posla koji se desio u vezi sa pričom (ne krivimo nikoga, hoćemo da identifikujemo i loše aspekte kako bi ih ispravili)
-- Upotreba interesantnog tehničkog rešenja (npr. dizajn šablona, novog alata, ozbiljnog refaktorisanja)</p:text>
-    <p:extLst>
-      <p:ext uri="{C676402C-5697-4E1C-873F-D02D1690AC5C}">
-        <p15:threadingInfo xmlns:p15="http://schemas.microsoft.com/office/powerpoint/2012/main" timeZoneBias="-120"/>
-      </p:ext>
-    </p:extLst>
-  </p:cm>
-</p:cmLst>
-</file>
-
-<file path=ppt/comments/comment4.xml><?xml version="1.0" encoding="utf-8"?>
-<p:cmLst xmlns:a="http://schemas.openxmlformats.org/drawingml/2006/main" xmlns:r="http://schemas.openxmlformats.org/officeDocument/2006/relationships" xmlns:p="http://schemas.openxmlformats.org/presentationml/2006/main">
-  <p:cm authorId="1" dt="2020-10-19T09:06:20.017" idx="10">
-    <p:pos x="7385" y="50"/>
-    <p:text>Ova kolona služi da naznači korisničke priče čija implementacija je imala neki interesantan aspekt, koji može uključiti:
-- Pomoć nekog člana tima kog biste pohvalili
-- Problem u komunikaciji, organizaciji ili nekom drugom aspektu posla koji se desio u vezi sa pričom (ne krivimo nikoga, hoćemo da identifikujemo i loše aspekte kako bi ih ispravili)
-- Upotreba interesantnog tehničkog rešenja (npr. dizajn šablona, novog alata, ozbiljnog refaktorisanja)</p:text>
-    <p:extLst>
-      <p:ext uri="{C676402C-5697-4E1C-873F-D02D1690AC5C}">
-        <p15:threadingInfo xmlns:p15="http://schemas.microsoft.com/office/powerpoint/2012/main" timeZoneBias="-120"/>
-      </p:ext>
-    </p:extLst>
-  </p:cm>
-</p:cmLst>
-</file>
-
-<file path=ppt/comments/comment5.xml><?xml version="1.0" encoding="utf-8"?>
-<p:cmLst xmlns:a="http://schemas.openxmlformats.org/drawingml/2006/main" xmlns:r="http://schemas.openxmlformats.org/officeDocument/2006/relationships" xmlns:p="http://schemas.openxmlformats.org/presentationml/2006/main">
-  <p:cm authorId="1" dt="2020-10-19T09:06:20.017" idx="11">
-    <p:pos x="7385" y="50"/>
-    <p:text>Ova kolona služi da naznači korisničke priče čija implementacija je imala neki interesantan aspekt, koji može uključiti:
-- Pomoć nekog člana tima kog biste pohvalili
-- Problem u komunikaciji, organizaciji ili nekom drugom aspektu posla koji se desio u vezi sa pričom (ne krivimo nikoga, hoćemo da identifikujemo i loše aspekte kako bi ih ispravili)
-- Upotreba interesantnog tehničkog rešenja (npr. dizajn šablona, novog alata, ozbiljnog refaktorisanja)</p:text>
-    <p:extLst>
-      <p:ext uri="{C676402C-5697-4E1C-873F-D02D1690AC5C}">
-        <p15:threadingInfo xmlns:p15="http://schemas.microsoft.com/office/powerpoint/2012/main" timeZoneBias="-120"/>
-      </p:ext>
-    </p:extLst>
-  </p:cm>
-</p:cmLst>
-</file>
-
-<file path=ppt/comments/comment6.xml><?xml version="1.0" encoding="utf-8"?>
-<p:cmLst xmlns:a="http://schemas.openxmlformats.org/drawingml/2006/main" xmlns:r="http://schemas.openxmlformats.org/officeDocument/2006/relationships" xmlns:p="http://schemas.openxmlformats.org/presentationml/2006/main">
-  <p:cm authorId="1" dt="2020-10-19T09:06:20.017" idx="12">
-    <p:pos x="7385" y="50"/>
-    <p:text>Ova kolona služi da naznači korisničke priče čija implementacija je imala neki interesantan aspekt, koji može uključiti:
-- Pomoć nekog člana tima kog biste pohvalili
-- Problem u komunikaciji, organizaciji ili nekom drugom aspektu posla koji se desio u vezi sa pričom (ne krivimo nikoga, hoćemo da identifikujemo i loše aspekte kako bi ih ispravili)
-- Upotreba interesantnog tehničkog rešenja (npr. dizajn šablona, novog alata, ozbiljnog refaktorisanja)</p:text>
-    <p:extLst>
-      <p:ext uri="{C676402C-5697-4E1C-873F-D02D1690AC5C}">
-        <p15:threadingInfo xmlns:p15="http://schemas.microsoft.com/office/powerpoint/2012/main" timeZoneBias="-120"/>
-      </p:ext>
-    </p:extLst>
-  </p:cm>
-</p:cmLst>
-</file>
-
-<file path=ppt/comments/comment7.xml><?xml version="1.0" encoding="utf-8"?>
-<p:cmLst xmlns:a="http://schemas.openxmlformats.org/drawingml/2006/main" xmlns:r="http://schemas.openxmlformats.org/officeDocument/2006/relationships" xmlns:p="http://schemas.openxmlformats.org/presentationml/2006/main">
-  <p:cm authorId="1" dt="2020-10-19T09:06:20.017" idx="13">
-    <p:pos x="7385" y="50"/>
-    <p:text>Ova kolona služi da naznači korisničke priče čija implementacija je imala neki interesantan aspekt, koji može uključiti:
-- Pomoć nekog člana tima kog biste pohvalili
-- Problem u komunikaciji, organizaciji ili nekom drugom aspektu posla koji se desio u vezi sa pričom (ne krivimo nikoga, hoćemo da identifikujemo i loše aspekte kako bi ih ispravili)
-- Upotreba interesantnog tehničkog rešenja (npr. dizajn šablona, novog alata, ozbiljnog refaktorisanja)</p:text>
-    <p:extLst>
-      <p:ext uri="{C676402C-5697-4E1C-873F-D02D1690AC5C}">
-        <p15:threadingInfo xmlns:p15="http://schemas.microsoft.com/office/powerpoint/2012/main" timeZoneBias="-120"/>
-      </p:ext>
-    </p:extLst>
-  </p:cm>
-</p:cmLst>
-</file>
-
-<file path=ppt/comments/comment8.xml><?xml version="1.0" encoding="utf-8"?>
-<p:cmLst xmlns:a="http://schemas.openxmlformats.org/drawingml/2006/main" xmlns:r="http://schemas.openxmlformats.org/officeDocument/2006/relationships" xmlns:p="http://schemas.openxmlformats.org/presentationml/2006/main">
-  <p:cm authorId="1" dt="2020-10-19T09:06:20.017" idx="14">
-    <p:pos x="7385" y="50"/>
-    <p:text>Ova kolona služi da naznači korisničke priče čija implementacija je imala neki interesantan aspekt, koji može uključiti:
-- Pomoć nekog člana tima kog biste pohvalili
-- Problem u komunikaciji, organizaciji ili nekom drugom aspektu posla koji se desio u vezi sa pričom (ne krivimo nikoga, hoćemo da identifikujemo i loše aspekte kako bi ih ispravili)
-- Upotreba interesantnog tehničkog rešenja (npr. dizajn šablona, novog alata, ozbiljnog refaktorisanja)</p:text>
-    <p:extLst>
-      <p:ext uri="{C676402C-5697-4E1C-873F-D02D1690AC5C}">
-        <p15:threadingInfo xmlns:p15="http://schemas.microsoft.com/office/powerpoint/2012/main" timeZoneBias="-120"/>
-      </p:ext>
-    </p:extLst>
-  </p:cm>
-</p:cmLst>
-</file>
-
 <file path=ppt/notesMasters/notesMaster1.xml><?xml version="1.0" encoding="utf-8"?>
 <p:notesMaster xmlns:a="http://schemas.openxmlformats.org/drawingml/2006/main" xmlns:r="http://schemas.openxmlformats.org/officeDocument/2006/relationships" xmlns:p="http://schemas.openxmlformats.org/presentationml/2006/main">
   <p:cSld>
@@ -390,7 +271,7 @@
           <a:p>
             <a:fld id="{E7DC0F3B-8DEE-4CCE-A34E-A43007B7772B}" type="datetimeFigureOut">
               <a:rPr lang="en-US" smtClean="0"/>
-              <a:t>02-Oct-23</a:t>
+              <a:t>10/31/2023</a:t>
             </a:fld>
             <a:endParaRPr lang="en-US"/>
           </a:p>
@@ -1159,7 +1040,7 @@
     </p:spTree>
     <p:extLst>
       <p:ext uri="{BB962C8B-B14F-4D97-AF65-F5344CB8AC3E}">
-        <p14:creationId xmlns:p14="http://schemas.microsoft.com/office/powerpoint/2010/main" val="1783939100"/>
+        <p14:creationId xmlns:p14="http://schemas.microsoft.com/office/powerpoint/2010/main" val="4081446771"/>
       </p:ext>
     </p:extLst>
   </p:cSld>
@@ -1247,7 +1128,7 @@
     </p:spTree>
     <p:extLst>
       <p:ext uri="{BB962C8B-B14F-4D97-AF65-F5344CB8AC3E}">
-        <p14:creationId xmlns:p14="http://schemas.microsoft.com/office/powerpoint/2010/main" val="3860176403"/>
+        <p14:creationId xmlns:p14="http://schemas.microsoft.com/office/powerpoint/2010/main" val="537519287"/>
       </p:ext>
     </p:extLst>
   </p:cSld>
@@ -1335,7 +1216,7 @@
     </p:spTree>
     <p:extLst>
       <p:ext uri="{BB962C8B-B14F-4D97-AF65-F5344CB8AC3E}">
-        <p14:creationId xmlns:p14="http://schemas.microsoft.com/office/powerpoint/2010/main" val="2227158192"/>
+        <p14:creationId xmlns:p14="http://schemas.microsoft.com/office/powerpoint/2010/main" val="597848589"/>
       </p:ext>
     </p:extLst>
   </p:cSld>
@@ -1423,7 +1304,7 @@
     </p:spTree>
     <p:extLst>
       <p:ext uri="{BB962C8B-B14F-4D97-AF65-F5344CB8AC3E}">
-        <p14:creationId xmlns:p14="http://schemas.microsoft.com/office/powerpoint/2010/main" val="557947176"/>
+        <p14:creationId xmlns:p14="http://schemas.microsoft.com/office/powerpoint/2010/main" val="2441260776"/>
       </p:ext>
     </p:extLst>
   </p:cSld>
@@ -1511,7 +1392,7 @@
     </p:spTree>
     <p:extLst>
       <p:ext uri="{BB962C8B-B14F-4D97-AF65-F5344CB8AC3E}">
-        <p14:creationId xmlns:p14="http://schemas.microsoft.com/office/powerpoint/2010/main" val="3583246640"/>
+        <p14:creationId xmlns:p14="http://schemas.microsoft.com/office/powerpoint/2010/main" val="988972199"/>
       </p:ext>
     </p:extLst>
   </p:cSld>
@@ -1599,7 +1480,7 @@
     </p:spTree>
     <p:extLst>
       <p:ext uri="{BB962C8B-B14F-4D97-AF65-F5344CB8AC3E}">
-        <p14:creationId xmlns:p14="http://schemas.microsoft.com/office/powerpoint/2010/main" val="3749756286"/>
+        <p14:creationId xmlns:p14="http://schemas.microsoft.com/office/powerpoint/2010/main" val="1569293074"/>
       </p:ext>
     </p:extLst>
   </p:cSld>
@@ -1687,7 +1568,7 @@
     </p:spTree>
     <p:extLst>
       <p:ext uri="{BB962C8B-B14F-4D97-AF65-F5344CB8AC3E}">
-        <p14:creationId xmlns:p14="http://schemas.microsoft.com/office/powerpoint/2010/main" val="3995296626"/>
+        <p14:creationId xmlns:p14="http://schemas.microsoft.com/office/powerpoint/2010/main" val="1525563412"/>
       </p:ext>
     </p:extLst>
   </p:cSld>
@@ -1844,7 +1725,7 @@
           <a:p>
             <a:fld id="{499460C1-C589-4EBF-8205-118C82FB244C}" type="datetimeFigureOut">
               <a:rPr lang="en-US" smtClean="0"/>
-              <a:t>02-Oct-23</a:t>
+              <a:t>10/31/2023</a:t>
             </a:fld>
             <a:endParaRPr lang="en-US"/>
           </a:p>
@@ -2042,7 +1923,7 @@
           <a:p>
             <a:fld id="{499460C1-C589-4EBF-8205-118C82FB244C}" type="datetimeFigureOut">
               <a:rPr lang="en-US" smtClean="0"/>
-              <a:t>02-Oct-23</a:t>
+              <a:t>10/31/2023</a:t>
             </a:fld>
             <a:endParaRPr lang="en-US"/>
           </a:p>
@@ -2250,7 +2131,7 @@
           <a:p>
             <a:fld id="{499460C1-C589-4EBF-8205-118C82FB244C}" type="datetimeFigureOut">
               <a:rPr lang="en-US" smtClean="0"/>
-              <a:t>02-Oct-23</a:t>
+              <a:t>10/31/2023</a:t>
             </a:fld>
             <a:endParaRPr lang="en-US"/>
           </a:p>
@@ -2448,7 +2329,7 @@
           <a:p>
             <a:fld id="{499460C1-C589-4EBF-8205-118C82FB244C}" type="datetimeFigureOut">
               <a:rPr lang="en-US" smtClean="0"/>
-              <a:t>02-Oct-23</a:t>
+              <a:t>10/31/2023</a:t>
             </a:fld>
             <a:endParaRPr lang="en-US"/>
           </a:p>
@@ -2723,7 +2604,7 @@
           <a:p>
             <a:fld id="{499460C1-C589-4EBF-8205-118C82FB244C}" type="datetimeFigureOut">
               <a:rPr lang="en-US" smtClean="0"/>
-              <a:t>02-Oct-23</a:t>
+              <a:t>10/31/2023</a:t>
             </a:fld>
             <a:endParaRPr lang="en-US"/>
           </a:p>
@@ -2988,7 +2869,7 @@
           <a:p>
             <a:fld id="{499460C1-C589-4EBF-8205-118C82FB244C}" type="datetimeFigureOut">
               <a:rPr lang="en-US" smtClean="0"/>
-              <a:t>02-Oct-23</a:t>
+              <a:t>10/31/2023</a:t>
             </a:fld>
             <a:endParaRPr lang="en-US"/>
           </a:p>
@@ -3400,7 +3281,7 @@
           <a:p>
             <a:fld id="{499460C1-C589-4EBF-8205-118C82FB244C}" type="datetimeFigureOut">
               <a:rPr lang="en-US" smtClean="0"/>
-              <a:t>02-Oct-23</a:t>
+              <a:t>10/31/2023</a:t>
             </a:fld>
             <a:endParaRPr lang="en-US"/>
           </a:p>
@@ -3541,7 +3422,7 @@
           <a:p>
             <a:fld id="{499460C1-C589-4EBF-8205-118C82FB244C}" type="datetimeFigureOut">
               <a:rPr lang="en-US" smtClean="0"/>
-              <a:t>02-Oct-23</a:t>
+              <a:t>10/31/2023</a:t>
             </a:fld>
             <a:endParaRPr lang="en-US"/>
           </a:p>
@@ -3654,7 +3535,7 @@
           <a:p>
             <a:fld id="{499460C1-C589-4EBF-8205-118C82FB244C}" type="datetimeFigureOut">
               <a:rPr lang="en-US" smtClean="0"/>
-              <a:t>02-Oct-23</a:t>
+              <a:t>10/31/2023</a:t>
             </a:fld>
             <a:endParaRPr lang="en-US"/>
           </a:p>
@@ -3965,7 +3846,7 @@
           <a:p>
             <a:fld id="{499460C1-C589-4EBF-8205-118C82FB244C}" type="datetimeFigureOut">
               <a:rPr lang="en-US" smtClean="0"/>
-              <a:t>02-Oct-23</a:t>
+              <a:t>10/31/2023</a:t>
             </a:fld>
             <a:endParaRPr lang="en-US"/>
           </a:p>
@@ -4253,7 +4134,7 @@
           <a:p>
             <a:fld id="{499460C1-C589-4EBF-8205-118C82FB244C}" type="datetimeFigureOut">
               <a:rPr lang="en-US" smtClean="0"/>
-              <a:t>02-Oct-23</a:t>
+              <a:t>10/31/2023</a:t>
             </a:fld>
             <a:endParaRPr lang="en-US"/>
           </a:p>
@@ -4494,7 +4375,7 @@
           <a:p>
             <a:fld id="{499460C1-C589-4EBF-8205-118C82FB244C}" type="datetimeFigureOut">
               <a:rPr lang="en-US" smtClean="0"/>
-              <a:t>02-Oct-23</a:t>
+              <a:t>10/31/2023</a:t>
             </a:fld>
             <a:endParaRPr lang="en-US"/>
           </a:p>
@@ -5013,141 +4894,244 @@
           <a:lstStyle/>
           <a:p>
             <a:r>
-              <a:rPr lang="en-US" sz="4800" kern="1200" dirty="0" err="1">
+              <a:rPr lang="sr-Latn-RS" sz="4000" kern="1200" dirty="0">
                 <a:solidFill>
                   <a:srgbClr val="FFFFFF"/>
+                </a:solidFill>
+                <a:latin typeface="Arial" panose="020B0604020202020204" pitchFamily="34" charset="0"/>
+                <a:cs typeface="Arial" panose="020B0604020202020204" pitchFamily="34" charset="0"/>
+              </a:rPr>
+              <a:t>Izveštaj rada</a:t>
+            </a:r>
+            <a:br>
+              <a:rPr lang="sr-Latn-RS" sz="4000" kern="1200" dirty="0">
+                <a:solidFill>
+                  <a:srgbClr val="FFFFFF"/>
+                </a:solidFill>
+                <a:latin typeface="Arial" panose="020B0604020202020204" pitchFamily="34" charset="0"/>
+                <a:cs typeface="Arial" panose="020B0604020202020204" pitchFamily="34" charset="0"/>
+              </a:rPr>
+            </a:br>
+            <a:r>
+              <a:rPr lang="sr-Latn-RS" sz="4000" kern="1200" dirty="0">
+                <a:solidFill>
+                  <a:srgbClr val="FFFFFF"/>
+                </a:solidFill>
+                <a:latin typeface="Arial" panose="020B0604020202020204" pitchFamily="34" charset="0"/>
+                <a:cs typeface="Arial" panose="020B0604020202020204" pitchFamily="34" charset="0"/>
+              </a:rPr>
+              <a:t>tima X</a:t>
+            </a:r>
+            <a:br>
+              <a:rPr lang="sr-Latn-RS" sz="4000" kern="1200" dirty="0">
+                <a:solidFill>
+                  <a:srgbClr val="FFFFFF"/>
+                </a:solidFill>
+                <a:latin typeface="Arial" panose="020B0604020202020204" pitchFamily="34" charset="0"/>
+                <a:cs typeface="Arial" panose="020B0604020202020204" pitchFamily="34" charset="0"/>
+              </a:rPr>
+            </a:br>
+            <a:br>
+              <a:rPr lang="sr-Latn-RS" sz="4400" kern="1200" dirty="0">
+                <a:solidFill>
+                  <a:srgbClr val="FFFFFF"/>
+                </a:solidFill>
+                <a:latin typeface="Arial" panose="020B0604020202020204" pitchFamily="34" charset="0"/>
+                <a:cs typeface="Arial" panose="020B0604020202020204" pitchFamily="34" charset="0"/>
+              </a:rPr>
+            </a:br>
+            <a:r>
+              <a:rPr lang="en-US" sz="3200" kern="1200" dirty="0">
+                <a:solidFill>
+                  <a:srgbClr val="FFFFFF"/>
+                </a:solidFill>
+                <a:latin typeface="Arial" panose="020B0604020202020204" pitchFamily="34" charset="0"/>
+                <a:cs typeface="Arial" panose="020B0604020202020204" pitchFamily="34" charset="0"/>
+              </a:rPr>
+              <a:t>Scrum</a:t>
+            </a:r>
+            <a:r>
+              <a:rPr lang="sr-Latn-RS" sz="3200" kern="1200" dirty="0">
+                <a:solidFill>
+                  <a:srgbClr val="FFFFFF"/>
+                </a:solidFill>
+                <a:latin typeface="Arial" panose="020B0604020202020204" pitchFamily="34" charset="0"/>
+                <a:cs typeface="Arial" panose="020B0604020202020204" pitchFamily="34" charset="0"/>
+              </a:rPr>
+              <a:t> masteri:</a:t>
+            </a:r>
+            <a:br>
+              <a:rPr lang="sr-Latn-RS" sz="3200" kern="1200" dirty="0">
+                <a:solidFill>
+                  <a:srgbClr val="FFFFFF"/>
+                </a:solidFill>
+                <a:latin typeface="Arial" panose="020B0604020202020204" pitchFamily="34" charset="0"/>
+                <a:cs typeface="Arial" panose="020B0604020202020204" pitchFamily="34" charset="0"/>
+              </a:rPr>
+            </a:br>
+            <a:r>
+              <a:rPr lang="sr-Latn-RS" sz="2400" kern="1200" dirty="0">
+                <a:solidFill>
+                  <a:srgbClr val="FFFFFF"/>
+                </a:solidFill>
+                <a:latin typeface="Arial" panose="020B0604020202020204" pitchFamily="34" charset="0"/>
+                <a:cs typeface="Arial" panose="020B0604020202020204" pitchFamily="34" charset="0"/>
+              </a:rPr>
+              <a:t>Član 1</a:t>
+            </a:r>
+            <a:br>
+              <a:rPr lang="sr-Latn-RS" sz="2400" kern="1200" dirty="0">
+                <a:solidFill>
+                  <a:srgbClr val="FFFFFF"/>
+                </a:solidFill>
+                <a:latin typeface="Arial" panose="020B0604020202020204" pitchFamily="34" charset="0"/>
+                <a:cs typeface="Arial" panose="020B0604020202020204" pitchFamily="34" charset="0"/>
+              </a:rPr>
+            </a:br>
+            <a:r>
+              <a:rPr lang="sr-Latn-RS" sz="2400" kern="1200" dirty="0">
+                <a:solidFill>
+                  <a:srgbClr val="FFFFFF"/>
+                </a:solidFill>
+                <a:latin typeface="Arial" panose="020B0604020202020204" pitchFamily="34" charset="0"/>
+                <a:cs typeface="Arial" panose="020B0604020202020204" pitchFamily="34" charset="0"/>
+              </a:rPr>
+              <a:t>Član 2</a:t>
+            </a:r>
+            <a:endParaRPr lang="en-US" sz="4400" kern="1200" dirty="0">
+              <a:solidFill>
+                <a:srgbClr val="FFFFFF"/>
+              </a:solidFill>
+              <a:latin typeface="Arial" panose="020B0604020202020204" pitchFamily="34" charset="0"/>
+              <a:cs typeface="Arial" panose="020B0604020202020204" pitchFamily="34" charset="0"/>
+            </a:endParaRPr>
+          </a:p>
+        </p:txBody>
+      </p:sp>
+      <p:pic>
+        <p:nvPicPr>
+          <p:cNvPr id="8" name="Picture 7" descr="Colleagues reviewing documents">
+            <a:extLst>
+              <a:ext uri="{FF2B5EF4-FFF2-40B4-BE49-F238E27FC236}">
+                <a16:creationId xmlns:a16="http://schemas.microsoft.com/office/drawing/2014/main" id="{94773E97-C896-5919-7E27-D30689A76CC1}"/>
+              </a:ext>
+            </a:extLst>
+          </p:cNvPr>
+          <p:cNvPicPr>
+            <a:picLocks noChangeAspect="1"/>
+          </p:cNvPicPr>
+          <p:nvPr/>
+        </p:nvPicPr>
+        <p:blipFill>
+          <a:blip r:embed="rId3" cstate="screen">
+            <a:extLst>
+              <a:ext uri="{28A0092B-C50C-407E-A947-70E740481C1C}">
+                <a14:useLocalDpi xmlns:a14="http://schemas.microsoft.com/office/drawing/2010/main"/>
+              </a:ext>
+            </a:extLst>
+          </a:blip>
+          <a:stretch>
+            <a:fillRect/>
+          </a:stretch>
+        </p:blipFill>
+        <p:spPr>
+          <a:xfrm>
+            <a:off x="6378689" y="311449"/>
+            <a:ext cx="5476427" cy="3650951"/>
+          </a:xfrm>
+          <a:prstGeom prst="rect">
+            <a:avLst/>
+          </a:prstGeom>
+        </p:spPr>
+      </p:pic>
+      <p:pic>
+        <p:nvPicPr>
+          <p:cNvPr id="10" name="Picture 9" descr="Colleagues looking at computer">
+            <a:extLst>
+              <a:ext uri="{FF2B5EF4-FFF2-40B4-BE49-F238E27FC236}">
+                <a16:creationId xmlns:a16="http://schemas.microsoft.com/office/drawing/2014/main" id="{D0ACE274-F269-D850-B2BA-AFE0BA973911}"/>
+              </a:ext>
+            </a:extLst>
+          </p:cNvPr>
+          <p:cNvPicPr>
+            <a:picLocks noChangeAspect="1"/>
+          </p:cNvPicPr>
+          <p:nvPr/>
+        </p:nvPicPr>
+        <p:blipFill>
+          <a:blip r:embed="rId4" cstate="screen">
+            <a:extLst>
+              <a:ext uri="{28A0092B-C50C-407E-A947-70E740481C1C}">
+                <a14:useLocalDpi xmlns:a14="http://schemas.microsoft.com/office/drawing/2010/main"/>
+              </a:ext>
+            </a:extLst>
+          </a:blip>
+          <a:stretch>
+            <a:fillRect/>
+          </a:stretch>
+        </p:blipFill>
+        <p:spPr>
+          <a:xfrm>
+            <a:off x="5075257" y="3224213"/>
+            <a:ext cx="4890052" cy="3260035"/>
+          </a:xfrm>
+          <a:prstGeom prst="rect">
+            <a:avLst/>
+          </a:prstGeom>
+        </p:spPr>
+      </p:pic>
+      <p:sp>
+        <p:nvSpPr>
+          <p:cNvPr id="11" name="Title 1">
+            <a:extLst>
+              <a:ext uri="{FF2B5EF4-FFF2-40B4-BE49-F238E27FC236}">
+                <a16:creationId xmlns:a16="http://schemas.microsoft.com/office/drawing/2014/main" id="{2FC36624-4DC3-F56E-A7AD-352C7A365D3F}"/>
+              </a:ext>
+            </a:extLst>
+          </p:cNvPr>
+          <p:cNvSpPr txBox="1">
+            <a:spLocks/>
+          </p:cNvSpPr>
+          <p:nvPr/>
+        </p:nvSpPr>
+        <p:spPr>
+          <a:xfrm>
+            <a:off x="9997718" y="5198373"/>
+            <a:ext cx="1982246" cy="1285875"/>
+          </a:xfrm>
+          <a:prstGeom prst="rect">
+            <a:avLst/>
+          </a:prstGeom>
+        </p:spPr>
+        <p:txBody>
+          <a:bodyPr vert="horz" lIns="91440" tIns="45720" rIns="91440" bIns="45720" rtlCol="0" anchor="ctr">
+            <a:normAutofit/>
+          </a:bodyPr>
+          <a:lstStyle>
+            <a:lvl1pPr algn="ctr" defTabSz="914400" rtl="0" eaLnBrk="1" latinLnBrk="0" hangingPunct="1">
+              <a:lnSpc>
+                <a:spcPct val="90000"/>
+              </a:lnSpc>
+              <a:spcBef>
+                <a:spcPct val="0"/>
+              </a:spcBef>
+              <a:buNone/>
+              <a:defRPr sz="6000" kern="1200">
+                <a:solidFill>
+                  <a:schemeClr val="tx1"/>
                 </a:solidFill>
                 <a:latin typeface="+mj-lt"/>
                 <a:ea typeface="+mj-ea"/>
                 <a:cs typeface="+mj-cs"/>
-              </a:rPr>
-              <a:t>Izveštaj</a:t>
+              </a:defRPr>
+            </a:lvl1pPr>
+          </a:lstStyle>
+          <a:p>
+            <a:r>
+              <a:rPr lang="sr-Latn-RS" sz="2800" dirty="0"/>
+              <a:t>TODO: 1-3 slike tima na retrospektivi</a:t>
             </a:r>
-            <a:r>
-              <a:rPr lang="en-US" sz="4800" kern="1200" dirty="0">
-                <a:solidFill>
-                  <a:srgbClr val="FFFFFF"/>
-                </a:solidFill>
-                <a:latin typeface="+mj-lt"/>
-                <a:ea typeface="+mj-ea"/>
-                <a:cs typeface="+mj-cs"/>
-              </a:rPr>
-              <a:t> </a:t>
-            </a:r>
-            <a:r>
-              <a:rPr lang="en-US" sz="4800" kern="1200" dirty="0" err="1">
-                <a:solidFill>
-                  <a:srgbClr val="FFFFFF"/>
-                </a:solidFill>
-                <a:latin typeface="+mj-lt"/>
-                <a:ea typeface="+mj-ea"/>
-                <a:cs typeface="+mj-cs"/>
-              </a:rPr>
-              <a:t>rada</a:t>
-            </a:r>
-            <a:br>
-              <a:rPr lang="en-US" sz="4800" kern="1200" dirty="0">
-                <a:solidFill>
-                  <a:srgbClr val="FFFFFF"/>
-                </a:solidFill>
-                <a:latin typeface="+mj-lt"/>
-                <a:ea typeface="+mj-ea"/>
-                <a:cs typeface="+mj-cs"/>
-              </a:rPr>
-            </a:br>
-            <a:r>
-              <a:rPr lang="en-US" sz="4800" kern="1200" dirty="0" err="1">
-                <a:solidFill>
-                  <a:srgbClr val="FFFFFF"/>
-                </a:solidFill>
-                <a:latin typeface="+mj-lt"/>
-                <a:ea typeface="+mj-ea"/>
-                <a:cs typeface="+mj-cs"/>
-              </a:rPr>
-              <a:t>tima</a:t>
-            </a:r>
-            <a:r>
-              <a:rPr lang="en-US" sz="4800" kern="1200" dirty="0">
-                <a:solidFill>
-                  <a:srgbClr val="FFFFFF"/>
-                </a:solidFill>
-                <a:latin typeface="+mj-lt"/>
-                <a:ea typeface="+mj-ea"/>
-                <a:cs typeface="+mj-cs"/>
-              </a:rPr>
-              <a:t> X</a:t>
-            </a:r>
-            <a:br>
-              <a:rPr lang="sr-Latn-RS" sz="4800" kern="1200" dirty="0">
-                <a:solidFill>
-                  <a:srgbClr val="FFFFFF"/>
-                </a:solidFill>
-                <a:latin typeface="+mj-lt"/>
-                <a:ea typeface="+mj-ea"/>
-                <a:cs typeface="+mj-cs"/>
-              </a:rPr>
-            </a:br>
-            <a:br>
-              <a:rPr lang="sr-Latn-RS" sz="4800" kern="1200" dirty="0">
-                <a:solidFill>
-                  <a:srgbClr val="FFFFFF"/>
-                </a:solidFill>
-                <a:latin typeface="+mj-lt"/>
-                <a:ea typeface="+mj-ea"/>
-                <a:cs typeface="+mj-cs"/>
-              </a:rPr>
-            </a:br>
-            <a:r>
-              <a:rPr lang="sr-Latn-RS" sz="3600" kern="1200" dirty="0" err="1">
-                <a:solidFill>
-                  <a:srgbClr val="FFFFFF"/>
-                </a:solidFill>
-                <a:latin typeface="+mj-lt"/>
-                <a:ea typeface="+mj-ea"/>
-                <a:cs typeface="+mj-cs"/>
-              </a:rPr>
-              <a:t>Scrum</a:t>
-            </a:r>
-            <a:r>
-              <a:rPr lang="sr-Latn-RS" sz="3600" kern="1200" dirty="0">
-                <a:solidFill>
-                  <a:srgbClr val="FFFFFF"/>
-                </a:solidFill>
-                <a:latin typeface="+mj-lt"/>
-                <a:ea typeface="+mj-ea"/>
-                <a:cs typeface="+mj-cs"/>
-              </a:rPr>
-              <a:t> master:</a:t>
-            </a:r>
-            <a:br>
-              <a:rPr lang="sr-Latn-RS" sz="3600" kern="1200" dirty="0">
-                <a:solidFill>
-                  <a:srgbClr val="FFFFFF"/>
-                </a:solidFill>
-                <a:latin typeface="+mj-lt"/>
-                <a:ea typeface="+mj-ea"/>
-                <a:cs typeface="+mj-cs"/>
-              </a:rPr>
-            </a:br>
-            <a:r>
-              <a:rPr lang="sr-Latn-RS" sz="3600" kern="1200" dirty="0">
-                <a:solidFill>
-                  <a:srgbClr val="FFFFFF"/>
-                </a:solidFill>
-                <a:latin typeface="+mj-lt"/>
-                <a:ea typeface="+mj-ea"/>
-                <a:cs typeface="+mj-cs"/>
-              </a:rPr>
-              <a:t>Član 1</a:t>
-            </a:r>
-            <a:endParaRPr lang="en-US" sz="4800" kern="1200" dirty="0">
-              <a:solidFill>
-                <a:srgbClr val="FFFFFF"/>
-              </a:solidFill>
-              <a:latin typeface="+mj-lt"/>
-              <a:ea typeface="+mj-ea"/>
-              <a:cs typeface="+mj-cs"/>
-            </a:endParaRPr>
+            <a:endParaRPr lang="en-US" sz="2800" dirty="0"/>
           </a:p>
         </p:txBody>
       </p:sp>
@@ -5196,7 +5180,7 @@
           <p:nvPr>
             <p:extLst>
               <p:ext uri="{D42A27DB-BD31-4B8C-83A1-F6EECF244321}">
-                <p14:modId xmlns:p14="http://schemas.microsoft.com/office/powerpoint/2010/main" val="4259165589"/>
+                <p14:modId xmlns:p14="http://schemas.microsoft.com/office/powerpoint/2010/main" val="3007602491"/>
               </p:ext>
             </p:extLst>
           </p:nvPr>
@@ -5228,10 +5212,16 @@
                     <a:p>
                       <a:pPr algn="ctr"/>
                       <a:r>
-                        <a:rPr lang="sr-Latn-RS" sz="2400" dirty="0"/>
+                        <a:rPr lang="sr-Latn-RS" sz="2400" dirty="0">
+                          <a:latin typeface="Arial" panose="020B0604020202020204" pitchFamily="34" charset="0"/>
+                          <a:cs typeface="Arial" panose="020B0604020202020204" pitchFamily="34" charset="0"/>
+                        </a:rPr>
                         <a:t>Šta smo radili dobro?</a:t>
                       </a:r>
-                      <a:endParaRPr lang="en-US" sz="2400" dirty="0"/>
+                      <a:endParaRPr lang="en-US" sz="2400" dirty="0">
+                        <a:latin typeface="Arial" panose="020B0604020202020204" pitchFamily="34" charset="0"/>
+                        <a:cs typeface="Arial" panose="020B0604020202020204" pitchFamily="34" charset="0"/>
+                      </a:endParaRPr>
                     </a:p>
                   </a:txBody>
                   <a:tcPr anchor="ctr"/>
@@ -5242,13 +5232,16 @@
                   </a:ext>
                 </a:extLst>
               </a:tr>
-              <a:tr h="528502">
+              <a:tr h="906003">
                 <a:tc>
                   <a:txBody>
                     <a:bodyPr/>
                     <a:lstStyle/>
                     <a:p>
-                      <a:endParaRPr lang="en-US" dirty="0"/>
+                      <a:endParaRPr lang="en-US" sz="1600" dirty="0">
+                        <a:latin typeface="Arial" panose="020B0604020202020204" pitchFamily="34" charset="0"/>
+                        <a:cs typeface="Arial" panose="020B0604020202020204" pitchFamily="34" charset="0"/>
+                      </a:endParaRPr>
                     </a:p>
                   </a:txBody>
                   <a:tcPr anchor="ctr"/>
@@ -5259,67 +5252,55 @@
                   </a:ext>
                 </a:extLst>
               </a:tr>
-              <a:tr h="528502">
+              <a:tr h="906004">
                 <a:tc>
                   <a:txBody>
                     <a:bodyPr/>
                     <a:lstStyle/>
                     <a:p>
-                      <a:endParaRPr lang="en-US" dirty="0"/>
+                      <a:endParaRPr lang="en-US" sz="1600" dirty="0">
+                        <a:latin typeface="Arial" panose="020B0604020202020204" pitchFamily="34" charset="0"/>
+                        <a:cs typeface="Arial" panose="020B0604020202020204" pitchFamily="34" charset="0"/>
+                      </a:endParaRPr>
                     </a:p>
                   </a:txBody>
                   <a:tcPr anchor="ctr"/>
                 </a:tc>
                 <a:extLst>
                   <a:ext uri="{0D108BD9-81ED-4DB2-BD59-A6C34878D82A}">
-                    <a16:rowId xmlns:a16="http://schemas.microsoft.com/office/drawing/2014/main" val="1486300586"/>
+                    <a16:rowId xmlns:a16="http://schemas.microsoft.com/office/drawing/2014/main" val="1005142375"/>
                   </a:ext>
                 </a:extLst>
               </a:tr>
-              <a:tr h="528502">
+              <a:tr h="906003">
                 <a:tc>
                   <a:txBody>
                     <a:bodyPr/>
                     <a:lstStyle/>
                     <a:p>
-                      <a:endParaRPr lang="en-US" dirty="0"/>
+                      <a:endParaRPr lang="en-US" sz="1600" dirty="0">
+                        <a:latin typeface="Arial" panose="020B0604020202020204" pitchFamily="34" charset="0"/>
+                        <a:cs typeface="Arial" panose="020B0604020202020204" pitchFamily="34" charset="0"/>
+                      </a:endParaRPr>
                     </a:p>
                   </a:txBody>
                   <a:tcPr anchor="ctr"/>
                 </a:tc>
                 <a:extLst>
                   <a:ext uri="{0D108BD9-81ED-4DB2-BD59-A6C34878D82A}">
-                    <a16:rowId xmlns:a16="http://schemas.microsoft.com/office/drawing/2014/main" val="3981337823"/>
+                    <a16:rowId xmlns:a16="http://schemas.microsoft.com/office/drawing/2014/main" val="1231560148"/>
                   </a:ext>
                 </a:extLst>
               </a:tr>
-              <a:tr h="528502">
+              <a:tr h="906004">
                 <a:tc>
                   <a:txBody>
                     <a:bodyPr/>
                     <a:lstStyle/>
                     <a:p>
-                      <a:pPr marL="0" marR="0" lvl="0" indent="0" algn="ctr" defTabSz="914400" rtl="0" eaLnBrk="1" fontAlgn="auto" latinLnBrk="0" hangingPunct="1">
-                        <a:lnSpc>
-                          <a:spcPct val="100000"/>
-                        </a:lnSpc>
-                        <a:spcBef>
-                          <a:spcPts val="0"/>
-                        </a:spcBef>
-                        <a:spcAft>
-                          <a:spcPts val="0"/>
-                        </a:spcAft>
-                        <a:buClrTx/>
-                        <a:buSzTx/>
-                        <a:buFontTx/>
-                        <a:buNone/>
-                        <a:tabLst/>
-                        <a:defRPr/>
-                      </a:pPr>
-                      <a:endParaRPr lang="en-US" sz="1800" b="1" dirty="0">
-                        <a:solidFill>
-                          <a:schemeClr val="bg1"/>
-                        </a:solidFill>
+                      <a:endParaRPr lang="en-US" sz="1600" dirty="0">
+                        <a:latin typeface="Arial" panose="020B0604020202020204" pitchFamily="34" charset="0"/>
+                        <a:cs typeface="Arial" panose="020B0604020202020204" pitchFamily="34" charset="0"/>
                       </a:endParaRPr>
                     </a:p>
                   </a:txBody>
@@ -5327,164 +5308,67 @@
                 </a:tc>
                 <a:extLst>
                   <a:ext uri="{0D108BD9-81ED-4DB2-BD59-A6C34878D82A}">
-                    <a16:rowId xmlns:a16="http://schemas.microsoft.com/office/drawing/2014/main" val="4018415531"/>
+                    <a16:rowId xmlns:a16="http://schemas.microsoft.com/office/drawing/2014/main" val="1419841272"/>
                   </a:ext>
                 </a:extLst>
               </a:tr>
-              <a:tr h="528502">
+              <a:tr h="906003">
                 <a:tc>
                   <a:txBody>
                     <a:bodyPr/>
                     <a:lstStyle/>
                     <a:p>
-                      <a:endParaRPr lang="en-US" dirty="0"/>
+                      <a:endParaRPr lang="en-US" sz="1600" dirty="0">
+                        <a:latin typeface="Arial" panose="020B0604020202020204" pitchFamily="34" charset="0"/>
+                        <a:cs typeface="Arial" panose="020B0604020202020204" pitchFamily="34" charset="0"/>
+                      </a:endParaRPr>
                     </a:p>
                   </a:txBody>
                   <a:tcPr anchor="ctr"/>
                 </a:tc>
                 <a:extLst>
                   <a:ext uri="{0D108BD9-81ED-4DB2-BD59-A6C34878D82A}">
-                    <a16:rowId xmlns:a16="http://schemas.microsoft.com/office/drawing/2014/main" val="3700941418"/>
+                    <a16:rowId xmlns:a16="http://schemas.microsoft.com/office/drawing/2014/main" val="2024070648"/>
                   </a:ext>
                 </a:extLst>
               </a:tr>
-              <a:tr h="528502">
+              <a:tr h="906004">
                 <a:tc>
                   <a:txBody>
                     <a:bodyPr/>
                     <a:lstStyle/>
                     <a:p>
-                      <a:endParaRPr lang="en-US" dirty="0"/>
+                      <a:endParaRPr lang="en-US" sz="1600" dirty="0">
+                        <a:latin typeface="Arial" panose="020B0604020202020204" pitchFamily="34" charset="0"/>
+                        <a:cs typeface="Arial" panose="020B0604020202020204" pitchFamily="34" charset="0"/>
+                      </a:endParaRPr>
                     </a:p>
                   </a:txBody>
                   <a:tcPr anchor="ctr"/>
                 </a:tc>
                 <a:extLst>
                   <a:ext uri="{0D108BD9-81ED-4DB2-BD59-A6C34878D82A}">
-                    <a16:rowId xmlns:a16="http://schemas.microsoft.com/office/drawing/2014/main" val="2418010639"/>
+                    <a16:rowId xmlns:a16="http://schemas.microsoft.com/office/drawing/2014/main" val="3991051907"/>
                   </a:ext>
                 </a:extLst>
               </a:tr>
-              <a:tr h="528502">
+              <a:tr h="906003">
                 <a:tc>
                   <a:txBody>
                     <a:bodyPr/>
                     <a:lstStyle/>
                     <a:p>
-                      <a:endParaRPr lang="en-US" dirty="0"/>
+                      <a:endParaRPr lang="en-US" sz="1600" dirty="0">
+                        <a:latin typeface="Arial" panose="020B0604020202020204" pitchFamily="34" charset="0"/>
+                        <a:cs typeface="Arial" panose="020B0604020202020204" pitchFamily="34" charset="0"/>
+                      </a:endParaRPr>
                     </a:p>
                   </a:txBody>
                   <a:tcPr anchor="ctr"/>
                 </a:tc>
                 <a:extLst>
                   <a:ext uri="{0D108BD9-81ED-4DB2-BD59-A6C34878D82A}">
-                    <a16:rowId xmlns:a16="http://schemas.microsoft.com/office/drawing/2014/main" val="310207697"/>
-                  </a:ext>
-                </a:extLst>
-              </a:tr>
-              <a:tr h="528502">
-                <a:tc>
-                  <a:txBody>
-                    <a:bodyPr/>
-                    <a:lstStyle/>
-                    <a:p>
-                      <a:pPr marL="0" marR="0" lvl="0" indent="0" algn="ctr" defTabSz="914400" rtl="0" eaLnBrk="1" fontAlgn="auto" latinLnBrk="0" hangingPunct="1">
-                        <a:lnSpc>
-                          <a:spcPct val="100000"/>
-                        </a:lnSpc>
-                        <a:spcBef>
-                          <a:spcPts val="0"/>
-                        </a:spcBef>
-                        <a:spcAft>
-                          <a:spcPts val="0"/>
-                        </a:spcAft>
-                        <a:buClrTx/>
-                        <a:buSzTx/>
-                        <a:buFontTx/>
-                        <a:buNone/>
-                        <a:tabLst/>
-                        <a:defRPr/>
-                      </a:pPr>
-                      <a:endParaRPr lang="en-US" sz="1400" b="1" dirty="0">
-                        <a:solidFill>
-                          <a:schemeClr val="bg1"/>
-                        </a:solidFill>
-                      </a:endParaRPr>
-                    </a:p>
-                  </a:txBody>
-                  <a:tcPr anchor="ctr"/>
-                </a:tc>
-                <a:extLst>
-                  <a:ext uri="{0D108BD9-81ED-4DB2-BD59-A6C34878D82A}">
-                    <a16:rowId xmlns:a16="http://schemas.microsoft.com/office/drawing/2014/main" val="3489648274"/>
-                  </a:ext>
-                </a:extLst>
-              </a:tr>
-              <a:tr h="528502">
-                <a:tc>
-                  <a:txBody>
-                    <a:bodyPr/>
-                    <a:lstStyle/>
-                    <a:p>
-                      <a:endParaRPr lang="en-US" dirty="0"/>
-                    </a:p>
-                  </a:txBody>
-                  <a:tcPr anchor="ctr"/>
-                </a:tc>
-                <a:extLst>
-                  <a:ext uri="{0D108BD9-81ED-4DB2-BD59-A6C34878D82A}">
-                    <a16:rowId xmlns:a16="http://schemas.microsoft.com/office/drawing/2014/main" val="1674683212"/>
-                  </a:ext>
-                </a:extLst>
-              </a:tr>
-              <a:tr h="528502">
-                <a:tc>
-                  <a:txBody>
-                    <a:bodyPr/>
-                    <a:lstStyle/>
-                    <a:p>
-                      <a:endParaRPr lang="en-US" dirty="0"/>
-                    </a:p>
-                  </a:txBody>
-                  <a:tcPr anchor="ctr"/>
-                </a:tc>
-                <a:extLst>
-                  <a:ext uri="{0D108BD9-81ED-4DB2-BD59-A6C34878D82A}">
-                    <a16:rowId xmlns:a16="http://schemas.microsoft.com/office/drawing/2014/main" val="2850333499"/>
-                  </a:ext>
-                </a:extLst>
-              </a:tr>
-              <a:tr h="528502">
-                <a:tc>
-                  <a:txBody>
-                    <a:bodyPr/>
-                    <a:lstStyle/>
-                    <a:p>
-                      <a:endParaRPr lang="en-US" dirty="0"/>
-                    </a:p>
-                  </a:txBody>
-                  <a:tcPr anchor="ctr"/>
-                </a:tc>
-                <a:extLst>
-                  <a:ext uri="{0D108BD9-81ED-4DB2-BD59-A6C34878D82A}">
-                    <a16:rowId xmlns:a16="http://schemas.microsoft.com/office/drawing/2014/main" val="2361760766"/>
-                  </a:ext>
-                </a:extLst>
-              </a:tr>
-              <a:tr h="528502">
-                <a:tc>
-                  <a:txBody>
-                    <a:bodyPr/>
-                    <a:lstStyle/>
-                    <a:p>
-                      <a:endParaRPr lang="en-US" dirty="0"/>
-                    </a:p>
-                  </a:txBody>
-                  <a:tcPr anchor="ctr"/>
-                </a:tc>
-                <a:extLst>
-                  <a:ext uri="{0D108BD9-81ED-4DB2-BD59-A6C34878D82A}">
-                    <a16:rowId xmlns:a16="http://schemas.microsoft.com/office/drawing/2014/main" val="1410224058"/>
+                    <a16:rowId xmlns:a16="http://schemas.microsoft.com/office/drawing/2014/main" val="2673844980"/>
                   </a:ext>
                 </a:extLst>
               </a:tr>
@@ -5524,10 +5408,10 @@
       </p:grpSpPr>
       <p:graphicFrame>
         <p:nvGraphicFramePr>
-          <p:cNvPr id="7" name="Table 7">
+          <p:cNvPr id="2" name="Table 7">
             <a:extLst>
               <a:ext uri="{FF2B5EF4-FFF2-40B4-BE49-F238E27FC236}">
-                <a16:creationId xmlns:a16="http://schemas.microsoft.com/office/drawing/2014/main" id="{5743BA78-5B0C-46A6-9386-654D44E38838}"/>
+                <a16:creationId xmlns:a16="http://schemas.microsoft.com/office/drawing/2014/main" id="{E723D5D0-3E31-4C22-CD81-CDC1EE315559}"/>
               </a:ext>
             </a:extLst>
           </p:cNvPr>
@@ -5537,7 +5421,7 @@
           <p:nvPr>
             <p:extLst>
               <p:ext uri="{D42A27DB-BD31-4B8C-83A1-F6EECF244321}">
-                <p14:modId xmlns:p14="http://schemas.microsoft.com/office/powerpoint/2010/main" val="3655618025"/>
+                <p14:modId xmlns:p14="http://schemas.microsoft.com/office/powerpoint/2010/main" val="845823039"/>
               </p:ext>
             </p:extLst>
           </p:nvPr>
@@ -5569,22 +5453,16 @@
                     <a:p>
                       <a:pPr algn="ctr"/>
                       <a:r>
-                        <a:rPr lang="sr-Latn-RS" sz="2400" dirty="0"/>
-                        <a:t>Šta smo radili </a:t>
+                        <a:rPr lang="sr-Latn-RS" sz="2400" dirty="0">
+                          <a:latin typeface="Arial" panose="020B0604020202020204" pitchFamily="34" charset="0"/>
+                          <a:cs typeface="Arial" panose="020B0604020202020204" pitchFamily="34" charset="0"/>
+                        </a:rPr>
+                        <a:t>Šta smo radili loše?</a:t>
                       </a:r>
-                      <a:r>
-                        <a:rPr lang="en-US" sz="2400" dirty="0"/>
-                        <a:t>lo</a:t>
-                      </a:r>
-                      <a:r>
-                        <a:rPr lang="sr-Latn-BA" sz="2400" dirty="0"/>
-                        <a:t>še</a:t>
-                      </a:r>
-                      <a:r>
-                        <a:rPr lang="sr-Latn-RS" sz="2400" dirty="0"/>
-                        <a:t>?</a:t>
-                      </a:r>
-                      <a:endParaRPr lang="en-US" sz="2400" dirty="0"/>
+                      <a:endParaRPr lang="en-US" sz="2400" dirty="0">
+                        <a:latin typeface="Arial" panose="020B0604020202020204" pitchFamily="34" charset="0"/>
+                        <a:cs typeface="Arial" panose="020B0604020202020204" pitchFamily="34" charset="0"/>
+                      </a:endParaRPr>
                     </a:p>
                   </a:txBody>
                   <a:tcPr anchor="ctr"/>
@@ -5595,13 +5473,16 @@
                   </a:ext>
                 </a:extLst>
               </a:tr>
-              <a:tr h="528502">
+              <a:tr h="906003">
                 <a:tc>
                   <a:txBody>
                     <a:bodyPr/>
                     <a:lstStyle/>
                     <a:p>
-                      <a:endParaRPr lang="en-US" dirty="0"/>
+                      <a:endParaRPr lang="en-US" sz="1600" dirty="0">
+                        <a:latin typeface="Arial" panose="020B0604020202020204" pitchFamily="34" charset="0"/>
+                        <a:cs typeface="Arial" panose="020B0604020202020204" pitchFamily="34" charset="0"/>
+                      </a:endParaRPr>
                     </a:p>
                   </a:txBody>
                   <a:tcPr anchor="ctr"/>
@@ -5612,67 +5493,55 @@
                   </a:ext>
                 </a:extLst>
               </a:tr>
-              <a:tr h="528502">
+              <a:tr h="906004">
                 <a:tc>
                   <a:txBody>
                     <a:bodyPr/>
                     <a:lstStyle/>
                     <a:p>
-                      <a:endParaRPr lang="en-US" dirty="0"/>
+                      <a:endParaRPr lang="en-US" sz="1600" dirty="0">
+                        <a:latin typeface="Arial" panose="020B0604020202020204" pitchFamily="34" charset="0"/>
+                        <a:cs typeface="Arial" panose="020B0604020202020204" pitchFamily="34" charset="0"/>
+                      </a:endParaRPr>
                     </a:p>
                   </a:txBody>
                   <a:tcPr anchor="ctr"/>
                 </a:tc>
                 <a:extLst>
                   <a:ext uri="{0D108BD9-81ED-4DB2-BD59-A6C34878D82A}">
-                    <a16:rowId xmlns:a16="http://schemas.microsoft.com/office/drawing/2014/main" val="1486300586"/>
+                    <a16:rowId xmlns:a16="http://schemas.microsoft.com/office/drawing/2014/main" val="1005142375"/>
                   </a:ext>
                 </a:extLst>
               </a:tr>
-              <a:tr h="528502">
+              <a:tr h="906003">
                 <a:tc>
                   <a:txBody>
                     <a:bodyPr/>
                     <a:lstStyle/>
                     <a:p>
-                      <a:endParaRPr lang="en-US" dirty="0"/>
+                      <a:endParaRPr lang="en-US" sz="1600" dirty="0">
+                        <a:latin typeface="Arial" panose="020B0604020202020204" pitchFamily="34" charset="0"/>
+                        <a:cs typeface="Arial" panose="020B0604020202020204" pitchFamily="34" charset="0"/>
+                      </a:endParaRPr>
                     </a:p>
                   </a:txBody>
                   <a:tcPr anchor="ctr"/>
                 </a:tc>
                 <a:extLst>
                   <a:ext uri="{0D108BD9-81ED-4DB2-BD59-A6C34878D82A}">
-                    <a16:rowId xmlns:a16="http://schemas.microsoft.com/office/drawing/2014/main" val="3981337823"/>
+                    <a16:rowId xmlns:a16="http://schemas.microsoft.com/office/drawing/2014/main" val="1231560148"/>
                   </a:ext>
                 </a:extLst>
               </a:tr>
-              <a:tr h="528502">
+              <a:tr h="906004">
                 <a:tc>
                   <a:txBody>
                     <a:bodyPr/>
                     <a:lstStyle/>
                     <a:p>
-                      <a:pPr marL="0" marR="0" lvl="0" indent="0" algn="ctr" defTabSz="914400" rtl="0" eaLnBrk="1" fontAlgn="auto" latinLnBrk="0" hangingPunct="1">
-                        <a:lnSpc>
-                          <a:spcPct val="100000"/>
-                        </a:lnSpc>
-                        <a:spcBef>
-                          <a:spcPts val="0"/>
-                        </a:spcBef>
-                        <a:spcAft>
-                          <a:spcPts val="0"/>
-                        </a:spcAft>
-                        <a:buClrTx/>
-                        <a:buSzTx/>
-                        <a:buFontTx/>
-                        <a:buNone/>
-                        <a:tabLst/>
-                        <a:defRPr/>
-                      </a:pPr>
-                      <a:endParaRPr lang="en-US" sz="1800" b="1" dirty="0">
-                        <a:solidFill>
-                          <a:schemeClr val="bg1"/>
-                        </a:solidFill>
+                      <a:endParaRPr lang="en-US" sz="1600" dirty="0">
+                        <a:latin typeface="Arial" panose="020B0604020202020204" pitchFamily="34" charset="0"/>
+                        <a:cs typeface="Arial" panose="020B0604020202020204" pitchFamily="34" charset="0"/>
                       </a:endParaRPr>
                     </a:p>
                   </a:txBody>
@@ -5680,164 +5549,67 @@
                 </a:tc>
                 <a:extLst>
                   <a:ext uri="{0D108BD9-81ED-4DB2-BD59-A6C34878D82A}">
-                    <a16:rowId xmlns:a16="http://schemas.microsoft.com/office/drawing/2014/main" val="4018415531"/>
+                    <a16:rowId xmlns:a16="http://schemas.microsoft.com/office/drawing/2014/main" val="1419841272"/>
                   </a:ext>
                 </a:extLst>
               </a:tr>
-              <a:tr h="528502">
+              <a:tr h="906003">
                 <a:tc>
                   <a:txBody>
                     <a:bodyPr/>
                     <a:lstStyle/>
                     <a:p>
-                      <a:endParaRPr lang="en-US" dirty="0"/>
+                      <a:endParaRPr lang="en-US" sz="1600" dirty="0">
+                        <a:latin typeface="Arial" panose="020B0604020202020204" pitchFamily="34" charset="0"/>
+                        <a:cs typeface="Arial" panose="020B0604020202020204" pitchFamily="34" charset="0"/>
+                      </a:endParaRPr>
                     </a:p>
                   </a:txBody>
                   <a:tcPr anchor="ctr"/>
                 </a:tc>
                 <a:extLst>
                   <a:ext uri="{0D108BD9-81ED-4DB2-BD59-A6C34878D82A}">
-                    <a16:rowId xmlns:a16="http://schemas.microsoft.com/office/drawing/2014/main" val="3700941418"/>
+                    <a16:rowId xmlns:a16="http://schemas.microsoft.com/office/drawing/2014/main" val="2024070648"/>
                   </a:ext>
                 </a:extLst>
               </a:tr>
-              <a:tr h="528502">
+              <a:tr h="906004">
                 <a:tc>
                   <a:txBody>
                     <a:bodyPr/>
                     <a:lstStyle/>
                     <a:p>
-                      <a:endParaRPr lang="en-US" dirty="0"/>
+                      <a:endParaRPr lang="en-US" sz="1600" dirty="0">
+                        <a:latin typeface="Arial" panose="020B0604020202020204" pitchFamily="34" charset="0"/>
+                        <a:cs typeface="Arial" panose="020B0604020202020204" pitchFamily="34" charset="0"/>
+                      </a:endParaRPr>
                     </a:p>
                   </a:txBody>
                   <a:tcPr anchor="ctr"/>
                 </a:tc>
                 <a:extLst>
                   <a:ext uri="{0D108BD9-81ED-4DB2-BD59-A6C34878D82A}">
-                    <a16:rowId xmlns:a16="http://schemas.microsoft.com/office/drawing/2014/main" val="2418010639"/>
+                    <a16:rowId xmlns:a16="http://schemas.microsoft.com/office/drawing/2014/main" val="3991051907"/>
                   </a:ext>
                 </a:extLst>
               </a:tr>
-              <a:tr h="528502">
+              <a:tr h="906003">
                 <a:tc>
                   <a:txBody>
                     <a:bodyPr/>
                     <a:lstStyle/>
                     <a:p>
-                      <a:endParaRPr lang="en-US" dirty="0"/>
+                      <a:endParaRPr lang="en-US" sz="1600" dirty="0">
+                        <a:latin typeface="Arial" panose="020B0604020202020204" pitchFamily="34" charset="0"/>
+                        <a:cs typeface="Arial" panose="020B0604020202020204" pitchFamily="34" charset="0"/>
+                      </a:endParaRPr>
                     </a:p>
                   </a:txBody>
                   <a:tcPr anchor="ctr"/>
                 </a:tc>
                 <a:extLst>
                   <a:ext uri="{0D108BD9-81ED-4DB2-BD59-A6C34878D82A}">
-                    <a16:rowId xmlns:a16="http://schemas.microsoft.com/office/drawing/2014/main" val="310207697"/>
-                  </a:ext>
-                </a:extLst>
-              </a:tr>
-              <a:tr h="528502">
-                <a:tc>
-                  <a:txBody>
-                    <a:bodyPr/>
-                    <a:lstStyle/>
-                    <a:p>
-                      <a:pPr marL="0" marR="0" lvl="0" indent="0" algn="ctr" defTabSz="914400" rtl="0" eaLnBrk="1" fontAlgn="auto" latinLnBrk="0" hangingPunct="1">
-                        <a:lnSpc>
-                          <a:spcPct val="100000"/>
-                        </a:lnSpc>
-                        <a:spcBef>
-                          <a:spcPts val="0"/>
-                        </a:spcBef>
-                        <a:spcAft>
-                          <a:spcPts val="0"/>
-                        </a:spcAft>
-                        <a:buClrTx/>
-                        <a:buSzTx/>
-                        <a:buFontTx/>
-                        <a:buNone/>
-                        <a:tabLst/>
-                        <a:defRPr/>
-                      </a:pPr>
-                      <a:endParaRPr lang="en-US" sz="1400" b="1" dirty="0">
-                        <a:solidFill>
-                          <a:schemeClr val="bg1"/>
-                        </a:solidFill>
-                      </a:endParaRPr>
-                    </a:p>
-                  </a:txBody>
-                  <a:tcPr anchor="ctr"/>
-                </a:tc>
-                <a:extLst>
-                  <a:ext uri="{0D108BD9-81ED-4DB2-BD59-A6C34878D82A}">
-                    <a16:rowId xmlns:a16="http://schemas.microsoft.com/office/drawing/2014/main" val="3489648274"/>
-                  </a:ext>
-                </a:extLst>
-              </a:tr>
-              <a:tr h="528502">
-                <a:tc>
-                  <a:txBody>
-                    <a:bodyPr/>
-                    <a:lstStyle/>
-                    <a:p>
-                      <a:endParaRPr lang="en-US" dirty="0"/>
-                    </a:p>
-                  </a:txBody>
-                  <a:tcPr anchor="ctr"/>
-                </a:tc>
-                <a:extLst>
-                  <a:ext uri="{0D108BD9-81ED-4DB2-BD59-A6C34878D82A}">
-                    <a16:rowId xmlns:a16="http://schemas.microsoft.com/office/drawing/2014/main" val="1674683212"/>
-                  </a:ext>
-                </a:extLst>
-              </a:tr>
-              <a:tr h="528502">
-                <a:tc>
-                  <a:txBody>
-                    <a:bodyPr/>
-                    <a:lstStyle/>
-                    <a:p>
-                      <a:endParaRPr lang="en-US" dirty="0"/>
-                    </a:p>
-                  </a:txBody>
-                  <a:tcPr anchor="ctr"/>
-                </a:tc>
-                <a:extLst>
-                  <a:ext uri="{0D108BD9-81ED-4DB2-BD59-A6C34878D82A}">
-                    <a16:rowId xmlns:a16="http://schemas.microsoft.com/office/drawing/2014/main" val="2850333499"/>
-                  </a:ext>
-                </a:extLst>
-              </a:tr>
-              <a:tr h="528502">
-                <a:tc>
-                  <a:txBody>
-                    <a:bodyPr/>
-                    <a:lstStyle/>
-                    <a:p>
-                      <a:endParaRPr lang="en-US" dirty="0"/>
-                    </a:p>
-                  </a:txBody>
-                  <a:tcPr anchor="ctr"/>
-                </a:tc>
-                <a:extLst>
-                  <a:ext uri="{0D108BD9-81ED-4DB2-BD59-A6C34878D82A}">
-                    <a16:rowId xmlns:a16="http://schemas.microsoft.com/office/drawing/2014/main" val="2361760766"/>
-                  </a:ext>
-                </a:extLst>
-              </a:tr>
-              <a:tr h="528502">
-                <a:tc>
-                  <a:txBody>
-                    <a:bodyPr/>
-                    <a:lstStyle/>
-                    <a:p>
-                      <a:endParaRPr lang="en-US" dirty="0"/>
-                    </a:p>
-                  </a:txBody>
-                  <a:tcPr anchor="ctr"/>
-                </a:tc>
-                <a:extLst>
-                  <a:ext uri="{0D108BD9-81ED-4DB2-BD59-A6C34878D82A}">
-                    <a16:rowId xmlns:a16="http://schemas.microsoft.com/office/drawing/2014/main" val="1410224058"/>
+                    <a16:rowId xmlns:a16="http://schemas.microsoft.com/office/drawing/2014/main" val="2673844980"/>
                   </a:ext>
                 </a:extLst>
               </a:tr>
@@ -5877,10 +5649,10 @@
       </p:grpSpPr>
       <p:graphicFrame>
         <p:nvGraphicFramePr>
-          <p:cNvPr id="7" name="Table 7">
+          <p:cNvPr id="2" name="Table 7">
             <a:extLst>
               <a:ext uri="{FF2B5EF4-FFF2-40B4-BE49-F238E27FC236}">
-                <a16:creationId xmlns:a16="http://schemas.microsoft.com/office/drawing/2014/main" id="{5743BA78-5B0C-46A6-9386-654D44E38838}"/>
+                <a16:creationId xmlns:a16="http://schemas.microsoft.com/office/drawing/2014/main" id="{8549D411-AE8A-E113-01C0-1A4DE10C11C8}"/>
               </a:ext>
             </a:extLst>
           </p:cNvPr>
@@ -5890,7 +5662,7 @@
           <p:nvPr>
             <p:extLst>
               <p:ext uri="{D42A27DB-BD31-4B8C-83A1-F6EECF244321}">
-                <p14:modId xmlns:p14="http://schemas.microsoft.com/office/powerpoint/2010/main" val="547683231"/>
+                <p14:modId xmlns:p14="http://schemas.microsoft.com/office/powerpoint/2010/main" val="1075033301"/>
               </p:ext>
             </p:extLst>
           </p:nvPr>
@@ -5920,35 +5692,17 @@
                     <a:bodyPr/>
                     <a:lstStyle/>
                     <a:p>
-                      <a:pPr marL="0" marR="0" lvl="0" indent="0" algn="ctr" defTabSz="914400" rtl="0" eaLnBrk="1" fontAlgn="auto" latinLnBrk="0" hangingPunct="1">
-                        <a:lnSpc>
-                          <a:spcPct val="100000"/>
-                        </a:lnSpc>
-                        <a:spcBef>
-                          <a:spcPts val="0"/>
-                        </a:spcBef>
-                        <a:spcAft>
-                          <a:spcPts val="0"/>
-                        </a:spcAft>
-                        <a:buClrTx/>
-                        <a:buSzTx/>
-                        <a:buFontTx/>
-                        <a:buNone/>
-                        <a:tabLst/>
-                        <a:defRPr/>
-                      </a:pPr>
+                      <a:pPr algn="ctr"/>
                       <a:r>
-                        <a:rPr lang="sr-Latn-RS" sz="2400" b="1" dirty="0">
-                          <a:solidFill>
-                            <a:schemeClr val="bg1"/>
-                          </a:solidFill>
+                        <a:rPr lang="sr-Latn-RS" sz="2400" dirty="0">
+                          <a:latin typeface="Arial" panose="020B0604020202020204" pitchFamily="34" charset="0"/>
+                          <a:cs typeface="Arial" panose="020B0604020202020204" pitchFamily="34" charset="0"/>
                         </a:rPr>
                         <a:t>Šta ćemo bolje da radimo u narednom sprintu?</a:t>
                       </a:r>
-                      <a:endParaRPr lang="en-US" sz="1400" b="1" dirty="0">
-                        <a:solidFill>
-                          <a:schemeClr val="bg1"/>
-                        </a:solidFill>
+                      <a:endParaRPr lang="en-US" sz="2400" dirty="0">
+                        <a:latin typeface="Arial" panose="020B0604020202020204" pitchFamily="34" charset="0"/>
+                        <a:cs typeface="Arial" panose="020B0604020202020204" pitchFamily="34" charset="0"/>
                       </a:endParaRPr>
                     </a:p>
                   </a:txBody>
@@ -5960,13 +5714,16 @@
                   </a:ext>
                 </a:extLst>
               </a:tr>
-              <a:tr h="528502">
+              <a:tr h="906003">
                 <a:tc>
                   <a:txBody>
                     <a:bodyPr/>
                     <a:lstStyle/>
                     <a:p>
-                      <a:endParaRPr lang="en-US" dirty="0"/>
+                      <a:endParaRPr lang="en-US" sz="1600" dirty="0">
+                        <a:latin typeface="Arial" panose="020B0604020202020204" pitchFamily="34" charset="0"/>
+                        <a:cs typeface="Arial" panose="020B0604020202020204" pitchFamily="34" charset="0"/>
+                      </a:endParaRPr>
                     </a:p>
                   </a:txBody>
                   <a:tcPr anchor="ctr"/>
@@ -5977,67 +5734,55 @@
                   </a:ext>
                 </a:extLst>
               </a:tr>
-              <a:tr h="528502">
+              <a:tr h="906004">
                 <a:tc>
                   <a:txBody>
                     <a:bodyPr/>
                     <a:lstStyle/>
                     <a:p>
-                      <a:endParaRPr lang="en-US" dirty="0"/>
+                      <a:endParaRPr lang="en-US" sz="1600" dirty="0">
+                        <a:latin typeface="Arial" panose="020B0604020202020204" pitchFamily="34" charset="0"/>
+                        <a:cs typeface="Arial" panose="020B0604020202020204" pitchFamily="34" charset="0"/>
+                      </a:endParaRPr>
                     </a:p>
                   </a:txBody>
                   <a:tcPr anchor="ctr"/>
                 </a:tc>
                 <a:extLst>
                   <a:ext uri="{0D108BD9-81ED-4DB2-BD59-A6C34878D82A}">
-                    <a16:rowId xmlns:a16="http://schemas.microsoft.com/office/drawing/2014/main" val="1486300586"/>
+                    <a16:rowId xmlns:a16="http://schemas.microsoft.com/office/drawing/2014/main" val="1005142375"/>
                   </a:ext>
                 </a:extLst>
               </a:tr>
-              <a:tr h="528502">
+              <a:tr h="906003">
                 <a:tc>
                   <a:txBody>
                     <a:bodyPr/>
                     <a:lstStyle/>
                     <a:p>
-                      <a:endParaRPr lang="en-US" dirty="0"/>
+                      <a:endParaRPr lang="en-US" sz="1600" dirty="0">
+                        <a:latin typeface="Arial" panose="020B0604020202020204" pitchFamily="34" charset="0"/>
+                        <a:cs typeface="Arial" panose="020B0604020202020204" pitchFamily="34" charset="0"/>
+                      </a:endParaRPr>
                     </a:p>
                   </a:txBody>
                   <a:tcPr anchor="ctr"/>
                 </a:tc>
                 <a:extLst>
                   <a:ext uri="{0D108BD9-81ED-4DB2-BD59-A6C34878D82A}">
-                    <a16:rowId xmlns:a16="http://schemas.microsoft.com/office/drawing/2014/main" val="3981337823"/>
+                    <a16:rowId xmlns:a16="http://schemas.microsoft.com/office/drawing/2014/main" val="1231560148"/>
                   </a:ext>
                 </a:extLst>
               </a:tr>
-              <a:tr h="528502">
+              <a:tr h="906004">
                 <a:tc>
                   <a:txBody>
                     <a:bodyPr/>
                     <a:lstStyle/>
                     <a:p>
-                      <a:pPr marL="0" marR="0" lvl="0" indent="0" algn="ctr" defTabSz="914400" rtl="0" eaLnBrk="1" fontAlgn="auto" latinLnBrk="0" hangingPunct="1">
-                        <a:lnSpc>
-                          <a:spcPct val="100000"/>
-                        </a:lnSpc>
-                        <a:spcBef>
-                          <a:spcPts val="0"/>
-                        </a:spcBef>
-                        <a:spcAft>
-                          <a:spcPts val="0"/>
-                        </a:spcAft>
-                        <a:buClrTx/>
-                        <a:buSzTx/>
-                        <a:buFontTx/>
-                        <a:buNone/>
-                        <a:tabLst/>
-                        <a:defRPr/>
-                      </a:pPr>
-                      <a:endParaRPr lang="en-US" sz="1800" b="1" dirty="0">
-                        <a:solidFill>
-                          <a:schemeClr val="bg1"/>
-                        </a:solidFill>
+                      <a:endParaRPr lang="en-US" sz="1600" dirty="0">
+                        <a:latin typeface="Arial" panose="020B0604020202020204" pitchFamily="34" charset="0"/>
+                        <a:cs typeface="Arial" panose="020B0604020202020204" pitchFamily="34" charset="0"/>
                       </a:endParaRPr>
                     </a:p>
                   </a:txBody>
@@ -6045,164 +5790,67 @@
                 </a:tc>
                 <a:extLst>
                   <a:ext uri="{0D108BD9-81ED-4DB2-BD59-A6C34878D82A}">
-                    <a16:rowId xmlns:a16="http://schemas.microsoft.com/office/drawing/2014/main" val="4018415531"/>
+                    <a16:rowId xmlns:a16="http://schemas.microsoft.com/office/drawing/2014/main" val="1419841272"/>
                   </a:ext>
                 </a:extLst>
               </a:tr>
-              <a:tr h="528502">
+              <a:tr h="906003">
                 <a:tc>
                   <a:txBody>
                     <a:bodyPr/>
                     <a:lstStyle/>
                     <a:p>
-                      <a:endParaRPr lang="en-US" dirty="0"/>
+                      <a:endParaRPr lang="en-US" sz="1600" dirty="0">
+                        <a:latin typeface="Arial" panose="020B0604020202020204" pitchFamily="34" charset="0"/>
+                        <a:cs typeface="Arial" panose="020B0604020202020204" pitchFamily="34" charset="0"/>
+                      </a:endParaRPr>
                     </a:p>
                   </a:txBody>
                   <a:tcPr anchor="ctr"/>
                 </a:tc>
                 <a:extLst>
                   <a:ext uri="{0D108BD9-81ED-4DB2-BD59-A6C34878D82A}">
-                    <a16:rowId xmlns:a16="http://schemas.microsoft.com/office/drawing/2014/main" val="3700941418"/>
+                    <a16:rowId xmlns:a16="http://schemas.microsoft.com/office/drawing/2014/main" val="2024070648"/>
                   </a:ext>
                 </a:extLst>
               </a:tr>
-              <a:tr h="528502">
+              <a:tr h="906004">
                 <a:tc>
                   <a:txBody>
                     <a:bodyPr/>
                     <a:lstStyle/>
                     <a:p>
-                      <a:endParaRPr lang="en-US" dirty="0"/>
+                      <a:endParaRPr lang="en-US" sz="1600" dirty="0">
+                        <a:latin typeface="Arial" panose="020B0604020202020204" pitchFamily="34" charset="0"/>
+                        <a:cs typeface="Arial" panose="020B0604020202020204" pitchFamily="34" charset="0"/>
+                      </a:endParaRPr>
                     </a:p>
                   </a:txBody>
                   <a:tcPr anchor="ctr"/>
                 </a:tc>
                 <a:extLst>
                   <a:ext uri="{0D108BD9-81ED-4DB2-BD59-A6C34878D82A}">
-                    <a16:rowId xmlns:a16="http://schemas.microsoft.com/office/drawing/2014/main" val="2418010639"/>
+                    <a16:rowId xmlns:a16="http://schemas.microsoft.com/office/drawing/2014/main" val="3991051907"/>
                   </a:ext>
                 </a:extLst>
               </a:tr>
-              <a:tr h="528502">
+              <a:tr h="906003">
                 <a:tc>
                   <a:txBody>
                     <a:bodyPr/>
                     <a:lstStyle/>
                     <a:p>
-                      <a:endParaRPr lang="en-US" dirty="0"/>
+                      <a:endParaRPr lang="en-US" sz="1600" dirty="0">
+                        <a:latin typeface="Arial" panose="020B0604020202020204" pitchFamily="34" charset="0"/>
+                        <a:cs typeface="Arial" panose="020B0604020202020204" pitchFamily="34" charset="0"/>
+                      </a:endParaRPr>
                     </a:p>
                   </a:txBody>
                   <a:tcPr anchor="ctr"/>
                 </a:tc>
                 <a:extLst>
                   <a:ext uri="{0D108BD9-81ED-4DB2-BD59-A6C34878D82A}">
-                    <a16:rowId xmlns:a16="http://schemas.microsoft.com/office/drawing/2014/main" val="310207697"/>
-                  </a:ext>
-                </a:extLst>
-              </a:tr>
-              <a:tr h="528502">
-                <a:tc>
-                  <a:txBody>
-                    <a:bodyPr/>
-                    <a:lstStyle/>
-                    <a:p>
-                      <a:pPr marL="0" marR="0" lvl="0" indent="0" algn="ctr" defTabSz="914400" rtl="0" eaLnBrk="1" fontAlgn="auto" latinLnBrk="0" hangingPunct="1">
-                        <a:lnSpc>
-                          <a:spcPct val="100000"/>
-                        </a:lnSpc>
-                        <a:spcBef>
-                          <a:spcPts val="0"/>
-                        </a:spcBef>
-                        <a:spcAft>
-                          <a:spcPts val="0"/>
-                        </a:spcAft>
-                        <a:buClrTx/>
-                        <a:buSzTx/>
-                        <a:buFontTx/>
-                        <a:buNone/>
-                        <a:tabLst/>
-                        <a:defRPr/>
-                      </a:pPr>
-                      <a:endParaRPr lang="en-US" sz="1400" b="1" dirty="0">
-                        <a:solidFill>
-                          <a:schemeClr val="bg1"/>
-                        </a:solidFill>
-                      </a:endParaRPr>
-                    </a:p>
-                  </a:txBody>
-                  <a:tcPr anchor="ctr"/>
-                </a:tc>
-                <a:extLst>
-                  <a:ext uri="{0D108BD9-81ED-4DB2-BD59-A6C34878D82A}">
-                    <a16:rowId xmlns:a16="http://schemas.microsoft.com/office/drawing/2014/main" val="3489648274"/>
-                  </a:ext>
-                </a:extLst>
-              </a:tr>
-              <a:tr h="528502">
-                <a:tc>
-                  <a:txBody>
-                    <a:bodyPr/>
-                    <a:lstStyle/>
-                    <a:p>
-                      <a:endParaRPr lang="en-US" dirty="0"/>
-                    </a:p>
-                  </a:txBody>
-                  <a:tcPr anchor="ctr"/>
-                </a:tc>
-                <a:extLst>
-                  <a:ext uri="{0D108BD9-81ED-4DB2-BD59-A6C34878D82A}">
-                    <a16:rowId xmlns:a16="http://schemas.microsoft.com/office/drawing/2014/main" val="1674683212"/>
-                  </a:ext>
-                </a:extLst>
-              </a:tr>
-              <a:tr h="528502">
-                <a:tc>
-                  <a:txBody>
-                    <a:bodyPr/>
-                    <a:lstStyle/>
-                    <a:p>
-                      <a:endParaRPr lang="en-US" dirty="0"/>
-                    </a:p>
-                  </a:txBody>
-                  <a:tcPr anchor="ctr"/>
-                </a:tc>
-                <a:extLst>
-                  <a:ext uri="{0D108BD9-81ED-4DB2-BD59-A6C34878D82A}">
-                    <a16:rowId xmlns:a16="http://schemas.microsoft.com/office/drawing/2014/main" val="2850333499"/>
-                  </a:ext>
-                </a:extLst>
-              </a:tr>
-              <a:tr h="528502">
-                <a:tc>
-                  <a:txBody>
-                    <a:bodyPr/>
-                    <a:lstStyle/>
-                    <a:p>
-                      <a:endParaRPr lang="en-US" dirty="0"/>
-                    </a:p>
-                  </a:txBody>
-                  <a:tcPr anchor="ctr"/>
-                </a:tc>
-                <a:extLst>
-                  <a:ext uri="{0D108BD9-81ED-4DB2-BD59-A6C34878D82A}">
-                    <a16:rowId xmlns:a16="http://schemas.microsoft.com/office/drawing/2014/main" val="2361760766"/>
-                  </a:ext>
-                </a:extLst>
-              </a:tr>
-              <a:tr h="528502">
-                <a:tc>
-                  <a:txBody>
-                    <a:bodyPr/>
-                    <a:lstStyle/>
-                    <a:p>
-                      <a:endParaRPr lang="en-US" dirty="0"/>
-                    </a:p>
-                  </a:txBody>
-                  <a:tcPr anchor="ctr"/>
-                </a:tc>
-                <a:extLst>
-                  <a:ext uri="{0D108BD9-81ED-4DB2-BD59-A6C34878D82A}">
-                    <a16:rowId xmlns:a16="http://schemas.microsoft.com/office/drawing/2014/main" val="1410224058"/>
+                    <a16:rowId xmlns:a16="http://schemas.microsoft.com/office/drawing/2014/main" val="2673844980"/>
                   </a:ext>
                 </a:extLst>
               </a:tr>
@@ -6255,14 +5903,14 @@
           <p:nvPr>
             <p:extLst>
               <p:ext uri="{D42A27DB-BD31-4B8C-83A1-F6EECF244321}">
-                <p14:modId xmlns:p14="http://schemas.microsoft.com/office/powerpoint/2010/main" val="4126793448"/>
+                <p14:modId xmlns:p14="http://schemas.microsoft.com/office/powerpoint/2010/main" val="83055761"/>
               </p:ext>
             </p:extLst>
           </p:nvPr>
         </p:nvGraphicFramePr>
         <p:xfrm>
           <a:off x="0" y="-25054"/>
-          <a:ext cx="12204192" cy="6858007"/>
+          <a:ext cx="12204192" cy="6883055"/>
         </p:xfrm>
         <a:graphic>
           <a:graphicData uri="http://schemas.openxmlformats.org/drawingml/2006/table">
@@ -6271,14 +5919,14 @@
                 <a:tableStyleId>{72833802-FEF1-4C79-8D5D-14CF1EAF98D9}</a:tableStyleId>
               </a:tblPr>
               <a:tblGrid>
-                <a:gridCol w="2079321">
+                <a:gridCol w="1815548">
                   <a:extLst>
                     <a:ext uri="{9D8B030D-6E8A-4147-A177-3AD203B41FA5}">
                       <a16:colId xmlns:a16="http://schemas.microsoft.com/office/drawing/2014/main" val="3409782081"/>
                     </a:ext>
                   </a:extLst>
                 </a:gridCol>
-                <a:gridCol w="7784007">
+                <a:gridCol w="8047780">
                   <a:extLst>
                     <a:ext uri="{9D8B030D-6E8A-4147-A177-3AD203B41FA5}">
                       <a16:colId xmlns:a16="http://schemas.microsoft.com/office/drawing/2014/main" val="1209773232"/>
@@ -6293,7 +5941,7 @@
                   </a:extLst>
                 </a:gridCol>
               </a:tblGrid>
-              <a:tr h="590217">
+              <a:tr h="592373">
                 <a:tc>
                   <a:txBody>
                     <a:bodyPr/>
@@ -6360,20 +6008,20 @@
                   </a:ext>
                 </a:extLst>
               </a:tr>
-              <a:tr h="402299">
-                <a:tc rowSpan="8">
+              <a:tr h="1048447">
+                <a:tc rowSpan="3">
                   <a:txBody>
                     <a:bodyPr/>
                     <a:lstStyle/>
                     <a:p>
                       <a:r>
-                        <a:rPr lang="sr-Latn-RS" sz="2400" dirty="0">
+                        <a:rPr lang="sr-Latn-RS" sz="2000" dirty="0">
                           <a:latin typeface="Arial" panose="020B0604020202020204" pitchFamily="34" charset="0"/>
                           <a:cs typeface="Arial" panose="020B0604020202020204" pitchFamily="34" charset="0"/>
                         </a:rPr>
                         <a:t>Član 1</a:t>
                       </a:r>
-                      <a:endParaRPr lang="en-US" sz="2400" dirty="0">
+                      <a:endParaRPr lang="en-US" sz="2000" dirty="0">
                         <a:latin typeface="Arial" panose="020B0604020202020204" pitchFamily="34" charset="0"/>
                         <a:cs typeface="Arial" panose="020B0604020202020204" pitchFamily="34" charset="0"/>
                       </a:endParaRPr>
@@ -6386,20 +6034,20 @@
                     <a:bodyPr/>
                     <a:lstStyle/>
                     <a:p>
-                      <a:endParaRPr lang="en-US" sz="1800" dirty="0">
-                        <a:latin typeface="Arial" panose="020B0604020202020204" pitchFamily="34" charset="0"/>
-                        <a:cs typeface="Arial" panose="020B0604020202020204" pitchFamily="34" charset="0"/>
-                      </a:endParaRPr>
-                    </a:p>
-                  </a:txBody>
-                  <a:tcPr anchor="ctr"/>
-                </a:tc>
-                <a:tc>
-                  <a:txBody>
-                    <a:bodyPr/>
-                    <a:lstStyle/>
-                    <a:p>
-                      <a:endParaRPr lang="en-US" sz="1800" dirty="0">
+                      <a:endParaRPr lang="en-US" sz="1600" dirty="0">
+                        <a:latin typeface="Arial" panose="020B0604020202020204" pitchFamily="34" charset="0"/>
+                        <a:cs typeface="Arial" panose="020B0604020202020204" pitchFamily="34" charset="0"/>
+                      </a:endParaRPr>
+                    </a:p>
+                  </a:txBody>
+                  <a:tcPr anchor="ctr"/>
+                </a:tc>
+                <a:tc rowSpan="3">
+                  <a:txBody>
+                    <a:bodyPr/>
+                    <a:lstStyle/>
+                    <a:p>
+                      <a:endParaRPr lang="en-US" sz="1600" dirty="0">
                         <a:latin typeface="Arial" panose="020B0604020202020204" pitchFamily="34" charset="0"/>
                         <a:cs typeface="Arial" panose="020B0604020202020204" pitchFamily="34" charset="0"/>
                       </a:endParaRPr>
@@ -6413,7 +6061,7 @@
                   </a:ext>
                 </a:extLst>
               </a:tr>
-              <a:tr h="402300">
+              <a:tr h="1048447">
                 <a:tc vMerge="1">
                   <a:txBody>
                     <a:bodyPr/>
@@ -6429,101 +6077,15 @@
                     <a:bodyPr/>
                     <a:lstStyle/>
                     <a:p>
-                      <a:endParaRPr lang="en-US" sz="1800" dirty="0">
-                        <a:latin typeface="Arial" panose="020B0604020202020204" pitchFamily="34" charset="0"/>
-                        <a:cs typeface="Arial" panose="020B0604020202020204" pitchFamily="34" charset="0"/>
-                      </a:endParaRPr>
-                    </a:p>
-                  </a:txBody>
-                  <a:tcPr anchor="ctr"/>
-                </a:tc>
-                <a:tc>
-                  <a:txBody>
-                    <a:bodyPr/>
-                    <a:lstStyle/>
-                    <a:p>
-                      <a:endParaRPr lang="en-US" sz="1800" dirty="0">
-                        <a:latin typeface="Arial" panose="020B0604020202020204" pitchFamily="34" charset="0"/>
-                        <a:cs typeface="Arial" panose="020B0604020202020204" pitchFamily="34" charset="0"/>
-                      </a:endParaRPr>
-                    </a:p>
-                  </a:txBody>
-                  <a:tcPr anchor="ctr"/>
-                </a:tc>
-                <a:extLst>
-                  <a:ext uri="{0D108BD9-81ED-4DB2-BD59-A6C34878D82A}">
-                    <a16:rowId xmlns:a16="http://schemas.microsoft.com/office/drawing/2014/main" val="741495083"/>
-                  </a:ext>
-                </a:extLst>
-              </a:tr>
-              <a:tr h="402300">
+                      <a:endParaRPr lang="en-US" sz="1600" dirty="0">
+                        <a:latin typeface="Arial" panose="020B0604020202020204" pitchFamily="34" charset="0"/>
+                        <a:cs typeface="Arial" panose="020B0604020202020204" pitchFamily="34" charset="0"/>
+                      </a:endParaRPr>
+                    </a:p>
+                  </a:txBody>
+                  <a:tcPr anchor="ctr"/>
+                </a:tc>
                 <a:tc vMerge="1">
-                  <a:txBody>
-                    <a:bodyPr/>
-                    <a:lstStyle/>
-                    <a:p>
-                      <a:endParaRPr lang="en-US"/>
-                    </a:p>
-                  </a:txBody>
-                  <a:tcPr/>
-                </a:tc>
-                <a:tc>
-                  <a:txBody>
-                    <a:bodyPr/>
-                    <a:lstStyle/>
-                    <a:p>
-                      <a:endParaRPr lang="en-US" sz="1800" dirty="0">
-                        <a:latin typeface="Arial" panose="020B0604020202020204" pitchFamily="34" charset="0"/>
-                        <a:cs typeface="Arial" panose="020B0604020202020204" pitchFamily="34" charset="0"/>
-                      </a:endParaRPr>
-                    </a:p>
-                  </a:txBody>
-                  <a:tcPr anchor="ctr"/>
-                </a:tc>
-                <a:tc>
-                  <a:txBody>
-                    <a:bodyPr/>
-                    <a:lstStyle/>
-                    <a:p>
-                      <a:endParaRPr lang="en-US" sz="1800" dirty="0">
-                        <a:latin typeface="Arial" panose="020B0604020202020204" pitchFamily="34" charset="0"/>
-                        <a:cs typeface="Arial" panose="020B0604020202020204" pitchFamily="34" charset="0"/>
-                      </a:endParaRPr>
-                    </a:p>
-                  </a:txBody>
-                  <a:tcPr anchor="ctr"/>
-                </a:tc>
-                <a:extLst>
-                  <a:ext uri="{0D108BD9-81ED-4DB2-BD59-A6C34878D82A}">
-                    <a16:rowId xmlns:a16="http://schemas.microsoft.com/office/drawing/2014/main" val="407375999"/>
-                  </a:ext>
-                </a:extLst>
-              </a:tr>
-              <a:tr h="402299">
-                <a:tc vMerge="1">
-                  <a:txBody>
-                    <a:bodyPr/>
-                    <a:lstStyle/>
-                    <a:p>
-                      <a:endParaRPr lang="en-US"/>
-                    </a:p>
-                  </a:txBody>
-                  <a:tcPr/>
-                </a:tc>
-                <a:tc>
-                  <a:txBody>
-                    <a:bodyPr/>
-                    <a:lstStyle/>
-                    <a:p>
-                      <a:endParaRPr lang="en-US" sz="1800" dirty="0">
-                        <a:latin typeface="Arial" panose="020B0604020202020204" pitchFamily="34" charset="0"/>
-                        <a:cs typeface="Arial" panose="020B0604020202020204" pitchFamily="34" charset="0"/>
-                      </a:endParaRPr>
-                    </a:p>
-                  </a:txBody>
-                  <a:tcPr anchor="ctr"/>
-                </a:tc>
-                <a:tc>
                   <a:txBody>
                     <a:bodyPr/>
                     <a:lstStyle/>
@@ -6542,146 +6104,31 @@
                   </a:ext>
                 </a:extLst>
               </a:tr>
-              <a:tr h="388216">
+              <a:tr h="1048447">
                 <a:tc vMerge="1">
                   <a:txBody>
                     <a:bodyPr/>
                     <a:lstStyle/>
                     <a:p>
-                      <a:r>
-                        <a:rPr lang="sr-Latn-RS" sz="2400" dirty="0">
-                          <a:latin typeface="Arial" panose="020B0604020202020204" pitchFamily="34" charset="0"/>
-                          <a:cs typeface="Arial" panose="020B0604020202020204" pitchFamily="34" charset="0"/>
-                        </a:rPr>
-                        <a:t>Član 2</a:t>
-                      </a:r>
-                      <a:endParaRPr lang="en-US" sz="2400" dirty="0">
-                        <a:latin typeface="Arial" panose="020B0604020202020204" pitchFamily="34" charset="0"/>
-                        <a:cs typeface="Arial" panose="020B0604020202020204" pitchFamily="34" charset="0"/>
-                      </a:endParaRPr>
-                    </a:p>
-                  </a:txBody>
-                  <a:tcPr anchor="ctr">
-                    <a:lnT w="12700" cap="flat" cmpd="sng" algn="ctr">
-                      <a:solidFill>
-                        <a:schemeClr val="tx1"/>
-                      </a:solidFill>
-                      <a:prstDash val="solid"/>
-                      <a:round/>
-                      <a:headEnd type="none" w="med" len="med"/>
-                      <a:tailEnd type="none" w="med" len="med"/>
-                    </a:lnT>
-                    <a:lnB w="12700" cap="flat" cmpd="sng" algn="ctr">
-                      <a:solidFill>
-                        <a:schemeClr val="tx1"/>
-                      </a:solidFill>
-                      <a:prstDash val="solid"/>
-                      <a:round/>
-                      <a:headEnd type="none" w="med" len="med"/>
-                      <a:tailEnd type="none" w="med" len="med"/>
-                    </a:lnB>
-                  </a:tcPr>
+                      <a:endParaRPr lang="en-US"/>
+                    </a:p>
+                  </a:txBody>
+                  <a:tcPr/>
                 </a:tc>
                 <a:tc>
                   <a:txBody>
                     <a:bodyPr/>
                     <a:lstStyle/>
                     <a:p>
-                      <a:endParaRPr lang="en-US" sz="1800" dirty="0">
-                        <a:latin typeface="Arial" panose="020B0604020202020204" pitchFamily="34" charset="0"/>
-                        <a:cs typeface="Arial" panose="020B0604020202020204" pitchFamily="34" charset="0"/>
-                      </a:endParaRPr>
-                    </a:p>
-                  </a:txBody>
-                  <a:tcPr anchor="ctr"/>
-                </a:tc>
-                <a:tc>
-                  <a:txBody>
-                    <a:bodyPr/>
-                    <a:lstStyle/>
-                    <a:p>
-                      <a:endParaRPr lang="en-US" sz="1800" dirty="0">
-                        <a:latin typeface="Arial" panose="020B0604020202020204" pitchFamily="34" charset="0"/>
-                        <a:cs typeface="Arial" panose="020B0604020202020204" pitchFamily="34" charset="0"/>
-                      </a:endParaRPr>
-                    </a:p>
-                  </a:txBody>
-                  <a:tcPr anchor="ctr"/>
-                </a:tc>
-                <a:extLst>
-                  <a:ext uri="{0D108BD9-81ED-4DB2-BD59-A6C34878D82A}">
-                    <a16:rowId xmlns:a16="http://schemas.microsoft.com/office/drawing/2014/main" val="3953925865"/>
-                  </a:ext>
-                </a:extLst>
-              </a:tr>
-              <a:tr h="388216">
+                      <a:endParaRPr lang="en-US" sz="1600" dirty="0">
+                        <a:latin typeface="Arial" panose="020B0604020202020204" pitchFamily="34" charset="0"/>
+                        <a:cs typeface="Arial" panose="020B0604020202020204" pitchFamily="34" charset="0"/>
+                      </a:endParaRPr>
+                    </a:p>
+                  </a:txBody>
+                  <a:tcPr anchor="ctr"/>
+                </a:tc>
                 <a:tc vMerge="1">
-                  <a:txBody>
-                    <a:bodyPr/>
-                    <a:lstStyle/>
-                    <a:p>
-                      <a:endParaRPr lang="en-US"/>
-                    </a:p>
-                  </a:txBody>
-                  <a:tcPr/>
-                </a:tc>
-                <a:tc>
-                  <a:txBody>
-                    <a:bodyPr/>
-                    <a:lstStyle/>
-                    <a:p>
-                      <a:endParaRPr lang="en-US" sz="1800" dirty="0">
-                        <a:latin typeface="Arial" panose="020B0604020202020204" pitchFamily="34" charset="0"/>
-                        <a:cs typeface="Arial" panose="020B0604020202020204" pitchFamily="34" charset="0"/>
-                      </a:endParaRPr>
-                    </a:p>
-                  </a:txBody>
-                  <a:tcPr anchor="ctr"/>
-                </a:tc>
-                <a:tc>
-                  <a:txBody>
-                    <a:bodyPr/>
-                    <a:lstStyle/>
-                    <a:p>
-                      <a:endParaRPr lang="en-US" sz="1800" dirty="0">
-                        <a:latin typeface="Arial" panose="020B0604020202020204" pitchFamily="34" charset="0"/>
-                        <a:cs typeface="Arial" panose="020B0604020202020204" pitchFamily="34" charset="0"/>
-                      </a:endParaRPr>
-                    </a:p>
-                  </a:txBody>
-                  <a:tcPr anchor="ctr"/>
-                </a:tc>
-                <a:extLst>
-                  <a:ext uri="{0D108BD9-81ED-4DB2-BD59-A6C34878D82A}">
-                    <a16:rowId xmlns:a16="http://schemas.microsoft.com/office/drawing/2014/main" val="4196659394"/>
-                  </a:ext>
-                </a:extLst>
-              </a:tr>
-              <a:tr h="388216">
-                <a:tc vMerge="1">
-                  <a:txBody>
-                    <a:bodyPr/>
-                    <a:lstStyle/>
-                    <a:p>
-                      <a:endParaRPr lang="en-US"/>
-                    </a:p>
-                  </a:txBody>
-                  <a:tcPr/>
-                </a:tc>
-                <a:tc>
-                  <a:txBody>
-                    <a:bodyPr/>
-                    <a:lstStyle/>
-                    <a:p>
-                      <a:endParaRPr lang="en-US" sz="1800" dirty="0">
-                        <a:latin typeface="Arial" panose="020B0604020202020204" pitchFamily="34" charset="0"/>
-                        <a:cs typeface="Arial" panose="020B0604020202020204" pitchFamily="34" charset="0"/>
-                      </a:endParaRPr>
-                    </a:p>
-                  </a:txBody>
-                  <a:tcPr anchor="ctr"/>
-                </a:tc>
-                <a:tc>
                   <a:txBody>
                     <a:bodyPr/>
                     <a:lstStyle/>
@@ -6700,63 +6147,20 @@
                   </a:ext>
                 </a:extLst>
               </a:tr>
-              <a:tr h="388216">
-                <a:tc vMerge="1">
-                  <a:txBody>
-                    <a:bodyPr/>
-                    <a:lstStyle/>
-                    <a:p>
-                      <a:endParaRPr lang="en-US"/>
-                    </a:p>
-                  </a:txBody>
-                  <a:tcPr/>
-                </a:tc>
-                <a:tc>
-                  <a:txBody>
-                    <a:bodyPr/>
-                    <a:lstStyle/>
-                    <a:p>
-                      <a:endParaRPr lang="en-US" sz="1800" dirty="0">
-                        <a:latin typeface="Arial" panose="020B0604020202020204" pitchFamily="34" charset="0"/>
-                        <a:cs typeface="Arial" panose="020B0604020202020204" pitchFamily="34" charset="0"/>
-                      </a:endParaRPr>
-                    </a:p>
-                  </a:txBody>
-                  <a:tcPr anchor="ctr"/>
-                </a:tc>
-                <a:tc>
-                  <a:txBody>
-                    <a:bodyPr/>
-                    <a:lstStyle/>
-                    <a:p>
-                      <a:endParaRPr lang="en-US" sz="1800" dirty="0">
-                        <a:latin typeface="Arial" panose="020B0604020202020204" pitchFamily="34" charset="0"/>
-                        <a:cs typeface="Arial" panose="020B0604020202020204" pitchFamily="34" charset="0"/>
-                      </a:endParaRPr>
-                    </a:p>
-                  </a:txBody>
-                  <a:tcPr anchor="ctr"/>
-                </a:tc>
-                <a:extLst>
-                  <a:ext uri="{0D108BD9-81ED-4DB2-BD59-A6C34878D82A}">
-                    <a16:rowId xmlns:a16="http://schemas.microsoft.com/office/drawing/2014/main" val="1164770248"/>
-                  </a:ext>
-                </a:extLst>
-              </a:tr>
-              <a:tr h="388216">
-                <a:tc rowSpan="8">
+              <a:tr h="1048447">
+                <a:tc rowSpan="3">
                   <a:txBody>
                     <a:bodyPr/>
                     <a:lstStyle/>
                     <a:p>
                       <a:r>
-                        <a:rPr lang="sr-Latn-RS" sz="2400" dirty="0">
+                        <a:rPr lang="sr-Latn-RS" sz="2000" dirty="0">
                           <a:latin typeface="Arial" panose="020B0604020202020204" pitchFamily="34" charset="0"/>
                           <a:cs typeface="Arial" panose="020B0604020202020204" pitchFamily="34" charset="0"/>
                         </a:rPr>
                         <a:t>Član 2</a:t>
                       </a:r>
-                      <a:endParaRPr lang="en-US" sz="2400" dirty="0">
+                      <a:endParaRPr lang="en-US" sz="2000" dirty="0">
                         <a:latin typeface="Arial" panose="020B0604020202020204" pitchFamily="34" charset="0"/>
                         <a:cs typeface="Arial" panose="020B0604020202020204" pitchFamily="34" charset="0"/>
                       </a:endParaRPr>
@@ -6769,20 +6173,20 @@
                     <a:bodyPr/>
                     <a:lstStyle/>
                     <a:p>
-                      <a:endParaRPr lang="en-US" sz="1800" dirty="0">
-                        <a:latin typeface="Arial" panose="020B0604020202020204" pitchFamily="34" charset="0"/>
-                        <a:cs typeface="Arial" panose="020B0604020202020204" pitchFamily="34" charset="0"/>
-                      </a:endParaRPr>
-                    </a:p>
-                  </a:txBody>
-                  <a:tcPr anchor="ctr"/>
-                </a:tc>
-                <a:tc>
-                  <a:txBody>
-                    <a:bodyPr/>
-                    <a:lstStyle/>
-                    <a:p>
-                      <a:endParaRPr lang="en-US" sz="1800" dirty="0">
+                      <a:endParaRPr lang="en-US" sz="1600" dirty="0">
+                        <a:latin typeface="Arial" panose="020B0604020202020204" pitchFamily="34" charset="0"/>
+                        <a:cs typeface="Arial" panose="020B0604020202020204" pitchFamily="34" charset="0"/>
+                      </a:endParaRPr>
+                    </a:p>
+                  </a:txBody>
+                  <a:tcPr anchor="ctr"/>
+                </a:tc>
+                <a:tc rowSpan="3">
+                  <a:txBody>
+                    <a:bodyPr/>
+                    <a:lstStyle/>
+                    <a:p>
+                      <a:endParaRPr lang="en-US" sz="1600" dirty="0">
                         <a:latin typeface="Arial" panose="020B0604020202020204" pitchFamily="34" charset="0"/>
                         <a:cs typeface="Arial" panose="020B0604020202020204" pitchFamily="34" charset="0"/>
                       </a:endParaRPr>
@@ -6796,7 +6200,7 @@
                   </a:ext>
                 </a:extLst>
               </a:tr>
-              <a:tr h="388216">
+              <a:tr h="1048447">
                 <a:tc vMerge="1">
                   <a:txBody>
                     <a:bodyPr/>
@@ -6812,15 +6216,15 @@
                     <a:bodyPr/>
                     <a:lstStyle/>
                     <a:p>
-                      <a:endParaRPr lang="en-US" sz="1800" dirty="0">
-                        <a:latin typeface="Arial" panose="020B0604020202020204" pitchFamily="34" charset="0"/>
-                        <a:cs typeface="Arial" panose="020B0604020202020204" pitchFamily="34" charset="0"/>
-                      </a:endParaRPr>
-                    </a:p>
-                  </a:txBody>
-                  <a:tcPr anchor="ctr"/>
-                </a:tc>
-                <a:tc>
+                      <a:endParaRPr lang="en-US" sz="1600" dirty="0">
+                        <a:latin typeface="Arial" panose="020B0604020202020204" pitchFamily="34" charset="0"/>
+                        <a:cs typeface="Arial" panose="020B0604020202020204" pitchFamily="34" charset="0"/>
+                      </a:endParaRPr>
+                    </a:p>
+                  </a:txBody>
+                  <a:tcPr anchor="ctr"/>
+                </a:tc>
+                <a:tc vMerge="1">
                   <a:txBody>
                     <a:bodyPr/>
                     <a:lstStyle/>
@@ -6839,7 +6243,7 @@
                   </a:ext>
                 </a:extLst>
               </a:tr>
-              <a:tr h="388216">
+              <a:tr h="1048447">
                 <a:tc vMerge="1">
                   <a:txBody>
                     <a:bodyPr/>
@@ -6855,250 +6259,15 @@
                     <a:bodyPr/>
                     <a:lstStyle/>
                     <a:p>
-                      <a:endParaRPr lang="en-US" sz="1800" dirty="0">
-                        <a:latin typeface="Arial" panose="020B0604020202020204" pitchFamily="34" charset="0"/>
-                        <a:cs typeface="Arial" panose="020B0604020202020204" pitchFamily="34" charset="0"/>
-                      </a:endParaRPr>
-                    </a:p>
-                  </a:txBody>
-                  <a:tcPr anchor="ctr"/>
-                </a:tc>
-                <a:tc>
-                  <a:txBody>
-                    <a:bodyPr/>
-                    <a:lstStyle/>
-                    <a:p>
-                      <a:endParaRPr lang="en-US" sz="1800" dirty="0">
-                        <a:latin typeface="Arial" panose="020B0604020202020204" pitchFamily="34" charset="0"/>
-                        <a:cs typeface="Arial" panose="020B0604020202020204" pitchFamily="34" charset="0"/>
-                      </a:endParaRPr>
-                    </a:p>
-                  </a:txBody>
-                  <a:tcPr anchor="ctr"/>
-                </a:tc>
-                <a:extLst>
-                  <a:ext uri="{0D108BD9-81ED-4DB2-BD59-A6C34878D82A}">
-                    <a16:rowId xmlns:a16="http://schemas.microsoft.com/office/drawing/2014/main" val="894306909"/>
-                  </a:ext>
-                </a:extLst>
-              </a:tr>
-              <a:tr h="388216">
+                      <a:endParaRPr lang="en-US" sz="1600" dirty="0">
+                        <a:latin typeface="Arial" panose="020B0604020202020204" pitchFamily="34" charset="0"/>
+                        <a:cs typeface="Arial" panose="020B0604020202020204" pitchFamily="34" charset="0"/>
+                      </a:endParaRPr>
+                    </a:p>
+                  </a:txBody>
+                  <a:tcPr anchor="ctr"/>
+                </a:tc>
                 <a:tc vMerge="1">
-                  <a:txBody>
-                    <a:bodyPr/>
-                    <a:lstStyle/>
-                    <a:p>
-                      <a:endParaRPr lang="en-US"/>
-                    </a:p>
-                  </a:txBody>
-                  <a:tcPr/>
-                </a:tc>
-                <a:tc>
-                  <a:txBody>
-                    <a:bodyPr/>
-                    <a:lstStyle/>
-                    <a:p>
-                      <a:endParaRPr lang="en-US" sz="1800" dirty="0">
-                        <a:latin typeface="Arial" panose="020B0604020202020204" pitchFamily="34" charset="0"/>
-                        <a:cs typeface="Arial" panose="020B0604020202020204" pitchFamily="34" charset="0"/>
-                      </a:endParaRPr>
-                    </a:p>
-                  </a:txBody>
-                  <a:tcPr anchor="ctr"/>
-                </a:tc>
-                <a:tc>
-                  <a:txBody>
-                    <a:bodyPr/>
-                    <a:lstStyle/>
-                    <a:p>
-                      <a:endParaRPr lang="en-US" sz="1800" dirty="0">
-                        <a:latin typeface="Arial" panose="020B0604020202020204" pitchFamily="34" charset="0"/>
-                        <a:cs typeface="Arial" panose="020B0604020202020204" pitchFamily="34" charset="0"/>
-                      </a:endParaRPr>
-                    </a:p>
-                  </a:txBody>
-                  <a:tcPr anchor="ctr"/>
-                </a:tc>
-                <a:extLst>
-                  <a:ext uri="{0D108BD9-81ED-4DB2-BD59-A6C34878D82A}">
-                    <a16:rowId xmlns:a16="http://schemas.microsoft.com/office/drawing/2014/main" val="2002167997"/>
-                  </a:ext>
-                </a:extLst>
-              </a:tr>
-              <a:tr h="388216">
-                <a:tc vMerge="1">
-                  <a:txBody>
-                    <a:bodyPr/>
-                    <a:lstStyle/>
-                    <a:p>
-                      <a:r>
-                        <a:rPr lang="sr-Latn-RS" sz="2400" dirty="0">
-                          <a:latin typeface="Arial" panose="020B0604020202020204" pitchFamily="34" charset="0"/>
-                          <a:cs typeface="Arial" panose="020B0604020202020204" pitchFamily="34" charset="0"/>
-                        </a:rPr>
-                        <a:t>Član 4</a:t>
-                      </a:r>
-                      <a:endParaRPr lang="en-US" sz="2400" dirty="0">
-                        <a:latin typeface="Arial" panose="020B0604020202020204" pitchFamily="34" charset="0"/>
-                        <a:cs typeface="Arial" panose="020B0604020202020204" pitchFamily="34" charset="0"/>
-                      </a:endParaRPr>
-                    </a:p>
-                  </a:txBody>
-                  <a:tcPr anchor="ctr">
-                    <a:lnT w="12700" cap="flat" cmpd="sng" algn="ctr">
-                      <a:solidFill>
-                        <a:schemeClr val="tx1"/>
-                      </a:solidFill>
-                      <a:prstDash val="solid"/>
-                      <a:round/>
-                      <a:headEnd type="none" w="med" len="med"/>
-                      <a:tailEnd type="none" w="med" len="med"/>
-                    </a:lnT>
-                  </a:tcPr>
-                </a:tc>
-                <a:tc>
-                  <a:txBody>
-                    <a:bodyPr/>
-                    <a:lstStyle/>
-                    <a:p>
-                      <a:endParaRPr lang="en-US" sz="1800" dirty="0">
-                        <a:latin typeface="Arial" panose="020B0604020202020204" pitchFamily="34" charset="0"/>
-                        <a:cs typeface="Arial" panose="020B0604020202020204" pitchFamily="34" charset="0"/>
-                      </a:endParaRPr>
-                    </a:p>
-                  </a:txBody>
-                  <a:tcPr anchor="ctr"/>
-                </a:tc>
-                <a:tc>
-                  <a:txBody>
-                    <a:bodyPr/>
-                    <a:lstStyle/>
-                    <a:p>
-                      <a:endParaRPr lang="en-US" sz="1800" dirty="0">
-                        <a:latin typeface="Arial" panose="020B0604020202020204" pitchFamily="34" charset="0"/>
-                        <a:cs typeface="Arial" panose="020B0604020202020204" pitchFamily="34" charset="0"/>
-                      </a:endParaRPr>
-                    </a:p>
-                  </a:txBody>
-                  <a:tcPr anchor="ctr"/>
-                </a:tc>
-                <a:extLst>
-                  <a:ext uri="{0D108BD9-81ED-4DB2-BD59-A6C34878D82A}">
-                    <a16:rowId xmlns:a16="http://schemas.microsoft.com/office/drawing/2014/main" val="2258469179"/>
-                  </a:ext>
-                </a:extLst>
-              </a:tr>
-              <a:tr h="388216">
-                <a:tc vMerge="1">
-                  <a:txBody>
-                    <a:bodyPr/>
-                    <a:lstStyle/>
-                    <a:p>
-                      <a:endParaRPr lang="en-US"/>
-                    </a:p>
-                  </a:txBody>
-                  <a:tcPr/>
-                </a:tc>
-                <a:tc>
-                  <a:txBody>
-                    <a:bodyPr/>
-                    <a:lstStyle/>
-                    <a:p>
-                      <a:endParaRPr lang="en-US" sz="1800" dirty="0">
-                        <a:latin typeface="Arial" panose="020B0604020202020204" pitchFamily="34" charset="0"/>
-                        <a:cs typeface="Arial" panose="020B0604020202020204" pitchFamily="34" charset="0"/>
-                      </a:endParaRPr>
-                    </a:p>
-                  </a:txBody>
-                  <a:tcPr anchor="ctr"/>
-                </a:tc>
-                <a:tc>
-                  <a:txBody>
-                    <a:bodyPr/>
-                    <a:lstStyle/>
-                    <a:p>
-                      <a:endParaRPr lang="en-US" sz="1800" dirty="0">
-                        <a:latin typeface="Arial" panose="020B0604020202020204" pitchFamily="34" charset="0"/>
-                        <a:cs typeface="Arial" panose="020B0604020202020204" pitchFamily="34" charset="0"/>
-                      </a:endParaRPr>
-                    </a:p>
-                  </a:txBody>
-                  <a:tcPr anchor="ctr"/>
-                </a:tc>
-                <a:extLst>
-                  <a:ext uri="{0D108BD9-81ED-4DB2-BD59-A6C34878D82A}">
-                    <a16:rowId xmlns:a16="http://schemas.microsoft.com/office/drawing/2014/main" val="3385457170"/>
-                  </a:ext>
-                </a:extLst>
-              </a:tr>
-              <a:tr h="388216">
-                <a:tc vMerge="1">
-                  <a:txBody>
-                    <a:bodyPr/>
-                    <a:lstStyle/>
-                    <a:p>
-                      <a:endParaRPr lang="en-US"/>
-                    </a:p>
-                  </a:txBody>
-                  <a:tcPr/>
-                </a:tc>
-                <a:tc>
-                  <a:txBody>
-                    <a:bodyPr/>
-                    <a:lstStyle/>
-                    <a:p>
-                      <a:endParaRPr lang="en-US" sz="1800" dirty="0">
-                        <a:latin typeface="Arial" panose="020B0604020202020204" pitchFamily="34" charset="0"/>
-                        <a:cs typeface="Arial" panose="020B0604020202020204" pitchFamily="34" charset="0"/>
-                      </a:endParaRPr>
-                    </a:p>
-                  </a:txBody>
-                  <a:tcPr anchor="ctr"/>
-                </a:tc>
-                <a:tc>
-                  <a:txBody>
-                    <a:bodyPr/>
-                    <a:lstStyle/>
-                    <a:p>
-                      <a:endParaRPr lang="en-US" sz="1800" dirty="0">
-                        <a:latin typeface="Arial" panose="020B0604020202020204" pitchFamily="34" charset="0"/>
-                        <a:cs typeface="Arial" panose="020B0604020202020204" pitchFamily="34" charset="0"/>
-                      </a:endParaRPr>
-                    </a:p>
-                  </a:txBody>
-                  <a:tcPr anchor="ctr"/>
-                </a:tc>
-                <a:extLst>
-                  <a:ext uri="{0D108BD9-81ED-4DB2-BD59-A6C34878D82A}">
-                    <a16:rowId xmlns:a16="http://schemas.microsoft.com/office/drawing/2014/main" val="1285668822"/>
-                  </a:ext>
-                </a:extLst>
-              </a:tr>
-              <a:tr h="388216">
-                <a:tc vMerge="1">
-                  <a:txBody>
-                    <a:bodyPr/>
-                    <a:lstStyle/>
-                    <a:p>
-                      <a:endParaRPr lang="en-US"/>
-                    </a:p>
-                  </a:txBody>
-                  <a:tcPr/>
-                </a:tc>
-                <a:tc>
-                  <a:txBody>
-                    <a:bodyPr/>
-                    <a:lstStyle/>
-                    <a:p>
-                      <a:endParaRPr lang="en-US" sz="1800" dirty="0">
-                        <a:latin typeface="Arial" panose="020B0604020202020204" pitchFamily="34" charset="0"/>
-                        <a:cs typeface="Arial" panose="020B0604020202020204" pitchFamily="34" charset="0"/>
-                      </a:endParaRPr>
-                    </a:p>
-                  </a:txBody>
-                  <a:tcPr anchor="ctr"/>
-                </a:tc>
-                <a:tc>
                   <a:txBody>
                     <a:bodyPr/>
                     <a:lstStyle/>
@@ -7166,14 +6335,14 @@
           <p:nvPr>
             <p:extLst>
               <p:ext uri="{D42A27DB-BD31-4B8C-83A1-F6EECF244321}">
-                <p14:modId xmlns:p14="http://schemas.microsoft.com/office/powerpoint/2010/main" val="2304455598"/>
+                <p14:modId xmlns:p14="http://schemas.microsoft.com/office/powerpoint/2010/main" val="4157440004"/>
               </p:ext>
             </p:extLst>
           </p:nvPr>
         </p:nvGraphicFramePr>
         <p:xfrm>
           <a:off x="0" y="-25054"/>
-          <a:ext cx="12204192" cy="6858007"/>
+          <a:ext cx="12204192" cy="6883055"/>
         </p:xfrm>
         <a:graphic>
           <a:graphicData uri="http://schemas.openxmlformats.org/drawingml/2006/table">
@@ -7182,14 +6351,14 @@
                 <a:tableStyleId>{72833802-FEF1-4C79-8D5D-14CF1EAF98D9}</a:tableStyleId>
               </a:tblPr>
               <a:tblGrid>
-                <a:gridCol w="2079321">
+                <a:gridCol w="1815548">
                   <a:extLst>
                     <a:ext uri="{9D8B030D-6E8A-4147-A177-3AD203B41FA5}">
                       <a16:colId xmlns:a16="http://schemas.microsoft.com/office/drawing/2014/main" val="3409782081"/>
                     </a:ext>
                   </a:extLst>
                 </a:gridCol>
-                <a:gridCol w="7784007">
+                <a:gridCol w="8047780">
                   <a:extLst>
                     <a:ext uri="{9D8B030D-6E8A-4147-A177-3AD203B41FA5}">
                       <a16:colId xmlns:a16="http://schemas.microsoft.com/office/drawing/2014/main" val="1209773232"/>
@@ -7204,7 +6373,7 @@
                   </a:extLst>
                 </a:gridCol>
               </a:tblGrid>
-              <a:tr h="590217">
+              <a:tr h="592373">
                 <a:tc>
                   <a:txBody>
                     <a:bodyPr/>
@@ -7271,26 +6440,23 @@
                   </a:ext>
                 </a:extLst>
               </a:tr>
-              <a:tr h="402299">
-                <a:tc rowSpan="8">
+              <a:tr h="1048447">
+                <a:tc rowSpan="3">
                   <a:txBody>
                     <a:bodyPr/>
                     <a:lstStyle/>
                     <a:p>
                       <a:r>
-                        <a:rPr lang="sr-Latn-RS" sz="2400" dirty="0">
+                        <a:rPr lang="sr-Latn-RS" sz="2000" dirty="0">
                           <a:latin typeface="Arial" panose="020B0604020202020204" pitchFamily="34" charset="0"/>
                           <a:cs typeface="Arial" panose="020B0604020202020204" pitchFamily="34" charset="0"/>
                         </a:rPr>
-                        <a:t>Član </a:t>
+                        <a:t>Član 3</a:t>
                       </a:r>
-                      <a:r>
-                        <a:rPr lang="en-US" sz="2400" dirty="0">
-                          <a:latin typeface="Arial" panose="020B0604020202020204" pitchFamily="34" charset="0"/>
-                          <a:cs typeface="Arial" panose="020B0604020202020204" pitchFamily="34" charset="0"/>
-                        </a:rPr>
-                        <a:t>3</a:t>
-                      </a:r>
+                      <a:endParaRPr lang="en-US" sz="2000" dirty="0">
+                        <a:latin typeface="Arial" panose="020B0604020202020204" pitchFamily="34" charset="0"/>
+                        <a:cs typeface="Arial" panose="020B0604020202020204" pitchFamily="34" charset="0"/>
+                      </a:endParaRPr>
                     </a:p>
                   </a:txBody>
                   <a:tcPr anchor="ctr"/>
@@ -7300,20 +6466,20 @@
                     <a:bodyPr/>
                     <a:lstStyle/>
                     <a:p>
-                      <a:endParaRPr lang="en-US" sz="1800" dirty="0">
-                        <a:latin typeface="Arial" panose="020B0604020202020204" pitchFamily="34" charset="0"/>
-                        <a:cs typeface="Arial" panose="020B0604020202020204" pitchFamily="34" charset="0"/>
-                      </a:endParaRPr>
-                    </a:p>
-                  </a:txBody>
-                  <a:tcPr anchor="ctr"/>
-                </a:tc>
-                <a:tc>
-                  <a:txBody>
-                    <a:bodyPr/>
-                    <a:lstStyle/>
-                    <a:p>
-                      <a:endParaRPr lang="en-US" sz="1800" dirty="0">
+                      <a:endParaRPr lang="en-US" sz="1600" dirty="0">
+                        <a:latin typeface="Arial" panose="020B0604020202020204" pitchFamily="34" charset="0"/>
+                        <a:cs typeface="Arial" panose="020B0604020202020204" pitchFamily="34" charset="0"/>
+                      </a:endParaRPr>
+                    </a:p>
+                  </a:txBody>
+                  <a:tcPr anchor="ctr"/>
+                </a:tc>
+                <a:tc rowSpan="3">
+                  <a:txBody>
+                    <a:bodyPr/>
+                    <a:lstStyle/>
+                    <a:p>
+                      <a:endParaRPr lang="en-US" sz="1600" dirty="0">
                         <a:latin typeface="Arial" panose="020B0604020202020204" pitchFamily="34" charset="0"/>
                         <a:cs typeface="Arial" panose="020B0604020202020204" pitchFamily="34" charset="0"/>
                       </a:endParaRPr>
@@ -7327,7 +6493,7 @@
                   </a:ext>
                 </a:extLst>
               </a:tr>
-              <a:tr h="402300">
+              <a:tr h="1048447">
                 <a:tc vMerge="1">
                   <a:txBody>
                     <a:bodyPr/>
@@ -7343,101 +6509,15 @@
                     <a:bodyPr/>
                     <a:lstStyle/>
                     <a:p>
-                      <a:endParaRPr lang="en-US" sz="1800" dirty="0">
-                        <a:latin typeface="Arial" panose="020B0604020202020204" pitchFamily="34" charset="0"/>
-                        <a:cs typeface="Arial" panose="020B0604020202020204" pitchFamily="34" charset="0"/>
-                      </a:endParaRPr>
-                    </a:p>
-                  </a:txBody>
-                  <a:tcPr anchor="ctr"/>
-                </a:tc>
-                <a:tc>
-                  <a:txBody>
-                    <a:bodyPr/>
-                    <a:lstStyle/>
-                    <a:p>
-                      <a:endParaRPr lang="en-US" sz="1800" dirty="0">
-                        <a:latin typeface="Arial" panose="020B0604020202020204" pitchFamily="34" charset="0"/>
-                        <a:cs typeface="Arial" panose="020B0604020202020204" pitchFamily="34" charset="0"/>
-                      </a:endParaRPr>
-                    </a:p>
-                  </a:txBody>
-                  <a:tcPr anchor="ctr"/>
-                </a:tc>
-                <a:extLst>
-                  <a:ext uri="{0D108BD9-81ED-4DB2-BD59-A6C34878D82A}">
-                    <a16:rowId xmlns:a16="http://schemas.microsoft.com/office/drawing/2014/main" val="741495083"/>
-                  </a:ext>
-                </a:extLst>
-              </a:tr>
-              <a:tr h="402300">
+                      <a:endParaRPr lang="en-US" sz="1600" dirty="0">
+                        <a:latin typeface="Arial" panose="020B0604020202020204" pitchFamily="34" charset="0"/>
+                        <a:cs typeface="Arial" panose="020B0604020202020204" pitchFamily="34" charset="0"/>
+                      </a:endParaRPr>
+                    </a:p>
+                  </a:txBody>
+                  <a:tcPr anchor="ctr"/>
+                </a:tc>
                 <a:tc vMerge="1">
-                  <a:txBody>
-                    <a:bodyPr/>
-                    <a:lstStyle/>
-                    <a:p>
-                      <a:endParaRPr lang="en-US"/>
-                    </a:p>
-                  </a:txBody>
-                  <a:tcPr/>
-                </a:tc>
-                <a:tc>
-                  <a:txBody>
-                    <a:bodyPr/>
-                    <a:lstStyle/>
-                    <a:p>
-                      <a:endParaRPr lang="en-US" sz="1800" dirty="0">
-                        <a:latin typeface="Arial" panose="020B0604020202020204" pitchFamily="34" charset="0"/>
-                        <a:cs typeface="Arial" panose="020B0604020202020204" pitchFamily="34" charset="0"/>
-                      </a:endParaRPr>
-                    </a:p>
-                  </a:txBody>
-                  <a:tcPr anchor="ctr"/>
-                </a:tc>
-                <a:tc>
-                  <a:txBody>
-                    <a:bodyPr/>
-                    <a:lstStyle/>
-                    <a:p>
-                      <a:endParaRPr lang="en-US" sz="1800" dirty="0">
-                        <a:latin typeface="Arial" panose="020B0604020202020204" pitchFamily="34" charset="0"/>
-                        <a:cs typeface="Arial" panose="020B0604020202020204" pitchFamily="34" charset="0"/>
-                      </a:endParaRPr>
-                    </a:p>
-                  </a:txBody>
-                  <a:tcPr anchor="ctr"/>
-                </a:tc>
-                <a:extLst>
-                  <a:ext uri="{0D108BD9-81ED-4DB2-BD59-A6C34878D82A}">
-                    <a16:rowId xmlns:a16="http://schemas.microsoft.com/office/drawing/2014/main" val="407375999"/>
-                  </a:ext>
-                </a:extLst>
-              </a:tr>
-              <a:tr h="402299">
-                <a:tc vMerge="1">
-                  <a:txBody>
-                    <a:bodyPr/>
-                    <a:lstStyle/>
-                    <a:p>
-                      <a:endParaRPr lang="en-US"/>
-                    </a:p>
-                  </a:txBody>
-                  <a:tcPr/>
-                </a:tc>
-                <a:tc>
-                  <a:txBody>
-                    <a:bodyPr/>
-                    <a:lstStyle/>
-                    <a:p>
-                      <a:endParaRPr lang="en-US" sz="1800" dirty="0">
-                        <a:latin typeface="Arial" panose="020B0604020202020204" pitchFamily="34" charset="0"/>
-                        <a:cs typeface="Arial" panose="020B0604020202020204" pitchFamily="34" charset="0"/>
-                      </a:endParaRPr>
-                    </a:p>
-                  </a:txBody>
-                  <a:tcPr anchor="ctr"/>
-                </a:tc>
-                <a:tc>
                   <a:txBody>
                     <a:bodyPr/>
                     <a:lstStyle/>
@@ -7456,146 +6536,31 @@
                   </a:ext>
                 </a:extLst>
               </a:tr>
-              <a:tr h="388216">
+              <a:tr h="1048447">
                 <a:tc vMerge="1">
                   <a:txBody>
                     <a:bodyPr/>
                     <a:lstStyle/>
                     <a:p>
-                      <a:r>
-                        <a:rPr lang="sr-Latn-RS" sz="2400" dirty="0">
-                          <a:latin typeface="Arial" panose="020B0604020202020204" pitchFamily="34" charset="0"/>
-                          <a:cs typeface="Arial" panose="020B0604020202020204" pitchFamily="34" charset="0"/>
-                        </a:rPr>
-                        <a:t>Član 2</a:t>
-                      </a:r>
-                      <a:endParaRPr lang="en-US" sz="2400" dirty="0">
-                        <a:latin typeface="Arial" panose="020B0604020202020204" pitchFamily="34" charset="0"/>
-                        <a:cs typeface="Arial" panose="020B0604020202020204" pitchFamily="34" charset="0"/>
-                      </a:endParaRPr>
-                    </a:p>
-                  </a:txBody>
-                  <a:tcPr anchor="ctr">
-                    <a:lnT w="12700" cap="flat" cmpd="sng" algn="ctr">
-                      <a:solidFill>
-                        <a:schemeClr val="tx1"/>
-                      </a:solidFill>
-                      <a:prstDash val="solid"/>
-                      <a:round/>
-                      <a:headEnd type="none" w="med" len="med"/>
-                      <a:tailEnd type="none" w="med" len="med"/>
-                    </a:lnT>
-                    <a:lnB w="12700" cap="flat" cmpd="sng" algn="ctr">
-                      <a:solidFill>
-                        <a:schemeClr val="tx1"/>
-                      </a:solidFill>
-                      <a:prstDash val="solid"/>
-                      <a:round/>
-                      <a:headEnd type="none" w="med" len="med"/>
-                      <a:tailEnd type="none" w="med" len="med"/>
-                    </a:lnB>
-                  </a:tcPr>
+                      <a:endParaRPr lang="en-US"/>
+                    </a:p>
+                  </a:txBody>
+                  <a:tcPr/>
                 </a:tc>
                 <a:tc>
                   <a:txBody>
                     <a:bodyPr/>
                     <a:lstStyle/>
                     <a:p>
-                      <a:endParaRPr lang="en-US" sz="1800" dirty="0">
-                        <a:latin typeface="Arial" panose="020B0604020202020204" pitchFamily="34" charset="0"/>
-                        <a:cs typeface="Arial" panose="020B0604020202020204" pitchFamily="34" charset="0"/>
-                      </a:endParaRPr>
-                    </a:p>
-                  </a:txBody>
-                  <a:tcPr anchor="ctr"/>
-                </a:tc>
-                <a:tc>
-                  <a:txBody>
-                    <a:bodyPr/>
-                    <a:lstStyle/>
-                    <a:p>
-                      <a:endParaRPr lang="en-US" sz="1800" dirty="0">
-                        <a:latin typeface="Arial" panose="020B0604020202020204" pitchFamily="34" charset="0"/>
-                        <a:cs typeface="Arial" panose="020B0604020202020204" pitchFamily="34" charset="0"/>
-                      </a:endParaRPr>
-                    </a:p>
-                  </a:txBody>
-                  <a:tcPr anchor="ctr"/>
-                </a:tc>
-                <a:extLst>
-                  <a:ext uri="{0D108BD9-81ED-4DB2-BD59-A6C34878D82A}">
-                    <a16:rowId xmlns:a16="http://schemas.microsoft.com/office/drawing/2014/main" val="3953925865"/>
-                  </a:ext>
-                </a:extLst>
-              </a:tr>
-              <a:tr h="388216">
+                      <a:endParaRPr lang="en-US" sz="1600" dirty="0">
+                        <a:latin typeface="Arial" panose="020B0604020202020204" pitchFamily="34" charset="0"/>
+                        <a:cs typeface="Arial" panose="020B0604020202020204" pitchFamily="34" charset="0"/>
+                      </a:endParaRPr>
+                    </a:p>
+                  </a:txBody>
+                  <a:tcPr anchor="ctr"/>
+                </a:tc>
                 <a:tc vMerge="1">
-                  <a:txBody>
-                    <a:bodyPr/>
-                    <a:lstStyle/>
-                    <a:p>
-                      <a:endParaRPr lang="en-US"/>
-                    </a:p>
-                  </a:txBody>
-                  <a:tcPr/>
-                </a:tc>
-                <a:tc>
-                  <a:txBody>
-                    <a:bodyPr/>
-                    <a:lstStyle/>
-                    <a:p>
-                      <a:endParaRPr lang="en-US" sz="1800" dirty="0">
-                        <a:latin typeface="Arial" panose="020B0604020202020204" pitchFamily="34" charset="0"/>
-                        <a:cs typeface="Arial" panose="020B0604020202020204" pitchFamily="34" charset="0"/>
-                      </a:endParaRPr>
-                    </a:p>
-                  </a:txBody>
-                  <a:tcPr anchor="ctr"/>
-                </a:tc>
-                <a:tc>
-                  <a:txBody>
-                    <a:bodyPr/>
-                    <a:lstStyle/>
-                    <a:p>
-                      <a:endParaRPr lang="en-US" sz="1800" dirty="0">
-                        <a:latin typeface="Arial" panose="020B0604020202020204" pitchFamily="34" charset="0"/>
-                        <a:cs typeface="Arial" panose="020B0604020202020204" pitchFamily="34" charset="0"/>
-                      </a:endParaRPr>
-                    </a:p>
-                  </a:txBody>
-                  <a:tcPr anchor="ctr"/>
-                </a:tc>
-                <a:extLst>
-                  <a:ext uri="{0D108BD9-81ED-4DB2-BD59-A6C34878D82A}">
-                    <a16:rowId xmlns:a16="http://schemas.microsoft.com/office/drawing/2014/main" val="4196659394"/>
-                  </a:ext>
-                </a:extLst>
-              </a:tr>
-              <a:tr h="388216">
-                <a:tc vMerge="1">
-                  <a:txBody>
-                    <a:bodyPr/>
-                    <a:lstStyle/>
-                    <a:p>
-                      <a:endParaRPr lang="en-US"/>
-                    </a:p>
-                  </a:txBody>
-                  <a:tcPr/>
-                </a:tc>
-                <a:tc>
-                  <a:txBody>
-                    <a:bodyPr/>
-                    <a:lstStyle/>
-                    <a:p>
-                      <a:endParaRPr lang="en-US" sz="1800" dirty="0">
-                        <a:latin typeface="Arial" panose="020B0604020202020204" pitchFamily="34" charset="0"/>
-                        <a:cs typeface="Arial" panose="020B0604020202020204" pitchFamily="34" charset="0"/>
-                      </a:endParaRPr>
-                    </a:p>
-                  </a:txBody>
-                  <a:tcPr anchor="ctr"/>
-                </a:tc>
-                <a:tc>
                   <a:txBody>
                     <a:bodyPr/>
                     <a:lstStyle/>
@@ -7614,69 +6579,23 @@
                   </a:ext>
                 </a:extLst>
               </a:tr>
-              <a:tr h="388216">
-                <a:tc vMerge="1">
-                  <a:txBody>
-                    <a:bodyPr/>
-                    <a:lstStyle/>
-                    <a:p>
-                      <a:endParaRPr lang="en-US"/>
-                    </a:p>
-                  </a:txBody>
-                  <a:tcPr/>
-                </a:tc>
-                <a:tc>
-                  <a:txBody>
-                    <a:bodyPr/>
-                    <a:lstStyle/>
-                    <a:p>
-                      <a:endParaRPr lang="en-US" sz="1800" dirty="0">
-                        <a:latin typeface="Arial" panose="020B0604020202020204" pitchFamily="34" charset="0"/>
-                        <a:cs typeface="Arial" panose="020B0604020202020204" pitchFamily="34" charset="0"/>
-                      </a:endParaRPr>
-                    </a:p>
-                  </a:txBody>
-                  <a:tcPr anchor="ctr"/>
-                </a:tc>
-                <a:tc>
-                  <a:txBody>
-                    <a:bodyPr/>
-                    <a:lstStyle/>
-                    <a:p>
-                      <a:endParaRPr lang="en-US" sz="1800" dirty="0">
-                        <a:latin typeface="Arial" panose="020B0604020202020204" pitchFamily="34" charset="0"/>
-                        <a:cs typeface="Arial" panose="020B0604020202020204" pitchFamily="34" charset="0"/>
-                      </a:endParaRPr>
-                    </a:p>
-                  </a:txBody>
-                  <a:tcPr anchor="ctr"/>
-                </a:tc>
-                <a:extLst>
-                  <a:ext uri="{0D108BD9-81ED-4DB2-BD59-A6C34878D82A}">
-                    <a16:rowId xmlns:a16="http://schemas.microsoft.com/office/drawing/2014/main" val="1164770248"/>
-                  </a:ext>
-                </a:extLst>
-              </a:tr>
-              <a:tr h="388216">
-                <a:tc rowSpan="8">
+              <a:tr h="1048447">
+                <a:tc rowSpan="3">
                   <a:txBody>
                     <a:bodyPr/>
                     <a:lstStyle/>
                     <a:p>
                       <a:r>
-                        <a:rPr lang="sr-Latn-RS" sz="2400" dirty="0">
+                        <a:rPr lang="sr-Latn-RS" sz="2000" dirty="0">
                           <a:latin typeface="Arial" panose="020B0604020202020204" pitchFamily="34" charset="0"/>
                           <a:cs typeface="Arial" panose="020B0604020202020204" pitchFamily="34" charset="0"/>
                         </a:rPr>
-                        <a:t>Član </a:t>
+                        <a:t>Član 4</a:t>
                       </a:r>
-                      <a:r>
-                        <a:rPr lang="en-US" sz="2400" dirty="0">
-                          <a:latin typeface="Arial" panose="020B0604020202020204" pitchFamily="34" charset="0"/>
-                          <a:cs typeface="Arial" panose="020B0604020202020204" pitchFamily="34" charset="0"/>
-                        </a:rPr>
-                        <a:t>4</a:t>
-                      </a:r>
+                      <a:endParaRPr lang="en-US" sz="2000" dirty="0">
+                        <a:latin typeface="Arial" panose="020B0604020202020204" pitchFamily="34" charset="0"/>
+                        <a:cs typeface="Arial" panose="020B0604020202020204" pitchFamily="34" charset="0"/>
+                      </a:endParaRPr>
                     </a:p>
                   </a:txBody>
                   <a:tcPr anchor="ctr"/>
@@ -7686,20 +6605,20 @@
                     <a:bodyPr/>
                     <a:lstStyle/>
                     <a:p>
-                      <a:endParaRPr lang="en-US" sz="1800" dirty="0">
-                        <a:latin typeface="Arial" panose="020B0604020202020204" pitchFamily="34" charset="0"/>
-                        <a:cs typeface="Arial" panose="020B0604020202020204" pitchFamily="34" charset="0"/>
-                      </a:endParaRPr>
-                    </a:p>
-                  </a:txBody>
-                  <a:tcPr anchor="ctr"/>
-                </a:tc>
-                <a:tc>
-                  <a:txBody>
-                    <a:bodyPr/>
-                    <a:lstStyle/>
-                    <a:p>
-                      <a:endParaRPr lang="en-US" sz="1800" dirty="0">
+                      <a:endParaRPr lang="en-US" sz="1600" dirty="0">
+                        <a:latin typeface="Arial" panose="020B0604020202020204" pitchFamily="34" charset="0"/>
+                        <a:cs typeface="Arial" panose="020B0604020202020204" pitchFamily="34" charset="0"/>
+                      </a:endParaRPr>
+                    </a:p>
+                  </a:txBody>
+                  <a:tcPr anchor="ctr"/>
+                </a:tc>
+                <a:tc rowSpan="3">
+                  <a:txBody>
+                    <a:bodyPr/>
+                    <a:lstStyle/>
+                    <a:p>
+                      <a:endParaRPr lang="en-US" sz="1600" dirty="0">
                         <a:latin typeface="Arial" panose="020B0604020202020204" pitchFamily="34" charset="0"/>
                         <a:cs typeface="Arial" panose="020B0604020202020204" pitchFamily="34" charset="0"/>
                       </a:endParaRPr>
@@ -7713,7 +6632,7 @@
                   </a:ext>
                 </a:extLst>
               </a:tr>
-              <a:tr h="388216">
+              <a:tr h="1048447">
                 <a:tc vMerge="1">
                   <a:txBody>
                     <a:bodyPr/>
@@ -7729,15 +6648,15 @@
                     <a:bodyPr/>
                     <a:lstStyle/>
                     <a:p>
-                      <a:endParaRPr lang="en-US" sz="1800" dirty="0">
-                        <a:latin typeface="Arial" panose="020B0604020202020204" pitchFamily="34" charset="0"/>
-                        <a:cs typeface="Arial" panose="020B0604020202020204" pitchFamily="34" charset="0"/>
-                      </a:endParaRPr>
-                    </a:p>
-                  </a:txBody>
-                  <a:tcPr anchor="ctr"/>
-                </a:tc>
-                <a:tc>
+                      <a:endParaRPr lang="en-US" sz="1600" dirty="0">
+                        <a:latin typeface="Arial" panose="020B0604020202020204" pitchFamily="34" charset="0"/>
+                        <a:cs typeface="Arial" panose="020B0604020202020204" pitchFamily="34" charset="0"/>
+                      </a:endParaRPr>
+                    </a:p>
+                  </a:txBody>
+                  <a:tcPr anchor="ctr"/>
+                </a:tc>
+                <a:tc vMerge="1">
                   <a:txBody>
                     <a:bodyPr/>
                     <a:lstStyle/>
@@ -7756,7 +6675,7 @@
                   </a:ext>
                 </a:extLst>
               </a:tr>
-              <a:tr h="388216">
+              <a:tr h="1048447">
                 <a:tc vMerge="1">
                   <a:txBody>
                     <a:bodyPr/>
@@ -7772,250 +6691,15 @@
                     <a:bodyPr/>
                     <a:lstStyle/>
                     <a:p>
-                      <a:endParaRPr lang="en-US" sz="1800" dirty="0">
-                        <a:latin typeface="Arial" panose="020B0604020202020204" pitchFamily="34" charset="0"/>
-                        <a:cs typeface="Arial" panose="020B0604020202020204" pitchFamily="34" charset="0"/>
-                      </a:endParaRPr>
-                    </a:p>
-                  </a:txBody>
-                  <a:tcPr anchor="ctr"/>
-                </a:tc>
-                <a:tc>
-                  <a:txBody>
-                    <a:bodyPr/>
-                    <a:lstStyle/>
-                    <a:p>
-                      <a:endParaRPr lang="en-US" sz="1800" dirty="0">
-                        <a:latin typeface="Arial" panose="020B0604020202020204" pitchFamily="34" charset="0"/>
-                        <a:cs typeface="Arial" panose="020B0604020202020204" pitchFamily="34" charset="0"/>
-                      </a:endParaRPr>
-                    </a:p>
-                  </a:txBody>
-                  <a:tcPr anchor="ctr"/>
-                </a:tc>
-                <a:extLst>
-                  <a:ext uri="{0D108BD9-81ED-4DB2-BD59-A6C34878D82A}">
-                    <a16:rowId xmlns:a16="http://schemas.microsoft.com/office/drawing/2014/main" val="894306909"/>
-                  </a:ext>
-                </a:extLst>
-              </a:tr>
-              <a:tr h="388216">
+                      <a:endParaRPr lang="en-US" sz="1600" dirty="0">
+                        <a:latin typeface="Arial" panose="020B0604020202020204" pitchFamily="34" charset="0"/>
+                        <a:cs typeface="Arial" panose="020B0604020202020204" pitchFamily="34" charset="0"/>
+                      </a:endParaRPr>
+                    </a:p>
+                  </a:txBody>
+                  <a:tcPr anchor="ctr"/>
+                </a:tc>
                 <a:tc vMerge="1">
-                  <a:txBody>
-                    <a:bodyPr/>
-                    <a:lstStyle/>
-                    <a:p>
-                      <a:endParaRPr lang="en-US"/>
-                    </a:p>
-                  </a:txBody>
-                  <a:tcPr/>
-                </a:tc>
-                <a:tc>
-                  <a:txBody>
-                    <a:bodyPr/>
-                    <a:lstStyle/>
-                    <a:p>
-                      <a:endParaRPr lang="en-US" sz="1800" dirty="0">
-                        <a:latin typeface="Arial" panose="020B0604020202020204" pitchFamily="34" charset="0"/>
-                        <a:cs typeface="Arial" panose="020B0604020202020204" pitchFamily="34" charset="0"/>
-                      </a:endParaRPr>
-                    </a:p>
-                  </a:txBody>
-                  <a:tcPr anchor="ctr"/>
-                </a:tc>
-                <a:tc>
-                  <a:txBody>
-                    <a:bodyPr/>
-                    <a:lstStyle/>
-                    <a:p>
-                      <a:endParaRPr lang="en-US" sz="1800" dirty="0">
-                        <a:latin typeface="Arial" panose="020B0604020202020204" pitchFamily="34" charset="0"/>
-                        <a:cs typeface="Arial" panose="020B0604020202020204" pitchFamily="34" charset="0"/>
-                      </a:endParaRPr>
-                    </a:p>
-                  </a:txBody>
-                  <a:tcPr anchor="ctr"/>
-                </a:tc>
-                <a:extLst>
-                  <a:ext uri="{0D108BD9-81ED-4DB2-BD59-A6C34878D82A}">
-                    <a16:rowId xmlns:a16="http://schemas.microsoft.com/office/drawing/2014/main" val="2002167997"/>
-                  </a:ext>
-                </a:extLst>
-              </a:tr>
-              <a:tr h="388216">
-                <a:tc vMerge="1">
-                  <a:txBody>
-                    <a:bodyPr/>
-                    <a:lstStyle/>
-                    <a:p>
-                      <a:r>
-                        <a:rPr lang="sr-Latn-RS" sz="2400" dirty="0">
-                          <a:latin typeface="Arial" panose="020B0604020202020204" pitchFamily="34" charset="0"/>
-                          <a:cs typeface="Arial" panose="020B0604020202020204" pitchFamily="34" charset="0"/>
-                        </a:rPr>
-                        <a:t>Član 4</a:t>
-                      </a:r>
-                      <a:endParaRPr lang="en-US" sz="2400" dirty="0">
-                        <a:latin typeface="Arial" panose="020B0604020202020204" pitchFamily="34" charset="0"/>
-                        <a:cs typeface="Arial" panose="020B0604020202020204" pitchFamily="34" charset="0"/>
-                      </a:endParaRPr>
-                    </a:p>
-                  </a:txBody>
-                  <a:tcPr anchor="ctr">
-                    <a:lnT w="12700" cap="flat" cmpd="sng" algn="ctr">
-                      <a:solidFill>
-                        <a:schemeClr val="tx1"/>
-                      </a:solidFill>
-                      <a:prstDash val="solid"/>
-                      <a:round/>
-                      <a:headEnd type="none" w="med" len="med"/>
-                      <a:tailEnd type="none" w="med" len="med"/>
-                    </a:lnT>
-                  </a:tcPr>
-                </a:tc>
-                <a:tc>
-                  <a:txBody>
-                    <a:bodyPr/>
-                    <a:lstStyle/>
-                    <a:p>
-                      <a:endParaRPr lang="en-US" sz="1800" dirty="0">
-                        <a:latin typeface="Arial" panose="020B0604020202020204" pitchFamily="34" charset="0"/>
-                        <a:cs typeface="Arial" panose="020B0604020202020204" pitchFamily="34" charset="0"/>
-                      </a:endParaRPr>
-                    </a:p>
-                  </a:txBody>
-                  <a:tcPr anchor="ctr"/>
-                </a:tc>
-                <a:tc>
-                  <a:txBody>
-                    <a:bodyPr/>
-                    <a:lstStyle/>
-                    <a:p>
-                      <a:endParaRPr lang="en-US" sz="1800" dirty="0">
-                        <a:latin typeface="Arial" panose="020B0604020202020204" pitchFamily="34" charset="0"/>
-                        <a:cs typeface="Arial" panose="020B0604020202020204" pitchFamily="34" charset="0"/>
-                      </a:endParaRPr>
-                    </a:p>
-                  </a:txBody>
-                  <a:tcPr anchor="ctr"/>
-                </a:tc>
-                <a:extLst>
-                  <a:ext uri="{0D108BD9-81ED-4DB2-BD59-A6C34878D82A}">
-                    <a16:rowId xmlns:a16="http://schemas.microsoft.com/office/drawing/2014/main" val="2258469179"/>
-                  </a:ext>
-                </a:extLst>
-              </a:tr>
-              <a:tr h="388216">
-                <a:tc vMerge="1">
-                  <a:txBody>
-                    <a:bodyPr/>
-                    <a:lstStyle/>
-                    <a:p>
-                      <a:endParaRPr lang="en-US"/>
-                    </a:p>
-                  </a:txBody>
-                  <a:tcPr/>
-                </a:tc>
-                <a:tc>
-                  <a:txBody>
-                    <a:bodyPr/>
-                    <a:lstStyle/>
-                    <a:p>
-                      <a:endParaRPr lang="en-US" sz="1800" dirty="0">
-                        <a:latin typeface="Arial" panose="020B0604020202020204" pitchFamily="34" charset="0"/>
-                        <a:cs typeface="Arial" panose="020B0604020202020204" pitchFamily="34" charset="0"/>
-                      </a:endParaRPr>
-                    </a:p>
-                  </a:txBody>
-                  <a:tcPr anchor="ctr"/>
-                </a:tc>
-                <a:tc>
-                  <a:txBody>
-                    <a:bodyPr/>
-                    <a:lstStyle/>
-                    <a:p>
-                      <a:endParaRPr lang="en-US" sz="1800" dirty="0">
-                        <a:latin typeface="Arial" panose="020B0604020202020204" pitchFamily="34" charset="0"/>
-                        <a:cs typeface="Arial" panose="020B0604020202020204" pitchFamily="34" charset="0"/>
-                      </a:endParaRPr>
-                    </a:p>
-                  </a:txBody>
-                  <a:tcPr anchor="ctr"/>
-                </a:tc>
-                <a:extLst>
-                  <a:ext uri="{0D108BD9-81ED-4DB2-BD59-A6C34878D82A}">
-                    <a16:rowId xmlns:a16="http://schemas.microsoft.com/office/drawing/2014/main" val="3385457170"/>
-                  </a:ext>
-                </a:extLst>
-              </a:tr>
-              <a:tr h="388216">
-                <a:tc vMerge="1">
-                  <a:txBody>
-                    <a:bodyPr/>
-                    <a:lstStyle/>
-                    <a:p>
-                      <a:endParaRPr lang="en-US"/>
-                    </a:p>
-                  </a:txBody>
-                  <a:tcPr/>
-                </a:tc>
-                <a:tc>
-                  <a:txBody>
-                    <a:bodyPr/>
-                    <a:lstStyle/>
-                    <a:p>
-                      <a:endParaRPr lang="en-US" sz="1800" dirty="0">
-                        <a:latin typeface="Arial" panose="020B0604020202020204" pitchFamily="34" charset="0"/>
-                        <a:cs typeface="Arial" panose="020B0604020202020204" pitchFamily="34" charset="0"/>
-                      </a:endParaRPr>
-                    </a:p>
-                  </a:txBody>
-                  <a:tcPr anchor="ctr"/>
-                </a:tc>
-                <a:tc>
-                  <a:txBody>
-                    <a:bodyPr/>
-                    <a:lstStyle/>
-                    <a:p>
-                      <a:endParaRPr lang="en-US" sz="1800" dirty="0">
-                        <a:latin typeface="Arial" panose="020B0604020202020204" pitchFamily="34" charset="0"/>
-                        <a:cs typeface="Arial" panose="020B0604020202020204" pitchFamily="34" charset="0"/>
-                      </a:endParaRPr>
-                    </a:p>
-                  </a:txBody>
-                  <a:tcPr anchor="ctr"/>
-                </a:tc>
-                <a:extLst>
-                  <a:ext uri="{0D108BD9-81ED-4DB2-BD59-A6C34878D82A}">
-                    <a16:rowId xmlns:a16="http://schemas.microsoft.com/office/drawing/2014/main" val="1285668822"/>
-                  </a:ext>
-                </a:extLst>
-              </a:tr>
-              <a:tr h="388216">
-                <a:tc vMerge="1">
-                  <a:txBody>
-                    <a:bodyPr/>
-                    <a:lstStyle/>
-                    <a:p>
-                      <a:endParaRPr lang="en-US"/>
-                    </a:p>
-                  </a:txBody>
-                  <a:tcPr/>
-                </a:tc>
-                <a:tc>
-                  <a:txBody>
-                    <a:bodyPr/>
-                    <a:lstStyle/>
-                    <a:p>
-                      <a:endParaRPr lang="en-US" sz="1800" dirty="0">
-                        <a:latin typeface="Arial" panose="020B0604020202020204" pitchFamily="34" charset="0"/>
-                        <a:cs typeface="Arial" panose="020B0604020202020204" pitchFamily="34" charset="0"/>
-                      </a:endParaRPr>
-                    </a:p>
-                  </a:txBody>
-                  <a:tcPr anchor="ctr"/>
-                </a:tc>
-                <a:tc>
                   <a:txBody>
                     <a:bodyPr/>
                     <a:lstStyle/>
@@ -8041,7 +6725,7 @@
     </p:spTree>
     <p:extLst>
       <p:ext uri="{BB962C8B-B14F-4D97-AF65-F5344CB8AC3E}">
-        <p14:creationId xmlns:p14="http://schemas.microsoft.com/office/powerpoint/2010/main" val="437451310"/>
+        <p14:creationId xmlns:p14="http://schemas.microsoft.com/office/powerpoint/2010/main" val="3104519731"/>
       </p:ext>
     </p:extLst>
   </p:cSld>
@@ -8083,14 +6767,14 @@
           <p:nvPr>
             <p:extLst>
               <p:ext uri="{D42A27DB-BD31-4B8C-83A1-F6EECF244321}">
-                <p14:modId xmlns:p14="http://schemas.microsoft.com/office/powerpoint/2010/main" val="3596118956"/>
+                <p14:modId xmlns:p14="http://schemas.microsoft.com/office/powerpoint/2010/main" val="764602904"/>
               </p:ext>
             </p:extLst>
           </p:nvPr>
         </p:nvGraphicFramePr>
         <p:xfrm>
           <a:off x="0" y="-25054"/>
-          <a:ext cx="12204192" cy="6858007"/>
+          <a:ext cx="12204192" cy="6883055"/>
         </p:xfrm>
         <a:graphic>
           <a:graphicData uri="http://schemas.openxmlformats.org/drawingml/2006/table">
@@ -8099,14 +6783,14 @@
                 <a:tableStyleId>{72833802-FEF1-4C79-8D5D-14CF1EAF98D9}</a:tableStyleId>
               </a:tblPr>
               <a:tblGrid>
-                <a:gridCol w="2079321">
+                <a:gridCol w="1815548">
                   <a:extLst>
                     <a:ext uri="{9D8B030D-6E8A-4147-A177-3AD203B41FA5}">
                       <a16:colId xmlns:a16="http://schemas.microsoft.com/office/drawing/2014/main" val="3409782081"/>
                     </a:ext>
                   </a:extLst>
                 </a:gridCol>
-                <a:gridCol w="7784007">
+                <a:gridCol w="8047780">
                   <a:extLst>
                     <a:ext uri="{9D8B030D-6E8A-4147-A177-3AD203B41FA5}">
                       <a16:colId xmlns:a16="http://schemas.microsoft.com/office/drawing/2014/main" val="1209773232"/>
@@ -8121,7 +6805,7 @@
                   </a:extLst>
                 </a:gridCol>
               </a:tblGrid>
-              <a:tr h="590217">
+              <a:tr h="592373">
                 <a:tc>
                   <a:txBody>
                     <a:bodyPr/>
@@ -8188,26 +6872,23 @@
                   </a:ext>
                 </a:extLst>
               </a:tr>
-              <a:tr h="402299">
-                <a:tc rowSpan="8">
+              <a:tr h="1048447">
+                <a:tc rowSpan="3">
                   <a:txBody>
                     <a:bodyPr/>
                     <a:lstStyle/>
                     <a:p>
                       <a:r>
-                        <a:rPr lang="sr-Latn-RS" sz="2400" dirty="0">
+                        <a:rPr lang="sr-Latn-RS" sz="2000" dirty="0">
                           <a:latin typeface="Arial" panose="020B0604020202020204" pitchFamily="34" charset="0"/>
                           <a:cs typeface="Arial" panose="020B0604020202020204" pitchFamily="34" charset="0"/>
                         </a:rPr>
-                        <a:t>Član </a:t>
+                        <a:t>Član 5</a:t>
                       </a:r>
-                      <a:r>
-                        <a:rPr lang="en-US" sz="2400" dirty="0">
-                          <a:latin typeface="Arial" panose="020B0604020202020204" pitchFamily="34" charset="0"/>
-                          <a:cs typeface="Arial" panose="020B0604020202020204" pitchFamily="34" charset="0"/>
-                        </a:rPr>
-                        <a:t>5</a:t>
-                      </a:r>
+                      <a:endParaRPr lang="en-US" sz="2000" dirty="0">
+                        <a:latin typeface="Arial" panose="020B0604020202020204" pitchFamily="34" charset="0"/>
+                        <a:cs typeface="Arial" panose="020B0604020202020204" pitchFamily="34" charset="0"/>
+                      </a:endParaRPr>
                     </a:p>
                   </a:txBody>
                   <a:tcPr anchor="ctr"/>
@@ -8217,20 +6898,20 @@
                     <a:bodyPr/>
                     <a:lstStyle/>
                     <a:p>
-                      <a:endParaRPr lang="en-US" sz="1800" dirty="0">
-                        <a:latin typeface="Arial" panose="020B0604020202020204" pitchFamily="34" charset="0"/>
-                        <a:cs typeface="Arial" panose="020B0604020202020204" pitchFamily="34" charset="0"/>
-                      </a:endParaRPr>
-                    </a:p>
-                  </a:txBody>
-                  <a:tcPr anchor="ctr"/>
-                </a:tc>
-                <a:tc>
-                  <a:txBody>
-                    <a:bodyPr/>
-                    <a:lstStyle/>
-                    <a:p>
-                      <a:endParaRPr lang="en-US" sz="1800" dirty="0">
+                      <a:endParaRPr lang="en-US" sz="1600" dirty="0">
+                        <a:latin typeface="Arial" panose="020B0604020202020204" pitchFamily="34" charset="0"/>
+                        <a:cs typeface="Arial" panose="020B0604020202020204" pitchFamily="34" charset="0"/>
+                      </a:endParaRPr>
+                    </a:p>
+                  </a:txBody>
+                  <a:tcPr anchor="ctr"/>
+                </a:tc>
+                <a:tc rowSpan="3">
+                  <a:txBody>
+                    <a:bodyPr/>
+                    <a:lstStyle/>
+                    <a:p>
+                      <a:endParaRPr lang="en-US" sz="1600" dirty="0">
                         <a:latin typeface="Arial" panose="020B0604020202020204" pitchFamily="34" charset="0"/>
                         <a:cs typeface="Arial" panose="020B0604020202020204" pitchFamily="34" charset="0"/>
                       </a:endParaRPr>
@@ -8244,7 +6925,7 @@
                   </a:ext>
                 </a:extLst>
               </a:tr>
-              <a:tr h="402300">
+              <a:tr h="1048447">
                 <a:tc vMerge="1">
                   <a:txBody>
                     <a:bodyPr/>
@@ -8260,101 +6941,15 @@
                     <a:bodyPr/>
                     <a:lstStyle/>
                     <a:p>
-                      <a:endParaRPr lang="en-US" sz="1800" dirty="0">
-                        <a:latin typeface="Arial" panose="020B0604020202020204" pitchFamily="34" charset="0"/>
-                        <a:cs typeface="Arial" panose="020B0604020202020204" pitchFamily="34" charset="0"/>
-                      </a:endParaRPr>
-                    </a:p>
-                  </a:txBody>
-                  <a:tcPr anchor="ctr"/>
-                </a:tc>
-                <a:tc>
-                  <a:txBody>
-                    <a:bodyPr/>
-                    <a:lstStyle/>
-                    <a:p>
-                      <a:endParaRPr lang="en-US" sz="1800" dirty="0">
-                        <a:latin typeface="Arial" panose="020B0604020202020204" pitchFamily="34" charset="0"/>
-                        <a:cs typeface="Arial" panose="020B0604020202020204" pitchFamily="34" charset="0"/>
-                      </a:endParaRPr>
-                    </a:p>
-                  </a:txBody>
-                  <a:tcPr anchor="ctr"/>
-                </a:tc>
-                <a:extLst>
-                  <a:ext uri="{0D108BD9-81ED-4DB2-BD59-A6C34878D82A}">
-                    <a16:rowId xmlns:a16="http://schemas.microsoft.com/office/drawing/2014/main" val="741495083"/>
-                  </a:ext>
-                </a:extLst>
-              </a:tr>
-              <a:tr h="402300">
+                      <a:endParaRPr lang="en-US" sz="1600" dirty="0">
+                        <a:latin typeface="Arial" panose="020B0604020202020204" pitchFamily="34" charset="0"/>
+                        <a:cs typeface="Arial" panose="020B0604020202020204" pitchFamily="34" charset="0"/>
+                      </a:endParaRPr>
+                    </a:p>
+                  </a:txBody>
+                  <a:tcPr anchor="ctr"/>
+                </a:tc>
                 <a:tc vMerge="1">
-                  <a:txBody>
-                    <a:bodyPr/>
-                    <a:lstStyle/>
-                    <a:p>
-                      <a:endParaRPr lang="en-US"/>
-                    </a:p>
-                  </a:txBody>
-                  <a:tcPr/>
-                </a:tc>
-                <a:tc>
-                  <a:txBody>
-                    <a:bodyPr/>
-                    <a:lstStyle/>
-                    <a:p>
-                      <a:endParaRPr lang="en-US" sz="1800" dirty="0">
-                        <a:latin typeface="Arial" panose="020B0604020202020204" pitchFamily="34" charset="0"/>
-                        <a:cs typeface="Arial" panose="020B0604020202020204" pitchFamily="34" charset="0"/>
-                      </a:endParaRPr>
-                    </a:p>
-                  </a:txBody>
-                  <a:tcPr anchor="ctr"/>
-                </a:tc>
-                <a:tc>
-                  <a:txBody>
-                    <a:bodyPr/>
-                    <a:lstStyle/>
-                    <a:p>
-                      <a:endParaRPr lang="en-US" sz="1800" dirty="0">
-                        <a:latin typeface="Arial" panose="020B0604020202020204" pitchFamily="34" charset="0"/>
-                        <a:cs typeface="Arial" panose="020B0604020202020204" pitchFamily="34" charset="0"/>
-                      </a:endParaRPr>
-                    </a:p>
-                  </a:txBody>
-                  <a:tcPr anchor="ctr"/>
-                </a:tc>
-                <a:extLst>
-                  <a:ext uri="{0D108BD9-81ED-4DB2-BD59-A6C34878D82A}">
-                    <a16:rowId xmlns:a16="http://schemas.microsoft.com/office/drawing/2014/main" val="407375999"/>
-                  </a:ext>
-                </a:extLst>
-              </a:tr>
-              <a:tr h="402299">
-                <a:tc vMerge="1">
-                  <a:txBody>
-                    <a:bodyPr/>
-                    <a:lstStyle/>
-                    <a:p>
-                      <a:endParaRPr lang="en-US"/>
-                    </a:p>
-                  </a:txBody>
-                  <a:tcPr/>
-                </a:tc>
-                <a:tc>
-                  <a:txBody>
-                    <a:bodyPr/>
-                    <a:lstStyle/>
-                    <a:p>
-                      <a:endParaRPr lang="en-US" sz="1800" dirty="0">
-                        <a:latin typeface="Arial" panose="020B0604020202020204" pitchFamily="34" charset="0"/>
-                        <a:cs typeface="Arial" panose="020B0604020202020204" pitchFamily="34" charset="0"/>
-                      </a:endParaRPr>
-                    </a:p>
-                  </a:txBody>
-                  <a:tcPr anchor="ctr"/>
-                </a:tc>
-                <a:tc>
                   <a:txBody>
                     <a:bodyPr/>
                     <a:lstStyle/>
@@ -8373,146 +6968,31 @@
                   </a:ext>
                 </a:extLst>
               </a:tr>
-              <a:tr h="388216">
+              <a:tr h="1048447">
                 <a:tc vMerge="1">
                   <a:txBody>
                     <a:bodyPr/>
                     <a:lstStyle/>
                     <a:p>
-                      <a:r>
-                        <a:rPr lang="sr-Latn-RS" sz="2400" dirty="0">
-                          <a:latin typeface="Arial" panose="020B0604020202020204" pitchFamily="34" charset="0"/>
-                          <a:cs typeface="Arial" panose="020B0604020202020204" pitchFamily="34" charset="0"/>
-                        </a:rPr>
-                        <a:t>Član 2</a:t>
-                      </a:r>
-                      <a:endParaRPr lang="en-US" sz="2400" dirty="0">
-                        <a:latin typeface="Arial" panose="020B0604020202020204" pitchFamily="34" charset="0"/>
-                        <a:cs typeface="Arial" panose="020B0604020202020204" pitchFamily="34" charset="0"/>
-                      </a:endParaRPr>
-                    </a:p>
-                  </a:txBody>
-                  <a:tcPr anchor="ctr">
-                    <a:lnT w="12700" cap="flat" cmpd="sng" algn="ctr">
-                      <a:solidFill>
-                        <a:schemeClr val="tx1"/>
-                      </a:solidFill>
-                      <a:prstDash val="solid"/>
-                      <a:round/>
-                      <a:headEnd type="none" w="med" len="med"/>
-                      <a:tailEnd type="none" w="med" len="med"/>
-                    </a:lnT>
-                    <a:lnB w="12700" cap="flat" cmpd="sng" algn="ctr">
-                      <a:solidFill>
-                        <a:schemeClr val="tx1"/>
-                      </a:solidFill>
-                      <a:prstDash val="solid"/>
-                      <a:round/>
-                      <a:headEnd type="none" w="med" len="med"/>
-                      <a:tailEnd type="none" w="med" len="med"/>
-                    </a:lnB>
-                  </a:tcPr>
+                      <a:endParaRPr lang="en-US"/>
+                    </a:p>
+                  </a:txBody>
+                  <a:tcPr/>
                 </a:tc>
                 <a:tc>
                   <a:txBody>
                     <a:bodyPr/>
                     <a:lstStyle/>
                     <a:p>
-                      <a:endParaRPr lang="en-US" sz="1800" dirty="0">
-                        <a:latin typeface="Arial" panose="020B0604020202020204" pitchFamily="34" charset="0"/>
-                        <a:cs typeface="Arial" panose="020B0604020202020204" pitchFamily="34" charset="0"/>
-                      </a:endParaRPr>
-                    </a:p>
-                  </a:txBody>
-                  <a:tcPr anchor="ctr"/>
-                </a:tc>
-                <a:tc>
-                  <a:txBody>
-                    <a:bodyPr/>
-                    <a:lstStyle/>
-                    <a:p>
-                      <a:endParaRPr lang="en-US" sz="1800" dirty="0">
-                        <a:latin typeface="Arial" panose="020B0604020202020204" pitchFamily="34" charset="0"/>
-                        <a:cs typeface="Arial" panose="020B0604020202020204" pitchFamily="34" charset="0"/>
-                      </a:endParaRPr>
-                    </a:p>
-                  </a:txBody>
-                  <a:tcPr anchor="ctr"/>
-                </a:tc>
-                <a:extLst>
-                  <a:ext uri="{0D108BD9-81ED-4DB2-BD59-A6C34878D82A}">
-                    <a16:rowId xmlns:a16="http://schemas.microsoft.com/office/drawing/2014/main" val="3953925865"/>
-                  </a:ext>
-                </a:extLst>
-              </a:tr>
-              <a:tr h="388216">
+                      <a:endParaRPr lang="en-US" sz="1600" dirty="0">
+                        <a:latin typeface="Arial" panose="020B0604020202020204" pitchFamily="34" charset="0"/>
+                        <a:cs typeface="Arial" panose="020B0604020202020204" pitchFamily="34" charset="0"/>
+                      </a:endParaRPr>
+                    </a:p>
+                  </a:txBody>
+                  <a:tcPr anchor="ctr"/>
+                </a:tc>
                 <a:tc vMerge="1">
-                  <a:txBody>
-                    <a:bodyPr/>
-                    <a:lstStyle/>
-                    <a:p>
-                      <a:endParaRPr lang="en-US"/>
-                    </a:p>
-                  </a:txBody>
-                  <a:tcPr/>
-                </a:tc>
-                <a:tc>
-                  <a:txBody>
-                    <a:bodyPr/>
-                    <a:lstStyle/>
-                    <a:p>
-                      <a:endParaRPr lang="en-US" sz="1800" dirty="0">
-                        <a:latin typeface="Arial" panose="020B0604020202020204" pitchFamily="34" charset="0"/>
-                        <a:cs typeface="Arial" panose="020B0604020202020204" pitchFamily="34" charset="0"/>
-                      </a:endParaRPr>
-                    </a:p>
-                  </a:txBody>
-                  <a:tcPr anchor="ctr"/>
-                </a:tc>
-                <a:tc>
-                  <a:txBody>
-                    <a:bodyPr/>
-                    <a:lstStyle/>
-                    <a:p>
-                      <a:endParaRPr lang="en-US" sz="1800" dirty="0">
-                        <a:latin typeface="Arial" panose="020B0604020202020204" pitchFamily="34" charset="0"/>
-                        <a:cs typeface="Arial" panose="020B0604020202020204" pitchFamily="34" charset="0"/>
-                      </a:endParaRPr>
-                    </a:p>
-                  </a:txBody>
-                  <a:tcPr anchor="ctr"/>
-                </a:tc>
-                <a:extLst>
-                  <a:ext uri="{0D108BD9-81ED-4DB2-BD59-A6C34878D82A}">
-                    <a16:rowId xmlns:a16="http://schemas.microsoft.com/office/drawing/2014/main" val="4196659394"/>
-                  </a:ext>
-                </a:extLst>
-              </a:tr>
-              <a:tr h="388216">
-                <a:tc vMerge="1">
-                  <a:txBody>
-                    <a:bodyPr/>
-                    <a:lstStyle/>
-                    <a:p>
-                      <a:endParaRPr lang="en-US"/>
-                    </a:p>
-                  </a:txBody>
-                  <a:tcPr/>
-                </a:tc>
-                <a:tc>
-                  <a:txBody>
-                    <a:bodyPr/>
-                    <a:lstStyle/>
-                    <a:p>
-                      <a:endParaRPr lang="en-US" sz="1800" dirty="0">
-                        <a:latin typeface="Arial" panose="020B0604020202020204" pitchFamily="34" charset="0"/>
-                        <a:cs typeface="Arial" panose="020B0604020202020204" pitchFamily="34" charset="0"/>
-                      </a:endParaRPr>
-                    </a:p>
-                  </a:txBody>
-                  <a:tcPr anchor="ctr"/>
-                </a:tc>
-                <a:tc>
                   <a:txBody>
                     <a:bodyPr/>
                     <a:lstStyle/>
@@ -8531,69 +7011,23 @@
                   </a:ext>
                 </a:extLst>
               </a:tr>
-              <a:tr h="388216">
-                <a:tc vMerge="1">
-                  <a:txBody>
-                    <a:bodyPr/>
-                    <a:lstStyle/>
-                    <a:p>
-                      <a:endParaRPr lang="en-US"/>
-                    </a:p>
-                  </a:txBody>
-                  <a:tcPr/>
-                </a:tc>
-                <a:tc>
-                  <a:txBody>
-                    <a:bodyPr/>
-                    <a:lstStyle/>
-                    <a:p>
-                      <a:endParaRPr lang="en-US" sz="1800" dirty="0">
-                        <a:latin typeface="Arial" panose="020B0604020202020204" pitchFamily="34" charset="0"/>
-                        <a:cs typeface="Arial" panose="020B0604020202020204" pitchFamily="34" charset="0"/>
-                      </a:endParaRPr>
-                    </a:p>
-                  </a:txBody>
-                  <a:tcPr anchor="ctr"/>
-                </a:tc>
-                <a:tc>
-                  <a:txBody>
-                    <a:bodyPr/>
-                    <a:lstStyle/>
-                    <a:p>
-                      <a:endParaRPr lang="en-US" sz="1800" dirty="0">
-                        <a:latin typeface="Arial" panose="020B0604020202020204" pitchFamily="34" charset="0"/>
-                        <a:cs typeface="Arial" panose="020B0604020202020204" pitchFamily="34" charset="0"/>
-                      </a:endParaRPr>
-                    </a:p>
-                  </a:txBody>
-                  <a:tcPr anchor="ctr"/>
-                </a:tc>
-                <a:extLst>
-                  <a:ext uri="{0D108BD9-81ED-4DB2-BD59-A6C34878D82A}">
-                    <a16:rowId xmlns:a16="http://schemas.microsoft.com/office/drawing/2014/main" val="1164770248"/>
-                  </a:ext>
-                </a:extLst>
-              </a:tr>
-              <a:tr h="388216">
-                <a:tc rowSpan="8">
+              <a:tr h="1048447">
+                <a:tc rowSpan="3">
                   <a:txBody>
                     <a:bodyPr/>
                     <a:lstStyle/>
                     <a:p>
                       <a:r>
-                        <a:rPr lang="sr-Latn-RS" sz="2400" dirty="0">
+                        <a:rPr lang="sr-Latn-RS" sz="2000" dirty="0">
                           <a:latin typeface="Arial" panose="020B0604020202020204" pitchFamily="34" charset="0"/>
                           <a:cs typeface="Arial" panose="020B0604020202020204" pitchFamily="34" charset="0"/>
                         </a:rPr>
-                        <a:t>Član </a:t>
+                        <a:t>Član 6</a:t>
                       </a:r>
-                      <a:r>
-                        <a:rPr lang="en-US" sz="2400" dirty="0">
-                          <a:latin typeface="Arial" panose="020B0604020202020204" pitchFamily="34" charset="0"/>
-                          <a:cs typeface="Arial" panose="020B0604020202020204" pitchFamily="34" charset="0"/>
-                        </a:rPr>
-                        <a:t>6</a:t>
-                      </a:r>
+                      <a:endParaRPr lang="en-US" sz="2000" dirty="0">
+                        <a:latin typeface="Arial" panose="020B0604020202020204" pitchFamily="34" charset="0"/>
+                        <a:cs typeface="Arial" panose="020B0604020202020204" pitchFamily="34" charset="0"/>
+                      </a:endParaRPr>
                     </a:p>
                   </a:txBody>
                   <a:tcPr anchor="ctr"/>
@@ -8603,20 +7037,20 @@
                     <a:bodyPr/>
                     <a:lstStyle/>
                     <a:p>
-                      <a:endParaRPr lang="en-US" sz="1800" dirty="0">
-                        <a:latin typeface="Arial" panose="020B0604020202020204" pitchFamily="34" charset="0"/>
-                        <a:cs typeface="Arial" panose="020B0604020202020204" pitchFamily="34" charset="0"/>
-                      </a:endParaRPr>
-                    </a:p>
-                  </a:txBody>
-                  <a:tcPr anchor="ctr"/>
-                </a:tc>
-                <a:tc>
-                  <a:txBody>
-                    <a:bodyPr/>
-                    <a:lstStyle/>
-                    <a:p>
-                      <a:endParaRPr lang="en-US" sz="1800" dirty="0">
+                      <a:endParaRPr lang="en-US" sz="1600" dirty="0">
+                        <a:latin typeface="Arial" panose="020B0604020202020204" pitchFamily="34" charset="0"/>
+                        <a:cs typeface="Arial" panose="020B0604020202020204" pitchFamily="34" charset="0"/>
+                      </a:endParaRPr>
+                    </a:p>
+                  </a:txBody>
+                  <a:tcPr anchor="ctr"/>
+                </a:tc>
+                <a:tc rowSpan="3">
+                  <a:txBody>
+                    <a:bodyPr/>
+                    <a:lstStyle/>
+                    <a:p>
+                      <a:endParaRPr lang="en-US" sz="1600" dirty="0">
                         <a:latin typeface="Arial" panose="020B0604020202020204" pitchFamily="34" charset="0"/>
                         <a:cs typeface="Arial" panose="020B0604020202020204" pitchFamily="34" charset="0"/>
                       </a:endParaRPr>
@@ -8630,7 +7064,7 @@
                   </a:ext>
                 </a:extLst>
               </a:tr>
-              <a:tr h="388216">
+              <a:tr h="1048447">
                 <a:tc vMerge="1">
                   <a:txBody>
                     <a:bodyPr/>
@@ -8646,15 +7080,15 @@
                     <a:bodyPr/>
                     <a:lstStyle/>
                     <a:p>
-                      <a:endParaRPr lang="en-US" sz="1800" dirty="0">
-                        <a:latin typeface="Arial" panose="020B0604020202020204" pitchFamily="34" charset="0"/>
-                        <a:cs typeface="Arial" panose="020B0604020202020204" pitchFamily="34" charset="0"/>
-                      </a:endParaRPr>
-                    </a:p>
-                  </a:txBody>
-                  <a:tcPr anchor="ctr"/>
-                </a:tc>
-                <a:tc>
+                      <a:endParaRPr lang="en-US" sz="1600" dirty="0">
+                        <a:latin typeface="Arial" panose="020B0604020202020204" pitchFamily="34" charset="0"/>
+                        <a:cs typeface="Arial" panose="020B0604020202020204" pitchFamily="34" charset="0"/>
+                      </a:endParaRPr>
+                    </a:p>
+                  </a:txBody>
+                  <a:tcPr anchor="ctr"/>
+                </a:tc>
+                <a:tc vMerge="1">
                   <a:txBody>
                     <a:bodyPr/>
                     <a:lstStyle/>
@@ -8673,7 +7107,7 @@
                   </a:ext>
                 </a:extLst>
               </a:tr>
-              <a:tr h="388216">
+              <a:tr h="1048447">
                 <a:tc vMerge="1">
                   <a:txBody>
                     <a:bodyPr/>
@@ -8689,250 +7123,15 @@
                     <a:bodyPr/>
                     <a:lstStyle/>
                     <a:p>
-                      <a:endParaRPr lang="en-US" sz="1800" dirty="0">
-                        <a:latin typeface="Arial" panose="020B0604020202020204" pitchFamily="34" charset="0"/>
-                        <a:cs typeface="Arial" panose="020B0604020202020204" pitchFamily="34" charset="0"/>
-                      </a:endParaRPr>
-                    </a:p>
-                  </a:txBody>
-                  <a:tcPr anchor="ctr"/>
-                </a:tc>
-                <a:tc>
-                  <a:txBody>
-                    <a:bodyPr/>
-                    <a:lstStyle/>
-                    <a:p>
-                      <a:endParaRPr lang="en-US" sz="1800" dirty="0">
-                        <a:latin typeface="Arial" panose="020B0604020202020204" pitchFamily="34" charset="0"/>
-                        <a:cs typeface="Arial" panose="020B0604020202020204" pitchFamily="34" charset="0"/>
-                      </a:endParaRPr>
-                    </a:p>
-                  </a:txBody>
-                  <a:tcPr anchor="ctr"/>
-                </a:tc>
-                <a:extLst>
-                  <a:ext uri="{0D108BD9-81ED-4DB2-BD59-A6C34878D82A}">
-                    <a16:rowId xmlns:a16="http://schemas.microsoft.com/office/drawing/2014/main" val="894306909"/>
-                  </a:ext>
-                </a:extLst>
-              </a:tr>
-              <a:tr h="388216">
+                      <a:endParaRPr lang="en-US" sz="1600" dirty="0">
+                        <a:latin typeface="Arial" panose="020B0604020202020204" pitchFamily="34" charset="0"/>
+                        <a:cs typeface="Arial" panose="020B0604020202020204" pitchFamily="34" charset="0"/>
+                      </a:endParaRPr>
+                    </a:p>
+                  </a:txBody>
+                  <a:tcPr anchor="ctr"/>
+                </a:tc>
                 <a:tc vMerge="1">
-                  <a:txBody>
-                    <a:bodyPr/>
-                    <a:lstStyle/>
-                    <a:p>
-                      <a:endParaRPr lang="en-US"/>
-                    </a:p>
-                  </a:txBody>
-                  <a:tcPr/>
-                </a:tc>
-                <a:tc>
-                  <a:txBody>
-                    <a:bodyPr/>
-                    <a:lstStyle/>
-                    <a:p>
-                      <a:endParaRPr lang="en-US" sz="1800" dirty="0">
-                        <a:latin typeface="Arial" panose="020B0604020202020204" pitchFamily="34" charset="0"/>
-                        <a:cs typeface="Arial" panose="020B0604020202020204" pitchFamily="34" charset="0"/>
-                      </a:endParaRPr>
-                    </a:p>
-                  </a:txBody>
-                  <a:tcPr anchor="ctr"/>
-                </a:tc>
-                <a:tc>
-                  <a:txBody>
-                    <a:bodyPr/>
-                    <a:lstStyle/>
-                    <a:p>
-                      <a:endParaRPr lang="en-US" sz="1800" dirty="0">
-                        <a:latin typeface="Arial" panose="020B0604020202020204" pitchFamily="34" charset="0"/>
-                        <a:cs typeface="Arial" panose="020B0604020202020204" pitchFamily="34" charset="0"/>
-                      </a:endParaRPr>
-                    </a:p>
-                  </a:txBody>
-                  <a:tcPr anchor="ctr"/>
-                </a:tc>
-                <a:extLst>
-                  <a:ext uri="{0D108BD9-81ED-4DB2-BD59-A6C34878D82A}">
-                    <a16:rowId xmlns:a16="http://schemas.microsoft.com/office/drawing/2014/main" val="2002167997"/>
-                  </a:ext>
-                </a:extLst>
-              </a:tr>
-              <a:tr h="388216">
-                <a:tc vMerge="1">
-                  <a:txBody>
-                    <a:bodyPr/>
-                    <a:lstStyle/>
-                    <a:p>
-                      <a:r>
-                        <a:rPr lang="sr-Latn-RS" sz="2400" dirty="0">
-                          <a:latin typeface="Arial" panose="020B0604020202020204" pitchFamily="34" charset="0"/>
-                          <a:cs typeface="Arial" panose="020B0604020202020204" pitchFamily="34" charset="0"/>
-                        </a:rPr>
-                        <a:t>Član 4</a:t>
-                      </a:r>
-                      <a:endParaRPr lang="en-US" sz="2400" dirty="0">
-                        <a:latin typeface="Arial" panose="020B0604020202020204" pitchFamily="34" charset="0"/>
-                        <a:cs typeface="Arial" panose="020B0604020202020204" pitchFamily="34" charset="0"/>
-                      </a:endParaRPr>
-                    </a:p>
-                  </a:txBody>
-                  <a:tcPr anchor="ctr">
-                    <a:lnT w="12700" cap="flat" cmpd="sng" algn="ctr">
-                      <a:solidFill>
-                        <a:schemeClr val="tx1"/>
-                      </a:solidFill>
-                      <a:prstDash val="solid"/>
-                      <a:round/>
-                      <a:headEnd type="none" w="med" len="med"/>
-                      <a:tailEnd type="none" w="med" len="med"/>
-                    </a:lnT>
-                  </a:tcPr>
-                </a:tc>
-                <a:tc>
-                  <a:txBody>
-                    <a:bodyPr/>
-                    <a:lstStyle/>
-                    <a:p>
-                      <a:endParaRPr lang="en-US" sz="1800" dirty="0">
-                        <a:latin typeface="Arial" panose="020B0604020202020204" pitchFamily="34" charset="0"/>
-                        <a:cs typeface="Arial" panose="020B0604020202020204" pitchFamily="34" charset="0"/>
-                      </a:endParaRPr>
-                    </a:p>
-                  </a:txBody>
-                  <a:tcPr anchor="ctr"/>
-                </a:tc>
-                <a:tc>
-                  <a:txBody>
-                    <a:bodyPr/>
-                    <a:lstStyle/>
-                    <a:p>
-                      <a:endParaRPr lang="en-US" sz="1800" dirty="0">
-                        <a:latin typeface="Arial" panose="020B0604020202020204" pitchFamily="34" charset="0"/>
-                        <a:cs typeface="Arial" panose="020B0604020202020204" pitchFamily="34" charset="0"/>
-                      </a:endParaRPr>
-                    </a:p>
-                  </a:txBody>
-                  <a:tcPr anchor="ctr"/>
-                </a:tc>
-                <a:extLst>
-                  <a:ext uri="{0D108BD9-81ED-4DB2-BD59-A6C34878D82A}">
-                    <a16:rowId xmlns:a16="http://schemas.microsoft.com/office/drawing/2014/main" val="2258469179"/>
-                  </a:ext>
-                </a:extLst>
-              </a:tr>
-              <a:tr h="388216">
-                <a:tc vMerge="1">
-                  <a:txBody>
-                    <a:bodyPr/>
-                    <a:lstStyle/>
-                    <a:p>
-                      <a:endParaRPr lang="en-US"/>
-                    </a:p>
-                  </a:txBody>
-                  <a:tcPr/>
-                </a:tc>
-                <a:tc>
-                  <a:txBody>
-                    <a:bodyPr/>
-                    <a:lstStyle/>
-                    <a:p>
-                      <a:endParaRPr lang="en-US" sz="1800" dirty="0">
-                        <a:latin typeface="Arial" panose="020B0604020202020204" pitchFamily="34" charset="0"/>
-                        <a:cs typeface="Arial" panose="020B0604020202020204" pitchFamily="34" charset="0"/>
-                      </a:endParaRPr>
-                    </a:p>
-                  </a:txBody>
-                  <a:tcPr anchor="ctr"/>
-                </a:tc>
-                <a:tc>
-                  <a:txBody>
-                    <a:bodyPr/>
-                    <a:lstStyle/>
-                    <a:p>
-                      <a:endParaRPr lang="en-US" sz="1800" dirty="0">
-                        <a:latin typeface="Arial" panose="020B0604020202020204" pitchFamily="34" charset="0"/>
-                        <a:cs typeface="Arial" panose="020B0604020202020204" pitchFamily="34" charset="0"/>
-                      </a:endParaRPr>
-                    </a:p>
-                  </a:txBody>
-                  <a:tcPr anchor="ctr"/>
-                </a:tc>
-                <a:extLst>
-                  <a:ext uri="{0D108BD9-81ED-4DB2-BD59-A6C34878D82A}">
-                    <a16:rowId xmlns:a16="http://schemas.microsoft.com/office/drawing/2014/main" val="3385457170"/>
-                  </a:ext>
-                </a:extLst>
-              </a:tr>
-              <a:tr h="388216">
-                <a:tc vMerge="1">
-                  <a:txBody>
-                    <a:bodyPr/>
-                    <a:lstStyle/>
-                    <a:p>
-                      <a:endParaRPr lang="en-US"/>
-                    </a:p>
-                  </a:txBody>
-                  <a:tcPr/>
-                </a:tc>
-                <a:tc>
-                  <a:txBody>
-                    <a:bodyPr/>
-                    <a:lstStyle/>
-                    <a:p>
-                      <a:endParaRPr lang="en-US" sz="1800" dirty="0">
-                        <a:latin typeface="Arial" panose="020B0604020202020204" pitchFamily="34" charset="0"/>
-                        <a:cs typeface="Arial" panose="020B0604020202020204" pitchFamily="34" charset="0"/>
-                      </a:endParaRPr>
-                    </a:p>
-                  </a:txBody>
-                  <a:tcPr anchor="ctr"/>
-                </a:tc>
-                <a:tc>
-                  <a:txBody>
-                    <a:bodyPr/>
-                    <a:lstStyle/>
-                    <a:p>
-                      <a:endParaRPr lang="en-US" sz="1800" dirty="0">
-                        <a:latin typeface="Arial" panose="020B0604020202020204" pitchFamily="34" charset="0"/>
-                        <a:cs typeface="Arial" panose="020B0604020202020204" pitchFamily="34" charset="0"/>
-                      </a:endParaRPr>
-                    </a:p>
-                  </a:txBody>
-                  <a:tcPr anchor="ctr"/>
-                </a:tc>
-                <a:extLst>
-                  <a:ext uri="{0D108BD9-81ED-4DB2-BD59-A6C34878D82A}">
-                    <a16:rowId xmlns:a16="http://schemas.microsoft.com/office/drawing/2014/main" val="1285668822"/>
-                  </a:ext>
-                </a:extLst>
-              </a:tr>
-              <a:tr h="388216">
-                <a:tc vMerge="1">
-                  <a:txBody>
-                    <a:bodyPr/>
-                    <a:lstStyle/>
-                    <a:p>
-                      <a:endParaRPr lang="en-US"/>
-                    </a:p>
-                  </a:txBody>
-                  <a:tcPr/>
-                </a:tc>
-                <a:tc>
-                  <a:txBody>
-                    <a:bodyPr/>
-                    <a:lstStyle/>
-                    <a:p>
-                      <a:endParaRPr lang="en-US" sz="1800" dirty="0">
-                        <a:latin typeface="Arial" panose="020B0604020202020204" pitchFamily="34" charset="0"/>
-                        <a:cs typeface="Arial" panose="020B0604020202020204" pitchFamily="34" charset="0"/>
-                      </a:endParaRPr>
-                    </a:p>
-                  </a:txBody>
-                  <a:tcPr anchor="ctr"/>
-                </a:tc>
-                <a:tc>
                   <a:txBody>
                     <a:bodyPr/>
                     <a:lstStyle/>
@@ -8958,7 +7157,7 @@
     </p:spTree>
     <p:extLst>
       <p:ext uri="{BB962C8B-B14F-4D97-AF65-F5344CB8AC3E}">
-        <p14:creationId xmlns:p14="http://schemas.microsoft.com/office/powerpoint/2010/main" val="3270257064"/>
+        <p14:creationId xmlns:p14="http://schemas.microsoft.com/office/powerpoint/2010/main" val="709942256"/>
       </p:ext>
     </p:extLst>
   </p:cSld>
@@ -9000,14 +7199,14 @@
           <p:nvPr>
             <p:extLst>
               <p:ext uri="{D42A27DB-BD31-4B8C-83A1-F6EECF244321}">
-                <p14:modId xmlns:p14="http://schemas.microsoft.com/office/powerpoint/2010/main" val="1321847149"/>
+                <p14:modId xmlns:p14="http://schemas.microsoft.com/office/powerpoint/2010/main" val="3609343873"/>
               </p:ext>
             </p:extLst>
           </p:nvPr>
         </p:nvGraphicFramePr>
         <p:xfrm>
           <a:off x="0" y="-25054"/>
-          <a:ext cx="12204192" cy="6858007"/>
+          <a:ext cx="12204192" cy="6883055"/>
         </p:xfrm>
         <a:graphic>
           <a:graphicData uri="http://schemas.openxmlformats.org/drawingml/2006/table">
@@ -9016,14 +7215,14 @@
                 <a:tableStyleId>{72833802-FEF1-4C79-8D5D-14CF1EAF98D9}</a:tableStyleId>
               </a:tblPr>
               <a:tblGrid>
-                <a:gridCol w="2079321">
+                <a:gridCol w="1815548">
                   <a:extLst>
                     <a:ext uri="{9D8B030D-6E8A-4147-A177-3AD203B41FA5}">
                       <a16:colId xmlns:a16="http://schemas.microsoft.com/office/drawing/2014/main" val="3409782081"/>
                     </a:ext>
                   </a:extLst>
                 </a:gridCol>
-                <a:gridCol w="7784007">
+                <a:gridCol w="8047780">
                   <a:extLst>
                     <a:ext uri="{9D8B030D-6E8A-4147-A177-3AD203B41FA5}">
                       <a16:colId xmlns:a16="http://schemas.microsoft.com/office/drawing/2014/main" val="1209773232"/>
@@ -9038,7 +7237,7 @@
                   </a:extLst>
                 </a:gridCol>
               </a:tblGrid>
-              <a:tr h="590217">
+              <a:tr h="592373">
                 <a:tc>
                   <a:txBody>
                     <a:bodyPr/>
@@ -9105,26 +7304,23 @@
                   </a:ext>
                 </a:extLst>
               </a:tr>
-              <a:tr h="402299">
-                <a:tc rowSpan="8">
+              <a:tr h="1048447">
+                <a:tc rowSpan="3">
                   <a:txBody>
                     <a:bodyPr/>
                     <a:lstStyle/>
                     <a:p>
                       <a:r>
-                        <a:rPr lang="sr-Latn-RS" sz="2400" dirty="0">
+                        <a:rPr lang="sr-Latn-RS" sz="2000" dirty="0">
                           <a:latin typeface="Arial" panose="020B0604020202020204" pitchFamily="34" charset="0"/>
                           <a:cs typeface="Arial" panose="020B0604020202020204" pitchFamily="34" charset="0"/>
                         </a:rPr>
-                        <a:t>Član </a:t>
+                        <a:t>Član 7</a:t>
                       </a:r>
-                      <a:r>
-                        <a:rPr lang="en-US" sz="2400" dirty="0">
-                          <a:latin typeface="Arial" panose="020B0604020202020204" pitchFamily="34" charset="0"/>
-                          <a:cs typeface="Arial" panose="020B0604020202020204" pitchFamily="34" charset="0"/>
-                        </a:rPr>
-                        <a:t>7</a:t>
-                      </a:r>
+                      <a:endParaRPr lang="en-US" sz="2000" dirty="0">
+                        <a:latin typeface="Arial" panose="020B0604020202020204" pitchFamily="34" charset="0"/>
+                        <a:cs typeface="Arial" panose="020B0604020202020204" pitchFamily="34" charset="0"/>
+                      </a:endParaRPr>
                     </a:p>
                   </a:txBody>
                   <a:tcPr anchor="ctr"/>
@@ -9134,20 +7330,20 @@
                     <a:bodyPr/>
                     <a:lstStyle/>
                     <a:p>
-                      <a:endParaRPr lang="en-US" sz="1800" dirty="0">
-                        <a:latin typeface="Arial" panose="020B0604020202020204" pitchFamily="34" charset="0"/>
-                        <a:cs typeface="Arial" panose="020B0604020202020204" pitchFamily="34" charset="0"/>
-                      </a:endParaRPr>
-                    </a:p>
-                  </a:txBody>
-                  <a:tcPr anchor="ctr"/>
-                </a:tc>
-                <a:tc>
-                  <a:txBody>
-                    <a:bodyPr/>
-                    <a:lstStyle/>
-                    <a:p>
-                      <a:endParaRPr lang="en-US" sz="1800" dirty="0">
+                      <a:endParaRPr lang="en-US" sz="1600" dirty="0">
+                        <a:latin typeface="Arial" panose="020B0604020202020204" pitchFamily="34" charset="0"/>
+                        <a:cs typeface="Arial" panose="020B0604020202020204" pitchFamily="34" charset="0"/>
+                      </a:endParaRPr>
+                    </a:p>
+                  </a:txBody>
+                  <a:tcPr anchor="ctr"/>
+                </a:tc>
+                <a:tc rowSpan="3">
+                  <a:txBody>
+                    <a:bodyPr/>
+                    <a:lstStyle/>
+                    <a:p>
+                      <a:endParaRPr lang="en-US" sz="1600" dirty="0">
                         <a:latin typeface="Arial" panose="020B0604020202020204" pitchFamily="34" charset="0"/>
                         <a:cs typeface="Arial" panose="020B0604020202020204" pitchFamily="34" charset="0"/>
                       </a:endParaRPr>
@@ -9161,7 +7357,7 @@
                   </a:ext>
                 </a:extLst>
               </a:tr>
-              <a:tr h="402300">
+              <a:tr h="1048447">
                 <a:tc vMerge="1">
                   <a:txBody>
                     <a:bodyPr/>
@@ -9177,101 +7373,15 @@
                     <a:bodyPr/>
                     <a:lstStyle/>
                     <a:p>
-                      <a:endParaRPr lang="en-US" sz="1800" dirty="0">
-                        <a:latin typeface="Arial" panose="020B0604020202020204" pitchFamily="34" charset="0"/>
-                        <a:cs typeface="Arial" panose="020B0604020202020204" pitchFamily="34" charset="0"/>
-                      </a:endParaRPr>
-                    </a:p>
-                  </a:txBody>
-                  <a:tcPr anchor="ctr"/>
-                </a:tc>
-                <a:tc>
-                  <a:txBody>
-                    <a:bodyPr/>
-                    <a:lstStyle/>
-                    <a:p>
-                      <a:endParaRPr lang="en-US" sz="1800" dirty="0">
-                        <a:latin typeface="Arial" panose="020B0604020202020204" pitchFamily="34" charset="0"/>
-                        <a:cs typeface="Arial" panose="020B0604020202020204" pitchFamily="34" charset="0"/>
-                      </a:endParaRPr>
-                    </a:p>
-                  </a:txBody>
-                  <a:tcPr anchor="ctr"/>
-                </a:tc>
-                <a:extLst>
-                  <a:ext uri="{0D108BD9-81ED-4DB2-BD59-A6C34878D82A}">
-                    <a16:rowId xmlns:a16="http://schemas.microsoft.com/office/drawing/2014/main" val="741495083"/>
-                  </a:ext>
-                </a:extLst>
-              </a:tr>
-              <a:tr h="402300">
+                      <a:endParaRPr lang="en-US" sz="1600" dirty="0">
+                        <a:latin typeface="Arial" panose="020B0604020202020204" pitchFamily="34" charset="0"/>
+                        <a:cs typeface="Arial" panose="020B0604020202020204" pitchFamily="34" charset="0"/>
+                      </a:endParaRPr>
+                    </a:p>
+                  </a:txBody>
+                  <a:tcPr anchor="ctr"/>
+                </a:tc>
                 <a:tc vMerge="1">
-                  <a:txBody>
-                    <a:bodyPr/>
-                    <a:lstStyle/>
-                    <a:p>
-                      <a:endParaRPr lang="en-US"/>
-                    </a:p>
-                  </a:txBody>
-                  <a:tcPr/>
-                </a:tc>
-                <a:tc>
-                  <a:txBody>
-                    <a:bodyPr/>
-                    <a:lstStyle/>
-                    <a:p>
-                      <a:endParaRPr lang="en-US" sz="1800" dirty="0">
-                        <a:latin typeface="Arial" panose="020B0604020202020204" pitchFamily="34" charset="0"/>
-                        <a:cs typeface="Arial" panose="020B0604020202020204" pitchFamily="34" charset="0"/>
-                      </a:endParaRPr>
-                    </a:p>
-                  </a:txBody>
-                  <a:tcPr anchor="ctr"/>
-                </a:tc>
-                <a:tc>
-                  <a:txBody>
-                    <a:bodyPr/>
-                    <a:lstStyle/>
-                    <a:p>
-                      <a:endParaRPr lang="en-US" sz="1800" dirty="0">
-                        <a:latin typeface="Arial" panose="020B0604020202020204" pitchFamily="34" charset="0"/>
-                        <a:cs typeface="Arial" panose="020B0604020202020204" pitchFamily="34" charset="0"/>
-                      </a:endParaRPr>
-                    </a:p>
-                  </a:txBody>
-                  <a:tcPr anchor="ctr"/>
-                </a:tc>
-                <a:extLst>
-                  <a:ext uri="{0D108BD9-81ED-4DB2-BD59-A6C34878D82A}">
-                    <a16:rowId xmlns:a16="http://schemas.microsoft.com/office/drawing/2014/main" val="407375999"/>
-                  </a:ext>
-                </a:extLst>
-              </a:tr>
-              <a:tr h="402299">
-                <a:tc vMerge="1">
-                  <a:txBody>
-                    <a:bodyPr/>
-                    <a:lstStyle/>
-                    <a:p>
-                      <a:endParaRPr lang="en-US"/>
-                    </a:p>
-                  </a:txBody>
-                  <a:tcPr/>
-                </a:tc>
-                <a:tc>
-                  <a:txBody>
-                    <a:bodyPr/>
-                    <a:lstStyle/>
-                    <a:p>
-                      <a:endParaRPr lang="en-US" sz="1800" dirty="0">
-                        <a:latin typeface="Arial" panose="020B0604020202020204" pitchFamily="34" charset="0"/>
-                        <a:cs typeface="Arial" panose="020B0604020202020204" pitchFamily="34" charset="0"/>
-                      </a:endParaRPr>
-                    </a:p>
-                  </a:txBody>
-                  <a:tcPr anchor="ctr"/>
-                </a:tc>
-                <a:tc>
                   <a:txBody>
                     <a:bodyPr/>
                     <a:lstStyle/>
@@ -9290,146 +7400,31 @@
                   </a:ext>
                 </a:extLst>
               </a:tr>
-              <a:tr h="388216">
+              <a:tr h="1048447">
                 <a:tc vMerge="1">
                   <a:txBody>
                     <a:bodyPr/>
                     <a:lstStyle/>
                     <a:p>
-                      <a:r>
-                        <a:rPr lang="sr-Latn-RS" sz="2400" dirty="0">
-                          <a:latin typeface="Arial" panose="020B0604020202020204" pitchFamily="34" charset="0"/>
-                          <a:cs typeface="Arial" panose="020B0604020202020204" pitchFamily="34" charset="0"/>
-                        </a:rPr>
-                        <a:t>Član 2</a:t>
-                      </a:r>
-                      <a:endParaRPr lang="en-US" sz="2400" dirty="0">
-                        <a:latin typeface="Arial" panose="020B0604020202020204" pitchFamily="34" charset="0"/>
-                        <a:cs typeface="Arial" panose="020B0604020202020204" pitchFamily="34" charset="0"/>
-                      </a:endParaRPr>
-                    </a:p>
-                  </a:txBody>
-                  <a:tcPr anchor="ctr">
-                    <a:lnT w="12700" cap="flat" cmpd="sng" algn="ctr">
-                      <a:solidFill>
-                        <a:schemeClr val="tx1"/>
-                      </a:solidFill>
-                      <a:prstDash val="solid"/>
-                      <a:round/>
-                      <a:headEnd type="none" w="med" len="med"/>
-                      <a:tailEnd type="none" w="med" len="med"/>
-                    </a:lnT>
-                    <a:lnB w="12700" cap="flat" cmpd="sng" algn="ctr">
-                      <a:solidFill>
-                        <a:schemeClr val="tx1"/>
-                      </a:solidFill>
-                      <a:prstDash val="solid"/>
-                      <a:round/>
-                      <a:headEnd type="none" w="med" len="med"/>
-                      <a:tailEnd type="none" w="med" len="med"/>
-                    </a:lnB>
-                  </a:tcPr>
+                      <a:endParaRPr lang="en-US"/>
+                    </a:p>
+                  </a:txBody>
+                  <a:tcPr/>
                 </a:tc>
                 <a:tc>
                   <a:txBody>
                     <a:bodyPr/>
                     <a:lstStyle/>
                     <a:p>
-                      <a:endParaRPr lang="en-US" sz="1800" dirty="0">
-                        <a:latin typeface="Arial" panose="020B0604020202020204" pitchFamily="34" charset="0"/>
-                        <a:cs typeface="Arial" panose="020B0604020202020204" pitchFamily="34" charset="0"/>
-                      </a:endParaRPr>
-                    </a:p>
-                  </a:txBody>
-                  <a:tcPr anchor="ctr"/>
-                </a:tc>
-                <a:tc>
-                  <a:txBody>
-                    <a:bodyPr/>
-                    <a:lstStyle/>
-                    <a:p>
-                      <a:endParaRPr lang="en-US" sz="1800" dirty="0">
-                        <a:latin typeface="Arial" panose="020B0604020202020204" pitchFamily="34" charset="0"/>
-                        <a:cs typeface="Arial" panose="020B0604020202020204" pitchFamily="34" charset="0"/>
-                      </a:endParaRPr>
-                    </a:p>
-                  </a:txBody>
-                  <a:tcPr anchor="ctr"/>
-                </a:tc>
-                <a:extLst>
-                  <a:ext uri="{0D108BD9-81ED-4DB2-BD59-A6C34878D82A}">
-                    <a16:rowId xmlns:a16="http://schemas.microsoft.com/office/drawing/2014/main" val="3953925865"/>
-                  </a:ext>
-                </a:extLst>
-              </a:tr>
-              <a:tr h="388216">
+                      <a:endParaRPr lang="en-US" sz="1600" dirty="0">
+                        <a:latin typeface="Arial" panose="020B0604020202020204" pitchFamily="34" charset="0"/>
+                        <a:cs typeface="Arial" panose="020B0604020202020204" pitchFamily="34" charset="0"/>
+                      </a:endParaRPr>
+                    </a:p>
+                  </a:txBody>
+                  <a:tcPr anchor="ctr"/>
+                </a:tc>
                 <a:tc vMerge="1">
-                  <a:txBody>
-                    <a:bodyPr/>
-                    <a:lstStyle/>
-                    <a:p>
-                      <a:endParaRPr lang="en-US"/>
-                    </a:p>
-                  </a:txBody>
-                  <a:tcPr/>
-                </a:tc>
-                <a:tc>
-                  <a:txBody>
-                    <a:bodyPr/>
-                    <a:lstStyle/>
-                    <a:p>
-                      <a:endParaRPr lang="en-US" sz="1800" dirty="0">
-                        <a:latin typeface="Arial" panose="020B0604020202020204" pitchFamily="34" charset="0"/>
-                        <a:cs typeface="Arial" panose="020B0604020202020204" pitchFamily="34" charset="0"/>
-                      </a:endParaRPr>
-                    </a:p>
-                  </a:txBody>
-                  <a:tcPr anchor="ctr"/>
-                </a:tc>
-                <a:tc>
-                  <a:txBody>
-                    <a:bodyPr/>
-                    <a:lstStyle/>
-                    <a:p>
-                      <a:endParaRPr lang="en-US" sz="1800" dirty="0">
-                        <a:latin typeface="Arial" panose="020B0604020202020204" pitchFamily="34" charset="0"/>
-                        <a:cs typeface="Arial" panose="020B0604020202020204" pitchFamily="34" charset="0"/>
-                      </a:endParaRPr>
-                    </a:p>
-                  </a:txBody>
-                  <a:tcPr anchor="ctr"/>
-                </a:tc>
-                <a:extLst>
-                  <a:ext uri="{0D108BD9-81ED-4DB2-BD59-A6C34878D82A}">
-                    <a16:rowId xmlns:a16="http://schemas.microsoft.com/office/drawing/2014/main" val="4196659394"/>
-                  </a:ext>
-                </a:extLst>
-              </a:tr>
-              <a:tr h="388216">
-                <a:tc vMerge="1">
-                  <a:txBody>
-                    <a:bodyPr/>
-                    <a:lstStyle/>
-                    <a:p>
-                      <a:endParaRPr lang="en-US"/>
-                    </a:p>
-                  </a:txBody>
-                  <a:tcPr/>
-                </a:tc>
-                <a:tc>
-                  <a:txBody>
-                    <a:bodyPr/>
-                    <a:lstStyle/>
-                    <a:p>
-                      <a:endParaRPr lang="en-US" sz="1800" dirty="0">
-                        <a:latin typeface="Arial" panose="020B0604020202020204" pitchFamily="34" charset="0"/>
-                        <a:cs typeface="Arial" panose="020B0604020202020204" pitchFamily="34" charset="0"/>
-                      </a:endParaRPr>
-                    </a:p>
-                  </a:txBody>
-                  <a:tcPr anchor="ctr"/>
-                </a:tc>
-                <a:tc>
                   <a:txBody>
                     <a:bodyPr/>
                     <a:lstStyle/>
@@ -9448,69 +7443,23 @@
                   </a:ext>
                 </a:extLst>
               </a:tr>
-              <a:tr h="388216">
-                <a:tc vMerge="1">
-                  <a:txBody>
-                    <a:bodyPr/>
-                    <a:lstStyle/>
-                    <a:p>
-                      <a:endParaRPr lang="en-US"/>
-                    </a:p>
-                  </a:txBody>
-                  <a:tcPr/>
-                </a:tc>
-                <a:tc>
-                  <a:txBody>
-                    <a:bodyPr/>
-                    <a:lstStyle/>
-                    <a:p>
-                      <a:endParaRPr lang="en-US" sz="1800" dirty="0">
-                        <a:latin typeface="Arial" panose="020B0604020202020204" pitchFamily="34" charset="0"/>
-                        <a:cs typeface="Arial" panose="020B0604020202020204" pitchFamily="34" charset="0"/>
-                      </a:endParaRPr>
-                    </a:p>
-                  </a:txBody>
-                  <a:tcPr anchor="ctr"/>
-                </a:tc>
-                <a:tc>
-                  <a:txBody>
-                    <a:bodyPr/>
-                    <a:lstStyle/>
-                    <a:p>
-                      <a:endParaRPr lang="en-US" sz="1800" dirty="0">
-                        <a:latin typeface="Arial" panose="020B0604020202020204" pitchFamily="34" charset="0"/>
-                        <a:cs typeface="Arial" panose="020B0604020202020204" pitchFamily="34" charset="0"/>
-                      </a:endParaRPr>
-                    </a:p>
-                  </a:txBody>
-                  <a:tcPr anchor="ctr"/>
-                </a:tc>
-                <a:extLst>
-                  <a:ext uri="{0D108BD9-81ED-4DB2-BD59-A6C34878D82A}">
-                    <a16:rowId xmlns:a16="http://schemas.microsoft.com/office/drawing/2014/main" val="1164770248"/>
-                  </a:ext>
-                </a:extLst>
-              </a:tr>
-              <a:tr h="388216">
-                <a:tc rowSpan="8">
+              <a:tr h="1048447">
+                <a:tc rowSpan="3">
                   <a:txBody>
                     <a:bodyPr/>
                     <a:lstStyle/>
                     <a:p>
                       <a:r>
-                        <a:rPr lang="sr-Latn-RS" sz="2400" dirty="0">
+                        <a:rPr lang="sr-Latn-RS" sz="2000" dirty="0">
                           <a:latin typeface="Arial" panose="020B0604020202020204" pitchFamily="34" charset="0"/>
                           <a:cs typeface="Arial" panose="020B0604020202020204" pitchFamily="34" charset="0"/>
                         </a:rPr>
-                        <a:t>Član </a:t>
+                        <a:t>Član 8</a:t>
                       </a:r>
-                      <a:r>
-                        <a:rPr lang="en-US" sz="2400" dirty="0">
-                          <a:latin typeface="Arial" panose="020B0604020202020204" pitchFamily="34" charset="0"/>
-                          <a:cs typeface="Arial" panose="020B0604020202020204" pitchFamily="34" charset="0"/>
-                        </a:rPr>
-                        <a:t>8</a:t>
-                      </a:r>
+                      <a:endParaRPr lang="en-US" sz="2000" dirty="0">
+                        <a:latin typeface="Arial" panose="020B0604020202020204" pitchFamily="34" charset="0"/>
+                        <a:cs typeface="Arial" panose="020B0604020202020204" pitchFamily="34" charset="0"/>
+                      </a:endParaRPr>
                     </a:p>
                   </a:txBody>
                   <a:tcPr anchor="ctr"/>
@@ -9520,20 +7469,20 @@
                     <a:bodyPr/>
                     <a:lstStyle/>
                     <a:p>
-                      <a:endParaRPr lang="en-US" sz="1800" dirty="0">
-                        <a:latin typeface="Arial" panose="020B0604020202020204" pitchFamily="34" charset="0"/>
-                        <a:cs typeface="Arial" panose="020B0604020202020204" pitchFamily="34" charset="0"/>
-                      </a:endParaRPr>
-                    </a:p>
-                  </a:txBody>
-                  <a:tcPr anchor="ctr"/>
-                </a:tc>
-                <a:tc>
-                  <a:txBody>
-                    <a:bodyPr/>
-                    <a:lstStyle/>
-                    <a:p>
-                      <a:endParaRPr lang="en-US" sz="1800" dirty="0">
+                      <a:endParaRPr lang="en-US" sz="1600" dirty="0">
+                        <a:latin typeface="Arial" panose="020B0604020202020204" pitchFamily="34" charset="0"/>
+                        <a:cs typeface="Arial" panose="020B0604020202020204" pitchFamily="34" charset="0"/>
+                      </a:endParaRPr>
+                    </a:p>
+                  </a:txBody>
+                  <a:tcPr anchor="ctr"/>
+                </a:tc>
+                <a:tc rowSpan="3">
+                  <a:txBody>
+                    <a:bodyPr/>
+                    <a:lstStyle/>
+                    <a:p>
+                      <a:endParaRPr lang="en-US" sz="1600" dirty="0">
                         <a:latin typeface="Arial" panose="020B0604020202020204" pitchFamily="34" charset="0"/>
                         <a:cs typeface="Arial" panose="020B0604020202020204" pitchFamily="34" charset="0"/>
                       </a:endParaRPr>
@@ -9547,7 +7496,7 @@
                   </a:ext>
                 </a:extLst>
               </a:tr>
-              <a:tr h="388216">
+              <a:tr h="1048447">
                 <a:tc vMerge="1">
                   <a:txBody>
                     <a:bodyPr/>
@@ -9563,15 +7512,15 @@
                     <a:bodyPr/>
                     <a:lstStyle/>
                     <a:p>
-                      <a:endParaRPr lang="en-US" sz="1800" dirty="0">
-                        <a:latin typeface="Arial" panose="020B0604020202020204" pitchFamily="34" charset="0"/>
-                        <a:cs typeface="Arial" panose="020B0604020202020204" pitchFamily="34" charset="0"/>
-                      </a:endParaRPr>
-                    </a:p>
-                  </a:txBody>
-                  <a:tcPr anchor="ctr"/>
-                </a:tc>
-                <a:tc>
+                      <a:endParaRPr lang="en-US" sz="1600" dirty="0">
+                        <a:latin typeface="Arial" panose="020B0604020202020204" pitchFamily="34" charset="0"/>
+                        <a:cs typeface="Arial" panose="020B0604020202020204" pitchFamily="34" charset="0"/>
+                      </a:endParaRPr>
+                    </a:p>
+                  </a:txBody>
+                  <a:tcPr anchor="ctr"/>
+                </a:tc>
+                <a:tc vMerge="1">
                   <a:txBody>
                     <a:bodyPr/>
                     <a:lstStyle/>
@@ -9590,7 +7539,7 @@
                   </a:ext>
                 </a:extLst>
               </a:tr>
-              <a:tr h="388216">
+              <a:tr h="1048447">
                 <a:tc vMerge="1">
                   <a:txBody>
                     <a:bodyPr/>
@@ -9606,250 +7555,15 @@
                     <a:bodyPr/>
                     <a:lstStyle/>
                     <a:p>
-                      <a:endParaRPr lang="en-US" sz="1800" dirty="0">
-                        <a:latin typeface="Arial" panose="020B0604020202020204" pitchFamily="34" charset="0"/>
-                        <a:cs typeface="Arial" panose="020B0604020202020204" pitchFamily="34" charset="0"/>
-                      </a:endParaRPr>
-                    </a:p>
-                  </a:txBody>
-                  <a:tcPr anchor="ctr"/>
-                </a:tc>
-                <a:tc>
-                  <a:txBody>
-                    <a:bodyPr/>
-                    <a:lstStyle/>
-                    <a:p>
-                      <a:endParaRPr lang="en-US" sz="1800" dirty="0">
-                        <a:latin typeface="Arial" panose="020B0604020202020204" pitchFamily="34" charset="0"/>
-                        <a:cs typeface="Arial" panose="020B0604020202020204" pitchFamily="34" charset="0"/>
-                      </a:endParaRPr>
-                    </a:p>
-                  </a:txBody>
-                  <a:tcPr anchor="ctr"/>
-                </a:tc>
-                <a:extLst>
-                  <a:ext uri="{0D108BD9-81ED-4DB2-BD59-A6C34878D82A}">
-                    <a16:rowId xmlns:a16="http://schemas.microsoft.com/office/drawing/2014/main" val="894306909"/>
-                  </a:ext>
-                </a:extLst>
-              </a:tr>
-              <a:tr h="388216">
+                      <a:endParaRPr lang="en-US" sz="1600" dirty="0">
+                        <a:latin typeface="Arial" panose="020B0604020202020204" pitchFamily="34" charset="0"/>
+                        <a:cs typeface="Arial" panose="020B0604020202020204" pitchFamily="34" charset="0"/>
+                      </a:endParaRPr>
+                    </a:p>
+                  </a:txBody>
+                  <a:tcPr anchor="ctr"/>
+                </a:tc>
                 <a:tc vMerge="1">
-                  <a:txBody>
-                    <a:bodyPr/>
-                    <a:lstStyle/>
-                    <a:p>
-                      <a:endParaRPr lang="en-US"/>
-                    </a:p>
-                  </a:txBody>
-                  <a:tcPr/>
-                </a:tc>
-                <a:tc>
-                  <a:txBody>
-                    <a:bodyPr/>
-                    <a:lstStyle/>
-                    <a:p>
-                      <a:endParaRPr lang="en-US" sz="1800" dirty="0">
-                        <a:latin typeface="Arial" panose="020B0604020202020204" pitchFamily="34" charset="0"/>
-                        <a:cs typeface="Arial" panose="020B0604020202020204" pitchFamily="34" charset="0"/>
-                      </a:endParaRPr>
-                    </a:p>
-                  </a:txBody>
-                  <a:tcPr anchor="ctr"/>
-                </a:tc>
-                <a:tc>
-                  <a:txBody>
-                    <a:bodyPr/>
-                    <a:lstStyle/>
-                    <a:p>
-                      <a:endParaRPr lang="en-US" sz="1800" dirty="0">
-                        <a:latin typeface="Arial" panose="020B0604020202020204" pitchFamily="34" charset="0"/>
-                        <a:cs typeface="Arial" panose="020B0604020202020204" pitchFamily="34" charset="0"/>
-                      </a:endParaRPr>
-                    </a:p>
-                  </a:txBody>
-                  <a:tcPr anchor="ctr"/>
-                </a:tc>
-                <a:extLst>
-                  <a:ext uri="{0D108BD9-81ED-4DB2-BD59-A6C34878D82A}">
-                    <a16:rowId xmlns:a16="http://schemas.microsoft.com/office/drawing/2014/main" val="2002167997"/>
-                  </a:ext>
-                </a:extLst>
-              </a:tr>
-              <a:tr h="388216">
-                <a:tc vMerge="1">
-                  <a:txBody>
-                    <a:bodyPr/>
-                    <a:lstStyle/>
-                    <a:p>
-                      <a:r>
-                        <a:rPr lang="sr-Latn-RS" sz="2400" dirty="0">
-                          <a:latin typeface="Arial" panose="020B0604020202020204" pitchFamily="34" charset="0"/>
-                          <a:cs typeface="Arial" panose="020B0604020202020204" pitchFamily="34" charset="0"/>
-                        </a:rPr>
-                        <a:t>Član 4</a:t>
-                      </a:r>
-                      <a:endParaRPr lang="en-US" sz="2400" dirty="0">
-                        <a:latin typeface="Arial" panose="020B0604020202020204" pitchFamily="34" charset="0"/>
-                        <a:cs typeface="Arial" panose="020B0604020202020204" pitchFamily="34" charset="0"/>
-                      </a:endParaRPr>
-                    </a:p>
-                  </a:txBody>
-                  <a:tcPr anchor="ctr">
-                    <a:lnT w="12700" cap="flat" cmpd="sng" algn="ctr">
-                      <a:solidFill>
-                        <a:schemeClr val="tx1"/>
-                      </a:solidFill>
-                      <a:prstDash val="solid"/>
-                      <a:round/>
-                      <a:headEnd type="none" w="med" len="med"/>
-                      <a:tailEnd type="none" w="med" len="med"/>
-                    </a:lnT>
-                  </a:tcPr>
-                </a:tc>
-                <a:tc>
-                  <a:txBody>
-                    <a:bodyPr/>
-                    <a:lstStyle/>
-                    <a:p>
-                      <a:endParaRPr lang="en-US" sz="1800" dirty="0">
-                        <a:latin typeface="Arial" panose="020B0604020202020204" pitchFamily="34" charset="0"/>
-                        <a:cs typeface="Arial" panose="020B0604020202020204" pitchFamily="34" charset="0"/>
-                      </a:endParaRPr>
-                    </a:p>
-                  </a:txBody>
-                  <a:tcPr anchor="ctr"/>
-                </a:tc>
-                <a:tc>
-                  <a:txBody>
-                    <a:bodyPr/>
-                    <a:lstStyle/>
-                    <a:p>
-                      <a:endParaRPr lang="en-US" sz="1800" dirty="0">
-                        <a:latin typeface="Arial" panose="020B0604020202020204" pitchFamily="34" charset="0"/>
-                        <a:cs typeface="Arial" panose="020B0604020202020204" pitchFamily="34" charset="0"/>
-                      </a:endParaRPr>
-                    </a:p>
-                  </a:txBody>
-                  <a:tcPr anchor="ctr"/>
-                </a:tc>
-                <a:extLst>
-                  <a:ext uri="{0D108BD9-81ED-4DB2-BD59-A6C34878D82A}">
-                    <a16:rowId xmlns:a16="http://schemas.microsoft.com/office/drawing/2014/main" val="2258469179"/>
-                  </a:ext>
-                </a:extLst>
-              </a:tr>
-              <a:tr h="388216">
-                <a:tc vMerge="1">
-                  <a:txBody>
-                    <a:bodyPr/>
-                    <a:lstStyle/>
-                    <a:p>
-                      <a:endParaRPr lang="en-US"/>
-                    </a:p>
-                  </a:txBody>
-                  <a:tcPr/>
-                </a:tc>
-                <a:tc>
-                  <a:txBody>
-                    <a:bodyPr/>
-                    <a:lstStyle/>
-                    <a:p>
-                      <a:endParaRPr lang="en-US" sz="1800" dirty="0">
-                        <a:latin typeface="Arial" panose="020B0604020202020204" pitchFamily="34" charset="0"/>
-                        <a:cs typeface="Arial" panose="020B0604020202020204" pitchFamily="34" charset="0"/>
-                      </a:endParaRPr>
-                    </a:p>
-                  </a:txBody>
-                  <a:tcPr anchor="ctr"/>
-                </a:tc>
-                <a:tc>
-                  <a:txBody>
-                    <a:bodyPr/>
-                    <a:lstStyle/>
-                    <a:p>
-                      <a:endParaRPr lang="en-US" sz="1800" dirty="0">
-                        <a:latin typeface="Arial" panose="020B0604020202020204" pitchFamily="34" charset="0"/>
-                        <a:cs typeface="Arial" panose="020B0604020202020204" pitchFamily="34" charset="0"/>
-                      </a:endParaRPr>
-                    </a:p>
-                  </a:txBody>
-                  <a:tcPr anchor="ctr"/>
-                </a:tc>
-                <a:extLst>
-                  <a:ext uri="{0D108BD9-81ED-4DB2-BD59-A6C34878D82A}">
-                    <a16:rowId xmlns:a16="http://schemas.microsoft.com/office/drawing/2014/main" val="3385457170"/>
-                  </a:ext>
-                </a:extLst>
-              </a:tr>
-              <a:tr h="388216">
-                <a:tc vMerge="1">
-                  <a:txBody>
-                    <a:bodyPr/>
-                    <a:lstStyle/>
-                    <a:p>
-                      <a:endParaRPr lang="en-US"/>
-                    </a:p>
-                  </a:txBody>
-                  <a:tcPr/>
-                </a:tc>
-                <a:tc>
-                  <a:txBody>
-                    <a:bodyPr/>
-                    <a:lstStyle/>
-                    <a:p>
-                      <a:endParaRPr lang="en-US" sz="1800" dirty="0">
-                        <a:latin typeface="Arial" panose="020B0604020202020204" pitchFamily="34" charset="0"/>
-                        <a:cs typeface="Arial" panose="020B0604020202020204" pitchFamily="34" charset="0"/>
-                      </a:endParaRPr>
-                    </a:p>
-                  </a:txBody>
-                  <a:tcPr anchor="ctr"/>
-                </a:tc>
-                <a:tc>
-                  <a:txBody>
-                    <a:bodyPr/>
-                    <a:lstStyle/>
-                    <a:p>
-                      <a:endParaRPr lang="en-US" sz="1800" dirty="0">
-                        <a:latin typeface="Arial" panose="020B0604020202020204" pitchFamily="34" charset="0"/>
-                        <a:cs typeface="Arial" panose="020B0604020202020204" pitchFamily="34" charset="0"/>
-                      </a:endParaRPr>
-                    </a:p>
-                  </a:txBody>
-                  <a:tcPr anchor="ctr"/>
-                </a:tc>
-                <a:extLst>
-                  <a:ext uri="{0D108BD9-81ED-4DB2-BD59-A6C34878D82A}">
-                    <a16:rowId xmlns:a16="http://schemas.microsoft.com/office/drawing/2014/main" val="1285668822"/>
-                  </a:ext>
-                </a:extLst>
-              </a:tr>
-              <a:tr h="388216">
-                <a:tc vMerge="1">
-                  <a:txBody>
-                    <a:bodyPr/>
-                    <a:lstStyle/>
-                    <a:p>
-                      <a:endParaRPr lang="en-US"/>
-                    </a:p>
-                  </a:txBody>
-                  <a:tcPr/>
-                </a:tc>
-                <a:tc>
-                  <a:txBody>
-                    <a:bodyPr/>
-                    <a:lstStyle/>
-                    <a:p>
-                      <a:endParaRPr lang="en-US" sz="1800" dirty="0">
-                        <a:latin typeface="Arial" panose="020B0604020202020204" pitchFamily="34" charset="0"/>
-                        <a:cs typeface="Arial" panose="020B0604020202020204" pitchFamily="34" charset="0"/>
-                      </a:endParaRPr>
-                    </a:p>
-                  </a:txBody>
-                  <a:tcPr anchor="ctr"/>
-                </a:tc>
-                <a:tc>
                   <a:txBody>
                     <a:bodyPr/>
                     <a:lstStyle/>
@@ -9875,7 +7589,7 @@
     </p:spTree>
     <p:extLst>
       <p:ext uri="{BB962C8B-B14F-4D97-AF65-F5344CB8AC3E}">
-        <p14:creationId xmlns:p14="http://schemas.microsoft.com/office/powerpoint/2010/main" val="3173171918"/>
+        <p14:creationId xmlns:p14="http://schemas.microsoft.com/office/powerpoint/2010/main" val="1484674832"/>
       </p:ext>
     </p:extLst>
   </p:cSld>
@@ -9917,14 +7631,14 @@
           <p:nvPr>
             <p:extLst>
               <p:ext uri="{D42A27DB-BD31-4B8C-83A1-F6EECF244321}">
-                <p14:modId xmlns:p14="http://schemas.microsoft.com/office/powerpoint/2010/main" val="2693037628"/>
+                <p14:modId xmlns:p14="http://schemas.microsoft.com/office/powerpoint/2010/main" val="1578501798"/>
               </p:ext>
             </p:extLst>
           </p:nvPr>
         </p:nvGraphicFramePr>
         <p:xfrm>
           <a:off x="0" y="-25054"/>
-          <a:ext cx="12204192" cy="6858007"/>
+          <a:ext cx="12204192" cy="6883055"/>
         </p:xfrm>
         <a:graphic>
           <a:graphicData uri="http://schemas.openxmlformats.org/drawingml/2006/table">
@@ -9933,14 +7647,14 @@
                 <a:tableStyleId>{72833802-FEF1-4C79-8D5D-14CF1EAF98D9}</a:tableStyleId>
               </a:tblPr>
               <a:tblGrid>
-                <a:gridCol w="2079321">
+                <a:gridCol w="1815548">
                   <a:extLst>
                     <a:ext uri="{9D8B030D-6E8A-4147-A177-3AD203B41FA5}">
                       <a16:colId xmlns:a16="http://schemas.microsoft.com/office/drawing/2014/main" val="3409782081"/>
                     </a:ext>
                   </a:extLst>
                 </a:gridCol>
-                <a:gridCol w="7784007">
+                <a:gridCol w="8047780">
                   <a:extLst>
                     <a:ext uri="{9D8B030D-6E8A-4147-A177-3AD203B41FA5}">
                       <a16:colId xmlns:a16="http://schemas.microsoft.com/office/drawing/2014/main" val="1209773232"/>
@@ -9955,7 +7669,7 @@
                   </a:extLst>
                 </a:gridCol>
               </a:tblGrid>
-              <a:tr h="590217">
+              <a:tr h="592373">
                 <a:tc>
                   <a:txBody>
                     <a:bodyPr/>
@@ -10022,26 +7736,23 @@
                   </a:ext>
                 </a:extLst>
               </a:tr>
-              <a:tr h="402299">
-                <a:tc rowSpan="8">
+              <a:tr h="1048447">
+                <a:tc rowSpan="3">
                   <a:txBody>
                     <a:bodyPr/>
                     <a:lstStyle/>
                     <a:p>
                       <a:r>
-                        <a:rPr lang="sr-Latn-RS" sz="2400" dirty="0">
+                        <a:rPr lang="sr-Latn-RS" sz="2000" dirty="0">
                           <a:latin typeface="Arial" panose="020B0604020202020204" pitchFamily="34" charset="0"/>
                           <a:cs typeface="Arial" panose="020B0604020202020204" pitchFamily="34" charset="0"/>
                         </a:rPr>
-                        <a:t>Član </a:t>
+                        <a:t>Član 9</a:t>
                       </a:r>
-                      <a:r>
-                        <a:rPr lang="en-US" sz="2400" dirty="0">
-                          <a:latin typeface="Arial" panose="020B0604020202020204" pitchFamily="34" charset="0"/>
-                          <a:cs typeface="Arial" panose="020B0604020202020204" pitchFamily="34" charset="0"/>
-                        </a:rPr>
-                        <a:t>9</a:t>
-                      </a:r>
+                      <a:endParaRPr lang="en-US" sz="2000" dirty="0">
+                        <a:latin typeface="Arial" panose="020B0604020202020204" pitchFamily="34" charset="0"/>
+                        <a:cs typeface="Arial" panose="020B0604020202020204" pitchFamily="34" charset="0"/>
+                      </a:endParaRPr>
                     </a:p>
                   </a:txBody>
                   <a:tcPr anchor="ctr"/>
@@ -10051,20 +7762,20 @@
                     <a:bodyPr/>
                     <a:lstStyle/>
                     <a:p>
-                      <a:endParaRPr lang="en-US" sz="1800" dirty="0">
-                        <a:latin typeface="Arial" panose="020B0604020202020204" pitchFamily="34" charset="0"/>
-                        <a:cs typeface="Arial" panose="020B0604020202020204" pitchFamily="34" charset="0"/>
-                      </a:endParaRPr>
-                    </a:p>
-                  </a:txBody>
-                  <a:tcPr anchor="ctr"/>
-                </a:tc>
-                <a:tc>
-                  <a:txBody>
-                    <a:bodyPr/>
-                    <a:lstStyle/>
-                    <a:p>
-                      <a:endParaRPr lang="en-US" sz="1800" dirty="0">
+                      <a:endParaRPr lang="en-US" sz="1600" dirty="0">
+                        <a:latin typeface="Arial" panose="020B0604020202020204" pitchFamily="34" charset="0"/>
+                        <a:cs typeface="Arial" panose="020B0604020202020204" pitchFamily="34" charset="0"/>
+                      </a:endParaRPr>
+                    </a:p>
+                  </a:txBody>
+                  <a:tcPr anchor="ctr"/>
+                </a:tc>
+                <a:tc rowSpan="3">
+                  <a:txBody>
+                    <a:bodyPr/>
+                    <a:lstStyle/>
+                    <a:p>
+                      <a:endParaRPr lang="en-US" sz="1600" dirty="0">
                         <a:latin typeface="Arial" panose="020B0604020202020204" pitchFamily="34" charset="0"/>
                         <a:cs typeface="Arial" panose="020B0604020202020204" pitchFamily="34" charset="0"/>
                       </a:endParaRPr>
@@ -10078,7 +7789,7 @@
                   </a:ext>
                 </a:extLst>
               </a:tr>
-              <a:tr h="402300">
+              <a:tr h="1048447">
                 <a:tc vMerge="1">
                   <a:txBody>
                     <a:bodyPr/>
@@ -10094,101 +7805,15 @@
                     <a:bodyPr/>
                     <a:lstStyle/>
                     <a:p>
-                      <a:endParaRPr lang="en-US" sz="1800" dirty="0">
-                        <a:latin typeface="Arial" panose="020B0604020202020204" pitchFamily="34" charset="0"/>
-                        <a:cs typeface="Arial" panose="020B0604020202020204" pitchFamily="34" charset="0"/>
-                      </a:endParaRPr>
-                    </a:p>
-                  </a:txBody>
-                  <a:tcPr anchor="ctr"/>
-                </a:tc>
-                <a:tc>
-                  <a:txBody>
-                    <a:bodyPr/>
-                    <a:lstStyle/>
-                    <a:p>
-                      <a:endParaRPr lang="en-US" sz="1800" dirty="0">
-                        <a:latin typeface="Arial" panose="020B0604020202020204" pitchFamily="34" charset="0"/>
-                        <a:cs typeface="Arial" panose="020B0604020202020204" pitchFamily="34" charset="0"/>
-                      </a:endParaRPr>
-                    </a:p>
-                  </a:txBody>
-                  <a:tcPr anchor="ctr"/>
-                </a:tc>
-                <a:extLst>
-                  <a:ext uri="{0D108BD9-81ED-4DB2-BD59-A6C34878D82A}">
-                    <a16:rowId xmlns:a16="http://schemas.microsoft.com/office/drawing/2014/main" val="741495083"/>
-                  </a:ext>
-                </a:extLst>
-              </a:tr>
-              <a:tr h="402300">
+                      <a:endParaRPr lang="en-US" sz="1600" dirty="0">
+                        <a:latin typeface="Arial" panose="020B0604020202020204" pitchFamily="34" charset="0"/>
+                        <a:cs typeface="Arial" panose="020B0604020202020204" pitchFamily="34" charset="0"/>
+                      </a:endParaRPr>
+                    </a:p>
+                  </a:txBody>
+                  <a:tcPr anchor="ctr"/>
+                </a:tc>
                 <a:tc vMerge="1">
-                  <a:txBody>
-                    <a:bodyPr/>
-                    <a:lstStyle/>
-                    <a:p>
-                      <a:endParaRPr lang="en-US"/>
-                    </a:p>
-                  </a:txBody>
-                  <a:tcPr/>
-                </a:tc>
-                <a:tc>
-                  <a:txBody>
-                    <a:bodyPr/>
-                    <a:lstStyle/>
-                    <a:p>
-                      <a:endParaRPr lang="en-US" sz="1800" dirty="0">
-                        <a:latin typeface="Arial" panose="020B0604020202020204" pitchFamily="34" charset="0"/>
-                        <a:cs typeface="Arial" panose="020B0604020202020204" pitchFamily="34" charset="0"/>
-                      </a:endParaRPr>
-                    </a:p>
-                  </a:txBody>
-                  <a:tcPr anchor="ctr"/>
-                </a:tc>
-                <a:tc>
-                  <a:txBody>
-                    <a:bodyPr/>
-                    <a:lstStyle/>
-                    <a:p>
-                      <a:endParaRPr lang="en-US" sz="1800" dirty="0">
-                        <a:latin typeface="Arial" panose="020B0604020202020204" pitchFamily="34" charset="0"/>
-                        <a:cs typeface="Arial" panose="020B0604020202020204" pitchFamily="34" charset="0"/>
-                      </a:endParaRPr>
-                    </a:p>
-                  </a:txBody>
-                  <a:tcPr anchor="ctr"/>
-                </a:tc>
-                <a:extLst>
-                  <a:ext uri="{0D108BD9-81ED-4DB2-BD59-A6C34878D82A}">
-                    <a16:rowId xmlns:a16="http://schemas.microsoft.com/office/drawing/2014/main" val="407375999"/>
-                  </a:ext>
-                </a:extLst>
-              </a:tr>
-              <a:tr h="402299">
-                <a:tc vMerge="1">
-                  <a:txBody>
-                    <a:bodyPr/>
-                    <a:lstStyle/>
-                    <a:p>
-                      <a:endParaRPr lang="en-US"/>
-                    </a:p>
-                  </a:txBody>
-                  <a:tcPr/>
-                </a:tc>
-                <a:tc>
-                  <a:txBody>
-                    <a:bodyPr/>
-                    <a:lstStyle/>
-                    <a:p>
-                      <a:endParaRPr lang="en-US" sz="1800" dirty="0">
-                        <a:latin typeface="Arial" panose="020B0604020202020204" pitchFamily="34" charset="0"/>
-                        <a:cs typeface="Arial" panose="020B0604020202020204" pitchFamily="34" charset="0"/>
-                      </a:endParaRPr>
-                    </a:p>
-                  </a:txBody>
-                  <a:tcPr anchor="ctr"/>
-                </a:tc>
-                <a:tc>
                   <a:txBody>
                     <a:bodyPr/>
                     <a:lstStyle/>
@@ -10207,146 +7832,31 @@
                   </a:ext>
                 </a:extLst>
               </a:tr>
-              <a:tr h="388216">
+              <a:tr h="1048447">
                 <a:tc vMerge="1">
                   <a:txBody>
                     <a:bodyPr/>
                     <a:lstStyle/>
                     <a:p>
-                      <a:r>
-                        <a:rPr lang="sr-Latn-RS" sz="2400" dirty="0">
-                          <a:latin typeface="Arial" panose="020B0604020202020204" pitchFamily="34" charset="0"/>
-                          <a:cs typeface="Arial" panose="020B0604020202020204" pitchFamily="34" charset="0"/>
-                        </a:rPr>
-                        <a:t>Član 2</a:t>
-                      </a:r>
-                      <a:endParaRPr lang="en-US" sz="2400" dirty="0">
-                        <a:latin typeface="Arial" panose="020B0604020202020204" pitchFamily="34" charset="0"/>
-                        <a:cs typeface="Arial" panose="020B0604020202020204" pitchFamily="34" charset="0"/>
-                      </a:endParaRPr>
-                    </a:p>
-                  </a:txBody>
-                  <a:tcPr anchor="ctr">
-                    <a:lnT w="12700" cap="flat" cmpd="sng" algn="ctr">
-                      <a:solidFill>
-                        <a:schemeClr val="tx1"/>
-                      </a:solidFill>
-                      <a:prstDash val="solid"/>
-                      <a:round/>
-                      <a:headEnd type="none" w="med" len="med"/>
-                      <a:tailEnd type="none" w="med" len="med"/>
-                    </a:lnT>
-                    <a:lnB w="12700" cap="flat" cmpd="sng" algn="ctr">
-                      <a:solidFill>
-                        <a:schemeClr val="tx1"/>
-                      </a:solidFill>
-                      <a:prstDash val="solid"/>
-                      <a:round/>
-                      <a:headEnd type="none" w="med" len="med"/>
-                      <a:tailEnd type="none" w="med" len="med"/>
-                    </a:lnB>
-                  </a:tcPr>
+                      <a:endParaRPr lang="en-US"/>
+                    </a:p>
+                  </a:txBody>
+                  <a:tcPr/>
                 </a:tc>
                 <a:tc>
                   <a:txBody>
                     <a:bodyPr/>
                     <a:lstStyle/>
                     <a:p>
-                      <a:endParaRPr lang="en-US" sz="1800" dirty="0">
-                        <a:latin typeface="Arial" panose="020B0604020202020204" pitchFamily="34" charset="0"/>
-                        <a:cs typeface="Arial" panose="020B0604020202020204" pitchFamily="34" charset="0"/>
-                      </a:endParaRPr>
-                    </a:p>
-                  </a:txBody>
-                  <a:tcPr anchor="ctr"/>
-                </a:tc>
-                <a:tc>
-                  <a:txBody>
-                    <a:bodyPr/>
-                    <a:lstStyle/>
-                    <a:p>
-                      <a:endParaRPr lang="en-US" sz="1800" dirty="0">
-                        <a:latin typeface="Arial" panose="020B0604020202020204" pitchFamily="34" charset="0"/>
-                        <a:cs typeface="Arial" panose="020B0604020202020204" pitchFamily="34" charset="0"/>
-                      </a:endParaRPr>
-                    </a:p>
-                  </a:txBody>
-                  <a:tcPr anchor="ctr"/>
-                </a:tc>
-                <a:extLst>
-                  <a:ext uri="{0D108BD9-81ED-4DB2-BD59-A6C34878D82A}">
-                    <a16:rowId xmlns:a16="http://schemas.microsoft.com/office/drawing/2014/main" val="3953925865"/>
-                  </a:ext>
-                </a:extLst>
-              </a:tr>
-              <a:tr h="388216">
+                      <a:endParaRPr lang="en-US" sz="1600" dirty="0">
+                        <a:latin typeface="Arial" panose="020B0604020202020204" pitchFamily="34" charset="0"/>
+                        <a:cs typeface="Arial" panose="020B0604020202020204" pitchFamily="34" charset="0"/>
+                      </a:endParaRPr>
+                    </a:p>
+                  </a:txBody>
+                  <a:tcPr anchor="ctr"/>
+                </a:tc>
                 <a:tc vMerge="1">
-                  <a:txBody>
-                    <a:bodyPr/>
-                    <a:lstStyle/>
-                    <a:p>
-                      <a:endParaRPr lang="en-US"/>
-                    </a:p>
-                  </a:txBody>
-                  <a:tcPr/>
-                </a:tc>
-                <a:tc>
-                  <a:txBody>
-                    <a:bodyPr/>
-                    <a:lstStyle/>
-                    <a:p>
-                      <a:endParaRPr lang="en-US" sz="1800" dirty="0">
-                        <a:latin typeface="Arial" panose="020B0604020202020204" pitchFamily="34" charset="0"/>
-                        <a:cs typeface="Arial" panose="020B0604020202020204" pitchFamily="34" charset="0"/>
-                      </a:endParaRPr>
-                    </a:p>
-                  </a:txBody>
-                  <a:tcPr anchor="ctr"/>
-                </a:tc>
-                <a:tc>
-                  <a:txBody>
-                    <a:bodyPr/>
-                    <a:lstStyle/>
-                    <a:p>
-                      <a:endParaRPr lang="en-US" sz="1800" dirty="0">
-                        <a:latin typeface="Arial" panose="020B0604020202020204" pitchFamily="34" charset="0"/>
-                        <a:cs typeface="Arial" panose="020B0604020202020204" pitchFamily="34" charset="0"/>
-                      </a:endParaRPr>
-                    </a:p>
-                  </a:txBody>
-                  <a:tcPr anchor="ctr"/>
-                </a:tc>
-                <a:extLst>
-                  <a:ext uri="{0D108BD9-81ED-4DB2-BD59-A6C34878D82A}">
-                    <a16:rowId xmlns:a16="http://schemas.microsoft.com/office/drawing/2014/main" val="4196659394"/>
-                  </a:ext>
-                </a:extLst>
-              </a:tr>
-              <a:tr h="388216">
-                <a:tc vMerge="1">
-                  <a:txBody>
-                    <a:bodyPr/>
-                    <a:lstStyle/>
-                    <a:p>
-                      <a:endParaRPr lang="en-US"/>
-                    </a:p>
-                  </a:txBody>
-                  <a:tcPr/>
-                </a:tc>
-                <a:tc>
-                  <a:txBody>
-                    <a:bodyPr/>
-                    <a:lstStyle/>
-                    <a:p>
-                      <a:endParaRPr lang="en-US" sz="1800" dirty="0">
-                        <a:latin typeface="Arial" panose="020B0604020202020204" pitchFamily="34" charset="0"/>
-                        <a:cs typeface="Arial" panose="020B0604020202020204" pitchFamily="34" charset="0"/>
-                      </a:endParaRPr>
-                    </a:p>
-                  </a:txBody>
-                  <a:tcPr anchor="ctr"/>
-                </a:tc>
-                <a:tc>
                   <a:txBody>
                     <a:bodyPr/>
                     <a:lstStyle/>
@@ -10365,69 +7875,23 @@
                   </a:ext>
                 </a:extLst>
               </a:tr>
-              <a:tr h="388216">
-                <a:tc vMerge="1">
-                  <a:txBody>
-                    <a:bodyPr/>
-                    <a:lstStyle/>
-                    <a:p>
-                      <a:endParaRPr lang="en-US"/>
-                    </a:p>
-                  </a:txBody>
-                  <a:tcPr/>
-                </a:tc>
-                <a:tc>
-                  <a:txBody>
-                    <a:bodyPr/>
-                    <a:lstStyle/>
-                    <a:p>
-                      <a:endParaRPr lang="en-US" sz="1800" dirty="0">
-                        <a:latin typeface="Arial" panose="020B0604020202020204" pitchFamily="34" charset="0"/>
-                        <a:cs typeface="Arial" panose="020B0604020202020204" pitchFamily="34" charset="0"/>
-                      </a:endParaRPr>
-                    </a:p>
-                  </a:txBody>
-                  <a:tcPr anchor="ctr"/>
-                </a:tc>
-                <a:tc>
-                  <a:txBody>
-                    <a:bodyPr/>
-                    <a:lstStyle/>
-                    <a:p>
-                      <a:endParaRPr lang="en-US" sz="1800" dirty="0">
-                        <a:latin typeface="Arial" panose="020B0604020202020204" pitchFamily="34" charset="0"/>
-                        <a:cs typeface="Arial" panose="020B0604020202020204" pitchFamily="34" charset="0"/>
-                      </a:endParaRPr>
-                    </a:p>
-                  </a:txBody>
-                  <a:tcPr anchor="ctr"/>
-                </a:tc>
-                <a:extLst>
-                  <a:ext uri="{0D108BD9-81ED-4DB2-BD59-A6C34878D82A}">
-                    <a16:rowId xmlns:a16="http://schemas.microsoft.com/office/drawing/2014/main" val="1164770248"/>
-                  </a:ext>
-                </a:extLst>
-              </a:tr>
-              <a:tr h="388216">
-                <a:tc rowSpan="8">
+              <a:tr h="1048447">
+                <a:tc rowSpan="3">
                   <a:txBody>
                     <a:bodyPr/>
                     <a:lstStyle/>
                     <a:p>
                       <a:r>
-                        <a:rPr lang="sr-Latn-RS" sz="2400" dirty="0">
+                        <a:rPr lang="sr-Latn-RS" sz="2000" dirty="0">
                           <a:latin typeface="Arial" panose="020B0604020202020204" pitchFamily="34" charset="0"/>
                           <a:cs typeface="Arial" panose="020B0604020202020204" pitchFamily="34" charset="0"/>
                         </a:rPr>
-                        <a:t>Član </a:t>
+                        <a:t>Član 10</a:t>
                       </a:r>
-                      <a:r>
-                        <a:rPr lang="en-US" sz="2400" dirty="0">
-                          <a:latin typeface="Arial" panose="020B0604020202020204" pitchFamily="34" charset="0"/>
-                          <a:cs typeface="Arial" panose="020B0604020202020204" pitchFamily="34" charset="0"/>
-                        </a:rPr>
-                        <a:t>10</a:t>
-                      </a:r>
+                      <a:endParaRPr lang="en-US" sz="2000" dirty="0">
+                        <a:latin typeface="Arial" panose="020B0604020202020204" pitchFamily="34" charset="0"/>
+                        <a:cs typeface="Arial" panose="020B0604020202020204" pitchFamily="34" charset="0"/>
+                      </a:endParaRPr>
                     </a:p>
                   </a:txBody>
                   <a:tcPr anchor="ctr"/>
@@ -10437,20 +7901,20 @@
                     <a:bodyPr/>
                     <a:lstStyle/>
                     <a:p>
-                      <a:endParaRPr lang="en-US" sz="1800" dirty="0">
-                        <a:latin typeface="Arial" panose="020B0604020202020204" pitchFamily="34" charset="0"/>
-                        <a:cs typeface="Arial" panose="020B0604020202020204" pitchFamily="34" charset="0"/>
-                      </a:endParaRPr>
-                    </a:p>
-                  </a:txBody>
-                  <a:tcPr anchor="ctr"/>
-                </a:tc>
-                <a:tc>
-                  <a:txBody>
-                    <a:bodyPr/>
-                    <a:lstStyle/>
-                    <a:p>
-                      <a:endParaRPr lang="en-US" sz="1800" dirty="0">
+                      <a:endParaRPr lang="en-US" sz="1600" dirty="0">
+                        <a:latin typeface="Arial" panose="020B0604020202020204" pitchFamily="34" charset="0"/>
+                        <a:cs typeface="Arial" panose="020B0604020202020204" pitchFamily="34" charset="0"/>
+                      </a:endParaRPr>
+                    </a:p>
+                  </a:txBody>
+                  <a:tcPr anchor="ctr"/>
+                </a:tc>
+                <a:tc rowSpan="3">
+                  <a:txBody>
+                    <a:bodyPr/>
+                    <a:lstStyle/>
+                    <a:p>
+                      <a:endParaRPr lang="en-US" sz="1600" dirty="0">
                         <a:latin typeface="Arial" panose="020B0604020202020204" pitchFamily="34" charset="0"/>
                         <a:cs typeface="Arial" panose="020B0604020202020204" pitchFamily="34" charset="0"/>
                       </a:endParaRPr>
@@ -10464,7 +7928,7 @@
                   </a:ext>
                 </a:extLst>
               </a:tr>
-              <a:tr h="388216">
+              <a:tr h="1048447">
                 <a:tc vMerge="1">
                   <a:txBody>
                     <a:bodyPr/>
@@ -10480,15 +7944,15 @@
                     <a:bodyPr/>
                     <a:lstStyle/>
                     <a:p>
-                      <a:endParaRPr lang="en-US" sz="1800" dirty="0">
-                        <a:latin typeface="Arial" panose="020B0604020202020204" pitchFamily="34" charset="0"/>
-                        <a:cs typeface="Arial" panose="020B0604020202020204" pitchFamily="34" charset="0"/>
-                      </a:endParaRPr>
-                    </a:p>
-                  </a:txBody>
-                  <a:tcPr anchor="ctr"/>
-                </a:tc>
-                <a:tc>
+                      <a:endParaRPr lang="en-US" sz="1600" dirty="0">
+                        <a:latin typeface="Arial" panose="020B0604020202020204" pitchFamily="34" charset="0"/>
+                        <a:cs typeface="Arial" panose="020B0604020202020204" pitchFamily="34" charset="0"/>
+                      </a:endParaRPr>
+                    </a:p>
+                  </a:txBody>
+                  <a:tcPr anchor="ctr"/>
+                </a:tc>
+                <a:tc vMerge="1">
                   <a:txBody>
                     <a:bodyPr/>
                     <a:lstStyle/>
@@ -10507,7 +7971,7 @@
                   </a:ext>
                 </a:extLst>
               </a:tr>
-              <a:tr h="388216">
+              <a:tr h="1048447">
                 <a:tc vMerge="1">
                   <a:txBody>
                     <a:bodyPr/>
@@ -10523,250 +7987,15 @@
                     <a:bodyPr/>
                     <a:lstStyle/>
                     <a:p>
-                      <a:endParaRPr lang="en-US" sz="1800" dirty="0">
-                        <a:latin typeface="Arial" panose="020B0604020202020204" pitchFamily="34" charset="0"/>
-                        <a:cs typeface="Arial" panose="020B0604020202020204" pitchFamily="34" charset="0"/>
-                      </a:endParaRPr>
-                    </a:p>
-                  </a:txBody>
-                  <a:tcPr anchor="ctr"/>
-                </a:tc>
-                <a:tc>
-                  <a:txBody>
-                    <a:bodyPr/>
-                    <a:lstStyle/>
-                    <a:p>
-                      <a:endParaRPr lang="en-US" sz="1800" dirty="0">
-                        <a:latin typeface="Arial" panose="020B0604020202020204" pitchFamily="34" charset="0"/>
-                        <a:cs typeface="Arial" panose="020B0604020202020204" pitchFamily="34" charset="0"/>
-                      </a:endParaRPr>
-                    </a:p>
-                  </a:txBody>
-                  <a:tcPr anchor="ctr"/>
-                </a:tc>
-                <a:extLst>
-                  <a:ext uri="{0D108BD9-81ED-4DB2-BD59-A6C34878D82A}">
-                    <a16:rowId xmlns:a16="http://schemas.microsoft.com/office/drawing/2014/main" val="894306909"/>
-                  </a:ext>
-                </a:extLst>
-              </a:tr>
-              <a:tr h="388216">
+                      <a:endParaRPr lang="en-US" sz="1600" dirty="0">
+                        <a:latin typeface="Arial" panose="020B0604020202020204" pitchFamily="34" charset="0"/>
+                        <a:cs typeface="Arial" panose="020B0604020202020204" pitchFamily="34" charset="0"/>
+                      </a:endParaRPr>
+                    </a:p>
+                  </a:txBody>
+                  <a:tcPr anchor="ctr"/>
+                </a:tc>
                 <a:tc vMerge="1">
-                  <a:txBody>
-                    <a:bodyPr/>
-                    <a:lstStyle/>
-                    <a:p>
-                      <a:endParaRPr lang="en-US"/>
-                    </a:p>
-                  </a:txBody>
-                  <a:tcPr/>
-                </a:tc>
-                <a:tc>
-                  <a:txBody>
-                    <a:bodyPr/>
-                    <a:lstStyle/>
-                    <a:p>
-                      <a:endParaRPr lang="en-US" sz="1800" dirty="0">
-                        <a:latin typeface="Arial" panose="020B0604020202020204" pitchFamily="34" charset="0"/>
-                        <a:cs typeface="Arial" panose="020B0604020202020204" pitchFamily="34" charset="0"/>
-                      </a:endParaRPr>
-                    </a:p>
-                  </a:txBody>
-                  <a:tcPr anchor="ctr"/>
-                </a:tc>
-                <a:tc>
-                  <a:txBody>
-                    <a:bodyPr/>
-                    <a:lstStyle/>
-                    <a:p>
-                      <a:endParaRPr lang="en-US" sz="1800" dirty="0">
-                        <a:latin typeface="Arial" panose="020B0604020202020204" pitchFamily="34" charset="0"/>
-                        <a:cs typeface="Arial" panose="020B0604020202020204" pitchFamily="34" charset="0"/>
-                      </a:endParaRPr>
-                    </a:p>
-                  </a:txBody>
-                  <a:tcPr anchor="ctr"/>
-                </a:tc>
-                <a:extLst>
-                  <a:ext uri="{0D108BD9-81ED-4DB2-BD59-A6C34878D82A}">
-                    <a16:rowId xmlns:a16="http://schemas.microsoft.com/office/drawing/2014/main" val="2002167997"/>
-                  </a:ext>
-                </a:extLst>
-              </a:tr>
-              <a:tr h="388216">
-                <a:tc vMerge="1">
-                  <a:txBody>
-                    <a:bodyPr/>
-                    <a:lstStyle/>
-                    <a:p>
-                      <a:r>
-                        <a:rPr lang="sr-Latn-RS" sz="2400" dirty="0">
-                          <a:latin typeface="Arial" panose="020B0604020202020204" pitchFamily="34" charset="0"/>
-                          <a:cs typeface="Arial" panose="020B0604020202020204" pitchFamily="34" charset="0"/>
-                        </a:rPr>
-                        <a:t>Član 4</a:t>
-                      </a:r>
-                      <a:endParaRPr lang="en-US" sz="2400" dirty="0">
-                        <a:latin typeface="Arial" panose="020B0604020202020204" pitchFamily="34" charset="0"/>
-                        <a:cs typeface="Arial" panose="020B0604020202020204" pitchFamily="34" charset="0"/>
-                      </a:endParaRPr>
-                    </a:p>
-                  </a:txBody>
-                  <a:tcPr anchor="ctr">
-                    <a:lnT w="12700" cap="flat" cmpd="sng" algn="ctr">
-                      <a:solidFill>
-                        <a:schemeClr val="tx1"/>
-                      </a:solidFill>
-                      <a:prstDash val="solid"/>
-                      <a:round/>
-                      <a:headEnd type="none" w="med" len="med"/>
-                      <a:tailEnd type="none" w="med" len="med"/>
-                    </a:lnT>
-                  </a:tcPr>
-                </a:tc>
-                <a:tc>
-                  <a:txBody>
-                    <a:bodyPr/>
-                    <a:lstStyle/>
-                    <a:p>
-                      <a:endParaRPr lang="en-US" sz="1800" dirty="0">
-                        <a:latin typeface="Arial" panose="020B0604020202020204" pitchFamily="34" charset="0"/>
-                        <a:cs typeface="Arial" panose="020B0604020202020204" pitchFamily="34" charset="0"/>
-                      </a:endParaRPr>
-                    </a:p>
-                  </a:txBody>
-                  <a:tcPr anchor="ctr"/>
-                </a:tc>
-                <a:tc>
-                  <a:txBody>
-                    <a:bodyPr/>
-                    <a:lstStyle/>
-                    <a:p>
-                      <a:endParaRPr lang="en-US" sz="1800" dirty="0">
-                        <a:latin typeface="Arial" panose="020B0604020202020204" pitchFamily="34" charset="0"/>
-                        <a:cs typeface="Arial" panose="020B0604020202020204" pitchFamily="34" charset="0"/>
-                      </a:endParaRPr>
-                    </a:p>
-                  </a:txBody>
-                  <a:tcPr anchor="ctr"/>
-                </a:tc>
-                <a:extLst>
-                  <a:ext uri="{0D108BD9-81ED-4DB2-BD59-A6C34878D82A}">
-                    <a16:rowId xmlns:a16="http://schemas.microsoft.com/office/drawing/2014/main" val="2258469179"/>
-                  </a:ext>
-                </a:extLst>
-              </a:tr>
-              <a:tr h="388216">
-                <a:tc vMerge="1">
-                  <a:txBody>
-                    <a:bodyPr/>
-                    <a:lstStyle/>
-                    <a:p>
-                      <a:endParaRPr lang="en-US"/>
-                    </a:p>
-                  </a:txBody>
-                  <a:tcPr/>
-                </a:tc>
-                <a:tc>
-                  <a:txBody>
-                    <a:bodyPr/>
-                    <a:lstStyle/>
-                    <a:p>
-                      <a:endParaRPr lang="en-US" sz="1800" dirty="0">
-                        <a:latin typeface="Arial" panose="020B0604020202020204" pitchFamily="34" charset="0"/>
-                        <a:cs typeface="Arial" panose="020B0604020202020204" pitchFamily="34" charset="0"/>
-                      </a:endParaRPr>
-                    </a:p>
-                  </a:txBody>
-                  <a:tcPr anchor="ctr"/>
-                </a:tc>
-                <a:tc>
-                  <a:txBody>
-                    <a:bodyPr/>
-                    <a:lstStyle/>
-                    <a:p>
-                      <a:endParaRPr lang="en-US" sz="1800" dirty="0">
-                        <a:latin typeface="Arial" panose="020B0604020202020204" pitchFamily="34" charset="0"/>
-                        <a:cs typeface="Arial" panose="020B0604020202020204" pitchFamily="34" charset="0"/>
-                      </a:endParaRPr>
-                    </a:p>
-                  </a:txBody>
-                  <a:tcPr anchor="ctr"/>
-                </a:tc>
-                <a:extLst>
-                  <a:ext uri="{0D108BD9-81ED-4DB2-BD59-A6C34878D82A}">
-                    <a16:rowId xmlns:a16="http://schemas.microsoft.com/office/drawing/2014/main" val="3385457170"/>
-                  </a:ext>
-                </a:extLst>
-              </a:tr>
-              <a:tr h="388216">
-                <a:tc vMerge="1">
-                  <a:txBody>
-                    <a:bodyPr/>
-                    <a:lstStyle/>
-                    <a:p>
-                      <a:endParaRPr lang="en-US"/>
-                    </a:p>
-                  </a:txBody>
-                  <a:tcPr/>
-                </a:tc>
-                <a:tc>
-                  <a:txBody>
-                    <a:bodyPr/>
-                    <a:lstStyle/>
-                    <a:p>
-                      <a:endParaRPr lang="en-US" sz="1800" dirty="0">
-                        <a:latin typeface="Arial" panose="020B0604020202020204" pitchFamily="34" charset="0"/>
-                        <a:cs typeface="Arial" panose="020B0604020202020204" pitchFamily="34" charset="0"/>
-                      </a:endParaRPr>
-                    </a:p>
-                  </a:txBody>
-                  <a:tcPr anchor="ctr"/>
-                </a:tc>
-                <a:tc>
-                  <a:txBody>
-                    <a:bodyPr/>
-                    <a:lstStyle/>
-                    <a:p>
-                      <a:endParaRPr lang="en-US" sz="1800" dirty="0">
-                        <a:latin typeface="Arial" panose="020B0604020202020204" pitchFamily="34" charset="0"/>
-                        <a:cs typeface="Arial" panose="020B0604020202020204" pitchFamily="34" charset="0"/>
-                      </a:endParaRPr>
-                    </a:p>
-                  </a:txBody>
-                  <a:tcPr anchor="ctr"/>
-                </a:tc>
-                <a:extLst>
-                  <a:ext uri="{0D108BD9-81ED-4DB2-BD59-A6C34878D82A}">
-                    <a16:rowId xmlns:a16="http://schemas.microsoft.com/office/drawing/2014/main" val="1285668822"/>
-                  </a:ext>
-                </a:extLst>
-              </a:tr>
-              <a:tr h="388216">
-                <a:tc vMerge="1">
-                  <a:txBody>
-                    <a:bodyPr/>
-                    <a:lstStyle/>
-                    <a:p>
-                      <a:endParaRPr lang="en-US"/>
-                    </a:p>
-                  </a:txBody>
-                  <a:tcPr/>
-                </a:tc>
-                <a:tc>
-                  <a:txBody>
-                    <a:bodyPr/>
-                    <a:lstStyle/>
-                    <a:p>
-                      <a:endParaRPr lang="en-US" sz="1800" dirty="0">
-                        <a:latin typeface="Arial" panose="020B0604020202020204" pitchFamily="34" charset="0"/>
-                        <a:cs typeface="Arial" panose="020B0604020202020204" pitchFamily="34" charset="0"/>
-                      </a:endParaRPr>
-                    </a:p>
-                  </a:txBody>
-                  <a:tcPr anchor="ctr"/>
-                </a:tc>
-                <a:tc>
                   <a:txBody>
                     <a:bodyPr/>
                     <a:lstStyle/>
@@ -10792,7 +8021,7 @@
     </p:spTree>
     <p:extLst>
       <p:ext uri="{BB962C8B-B14F-4D97-AF65-F5344CB8AC3E}">
-        <p14:creationId xmlns:p14="http://schemas.microsoft.com/office/powerpoint/2010/main" val="1466351939"/>
+        <p14:creationId xmlns:p14="http://schemas.microsoft.com/office/powerpoint/2010/main" val="3963434091"/>
       </p:ext>
     </p:extLst>
   </p:cSld>
@@ -10834,14 +8063,14 @@
           <p:nvPr>
             <p:extLst>
               <p:ext uri="{D42A27DB-BD31-4B8C-83A1-F6EECF244321}">
-                <p14:modId xmlns:p14="http://schemas.microsoft.com/office/powerpoint/2010/main" val="1645009693"/>
+                <p14:modId xmlns:p14="http://schemas.microsoft.com/office/powerpoint/2010/main" val="4223056450"/>
               </p:ext>
             </p:extLst>
           </p:nvPr>
         </p:nvGraphicFramePr>
         <p:xfrm>
           <a:off x="0" y="-25054"/>
-          <a:ext cx="12204192" cy="6858007"/>
+          <a:ext cx="12204192" cy="6883055"/>
         </p:xfrm>
         <a:graphic>
           <a:graphicData uri="http://schemas.openxmlformats.org/drawingml/2006/table">
@@ -10850,14 +8079,14 @@
                 <a:tableStyleId>{72833802-FEF1-4C79-8D5D-14CF1EAF98D9}</a:tableStyleId>
               </a:tblPr>
               <a:tblGrid>
-                <a:gridCol w="2079321">
+                <a:gridCol w="1815548">
                   <a:extLst>
                     <a:ext uri="{9D8B030D-6E8A-4147-A177-3AD203B41FA5}">
                       <a16:colId xmlns:a16="http://schemas.microsoft.com/office/drawing/2014/main" val="3409782081"/>
                     </a:ext>
                   </a:extLst>
                 </a:gridCol>
-                <a:gridCol w="7784007">
+                <a:gridCol w="8047780">
                   <a:extLst>
                     <a:ext uri="{9D8B030D-6E8A-4147-A177-3AD203B41FA5}">
                       <a16:colId xmlns:a16="http://schemas.microsoft.com/office/drawing/2014/main" val="1209773232"/>
@@ -10872,7 +8101,7 @@
                   </a:extLst>
                 </a:gridCol>
               </a:tblGrid>
-              <a:tr h="590217">
+              <a:tr h="592373">
                 <a:tc>
                   <a:txBody>
                     <a:bodyPr/>
@@ -10939,26 +8168,23 @@
                   </a:ext>
                 </a:extLst>
               </a:tr>
-              <a:tr h="402299">
-                <a:tc rowSpan="8">
+              <a:tr h="1048447">
+                <a:tc rowSpan="3">
                   <a:txBody>
                     <a:bodyPr/>
                     <a:lstStyle/>
                     <a:p>
                       <a:r>
-                        <a:rPr lang="sr-Latn-RS" sz="2400" dirty="0">
+                        <a:rPr lang="sr-Latn-RS" sz="2000" dirty="0">
                           <a:latin typeface="Arial" panose="020B0604020202020204" pitchFamily="34" charset="0"/>
                           <a:cs typeface="Arial" panose="020B0604020202020204" pitchFamily="34" charset="0"/>
                         </a:rPr>
-                        <a:t>Član </a:t>
+                        <a:t>Član 11</a:t>
                       </a:r>
-                      <a:r>
-                        <a:rPr lang="en-US" sz="2400" dirty="0">
-                          <a:latin typeface="Arial" panose="020B0604020202020204" pitchFamily="34" charset="0"/>
-                          <a:cs typeface="Arial" panose="020B0604020202020204" pitchFamily="34" charset="0"/>
-                        </a:rPr>
-                        <a:t>11</a:t>
-                      </a:r>
+                      <a:endParaRPr lang="en-US" sz="2000" dirty="0">
+                        <a:latin typeface="Arial" panose="020B0604020202020204" pitchFamily="34" charset="0"/>
+                        <a:cs typeface="Arial" panose="020B0604020202020204" pitchFamily="34" charset="0"/>
+                      </a:endParaRPr>
                     </a:p>
                   </a:txBody>
                   <a:tcPr anchor="ctr"/>
@@ -10968,20 +8194,20 @@
                     <a:bodyPr/>
                     <a:lstStyle/>
                     <a:p>
-                      <a:endParaRPr lang="en-US" sz="1800" dirty="0">
-                        <a:latin typeface="Arial" panose="020B0604020202020204" pitchFamily="34" charset="0"/>
-                        <a:cs typeface="Arial" panose="020B0604020202020204" pitchFamily="34" charset="0"/>
-                      </a:endParaRPr>
-                    </a:p>
-                  </a:txBody>
-                  <a:tcPr anchor="ctr"/>
-                </a:tc>
-                <a:tc>
-                  <a:txBody>
-                    <a:bodyPr/>
-                    <a:lstStyle/>
-                    <a:p>
-                      <a:endParaRPr lang="en-US" sz="1800" dirty="0">
+                      <a:endParaRPr lang="en-US" sz="1600" dirty="0">
+                        <a:latin typeface="Arial" panose="020B0604020202020204" pitchFamily="34" charset="0"/>
+                        <a:cs typeface="Arial" panose="020B0604020202020204" pitchFamily="34" charset="0"/>
+                      </a:endParaRPr>
+                    </a:p>
+                  </a:txBody>
+                  <a:tcPr anchor="ctr"/>
+                </a:tc>
+                <a:tc rowSpan="3">
+                  <a:txBody>
+                    <a:bodyPr/>
+                    <a:lstStyle/>
+                    <a:p>
+                      <a:endParaRPr lang="en-US" sz="1600" dirty="0">
                         <a:latin typeface="Arial" panose="020B0604020202020204" pitchFamily="34" charset="0"/>
                         <a:cs typeface="Arial" panose="020B0604020202020204" pitchFamily="34" charset="0"/>
                       </a:endParaRPr>
@@ -10995,7 +8221,7 @@
                   </a:ext>
                 </a:extLst>
               </a:tr>
-              <a:tr h="402300">
+              <a:tr h="1048447">
                 <a:tc vMerge="1">
                   <a:txBody>
                     <a:bodyPr/>
@@ -11011,101 +8237,15 @@
                     <a:bodyPr/>
                     <a:lstStyle/>
                     <a:p>
-                      <a:endParaRPr lang="en-US" sz="1800" dirty="0">
-                        <a:latin typeface="Arial" panose="020B0604020202020204" pitchFamily="34" charset="0"/>
-                        <a:cs typeface="Arial" panose="020B0604020202020204" pitchFamily="34" charset="0"/>
-                      </a:endParaRPr>
-                    </a:p>
-                  </a:txBody>
-                  <a:tcPr anchor="ctr"/>
-                </a:tc>
-                <a:tc>
-                  <a:txBody>
-                    <a:bodyPr/>
-                    <a:lstStyle/>
-                    <a:p>
-                      <a:endParaRPr lang="en-US" sz="1800" dirty="0">
-                        <a:latin typeface="Arial" panose="020B0604020202020204" pitchFamily="34" charset="0"/>
-                        <a:cs typeface="Arial" panose="020B0604020202020204" pitchFamily="34" charset="0"/>
-                      </a:endParaRPr>
-                    </a:p>
-                  </a:txBody>
-                  <a:tcPr anchor="ctr"/>
-                </a:tc>
-                <a:extLst>
-                  <a:ext uri="{0D108BD9-81ED-4DB2-BD59-A6C34878D82A}">
-                    <a16:rowId xmlns:a16="http://schemas.microsoft.com/office/drawing/2014/main" val="741495083"/>
-                  </a:ext>
-                </a:extLst>
-              </a:tr>
-              <a:tr h="402300">
+                      <a:endParaRPr lang="en-US" sz="1600" dirty="0">
+                        <a:latin typeface="Arial" panose="020B0604020202020204" pitchFamily="34" charset="0"/>
+                        <a:cs typeface="Arial" panose="020B0604020202020204" pitchFamily="34" charset="0"/>
+                      </a:endParaRPr>
+                    </a:p>
+                  </a:txBody>
+                  <a:tcPr anchor="ctr"/>
+                </a:tc>
                 <a:tc vMerge="1">
-                  <a:txBody>
-                    <a:bodyPr/>
-                    <a:lstStyle/>
-                    <a:p>
-                      <a:endParaRPr lang="en-US"/>
-                    </a:p>
-                  </a:txBody>
-                  <a:tcPr/>
-                </a:tc>
-                <a:tc>
-                  <a:txBody>
-                    <a:bodyPr/>
-                    <a:lstStyle/>
-                    <a:p>
-                      <a:endParaRPr lang="en-US" sz="1800" dirty="0">
-                        <a:latin typeface="Arial" panose="020B0604020202020204" pitchFamily="34" charset="0"/>
-                        <a:cs typeface="Arial" panose="020B0604020202020204" pitchFamily="34" charset="0"/>
-                      </a:endParaRPr>
-                    </a:p>
-                  </a:txBody>
-                  <a:tcPr anchor="ctr"/>
-                </a:tc>
-                <a:tc>
-                  <a:txBody>
-                    <a:bodyPr/>
-                    <a:lstStyle/>
-                    <a:p>
-                      <a:endParaRPr lang="en-US" sz="1800" dirty="0">
-                        <a:latin typeface="Arial" panose="020B0604020202020204" pitchFamily="34" charset="0"/>
-                        <a:cs typeface="Arial" panose="020B0604020202020204" pitchFamily="34" charset="0"/>
-                      </a:endParaRPr>
-                    </a:p>
-                  </a:txBody>
-                  <a:tcPr anchor="ctr"/>
-                </a:tc>
-                <a:extLst>
-                  <a:ext uri="{0D108BD9-81ED-4DB2-BD59-A6C34878D82A}">
-                    <a16:rowId xmlns:a16="http://schemas.microsoft.com/office/drawing/2014/main" val="407375999"/>
-                  </a:ext>
-                </a:extLst>
-              </a:tr>
-              <a:tr h="402299">
-                <a:tc vMerge="1">
-                  <a:txBody>
-                    <a:bodyPr/>
-                    <a:lstStyle/>
-                    <a:p>
-                      <a:endParaRPr lang="en-US"/>
-                    </a:p>
-                  </a:txBody>
-                  <a:tcPr/>
-                </a:tc>
-                <a:tc>
-                  <a:txBody>
-                    <a:bodyPr/>
-                    <a:lstStyle/>
-                    <a:p>
-                      <a:endParaRPr lang="en-US" sz="1800" dirty="0">
-                        <a:latin typeface="Arial" panose="020B0604020202020204" pitchFamily="34" charset="0"/>
-                        <a:cs typeface="Arial" panose="020B0604020202020204" pitchFamily="34" charset="0"/>
-                      </a:endParaRPr>
-                    </a:p>
-                  </a:txBody>
-                  <a:tcPr anchor="ctr"/>
-                </a:tc>
-                <a:tc>
                   <a:txBody>
                     <a:bodyPr/>
                     <a:lstStyle/>
@@ -11124,146 +8264,31 @@
                   </a:ext>
                 </a:extLst>
               </a:tr>
-              <a:tr h="388216">
+              <a:tr h="1048447">
                 <a:tc vMerge="1">
                   <a:txBody>
                     <a:bodyPr/>
                     <a:lstStyle/>
                     <a:p>
-                      <a:r>
-                        <a:rPr lang="sr-Latn-RS" sz="2400" dirty="0">
-                          <a:latin typeface="Arial" panose="020B0604020202020204" pitchFamily="34" charset="0"/>
-                          <a:cs typeface="Arial" panose="020B0604020202020204" pitchFamily="34" charset="0"/>
-                        </a:rPr>
-                        <a:t>Član 2</a:t>
-                      </a:r>
-                      <a:endParaRPr lang="en-US" sz="2400" dirty="0">
-                        <a:latin typeface="Arial" panose="020B0604020202020204" pitchFamily="34" charset="0"/>
-                        <a:cs typeface="Arial" panose="020B0604020202020204" pitchFamily="34" charset="0"/>
-                      </a:endParaRPr>
-                    </a:p>
-                  </a:txBody>
-                  <a:tcPr anchor="ctr">
-                    <a:lnT w="12700" cap="flat" cmpd="sng" algn="ctr">
-                      <a:solidFill>
-                        <a:schemeClr val="tx1"/>
-                      </a:solidFill>
-                      <a:prstDash val="solid"/>
-                      <a:round/>
-                      <a:headEnd type="none" w="med" len="med"/>
-                      <a:tailEnd type="none" w="med" len="med"/>
-                    </a:lnT>
-                    <a:lnB w="12700" cap="flat" cmpd="sng" algn="ctr">
-                      <a:solidFill>
-                        <a:schemeClr val="tx1"/>
-                      </a:solidFill>
-                      <a:prstDash val="solid"/>
-                      <a:round/>
-                      <a:headEnd type="none" w="med" len="med"/>
-                      <a:tailEnd type="none" w="med" len="med"/>
-                    </a:lnB>
-                  </a:tcPr>
+                      <a:endParaRPr lang="en-US"/>
+                    </a:p>
+                  </a:txBody>
+                  <a:tcPr/>
                 </a:tc>
                 <a:tc>
                   <a:txBody>
                     <a:bodyPr/>
                     <a:lstStyle/>
                     <a:p>
-                      <a:endParaRPr lang="en-US" sz="1800" dirty="0">
-                        <a:latin typeface="Arial" panose="020B0604020202020204" pitchFamily="34" charset="0"/>
-                        <a:cs typeface="Arial" panose="020B0604020202020204" pitchFamily="34" charset="0"/>
-                      </a:endParaRPr>
-                    </a:p>
-                  </a:txBody>
-                  <a:tcPr anchor="ctr"/>
-                </a:tc>
-                <a:tc>
-                  <a:txBody>
-                    <a:bodyPr/>
-                    <a:lstStyle/>
-                    <a:p>
-                      <a:endParaRPr lang="en-US" sz="1800" dirty="0">
-                        <a:latin typeface="Arial" panose="020B0604020202020204" pitchFamily="34" charset="0"/>
-                        <a:cs typeface="Arial" panose="020B0604020202020204" pitchFamily="34" charset="0"/>
-                      </a:endParaRPr>
-                    </a:p>
-                  </a:txBody>
-                  <a:tcPr anchor="ctr"/>
-                </a:tc>
-                <a:extLst>
-                  <a:ext uri="{0D108BD9-81ED-4DB2-BD59-A6C34878D82A}">
-                    <a16:rowId xmlns:a16="http://schemas.microsoft.com/office/drawing/2014/main" val="3953925865"/>
-                  </a:ext>
-                </a:extLst>
-              </a:tr>
-              <a:tr h="388216">
+                      <a:endParaRPr lang="en-US" sz="1600" dirty="0">
+                        <a:latin typeface="Arial" panose="020B0604020202020204" pitchFamily="34" charset="0"/>
+                        <a:cs typeface="Arial" panose="020B0604020202020204" pitchFamily="34" charset="0"/>
+                      </a:endParaRPr>
+                    </a:p>
+                  </a:txBody>
+                  <a:tcPr anchor="ctr"/>
+                </a:tc>
                 <a:tc vMerge="1">
-                  <a:txBody>
-                    <a:bodyPr/>
-                    <a:lstStyle/>
-                    <a:p>
-                      <a:endParaRPr lang="en-US"/>
-                    </a:p>
-                  </a:txBody>
-                  <a:tcPr/>
-                </a:tc>
-                <a:tc>
-                  <a:txBody>
-                    <a:bodyPr/>
-                    <a:lstStyle/>
-                    <a:p>
-                      <a:endParaRPr lang="en-US" sz="1800" dirty="0">
-                        <a:latin typeface="Arial" panose="020B0604020202020204" pitchFamily="34" charset="0"/>
-                        <a:cs typeface="Arial" panose="020B0604020202020204" pitchFamily="34" charset="0"/>
-                      </a:endParaRPr>
-                    </a:p>
-                  </a:txBody>
-                  <a:tcPr anchor="ctr"/>
-                </a:tc>
-                <a:tc>
-                  <a:txBody>
-                    <a:bodyPr/>
-                    <a:lstStyle/>
-                    <a:p>
-                      <a:endParaRPr lang="en-US" sz="1800" dirty="0">
-                        <a:latin typeface="Arial" panose="020B0604020202020204" pitchFamily="34" charset="0"/>
-                        <a:cs typeface="Arial" panose="020B0604020202020204" pitchFamily="34" charset="0"/>
-                      </a:endParaRPr>
-                    </a:p>
-                  </a:txBody>
-                  <a:tcPr anchor="ctr"/>
-                </a:tc>
-                <a:extLst>
-                  <a:ext uri="{0D108BD9-81ED-4DB2-BD59-A6C34878D82A}">
-                    <a16:rowId xmlns:a16="http://schemas.microsoft.com/office/drawing/2014/main" val="4196659394"/>
-                  </a:ext>
-                </a:extLst>
-              </a:tr>
-              <a:tr h="388216">
-                <a:tc vMerge="1">
-                  <a:txBody>
-                    <a:bodyPr/>
-                    <a:lstStyle/>
-                    <a:p>
-                      <a:endParaRPr lang="en-US"/>
-                    </a:p>
-                  </a:txBody>
-                  <a:tcPr/>
-                </a:tc>
-                <a:tc>
-                  <a:txBody>
-                    <a:bodyPr/>
-                    <a:lstStyle/>
-                    <a:p>
-                      <a:endParaRPr lang="en-US" sz="1800" dirty="0">
-                        <a:latin typeface="Arial" panose="020B0604020202020204" pitchFamily="34" charset="0"/>
-                        <a:cs typeface="Arial" panose="020B0604020202020204" pitchFamily="34" charset="0"/>
-                      </a:endParaRPr>
-                    </a:p>
-                  </a:txBody>
-                  <a:tcPr anchor="ctr"/>
-                </a:tc>
-                <a:tc>
                   <a:txBody>
                     <a:bodyPr/>
                     <a:lstStyle/>
@@ -11282,69 +8307,23 @@
                   </a:ext>
                 </a:extLst>
               </a:tr>
-              <a:tr h="388216">
-                <a:tc vMerge="1">
-                  <a:txBody>
-                    <a:bodyPr/>
-                    <a:lstStyle/>
-                    <a:p>
-                      <a:endParaRPr lang="en-US"/>
-                    </a:p>
-                  </a:txBody>
-                  <a:tcPr/>
-                </a:tc>
-                <a:tc>
-                  <a:txBody>
-                    <a:bodyPr/>
-                    <a:lstStyle/>
-                    <a:p>
-                      <a:endParaRPr lang="en-US" sz="1800" dirty="0">
-                        <a:latin typeface="Arial" panose="020B0604020202020204" pitchFamily="34" charset="0"/>
-                        <a:cs typeface="Arial" panose="020B0604020202020204" pitchFamily="34" charset="0"/>
-                      </a:endParaRPr>
-                    </a:p>
-                  </a:txBody>
-                  <a:tcPr anchor="ctr"/>
-                </a:tc>
-                <a:tc>
-                  <a:txBody>
-                    <a:bodyPr/>
-                    <a:lstStyle/>
-                    <a:p>
-                      <a:endParaRPr lang="en-US" sz="1800" dirty="0">
-                        <a:latin typeface="Arial" panose="020B0604020202020204" pitchFamily="34" charset="0"/>
-                        <a:cs typeface="Arial" panose="020B0604020202020204" pitchFamily="34" charset="0"/>
-                      </a:endParaRPr>
-                    </a:p>
-                  </a:txBody>
-                  <a:tcPr anchor="ctr"/>
-                </a:tc>
-                <a:extLst>
-                  <a:ext uri="{0D108BD9-81ED-4DB2-BD59-A6C34878D82A}">
-                    <a16:rowId xmlns:a16="http://schemas.microsoft.com/office/drawing/2014/main" val="1164770248"/>
-                  </a:ext>
-                </a:extLst>
-              </a:tr>
-              <a:tr h="388216">
-                <a:tc rowSpan="8">
+              <a:tr h="1048447">
+                <a:tc rowSpan="3">
                   <a:txBody>
                     <a:bodyPr/>
                     <a:lstStyle/>
                     <a:p>
                       <a:r>
-                        <a:rPr lang="sr-Latn-RS" sz="2400" dirty="0">
+                        <a:rPr lang="sr-Latn-RS" sz="2000" dirty="0">
                           <a:latin typeface="Arial" panose="020B0604020202020204" pitchFamily="34" charset="0"/>
                           <a:cs typeface="Arial" panose="020B0604020202020204" pitchFamily="34" charset="0"/>
                         </a:rPr>
-                        <a:t>Član </a:t>
+                        <a:t>Član 12</a:t>
                       </a:r>
-                      <a:r>
-                        <a:rPr lang="en-US" sz="2400" dirty="0">
-                          <a:latin typeface="Arial" panose="020B0604020202020204" pitchFamily="34" charset="0"/>
-                          <a:cs typeface="Arial" panose="020B0604020202020204" pitchFamily="34" charset="0"/>
-                        </a:rPr>
-                        <a:t>12</a:t>
-                      </a:r>
+                      <a:endParaRPr lang="en-US" sz="2000" dirty="0">
+                        <a:latin typeface="Arial" panose="020B0604020202020204" pitchFamily="34" charset="0"/>
+                        <a:cs typeface="Arial" panose="020B0604020202020204" pitchFamily="34" charset="0"/>
+                      </a:endParaRPr>
                     </a:p>
                   </a:txBody>
                   <a:tcPr anchor="ctr"/>
@@ -11354,20 +8333,20 @@
                     <a:bodyPr/>
                     <a:lstStyle/>
                     <a:p>
-                      <a:endParaRPr lang="en-US" sz="1800" dirty="0">
-                        <a:latin typeface="Arial" panose="020B0604020202020204" pitchFamily="34" charset="0"/>
-                        <a:cs typeface="Arial" panose="020B0604020202020204" pitchFamily="34" charset="0"/>
-                      </a:endParaRPr>
-                    </a:p>
-                  </a:txBody>
-                  <a:tcPr anchor="ctr"/>
-                </a:tc>
-                <a:tc>
-                  <a:txBody>
-                    <a:bodyPr/>
-                    <a:lstStyle/>
-                    <a:p>
-                      <a:endParaRPr lang="en-US" sz="1800" dirty="0">
+                      <a:endParaRPr lang="en-US" sz="1600" dirty="0">
+                        <a:latin typeface="Arial" panose="020B0604020202020204" pitchFamily="34" charset="0"/>
+                        <a:cs typeface="Arial" panose="020B0604020202020204" pitchFamily="34" charset="0"/>
+                      </a:endParaRPr>
+                    </a:p>
+                  </a:txBody>
+                  <a:tcPr anchor="ctr"/>
+                </a:tc>
+                <a:tc rowSpan="3">
+                  <a:txBody>
+                    <a:bodyPr/>
+                    <a:lstStyle/>
+                    <a:p>
+                      <a:endParaRPr lang="en-US" sz="1600" dirty="0">
                         <a:latin typeface="Arial" panose="020B0604020202020204" pitchFamily="34" charset="0"/>
                         <a:cs typeface="Arial" panose="020B0604020202020204" pitchFamily="34" charset="0"/>
                       </a:endParaRPr>
@@ -11381,7 +8360,7 @@
                   </a:ext>
                 </a:extLst>
               </a:tr>
-              <a:tr h="388216">
+              <a:tr h="1048447">
                 <a:tc vMerge="1">
                   <a:txBody>
                     <a:bodyPr/>
@@ -11397,15 +8376,15 @@
                     <a:bodyPr/>
                     <a:lstStyle/>
                     <a:p>
-                      <a:endParaRPr lang="en-US" sz="1800" dirty="0">
-                        <a:latin typeface="Arial" panose="020B0604020202020204" pitchFamily="34" charset="0"/>
-                        <a:cs typeface="Arial" panose="020B0604020202020204" pitchFamily="34" charset="0"/>
-                      </a:endParaRPr>
-                    </a:p>
-                  </a:txBody>
-                  <a:tcPr anchor="ctr"/>
-                </a:tc>
-                <a:tc>
+                      <a:endParaRPr lang="en-US" sz="1600" dirty="0">
+                        <a:latin typeface="Arial" panose="020B0604020202020204" pitchFamily="34" charset="0"/>
+                        <a:cs typeface="Arial" panose="020B0604020202020204" pitchFamily="34" charset="0"/>
+                      </a:endParaRPr>
+                    </a:p>
+                  </a:txBody>
+                  <a:tcPr anchor="ctr"/>
+                </a:tc>
+                <a:tc vMerge="1">
                   <a:txBody>
                     <a:bodyPr/>
                     <a:lstStyle/>
@@ -11424,7 +8403,7 @@
                   </a:ext>
                 </a:extLst>
               </a:tr>
-              <a:tr h="388216">
+              <a:tr h="1048447">
                 <a:tc vMerge="1">
                   <a:txBody>
                     <a:bodyPr/>
@@ -11440,250 +8419,15 @@
                     <a:bodyPr/>
                     <a:lstStyle/>
                     <a:p>
-                      <a:endParaRPr lang="en-US" sz="1800" dirty="0">
-                        <a:latin typeface="Arial" panose="020B0604020202020204" pitchFamily="34" charset="0"/>
-                        <a:cs typeface="Arial" panose="020B0604020202020204" pitchFamily="34" charset="0"/>
-                      </a:endParaRPr>
-                    </a:p>
-                  </a:txBody>
-                  <a:tcPr anchor="ctr"/>
-                </a:tc>
-                <a:tc>
-                  <a:txBody>
-                    <a:bodyPr/>
-                    <a:lstStyle/>
-                    <a:p>
-                      <a:endParaRPr lang="en-US" sz="1800" dirty="0">
-                        <a:latin typeface="Arial" panose="020B0604020202020204" pitchFamily="34" charset="0"/>
-                        <a:cs typeface="Arial" panose="020B0604020202020204" pitchFamily="34" charset="0"/>
-                      </a:endParaRPr>
-                    </a:p>
-                  </a:txBody>
-                  <a:tcPr anchor="ctr"/>
-                </a:tc>
-                <a:extLst>
-                  <a:ext uri="{0D108BD9-81ED-4DB2-BD59-A6C34878D82A}">
-                    <a16:rowId xmlns:a16="http://schemas.microsoft.com/office/drawing/2014/main" val="894306909"/>
-                  </a:ext>
-                </a:extLst>
-              </a:tr>
-              <a:tr h="388216">
+                      <a:endParaRPr lang="en-US" sz="1600" dirty="0">
+                        <a:latin typeface="Arial" panose="020B0604020202020204" pitchFamily="34" charset="0"/>
+                        <a:cs typeface="Arial" panose="020B0604020202020204" pitchFamily="34" charset="0"/>
+                      </a:endParaRPr>
+                    </a:p>
+                  </a:txBody>
+                  <a:tcPr anchor="ctr"/>
+                </a:tc>
                 <a:tc vMerge="1">
-                  <a:txBody>
-                    <a:bodyPr/>
-                    <a:lstStyle/>
-                    <a:p>
-                      <a:endParaRPr lang="en-US"/>
-                    </a:p>
-                  </a:txBody>
-                  <a:tcPr/>
-                </a:tc>
-                <a:tc>
-                  <a:txBody>
-                    <a:bodyPr/>
-                    <a:lstStyle/>
-                    <a:p>
-                      <a:endParaRPr lang="en-US" sz="1800" dirty="0">
-                        <a:latin typeface="Arial" panose="020B0604020202020204" pitchFamily="34" charset="0"/>
-                        <a:cs typeface="Arial" panose="020B0604020202020204" pitchFamily="34" charset="0"/>
-                      </a:endParaRPr>
-                    </a:p>
-                  </a:txBody>
-                  <a:tcPr anchor="ctr"/>
-                </a:tc>
-                <a:tc>
-                  <a:txBody>
-                    <a:bodyPr/>
-                    <a:lstStyle/>
-                    <a:p>
-                      <a:endParaRPr lang="en-US" sz="1800" dirty="0">
-                        <a:latin typeface="Arial" panose="020B0604020202020204" pitchFamily="34" charset="0"/>
-                        <a:cs typeface="Arial" panose="020B0604020202020204" pitchFamily="34" charset="0"/>
-                      </a:endParaRPr>
-                    </a:p>
-                  </a:txBody>
-                  <a:tcPr anchor="ctr"/>
-                </a:tc>
-                <a:extLst>
-                  <a:ext uri="{0D108BD9-81ED-4DB2-BD59-A6C34878D82A}">
-                    <a16:rowId xmlns:a16="http://schemas.microsoft.com/office/drawing/2014/main" val="2002167997"/>
-                  </a:ext>
-                </a:extLst>
-              </a:tr>
-              <a:tr h="388216">
-                <a:tc vMerge="1">
-                  <a:txBody>
-                    <a:bodyPr/>
-                    <a:lstStyle/>
-                    <a:p>
-                      <a:r>
-                        <a:rPr lang="sr-Latn-RS" sz="2400" dirty="0">
-                          <a:latin typeface="Arial" panose="020B0604020202020204" pitchFamily="34" charset="0"/>
-                          <a:cs typeface="Arial" panose="020B0604020202020204" pitchFamily="34" charset="0"/>
-                        </a:rPr>
-                        <a:t>Član 4</a:t>
-                      </a:r>
-                      <a:endParaRPr lang="en-US" sz="2400" dirty="0">
-                        <a:latin typeface="Arial" panose="020B0604020202020204" pitchFamily="34" charset="0"/>
-                        <a:cs typeface="Arial" panose="020B0604020202020204" pitchFamily="34" charset="0"/>
-                      </a:endParaRPr>
-                    </a:p>
-                  </a:txBody>
-                  <a:tcPr anchor="ctr">
-                    <a:lnT w="12700" cap="flat" cmpd="sng" algn="ctr">
-                      <a:solidFill>
-                        <a:schemeClr val="tx1"/>
-                      </a:solidFill>
-                      <a:prstDash val="solid"/>
-                      <a:round/>
-                      <a:headEnd type="none" w="med" len="med"/>
-                      <a:tailEnd type="none" w="med" len="med"/>
-                    </a:lnT>
-                  </a:tcPr>
-                </a:tc>
-                <a:tc>
-                  <a:txBody>
-                    <a:bodyPr/>
-                    <a:lstStyle/>
-                    <a:p>
-                      <a:endParaRPr lang="en-US" sz="1800" dirty="0">
-                        <a:latin typeface="Arial" panose="020B0604020202020204" pitchFamily="34" charset="0"/>
-                        <a:cs typeface="Arial" panose="020B0604020202020204" pitchFamily="34" charset="0"/>
-                      </a:endParaRPr>
-                    </a:p>
-                  </a:txBody>
-                  <a:tcPr anchor="ctr"/>
-                </a:tc>
-                <a:tc>
-                  <a:txBody>
-                    <a:bodyPr/>
-                    <a:lstStyle/>
-                    <a:p>
-                      <a:endParaRPr lang="en-US" sz="1800" dirty="0">
-                        <a:latin typeface="Arial" panose="020B0604020202020204" pitchFamily="34" charset="0"/>
-                        <a:cs typeface="Arial" panose="020B0604020202020204" pitchFamily="34" charset="0"/>
-                      </a:endParaRPr>
-                    </a:p>
-                  </a:txBody>
-                  <a:tcPr anchor="ctr"/>
-                </a:tc>
-                <a:extLst>
-                  <a:ext uri="{0D108BD9-81ED-4DB2-BD59-A6C34878D82A}">
-                    <a16:rowId xmlns:a16="http://schemas.microsoft.com/office/drawing/2014/main" val="2258469179"/>
-                  </a:ext>
-                </a:extLst>
-              </a:tr>
-              <a:tr h="388216">
-                <a:tc vMerge="1">
-                  <a:txBody>
-                    <a:bodyPr/>
-                    <a:lstStyle/>
-                    <a:p>
-                      <a:endParaRPr lang="en-US"/>
-                    </a:p>
-                  </a:txBody>
-                  <a:tcPr/>
-                </a:tc>
-                <a:tc>
-                  <a:txBody>
-                    <a:bodyPr/>
-                    <a:lstStyle/>
-                    <a:p>
-                      <a:endParaRPr lang="en-US" sz="1800" dirty="0">
-                        <a:latin typeface="Arial" panose="020B0604020202020204" pitchFamily="34" charset="0"/>
-                        <a:cs typeface="Arial" panose="020B0604020202020204" pitchFamily="34" charset="0"/>
-                      </a:endParaRPr>
-                    </a:p>
-                  </a:txBody>
-                  <a:tcPr anchor="ctr"/>
-                </a:tc>
-                <a:tc>
-                  <a:txBody>
-                    <a:bodyPr/>
-                    <a:lstStyle/>
-                    <a:p>
-                      <a:endParaRPr lang="en-US" sz="1800" dirty="0">
-                        <a:latin typeface="Arial" panose="020B0604020202020204" pitchFamily="34" charset="0"/>
-                        <a:cs typeface="Arial" panose="020B0604020202020204" pitchFamily="34" charset="0"/>
-                      </a:endParaRPr>
-                    </a:p>
-                  </a:txBody>
-                  <a:tcPr anchor="ctr"/>
-                </a:tc>
-                <a:extLst>
-                  <a:ext uri="{0D108BD9-81ED-4DB2-BD59-A6C34878D82A}">
-                    <a16:rowId xmlns:a16="http://schemas.microsoft.com/office/drawing/2014/main" val="3385457170"/>
-                  </a:ext>
-                </a:extLst>
-              </a:tr>
-              <a:tr h="388216">
-                <a:tc vMerge="1">
-                  <a:txBody>
-                    <a:bodyPr/>
-                    <a:lstStyle/>
-                    <a:p>
-                      <a:endParaRPr lang="en-US"/>
-                    </a:p>
-                  </a:txBody>
-                  <a:tcPr/>
-                </a:tc>
-                <a:tc>
-                  <a:txBody>
-                    <a:bodyPr/>
-                    <a:lstStyle/>
-                    <a:p>
-                      <a:endParaRPr lang="en-US" sz="1800" dirty="0">
-                        <a:latin typeface="Arial" panose="020B0604020202020204" pitchFamily="34" charset="0"/>
-                        <a:cs typeface="Arial" panose="020B0604020202020204" pitchFamily="34" charset="0"/>
-                      </a:endParaRPr>
-                    </a:p>
-                  </a:txBody>
-                  <a:tcPr anchor="ctr"/>
-                </a:tc>
-                <a:tc>
-                  <a:txBody>
-                    <a:bodyPr/>
-                    <a:lstStyle/>
-                    <a:p>
-                      <a:endParaRPr lang="en-US" sz="1800" dirty="0">
-                        <a:latin typeface="Arial" panose="020B0604020202020204" pitchFamily="34" charset="0"/>
-                        <a:cs typeface="Arial" panose="020B0604020202020204" pitchFamily="34" charset="0"/>
-                      </a:endParaRPr>
-                    </a:p>
-                  </a:txBody>
-                  <a:tcPr anchor="ctr"/>
-                </a:tc>
-                <a:extLst>
-                  <a:ext uri="{0D108BD9-81ED-4DB2-BD59-A6C34878D82A}">
-                    <a16:rowId xmlns:a16="http://schemas.microsoft.com/office/drawing/2014/main" val="1285668822"/>
-                  </a:ext>
-                </a:extLst>
-              </a:tr>
-              <a:tr h="388216">
-                <a:tc vMerge="1">
-                  <a:txBody>
-                    <a:bodyPr/>
-                    <a:lstStyle/>
-                    <a:p>
-                      <a:endParaRPr lang="en-US"/>
-                    </a:p>
-                  </a:txBody>
-                  <a:tcPr/>
-                </a:tc>
-                <a:tc>
-                  <a:txBody>
-                    <a:bodyPr/>
-                    <a:lstStyle/>
-                    <a:p>
-                      <a:endParaRPr lang="en-US" sz="1800" dirty="0">
-                        <a:latin typeface="Arial" panose="020B0604020202020204" pitchFamily="34" charset="0"/>
-                        <a:cs typeface="Arial" panose="020B0604020202020204" pitchFamily="34" charset="0"/>
-                      </a:endParaRPr>
-                    </a:p>
-                  </a:txBody>
-                  <a:tcPr anchor="ctr"/>
-                </a:tc>
-                <a:tc>
                   <a:txBody>
                     <a:bodyPr/>
                     <a:lstStyle/>
@@ -11709,7 +8453,7 @@
     </p:spTree>
     <p:extLst>
       <p:ext uri="{BB962C8B-B14F-4D97-AF65-F5344CB8AC3E}">
-        <p14:creationId xmlns:p14="http://schemas.microsoft.com/office/powerpoint/2010/main" val="687852587"/>
+        <p14:creationId xmlns:p14="http://schemas.microsoft.com/office/powerpoint/2010/main" val="444505577"/>
       </p:ext>
     </p:extLst>
   </p:cSld>
@@ -11751,14 +8495,14 @@
           <p:nvPr>
             <p:extLst>
               <p:ext uri="{D42A27DB-BD31-4B8C-83A1-F6EECF244321}">
-                <p14:modId xmlns:p14="http://schemas.microsoft.com/office/powerpoint/2010/main" val="3639567905"/>
+                <p14:modId xmlns:p14="http://schemas.microsoft.com/office/powerpoint/2010/main" val="3897106451"/>
               </p:ext>
             </p:extLst>
           </p:nvPr>
         </p:nvGraphicFramePr>
         <p:xfrm>
           <a:off x="0" y="-25054"/>
-          <a:ext cx="12204192" cy="6858007"/>
+          <a:ext cx="12204192" cy="6883055"/>
         </p:xfrm>
         <a:graphic>
           <a:graphicData uri="http://schemas.openxmlformats.org/drawingml/2006/table">
@@ -11767,14 +8511,14 @@
                 <a:tableStyleId>{72833802-FEF1-4C79-8D5D-14CF1EAF98D9}</a:tableStyleId>
               </a:tblPr>
               <a:tblGrid>
-                <a:gridCol w="2079321">
+                <a:gridCol w="1815548">
                   <a:extLst>
                     <a:ext uri="{9D8B030D-6E8A-4147-A177-3AD203B41FA5}">
                       <a16:colId xmlns:a16="http://schemas.microsoft.com/office/drawing/2014/main" val="3409782081"/>
                     </a:ext>
                   </a:extLst>
                 </a:gridCol>
-                <a:gridCol w="7784007">
+                <a:gridCol w="8047780">
                   <a:extLst>
                     <a:ext uri="{9D8B030D-6E8A-4147-A177-3AD203B41FA5}">
                       <a16:colId xmlns:a16="http://schemas.microsoft.com/office/drawing/2014/main" val="1209773232"/>
@@ -11789,7 +8533,7 @@
                   </a:extLst>
                 </a:gridCol>
               </a:tblGrid>
-              <a:tr h="590217">
+              <a:tr h="592373">
                 <a:tc>
                   <a:txBody>
                     <a:bodyPr/>
@@ -11856,26 +8600,23 @@
                   </a:ext>
                 </a:extLst>
               </a:tr>
-              <a:tr h="402299">
-                <a:tc rowSpan="8">
+              <a:tr h="1048447">
+                <a:tc rowSpan="3">
                   <a:txBody>
                     <a:bodyPr/>
                     <a:lstStyle/>
                     <a:p>
                       <a:r>
-                        <a:rPr lang="sr-Latn-RS" sz="2400" dirty="0">
+                        <a:rPr lang="sr-Latn-RS" sz="2000" dirty="0">
                           <a:latin typeface="Arial" panose="020B0604020202020204" pitchFamily="34" charset="0"/>
                           <a:cs typeface="Arial" panose="020B0604020202020204" pitchFamily="34" charset="0"/>
                         </a:rPr>
-                        <a:t>Član </a:t>
+                        <a:t>Član 13</a:t>
                       </a:r>
-                      <a:r>
-                        <a:rPr lang="en-US" sz="2400" dirty="0">
-                          <a:latin typeface="Arial" panose="020B0604020202020204" pitchFamily="34" charset="0"/>
-                          <a:cs typeface="Arial" panose="020B0604020202020204" pitchFamily="34" charset="0"/>
-                        </a:rPr>
-                        <a:t>13</a:t>
-                      </a:r>
+                      <a:endParaRPr lang="en-US" sz="2000" dirty="0">
+                        <a:latin typeface="Arial" panose="020B0604020202020204" pitchFamily="34" charset="0"/>
+                        <a:cs typeface="Arial" panose="020B0604020202020204" pitchFamily="34" charset="0"/>
+                      </a:endParaRPr>
                     </a:p>
                   </a:txBody>
                   <a:tcPr anchor="ctr"/>
@@ -11885,20 +8626,20 @@
                     <a:bodyPr/>
                     <a:lstStyle/>
                     <a:p>
-                      <a:endParaRPr lang="en-US" sz="1800" dirty="0">
-                        <a:latin typeface="Arial" panose="020B0604020202020204" pitchFamily="34" charset="0"/>
-                        <a:cs typeface="Arial" panose="020B0604020202020204" pitchFamily="34" charset="0"/>
-                      </a:endParaRPr>
-                    </a:p>
-                  </a:txBody>
-                  <a:tcPr anchor="ctr"/>
-                </a:tc>
-                <a:tc>
-                  <a:txBody>
-                    <a:bodyPr/>
-                    <a:lstStyle/>
-                    <a:p>
-                      <a:endParaRPr lang="en-US" sz="1800" dirty="0">
+                      <a:endParaRPr lang="en-US" sz="1600" dirty="0">
+                        <a:latin typeface="Arial" panose="020B0604020202020204" pitchFamily="34" charset="0"/>
+                        <a:cs typeface="Arial" panose="020B0604020202020204" pitchFamily="34" charset="0"/>
+                      </a:endParaRPr>
+                    </a:p>
+                  </a:txBody>
+                  <a:tcPr anchor="ctr"/>
+                </a:tc>
+                <a:tc rowSpan="3">
+                  <a:txBody>
+                    <a:bodyPr/>
+                    <a:lstStyle/>
+                    <a:p>
+                      <a:endParaRPr lang="en-US" sz="1600" dirty="0">
                         <a:latin typeface="Arial" panose="020B0604020202020204" pitchFamily="34" charset="0"/>
                         <a:cs typeface="Arial" panose="020B0604020202020204" pitchFamily="34" charset="0"/>
                       </a:endParaRPr>
@@ -11912,7 +8653,7 @@
                   </a:ext>
                 </a:extLst>
               </a:tr>
-              <a:tr h="402300">
+              <a:tr h="1048447">
                 <a:tc vMerge="1">
                   <a:txBody>
                     <a:bodyPr/>
@@ -11928,101 +8669,15 @@
                     <a:bodyPr/>
                     <a:lstStyle/>
                     <a:p>
-                      <a:endParaRPr lang="en-US" sz="1800" dirty="0">
-                        <a:latin typeface="Arial" panose="020B0604020202020204" pitchFamily="34" charset="0"/>
-                        <a:cs typeface="Arial" panose="020B0604020202020204" pitchFamily="34" charset="0"/>
-                      </a:endParaRPr>
-                    </a:p>
-                  </a:txBody>
-                  <a:tcPr anchor="ctr"/>
-                </a:tc>
-                <a:tc>
-                  <a:txBody>
-                    <a:bodyPr/>
-                    <a:lstStyle/>
-                    <a:p>
-                      <a:endParaRPr lang="en-US" sz="1800" dirty="0">
-                        <a:latin typeface="Arial" panose="020B0604020202020204" pitchFamily="34" charset="0"/>
-                        <a:cs typeface="Arial" panose="020B0604020202020204" pitchFamily="34" charset="0"/>
-                      </a:endParaRPr>
-                    </a:p>
-                  </a:txBody>
-                  <a:tcPr anchor="ctr"/>
-                </a:tc>
-                <a:extLst>
-                  <a:ext uri="{0D108BD9-81ED-4DB2-BD59-A6C34878D82A}">
-                    <a16:rowId xmlns:a16="http://schemas.microsoft.com/office/drawing/2014/main" val="741495083"/>
-                  </a:ext>
-                </a:extLst>
-              </a:tr>
-              <a:tr h="402300">
+                      <a:endParaRPr lang="en-US" sz="1600" dirty="0">
+                        <a:latin typeface="Arial" panose="020B0604020202020204" pitchFamily="34" charset="0"/>
+                        <a:cs typeface="Arial" panose="020B0604020202020204" pitchFamily="34" charset="0"/>
+                      </a:endParaRPr>
+                    </a:p>
+                  </a:txBody>
+                  <a:tcPr anchor="ctr"/>
+                </a:tc>
                 <a:tc vMerge="1">
-                  <a:txBody>
-                    <a:bodyPr/>
-                    <a:lstStyle/>
-                    <a:p>
-                      <a:endParaRPr lang="en-US"/>
-                    </a:p>
-                  </a:txBody>
-                  <a:tcPr/>
-                </a:tc>
-                <a:tc>
-                  <a:txBody>
-                    <a:bodyPr/>
-                    <a:lstStyle/>
-                    <a:p>
-                      <a:endParaRPr lang="en-US" sz="1800" dirty="0">
-                        <a:latin typeface="Arial" panose="020B0604020202020204" pitchFamily="34" charset="0"/>
-                        <a:cs typeface="Arial" panose="020B0604020202020204" pitchFamily="34" charset="0"/>
-                      </a:endParaRPr>
-                    </a:p>
-                  </a:txBody>
-                  <a:tcPr anchor="ctr"/>
-                </a:tc>
-                <a:tc>
-                  <a:txBody>
-                    <a:bodyPr/>
-                    <a:lstStyle/>
-                    <a:p>
-                      <a:endParaRPr lang="en-US" sz="1800" dirty="0">
-                        <a:latin typeface="Arial" panose="020B0604020202020204" pitchFamily="34" charset="0"/>
-                        <a:cs typeface="Arial" panose="020B0604020202020204" pitchFamily="34" charset="0"/>
-                      </a:endParaRPr>
-                    </a:p>
-                  </a:txBody>
-                  <a:tcPr anchor="ctr"/>
-                </a:tc>
-                <a:extLst>
-                  <a:ext uri="{0D108BD9-81ED-4DB2-BD59-A6C34878D82A}">
-                    <a16:rowId xmlns:a16="http://schemas.microsoft.com/office/drawing/2014/main" val="407375999"/>
-                  </a:ext>
-                </a:extLst>
-              </a:tr>
-              <a:tr h="402299">
-                <a:tc vMerge="1">
-                  <a:txBody>
-                    <a:bodyPr/>
-                    <a:lstStyle/>
-                    <a:p>
-                      <a:endParaRPr lang="en-US"/>
-                    </a:p>
-                  </a:txBody>
-                  <a:tcPr/>
-                </a:tc>
-                <a:tc>
-                  <a:txBody>
-                    <a:bodyPr/>
-                    <a:lstStyle/>
-                    <a:p>
-                      <a:endParaRPr lang="en-US" sz="1800" dirty="0">
-                        <a:latin typeface="Arial" panose="020B0604020202020204" pitchFamily="34" charset="0"/>
-                        <a:cs typeface="Arial" panose="020B0604020202020204" pitchFamily="34" charset="0"/>
-                      </a:endParaRPr>
-                    </a:p>
-                  </a:txBody>
-                  <a:tcPr anchor="ctr"/>
-                </a:tc>
-                <a:tc>
                   <a:txBody>
                     <a:bodyPr/>
                     <a:lstStyle/>
@@ -12041,146 +8696,31 @@
                   </a:ext>
                 </a:extLst>
               </a:tr>
-              <a:tr h="388216">
+              <a:tr h="1048447">
                 <a:tc vMerge="1">
                   <a:txBody>
                     <a:bodyPr/>
                     <a:lstStyle/>
                     <a:p>
-                      <a:r>
-                        <a:rPr lang="sr-Latn-RS" sz="2400" dirty="0">
-                          <a:latin typeface="Arial" panose="020B0604020202020204" pitchFamily="34" charset="0"/>
-                          <a:cs typeface="Arial" panose="020B0604020202020204" pitchFamily="34" charset="0"/>
-                        </a:rPr>
-                        <a:t>Član 2</a:t>
-                      </a:r>
-                      <a:endParaRPr lang="en-US" sz="2400" dirty="0">
-                        <a:latin typeface="Arial" panose="020B0604020202020204" pitchFamily="34" charset="0"/>
-                        <a:cs typeface="Arial" panose="020B0604020202020204" pitchFamily="34" charset="0"/>
-                      </a:endParaRPr>
-                    </a:p>
-                  </a:txBody>
-                  <a:tcPr anchor="ctr">
-                    <a:lnT w="12700" cap="flat" cmpd="sng" algn="ctr">
-                      <a:solidFill>
-                        <a:schemeClr val="tx1"/>
-                      </a:solidFill>
-                      <a:prstDash val="solid"/>
-                      <a:round/>
-                      <a:headEnd type="none" w="med" len="med"/>
-                      <a:tailEnd type="none" w="med" len="med"/>
-                    </a:lnT>
-                    <a:lnB w="12700" cap="flat" cmpd="sng" algn="ctr">
-                      <a:solidFill>
-                        <a:schemeClr val="tx1"/>
-                      </a:solidFill>
-                      <a:prstDash val="solid"/>
-                      <a:round/>
-                      <a:headEnd type="none" w="med" len="med"/>
-                      <a:tailEnd type="none" w="med" len="med"/>
-                    </a:lnB>
-                  </a:tcPr>
+                      <a:endParaRPr lang="en-US"/>
+                    </a:p>
+                  </a:txBody>
+                  <a:tcPr/>
                 </a:tc>
                 <a:tc>
                   <a:txBody>
                     <a:bodyPr/>
                     <a:lstStyle/>
                     <a:p>
-                      <a:endParaRPr lang="en-US" sz="1800" dirty="0">
-                        <a:latin typeface="Arial" panose="020B0604020202020204" pitchFamily="34" charset="0"/>
-                        <a:cs typeface="Arial" panose="020B0604020202020204" pitchFamily="34" charset="0"/>
-                      </a:endParaRPr>
-                    </a:p>
-                  </a:txBody>
-                  <a:tcPr anchor="ctr"/>
-                </a:tc>
-                <a:tc>
-                  <a:txBody>
-                    <a:bodyPr/>
-                    <a:lstStyle/>
-                    <a:p>
-                      <a:endParaRPr lang="en-US" sz="1800" dirty="0">
-                        <a:latin typeface="Arial" panose="020B0604020202020204" pitchFamily="34" charset="0"/>
-                        <a:cs typeface="Arial" panose="020B0604020202020204" pitchFamily="34" charset="0"/>
-                      </a:endParaRPr>
-                    </a:p>
-                  </a:txBody>
-                  <a:tcPr anchor="ctr"/>
-                </a:tc>
-                <a:extLst>
-                  <a:ext uri="{0D108BD9-81ED-4DB2-BD59-A6C34878D82A}">
-                    <a16:rowId xmlns:a16="http://schemas.microsoft.com/office/drawing/2014/main" val="3953925865"/>
-                  </a:ext>
-                </a:extLst>
-              </a:tr>
-              <a:tr h="388216">
+                      <a:endParaRPr lang="en-US" sz="1600" dirty="0">
+                        <a:latin typeface="Arial" panose="020B0604020202020204" pitchFamily="34" charset="0"/>
+                        <a:cs typeface="Arial" panose="020B0604020202020204" pitchFamily="34" charset="0"/>
+                      </a:endParaRPr>
+                    </a:p>
+                  </a:txBody>
+                  <a:tcPr anchor="ctr"/>
+                </a:tc>
                 <a:tc vMerge="1">
-                  <a:txBody>
-                    <a:bodyPr/>
-                    <a:lstStyle/>
-                    <a:p>
-                      <a:endParaRPr lang="en-US"/>
-                    </a:p>
-                  </a:txBody>
-                  <a:tcPr/>
-                </a:tc>
-                <a:tc>
-                  <a:txBody>
-                    <a:bodyPr/>
-                    <a:lstStyle/>
-                    <a:p>
-                      <a:endParaRPr lang="en-US" sz="1800" dirty="0">
-                        <a:latin typeface="Arial" panose="020B0604020202020204" pitchFamily="34" charset="0"/>
-                        <a:cs typeface="Arial" panose="020B0604020202020204" pitchFamily="34" charset="0"/>
-                      </a:endParaRPr>
-                    </a:p>
-                  </a:txBody>
-                  <a:tcPr anchor="ctr"/>
-                </a:tc>
-                <a:tc>
-                  <a:txBody>
-                    <a:bodyPr/>
-                    <a:lstStyle/>
-                    <a:p>
-                      <a:endParaRPr lang="en-US" sz="1800" dirty="0">
-                        <a:latin typeface="Arial" panose="020B0604020202020204" pitchFamily="34" charset="0"/>
-                        <a:cs typeface="Arial" panose="020B0604020202020204" pitchFamily="34" charset="0"/>
-                      </a:endParaRPr>
-                    </a:p>
-                  </a:txBody>
-                  <a:tcPr anchor="ctr"/>
-                </a:tc>
-                <a:extLst>
-                  <a:ext uri="{0D108BD9-81ED-4DB2-BD59-A6C34878D82A}">
-                    <a16:rowId xmlns:a16="http://schemas.microsoft.com/office/drawing/2014/main" val="4196659394"/>
-                  </a:ext>
-                </a:extLst>
-              </a:tr>
-              <a:tr h="388216">
-                <a:tc vMerge="1">
-                  <a:txBody>
-                    <a:bodyPr/>
-                    <a:lstStyle/>
-                    <a:p>
-                      <a:endParaRPr lang="en-US"/>
-                    </a:p>
-                  </a:txBody>
-                  <a:tcPr/>
-                </a:tc>
-                <a:tc>
-                  <a:txBody>
-                    <a:bodyPr/>
-                    <a:lstStyle/>
-                    <a:p>
-                      <a:endParaRPr lang="en-US" sz="1800" dirty="0">
-                        <a:latin typeface="Arial" panose="020B0604020202020204" pitchFamily="34" charset="0"/>
-                        <a:cs typeface="Arial" panose="020B0604020202020204" pitchFamily="34" charset="0"/>
-                      </a:endParaRPr>
-                    </a:p>
-                  </a:txBody>
-                  <a:tcPr anchor="ctr"/>
-                </a:tc>
-                <a:tc>
                   <a:txBody>
                     <a:bodyPr/>
                     <a:lstStyle/>
@@ -12199,69 +8739,23 @@
                   </a:ext>
                 </a:extLst>
               </a:tr>
-              <a:tr h="388216">
-                <a:tc vMerge="1">
-                  <a:txBody>
-                    <a:bodyPr/>
-                    <a:lstStyle/>
-                    <a:p>
-                      <a:endParaRPr lang="en-US"/>
-                    </a:p>
-                  </a:txBody>
-                  <a:tcPr/>
-                </a:tc>
-                <a:tc>
-                  <a:txBody>
-                    <a:bodyPr/>
-                    <a:lstStyle/>
-                    <a:p>
-                      <a:endParaRPr lang="en-US" sz="1800" dirty="0">
-                        <a:latin typeface="Arial" panose="020B0604020202020204" pitchFamily="34" charset="0"/>
-                        <a:cs typeface="Arial" panose="020B0604020202020204" pitchFamily="34" charset="0"/>
-                      </a:endParaRPr>
-                    </a:p>
-                  </a:txBody>
-                  <a:tcPr anchor="ctr"/>
-                </a:tc>
-                <a:tc>
-                  <a:txBody>
-                    <a:bodyPr/>
-                    <a:lstStyle/>
-                    <a:p>
-                      <a:endParaRPr lang="en-US" sz="1800" dirty="0">
-                        <a:latin typeface="Arial" panose="020B0604020202020204" pitchFamily="34" charset="0"/>
-                        <a:cs typeface="Arial" panose="020B0604020202020204" pitchFamily="34" charset="0"/>
-                      </a:endParaRPr>
-                    </a:p>
-                  </a:txBody>
-                  <a:tcPr anchor="ctr"/>
-                </a:tc>
-                <a:extLst>
-                  <a:ext uri="{0D108BD9-81ED-4DB2-BD59-A6C34878D82A}">
-                    <a16:rowId xmlns:a16="http://schemas.microsoft.com/office/drawing/2014/main" val="1164770248"/>
-                  </a:ext>
-                </a:extLst>
-              </a:tr>
-              <a:tr h="388216">
-                <a:tc rowSpan="8">
+              <a:tr h="1048447">
+                <a:tc rowSpan="3">
                   <a:txBody>
                     <a:bodyPr/>
                     <a:lstStyle/>
                     <a:p>
                       <a:r>
-                        <a:rPr lang="sr-Latn-RS" sz="2400" dirty="0">
+                        <a:rPr lang="sr-Latn-RS" sz="2000" dirty="0">
                           <a:latin typeface="Arial" panose="020B0604020202020204" pitchFamily="34" charset="0"/>
                           <a:cs typeface="Arial" panose="020B0604020202020204" pitchFamily="34" charset="0"/>
                         </a:rPr>
-                        <a:t>Član </a:t>
+                        <a:t>Član 14</a:t>
                       </a:r>
-                      <a:r>
-                        <a:rPr lang="en-US" sz="2400" dirty="0">
-                          <a:latin typeface="Arial" panose="020B0604020202020204" pitchFamily="34" charset="0"/>
-                          <a:cs typeface="Arial" panose="020B0604020202020204" pitchFamily="34" charset="0"/>
-                        </a:rPr>
-                        <a:t>14</a:t>
-                      </a:r>
+                      <a:endParaRPr lang="en-US" sz="2000" dirty="0">
+                        <a:latin typeface="Arial" panose="020B0604020202020204" pitchFamily="34" charset="0"/>
+                        <a:cs typeface="Arial" panose="020B0604020202020204" pitchFamily="34" charset="0"/>
+                      </a:endParaRPr>
                     </a:p>
                   </a:txBody>
                   <a:tcPr anchor="ctr"/>
@@ -12271,20 +8765,20 @@
                     <a:bodyPr/>
                     <a:lstStyle/>
                     <a:p>
-                      <a:endParaRPr lang="en-US" sz="1800" dirty="0">
-                        <a:latin typeface="Arial" panose="020B0604020202020204" pitchFamily="34" charset="0"/>
-                        <a:cs typeface="Arial" panose="020B0604020202020204" pitchFamily="34" charset="0"/>
-                      </a:endParaRPr>
-                    </a:p>
-                  </a:txBody>
-                  <a:tcPr anchor="ctr"/>
-                </a:tc>
-                <a:tc>
-                  <a:txBody>
-                    <a:bodyPr/>
-                    <a:lstStyle/>
-                    <a:p>
-                      <a:endParaRPr lang="en-US" sz="1800" dirty="0">
+                      <a:endParaRPr lang="en-US" sz="1600" dirty="0">
+                        <a:latin typeface="Arial" panose="020B0604020202020204" pitchFamily="34" charset="0"/>
+                        <a:cs typeface="Arial" panose="020B0604020202020204" pitchFamily="34" charset="0"/>
+                      </a:endParaRPr>
+                    </a:p>
+                  </a:txBody>
+                  <a:tcPr anchor="ctr"/>
+                </a:tc>
+                <a:tc rowSpan="3">
+                  <a:txBody>
+                    <a:bodyPr/>
+                    <a:lstStyle/>
+                    <a:p>
+                      <a:endParaRPr lang="en-US" sz="1600" dirty="0">
                         <a:latin typeface="Arial" panose="020B0604020202020204" pitchFamily="34" charset="0"/>
                         <a:cs typeface="Arial" panose="020B0604020202020204" pitchFamily="34" charset="0"/>
                       </a:endParaRPr>
@@ -12298,7 +8792,7 @@
                   </a:ext>
                 </a:extLst>
               </a:tr>
-              <a:tr h="388216">
+              <a:tr h="1048447">
                 <a:tc vMerge="1">
                   <a:txBody>
                     <a:bodyPr/>
@@ -12314,15 +8808,15 @@
                     <a:bodyPr/>
                     <a:lstStyle/>
                     <a:p>
-                      <a:endParaRPr lang="en-US" sz="1800" dirty="0">
-                        <a:latin typeface="Arial" panose="020B0604020202020204" pitchFamily="34" charset="0"/>
-                        <a:cs typeface="Arial" panose="020B0604020202020204" pitchFamily="34" charset="0"/>
-                      </a:endParaRPr>
-                    </a:p>
-                  </a:txBody>
-                  <a:tcPr anchor="ctr"/>
-                </a:tc>
-                <a:tc>
+                      <a:endParaRPr lang="en-US" sz="1600" dirty="0">
+                        <a:latin typeface="Arial" panose="020B0604020202020204" pitchFamily="34" charset="0"/>
+                        <a:cs typeface="Arial" panose="020B0604020202020204" pitchFamily="34" charset="0"/>
+                      </a:endParaRPr>
+                    </a:p>
+                  </a:txBody>
+                  <a:tcPr anchor="ctr"/>
+                </a:tc>
+                <a:tc vMerge="1">
                   <a:txBody>
                     <a:bodyPr/>
                     <a:lstStyle/>
@@ -12341,7 +8835,7 @@
                   </a:ext>
                 </a:extLst>
               </a:tr>
-              <a:tr h="388216">
+              <a:tr h="1048447">
                 <a:tc vMerge="1">
                   <a:txBody>
                     <a:bodyPr/>
@@ -12357,250 +8851,15 @@
                     <a:bodyPr/>
                     <a:lstStyle/>
                     <a:p>
-                      <a:endParaRPr lang="en-US" sz="1800" dirty="0">
-                        <a:latin typeface="Arial" panose="020B0604020202020204" pitchFamily="34" charset="0"/>
-                        <a:cs typeface="Arial" panose="020B0604020202020204" pitchFamily="34" charset="0"/>
-                      </a:endParaRPr>
-                    </a:p>
-                  </a:txBody>
-                  <a:tcPr anchor="ctr"/>
-                </a:tc>
-                <a:tc>
-                  <a:txBody>
-                    <a:bodyPr/>
-                    <a:lstStyle/>
-                    <a:p>
-                      <a:endParaRPr lang="en-US" sz="1800" dirty="0">
-                        <a:latin typeface="Arial" panose="020B0604020202020204" pitchFamily="34" charset="0"/>
-                        <a:cs typeface="Arial" panose="020B0604020202020204" pitchFamily="34" charset="0"/>
-                      </a:endParaRPr>
-                    </a:p>
-                  </a:txBody>
-                  <a:tcPr anchor="ctr"/>
-                </a:tc>
-                <a:extLst>
-                  <a:ext uri="{0D108BD9-81ED-4DB2-BD59-A6C34878D82A}">
-                    <a16:rowId xmlns:a16="http://schemas.microsoft.com/office/drawing/2014/main" val="894306909"/>
-                  </a:ext>
-                </a:extLst>
-              </a:tr>
-              <a:tr h="388216">
+                      <a:endParaRPr lang="en-US" sz="1600" dirty="0">
+                        <a:latin typeface="Arial" panose="020B0604020202020204" pitchFamily="34" charset="0"/>
+                        <a:cs typeface="Arial" panose="020B0604020202020204" pitchFamily="34" charset="0"/>
+                      </a:endParaRPr>
+                    </a:p>
+                  </a:txBody>
+                  <a:tcPr anchor="ctr"/>
+                </a:tc>
                 <a:tc vMerge="1">
-                  <a:txBody>
-                    <a:bodyPr/>
-                    <a:lstStyle/>
-                    <a:p>
-                      <a:endParaRPr lang="en-US"/>
-                    </a:p>
-                  </a:txBody>
-                  <a:tcPr/>
-                </a:tc>
-                <a:tc>
-                  <a:txBody>
-                    <a:bodyPr/>
-                    <a:lstStyle/>
-                    <a:p>
-                      <a:endParaRPr lang="en-US" sz="1800" dirty="0">
-                        <a:latin typeface="Arial" panose="020B0604020202020204" pitchFamily="34" charset="0"/>
-                        <a:cs typeface="Arial" panose="020B0604020202020204" pitchFamily="34" charset="0"/>
-                      </a:endParaRPr>
-                    </a:p>
-                  </a:txBody>
-                  <a:tcPr anchor="ctr"/>
-                </a:tc>
-                <a:tc>
-                  <a:txBody>
-                    <a:bodyPr/>
-                    <a:lstStyle/>
-                    <a:p>
-                      <a:endParaRPr lang="en-US" sz="1800" dirty="0">
-                        <a:latin typeface="Arial" panose="020B0604020202020204" pitchFamily="34" charset="0"/>
-                        <a:cs typeface="Arial" panose="020B0604020202020204" pitchFamily="34" charset="0"/>
-                      </a:endParaRPr>
-                    </a:p>
-                  </a:txBody>
-                  <a:tcPr anchor="ctr"/>
-                </a:tc>
-                <a:extLst>
-                  <a:ext uri="{0D108BD9-81ED-4DB2-BD59-A6C34878D82A}">
-                    <a16:rowId xmlns:a16="http://schemas.microsoft.com/office/drawing/2014/main" val="2002167997"/>
-                  </a:ext>
-                </a:extLst>
-              </a:tr>
-              <a:tr h="388216">
-                <a:tc vMerge="1">
-                  <a:txBody>
-                    <a:bodyPr/>
-                    <a:lstStyle/>
-                    <a:p>
-                      <a:r>
-                        <a:rPr lang="sr-Latn-RS" sz="2400" dirty="0">
-                          <a:latin typeface="Arial" panose="020B0604020202020204" pitchFamily="34" charset="0"/>
-                          <a:cs typeface="Arial" panose="020B0604020202020204" pitchFamily="34" charset="0"/>
-                        </a:rPr>
-                        <a:t>Član 4</a:t>
-                      </a:r>
-                      <a:endParaRPr lang="en-US" sz="2400" dirty="0">
-                        <a:latin typeface="Arial" panose="020B0604020202020204" pitchFamily="34" charset="0"/>
-                        <a:cs typeface="Arial" panose="020B0604020202020204" pitchFamily="34" charset="0"/>
-                      </a:endParaRPr>
-                    </a:p>
-                  </a:txBody>
-                  <a:tcPr anchor="ctr">
-                    <a:lnT w="12700" cap="flat" cmpd="sng" algn="ctr">
-                      <a:solidFill>
-                        <a:schemeClr val="tx1"/>
-                      </a:solidFill>
-                      <a:prstDash val="solid"/>
-                      <a:round/>
-                      <a:headEnd type="none" w="med" len="med"/>
-                      <a:tailEnd type="none" w="med" len="med"/>
-                    </a:lnT>
-                  </a:tcPr>
-                </a:tc>
-                <a:tc>
-                  <a:txBody>
-                    <a:bodyPr/>
-                    <a:lstStyle/>
-                    <a:p>
-                      <a:endParaRPr lang="en-US" sz="1800" dirty="0">
-                        <a:latin typeface="Arial" panose="020B0604020202020204" pitchFamily="34" charset="0"/>
-                        <a:cs typeface="Arial" panose="020B0604020202020204" pitchFamily="34" charset="0"/>
-                      </a:endParaRPr>
-                    </a:p>
-                  </a:txBody>
-                  <a:tcPr anchor="ctr"/>
-                </a:tc>
-                <a:tc>
-                  <a:txBody>
-                    <a:bodyPr/>
-                    <a:lstStyle/>
-                    <a:p>
-                      <a:endParaRPr lang="en-US" sz="1800" dirty="0">
-                        <a:latin typeface="Arial" panose="020B0604020202020204" pitchFamily="34" charset="0"/>
-                        <a:cs typeface="Arial" panose="020B0604020202020204" pitchFamily="34" charset="0"/>
-                      </a:endParaRPr>
-                    </a:p>
-                  </a:txBody>
-                  <a:tcPr anchor="ctr"/>
-                </a:tc>
-                <a:extLst>
-                  <a:ext uri="{0D108BD9-81ED-4DB2-BD59-A6C34878D82A}">
-                    <a16:rowId xmlns:a16="http://schemas.microsoft.com/office/drawing/2014/main" val="2258469179"/>
-                  </a:ext>
-                </a:extLst>
-              </a:tr>
-              <a:tr h="388216">
-                <a:tc vMerge="1">
-                  <a:txBody>
-                    <a:bodyPr/>
-                    <a:lstStyle/>
-                    <a:p>
-                      <a:endParaRPr lang="en-US"/>
-                    </a:p>
-                  </a:txBody>
-                  <a:tcPr/>
-                </a:tc>
-                <a:tc>
-                  <a:txBody>
-                    <a:bodyPr/>
-                    <a:lstStyle/>
-                    <a:p>
-                      <a:endParaRPr lang="en-US" sz="1800" dirty="0">
-                        <a:latin typeface="Arial" panose="020B0604020202020204" pitchFamily="34" charset="0"/>
-                        <a:cs typeface="Arial" panose="020B0604020202020204" pitchFamily="34" charset="0"/>
-                      </a:endParaRPr>
-                    </a:p>
-                  </a:txBody>
-                  <a:tcPr anchor="ctr"/>
-                </a:tc>
-                <a:tc>
-                  <a:txBody>
-                    <a:bodyPr/>
-                    <a:lstStyle/>
-                    <a:p>
-                      <a:endParaRPr lang="en-US" sz="1800" dirty="0">
-                        <a:latin typeface="Arial" panose="020B0604020202020204" pitchFamily="34" charset="0"/>
-                        <a:cs typeface="Arial" panose="020B0604020202020204" pitchFamily="34" charset="0"/>
-                      </a:endParaRPr>
-                    </a:p>
-                  </a:txBody>
-                  <a:tcPr anchor="ctr"/>
-                </a:tc>
-                <a:extLst>
-                  <a:ext uri="{0D108BD9-81ED-4DB2-BD59-A6C34878D82A}">
-                    <a16:rowId xmlns:a16="http://schemas.microsoft.com/office/drawing/2014/main" val="3385457170"/>
-                  </a:ext>
-                </a:extLst>
-              </a:tr>
-              <a:tr h="388216">
-                <a:tc vMerge="1">
-                  <a:txBody>
-                    <a:bodyPr/>
-                    <a:lstStyle/>
-                    <a:p>
-                      <a:endParaRPr lang="en-US"/>
-                    </a:p>
-                  </a:txBody>
-                  <a:tcPr/>
-                </a:tc>
-                <a:tc>
-                  <a:txBody>
-                    <a:bodyPr/>
-                    <a:lstStyle/>
-                    <a:p>
-                      <a:endParaRPr lang="en-US" sz="1800" dirty="0">
-                        <a:latin typeface="Arial" panose="020B0604020202020204" pitchFamily="34" charset="0"/>
-                        <a:cs typeface="Arial" panose="020B0604020202020204" pitchFamily="34" charset="0"/>
-                      </a:endParaRPr>
-                    </a:p>
-                  </a:txBody>
-                  <a:tcPr anchor="ctr"/>
-                </a:tc>
-                <a:tc>
-                  <a:txBody>
-                    <a:bodyPr/>
-                    <a:lstStyle/>
-                    <a:p>
-                      <a:endParaRPr lang="en-US" sz="1800" dirty="0">
-                        <a:latin typeface="Arial" panose="020B0604020202020204" pitchFamily="34" charset="0"/>
-                        <a:cs typeface="Arial" panose="020B0604020202020204" pitchFamily="34" charset="0"/>
-                      </a:endParaRPr>
-                    </a:p>
-                  </a:txBody>
-                  <a:tcPr anchor="ctr"/>
-                </a:tc>
-                <a:extLst>
-                  <a:ext uri="{0D108BD9-81ED-4DB2-BD59-A6C34878D82A}">
-                    <a16:rowId xmlns:a16="http://schemas.microsoft.com/office/drawing/2014/main" val="1285668822"/>
-                  </a:ext>
-                </a:extLst>
-              </a:tr>
-              <a:tr h="388216">
-                <a:tc vMerge="1">
-                  <a:txBody>
-                    <a:bodyPr/>
-                    <a:lstStyle/>
-                    <a:p>
-                      <a:endParaRPr lang="en-US"/>
-                    </a:p>
-                  </a:txBody>
-                  <a:tcPr/>
-                </a:tc>
-                <a:tc>
-                  <a:txBody>
-                    <a:bodyPr/>
-                    <a:lstStyle/>
-                    <a:p>
-                      <a:endParaRPr lang="en-US" sz="1800" dirty="0">
-                        <a:latin typeface="Arial" panose="020B0604020202020204" pitchFamily="34" charset="0"/>
-                        <a:cs typeface="Arial" panose="020B0604020202020204" pitchFamily="34" charset="0"/>
-                      </a:endParaRPr>
-                    </a:p>
-                  </a:txBody>
-                  <a:tcPr anchor="ctr"/>
-                </a:tc>
-                <a:tc>
                   <a:txBody>
                     <a:bodyPr/>
                     <a:lstStyle/>
@@ -12626,7 +8885,7 @@
     </p:spTree>
     <p:extLst>
       <p:ext uri="{BB962C8B-B14F-4D97-AF65-F5344CB8AC3E}">
-        <p14:creationId xmlns:p14="http://schemas.microsoft.com/office/powerpoint/2010/main" val="3732406946"/>
+        <p14:creationId xmlns:p14="http://schemas.microsoft.com/office/powerpoint/2010/main" val="803287834"/>
       </p:ext>
     </p:extLst>
   </p:cSld>
@@ -12668,14 +8927,14 @@
           <p:nvPr>
             <p:extLst>
               <p:ext uri="{D42A27DB-BD31-4B8C-83A1-F6EECF244321}">
-                <p14:modId xmlns:p14="http://schemas.microsoft.com/office/powerpoint/2010/main" val="2950855699"/>
+                <p14:modId xmlns:p14="http://schemas.microsoft.com/office/powerpoint/2010/main" val="3625857845"/>
               </p:ext>
             </p:extLst>
           </p:nvPr>
         </p:nvGraphicFramePr>
         <p:xfrm>
           <a:off x="0" y="-25054"/>
-          <a:ext cx="12204192" cy="6858007"/>
+          <a:ext cx="12204192" cy="6883055"/>
         </p:xfrm>
         <a:graphic>
           <a:graphicData uri="http://schemas.openxmlformats.org/drawingml/2006/table">
@@ -12684,14 +8943,14 @@
                 <a:tableStyleId>{72833802-FEF1-4C79-8D5D-14CF1EAF98D9}</a:tableStyleId>
               </a:tblPr>
               <a:tblGrid>
-                <a:gridCol w="2079321">
+                <a:gridCol w="1815548">
                   <a:extLst>
                     <a:ext uri="{9D8B030D-6E8A-4147-A177-3AD203B41FA5}">
                       <a16:colId xmlns:a16="http://schemas.microsoft.com/office/drawing/2014/main" val="3409782081"/>
                     </a:ext>
                   </a:extLst>
                 </a:gridCol>
-                <a:gridCol w="7784007">
+                <a:gridCol w="8047780">
                   <a:extLst>
                     <a:ext uri="{9D8B030D-6E8A-4147-A177-3AD203B41FA5}">
                       <a16:colId xmlns:a16="http://schemas.microsoft.com/office/drawing/2014/main" val="1209773232"/>
@@ -12706,7 +8965,7 @@
                   </a:extLst>
                 </a:gridCol>
               </a:tblGrid>
-              <a:tr h="590217">
+              <a:tr h="592373">
                 <a:tc>
                   <a:txBody>
                     <a:bodyPr/>
@@ -12773,26 +9032,23 @@
                   </a:ext>
                 </a:extLst>
               </a:tr>
-              <a:tr h="402299">
-                <a:tc rowSpan="8">
+              <a:tr h="1048447">
+                <a:tc rowSpan="3">
                   <a:txBody>
                     <a:bodyPr/>
                     <a:lstStyle/>
                     <a:p>
                       <a:r>
-                        <a:rPr lang="sr-Latn-RS" sz="2400" dirty="0">
+                        <a:rPr lang="sr-Latn-RS" sz="2000" dirty="0">
                           <a:latin typeface="Arial" panose="020B0604020202020204" pitchFamily="34" charset="0"/>
                           <a:cs typeface="Arial" panose="020B0604020202020204" pitchFamily="34" charset="0"/>
                         </a:rPr>
-                        <a:t>Član </a:t>
+                        <a:t>Član 15</a:t>
                       </a:r>
-                      <a:r>
-                        <a:rPr lang="en-US" sz="2400" dirty="0">
-                          <a:latin typeface="Arial" panose="020B0604020202020204" pitchFamily="34" charset="0"/>
-                          <a:cs typeface="Arial" panose="020B0604020202020204" pitchFamily="34" charset="0"/>
-                        </a:rPr>
-                        <a:t>15</a:t>
-                      </a:r>
+                      <a:endParaRPr lang="en-US" sz="2000" dirty="0">
+                        <a:latin typeface="Arial" panose="020B0604020202020204" pitchFamily="34" charset="0"/>
+                        <a:cs typeface="Arial" panose="020B0604020202020204" pitchFamily="34" charset="0"/>
+                      </a:endParaRPr>
                     </a:p>
                   </a:txBody>
                   <a:tcPr anchor="ctr"/>
@@ -12802,20 +9058,20 @@
                     <a:bodyPr/>
                     <a:lstStyle/>
                     <a:p>
-                      <a:endParaRPr lang="en-US" sz="1800" dirty="0">
-                        <a:latin typeface="Arial" panose="020B0604020202020204" pitchFamily="34" charset="0"/>
-                        <a:cs typeface="Arial" panose="020B0604020202020204" pitchFamily="34" charset="0"/>
-                      </a:endParaRPr>
-                    </a:p>
-                  </a:txBody>
-                  <a:tcPr anchor="ctr"/>
-                </a:tc>
-                <a:tc>
-                  <a:txBody>
-                    <a:bodyPr/>
-                    <a:lstStyle/>
-                    <a:p>
-                      <a:endParaRPr lang="en-US" sz="1800" dirty="0">
+                      <a:endParaRPr lang="en-US" sz="1600" dirty="0">
+                        <a:latin typeface="Arial" panose="020B0604020202020204" pitchFamily="34" charset="0"/>
+                        <a:cs typeface="Arial" panose="020B0604020202020204" pitchFamily="34" charset="0"/>
+                      </a:endParaRPr>
+                    </a:p>
+                  </a:txBody>
+                  <a:tcPr anchor="ctr"/>
+                </a:tc>
+                <a:tc rowSpan="3">
+                  <a:txBody>
+                    <a:bodyPr/>
+                    <a:lstStyle/>
+                    <a:p>
+                      <a:endParaRPr lang="en-US" sz="1600" dirty="0">
                         <a:latin typeface="Arial" panose="020B0604020202020204" pitchFamily="34" charset="0"/>
                         <a:cs typeface="Arial" panose="020B0604020202020204" pitchFamily="34" charset="0"/>
                       </a:endParaRPr>
@@ -12829,7 +9085,7 @@
                   </a:ext>
                 </a:extLst>
               </a:tr>
-              <a:tr h="402300">
+              <a:tr h="1048447">
                 <a:tc vMerge="1">
                   <a:txBody>
                     <a:bodyPr/>
@@ -12845,101 +9101,15 @@
                     <a:bodyPr/>
                     <a:lstStyle/>
                     <a:p>
-                      <a:endParaRPr lang="en-US" sz="1800" dirty="0">
-                        <a:latin typeface="Arial" panose="020B0604020202020204" pitchFamily="34" charset="0"/>
-                        <a:cs typeface="Arial" panose="020B0604020202020204" pitchFamily="34" charset="0"/>
-                      </a:endParaRPr>
-                    </a:p>
-                  </a:txBody>
-                  <a:tcPr anchor="ctr"/>
-                </a:tc>
-                <a:tc>
-                  <a:txBody>
-                    <a:bodyPr/>
-                    <a:lstStyle/>
-                    <a:p>
-                      <a:endParaRPr lang="en-US" sz="1800" dirty="0">
-                        <a:latin typeface="Arial" panose="020B0604020202020204" pitchFamily="34" charset="0"/>
-                        <a:cs typeface="Arial" panose="020B0604020202020204" pitchFamily="34" charset="0"/>
-                      </a:endParaRPr>
-                    </a:p>
-                  </a:txBody>
-                  <a:tcPr anchor="ctr"/>
-                </a:tc>
-                <a:extLst>
-                  <a:ext uri="{0D108BD9-81ED-4DB2-BD59-A6C34878D82A}">
-                    <a16:rowId xmlns:a16="http://schemas.microsoft.com/office/drawing/2014/main" val="741495083"/>
-                  </a:ext>
-                </a:extLst>
-              </a:tr>
-              <a:tr h="402300">
+                      <a:endParaRPr lang="en-US" sz="1600" dirty="0">
+                        <a:latin typeface="Arial" panose="020B0604020202020204" pitchFamily="34" charset="0"/>
+                        <a:cs typeface="Arial" panose="020B0604020202020204" pitchFamily="34" charset="0"/>
+                      </a:endParaRPr>
+                    </a:p>
+                  </a:txBody>
+                  <a:tcPr anchor="ctr"/>
+                </a:tc>
                 <a:tc vMerge="1">
-                  <a:txBody>
-                    <a:bodyPr/>
-                    <a:lstStyle/>
-                    <a:p>
-                      <a:endParaRPr lang="en-US"/>
-                    </a:p>
-                  </a:txBody>
-                  <a:tcPr/>
-                </a:tc>
-                <a:tc>
-                  <a:txBody>
-                    <a:bodyPr/>
-                    <a:lstStyle/>
-                    <a:p>
-                      <a:endParaRPr lang="en-US" sz="1800" dirty="0">
-                        <a:latin typeface="Arial" panose="020B0604020202020204" pitchFamily="34" charset="0"/>
-                        <a:cs typeface="Arial" panose="020B0604020202020204" pitchFamily="34" charset="0"/>
-                      </a:endParaRPr>
-                    </a:p>
-                  </a:txBody>
-                  <a:tcPr anchor="ctr"/>
-                </a:tc>
-                <a:tc>
-                  <a:txBody>
-                    <a:bodyPr/>
-                    <a:lstStyle/>
-                    <a:p>
-                      <a:endParaRPr lang="en-US" sz="1800" dirty="0">
-                        <a:latin typeface="Arial" panose="020B0604020202020204" pitchFamily="34" charset="0"/>
-                        <a:cs typeface="Arial" panose="020B0604020202020204" pitchFamily="34" charset="0"/>
-                      </a:endParaRPr>
-                    </a:p>
-                  </a:txBody>
-                  <a:tcPr anchor="ctr"/>
-                </a:tc>
-                <a:extLst>
-                  <a:ext uri="{0D108BD9-81ED-4DB2-BD59-A6C34878D82A}">
-                    <a16:rowId xmlns:a16="http://schemas.microsoft.com/office/drawing/2014/main" val="407375999"/>
-                  </a:ext>
-                </a:extLst>
-              </a:tr>
-              <a:tr h="402299">
-                <a:tc vMerge="1">
-                  <a:txBody>
-                    <a:bodyPr/>
-                    <a:lstStyle/>
-                    <a:p>
-                      <a:endParaRPr lang="en-US"/>
-                    </a:p>
-                  </a:txBody>
-                  <a:tcPr/>
-                </a:tc>
-                <a:tc>
-                  <a:txBody>
-                    <a:bodyPr/>
-                    <a:lstStyle/>
-                    <a:p>
-                      <a:endParaRPr lang="en-US" sz="1800" dirty="0">
-                        <a:latin typeface="Arial" panose="020B0604020202020204" pitchFamily="34" charset="0"/>
-                        <a:cs typeface="Arial" panose="020B0604020202020204" pitchFamily="34" charset="0"/>
-                      </a:endParaRPr>
-                    </a:p>
-                  </a:txBody>
-                  <a:tcPr anchor="ctr"/>
-                </a:tc>
-                <a:tc>
                   <a:txBody>
                     <a:bodyPr/>
                     <a:lstStyle/>
@@ -12958,146 +9128,31 @@
                   </a:ext>
                 </a:extLst>
               </a:tr>
-              <a:tr h="388216">
+              <a:tr h="1048447">
                 <a:tc vMerge="1">
                   <a:txBody>
                     <a:bodyPr/>
                     <a:lstStyle/>
                     <a:p>
-                      <a:r>
-                        <a:rPr lang="sr-Latn-RS" sz="2400" dirty="0">
-                          <a:latin typeface="Arial" panose="020B0604020202020204" pitchFamily="34" charset="0"/>
-                          <a:cs typeface="Arial" panose="020B0604020202020204" pitchFamily="34" charset="0"/>
-                        </a:rPr>
-                        <a:t>Član 2</a:t>
-                      </a:r>
-                      <a:endParaRPr lang="en-US" sz="2400" dirty="0">
-                        <a:latin typeface="Arial" panose="020B0604020202020204" pitchFamily="34" charset="0"/>
-                        <a:cs typeface="Arial" panose="020B0604020202020204" pitchFamily="34" charset="0"/>
-                      </a:endParaRPr>
-                    </a:p>
-                  </a:txBody>
-                  <a:tcPr anchor="ctr">
-                    <a:lnT w="12700" cap="flat" cmpd="sng" algn="ctr">
-                      <a:solidFill>
-                        <a:schemeClr val="tx1"/>
-                      </a:solidFill>
-                      <a:prstDash val="solid"/>
-                      <a:round/>
-                      <a:headEnd type="none" w="med" len="med"/>
-                      <a:tailEnd type="none" w="med" len="med"/>
-                    </a:lnT>
-                    <a:lnB w="12700" cap="flat" cmpd="sng" algn="ctr">
-                      <a:solidFill>
-                        <a:schemeClr val="tx1"/>
-                      </a:solidFill>
-                      <a:prstDash val="solid"/>
-                      <a:round/>
-                      <a:headEnd type="none" w="med" len="med"/>
-                      <a:tailEnd type="none" w="med" len="med"/>
-                    </a:lnB>
-                  </a:tcPr>
+                      <a:endParaRPr lang="en-US"/>
+                    </a:p>
+                  </a:txBody>
+                  <a:tcPr/>
                 </a:tc>
                 <a:tc>
                   <a:txBody>
                     <a:bodyPr/>
                     <a:lstStyle/>
                     <a:p>
-                      <a:endParaRPr lang="en-US" sz="1800" dirty="0">
-                        <a:latin typeface="Arial" panose="020B0604020202020204" pitchFamily="34" charset="0"/>
-                        <a:cs typeface="Arial" panose="020B0604020202020204" pitchFamily="34" charset="0"/>
-                      </a:endParaRPr>
-                    </a:p>
-                  </a:txBody>
-                  <a:tcPr anchor="ctr"/>
-                </a:tc>
-                <a:tc>
-                  <a:txBody>
-                    <a:bodyPr/>
-                    <a:lstStyle/>
-                    <a:p>
-                      <a:endParaRPr lang="en-US" sz="1800" dirty="0">
-                        <a:latin typeface="Arial" panose="020B0604020202020204" pitchFamily="34" charset="0"/>
-                        <a:cs typeface="Arial" panose="020B0604020202020204" pitchFamily="34" charset="0"/>
-                      </a:endParaRPr>
-                    </a:p>
-                  </a:txBody>
-                  <a:tcPr anchor="ctr"/>
-                </a:tc>
-                <a:extLst>
-                  <a:ext uri="{0D108BD9-81ED-4DB2-BD59-A6C34878D82A}">
-                    <a16:rowId xmlns:a16="http://schemas.microsoft.com/office/drawing/2014/main" val="3953925865"/>
-                  </a:ext>
-                </a:extLst>
-              </a:tr>
-              <a:tr h="388216">
+                      <a:endParaRPr lang="en-US" sz="1600" dirty="0">
+                        <a:latin typeface="Arial" panose="020B0604020202020204" pitchFamily="34" charset="0"/>
+                        <a:cs typeface="Arial" panose="020B0604020202020204" pitchFamily="34" charset="0"/>
+                      </a:endParaRPr>
+                    </a:p>
+                  </a:txBody>
+                  <a:tcPr anchor="ctr"/>
+                </a:tc>
                 <a:tc vMerge="1">
-                  <a:txBody>
-                    <a:bodyPr/>
-                    <a:lstStyle/>
-                    <a:p>
-                      <a:endParaRPr lang="en-US"/>
-                    </a:p>
-                  </a:txBody>
-                  <a:tcPr/>
-                </a:tc>
-                <a:tc>
-                  <a:txBody>
-                    <a:bodyPr/>
-                    <a:lstStyle/>
-                    <a:p>
-                      <a:endParaRPr lang="en-US" sz="1800" dirty="0">
-                        <a:latin typeface="Arial" panose="020B0604020202020204" pitchFamily="34" charset="0"/>
-                        <a:cs typeface="Arial" panose="020B0604020202020204" pitchFamily="34" charset="0"/>
-                      </a:endParaRPr>
-                    </a:p>
-                  </a:txBody>
-                  <a:tcPr anchor="ctr"/>
-                </a:tc>
-                <a:tc>
-                  <a:txBody>
-                    <a:bodyPr/>
-                    <a:lstStyle/>
-                    <a:p>
-                      <a:endParaRPr lang="en-US" sz="1800" dirty="0">
-                        <a:latin typeface="Arial" panose="020B0604020202020204" pitchFamily="34" charset="0"/>
-                        <a:cs typeface="Arial" panose="020B0604020202020204" pitchFamily="34" charset="0"/>
-                      </a:endParaRPr>
-                    </a:p>
-                  </a:txBody>
-                  <a:tcPr anchor="ctr"/>
-                </a:tc>
-                <a:extLst>
-                  <a:ext uri="{0D108BD9-81ED-4DB2-BD59-A6C34878D82A}">
-                    <a16:rowId xmlns:a16="http://schemas.microsoft.com/office/drawing/2014/main" val="4196659394"/>
-                  </a:ext>
-                </a:extLst>
-              </a:tr>
-              <a:tr h="388216">
-                <a:tc vMerge="1">
-                  <a:txBody>
-                    <a:bodyPr/>
-                    <a:lstStyle/>
-                    <a:p>
-                      <a:endParaRPr lang="en-US"/>
-                    </a:p>
-                  </a:txBody>
-                  <a:tcPr/>
-                </a:tc>
-                <a:tc>
-                  <a:txBody>
-                    <a:bodyPr/>
-                    <a:lstStyle/>
-                    <a:p>
-                      <a:endParaRPr lang="en-US" sz="1800" dirty="0">
-                        <a:latin typeface="Arial" panose="020B0604020202020204" pitchFamily="34" charset="0"/>
-                        <a:cs typeface="Arial" panose="020B0604020202020204" pitchFamily="34" charset="0"/>
-                      </a:endParaRPr>
-                    </a:p>
-                  </a:txBody>
-                  <a:tcPr anchor="ctr"/>
-                </a:tc>
-                <a:tc>
                   <a:txBody>
                     <a:bodyPr/>
                     <a:lstStyle/>
@@ -13116,69 +9171,23 @@
                   </a:ext>
                 </a:extLst>
               </a:tr>
-              <a:tr h="388216">
-                <a:tc vMerge="1">
-                  <a:txBody>
-                    <a:bodyPr/>
-                    <a:lstStyle/>
-                    <a:p>
-                      <a:endParaRPr lang="en-US"/>
-                    </a:p>
-                  </a:txBody>
-                  <a:tcPr/>
-                </a:tc>
-                <a:tc>
-                  <a:txBody>
-                    <a:bodyPr/>
-                    <a:lstStyle/>
-                    <a:p>
-                      <a:endParaRPr lang="en-US" sz="1800" dirty="0">
-                        <a:latin typeface="Arial" panose="020B0604020202020204" pitchFamily="34" charset="0"/>
-                        <a:cs typeface="Arial" panose="020B0604020202020204" pitchFamily="34" charset="0"/>
-                      </a:endParaRPr>
-                    </a:p>
-                  </a:txBody>
-                  <a:tcPr anchor="ctr"/>
-                </a:tc>
-                <a:tc>
-                  <a:txBody>
-                    <a:bodyPr/>
-                    <a:lstStyle/>
-                    <a:p>
-                      <a:endParaRPr lang="en-US" sz="1800" dirty="0">
-                        <a:latin typeface="Arial" panose="020B0604020202020204" pitchFamily="34" charset="0"/>
-                        <a:cs typeface="Arial" panose="020B0604020202020204" pitchFamily="34" charset="0"/>
-                      </a:endParaRPr>
-                    </a:p>
-                  </a:txBody>
-                  <a:tcPr anchor="ctr"/>
-                </a:tc>
-                <a:extLst>
-                  <a:ext uri="{0D108BD9-81ED-4DB2-BD59-A6C34878D82A}">
-                    <a16:rowId xmlns:a16="http://schemas.microsoft.com/office/drawing/2014/main" val="1164770248"/>
-                  </a:ext>
-                </a:extLst>
-              </a:tr>
-              <a:tr h="388216">
-                <a:tc rowSpan="8">
+              <a:tr h="1048447">
+                <a:tc rowSpan="3">
                   <a:txBody>
                     <a:bodyPr/>
                     <a:lstStyle/>
                     <a:p>
                       <a:r>
-                        <a:rPr lang="sr-Latn-RS" sz="2400" dirty="0">
+                        <a:rPr lang="sr-Latn-RS" sz="2000" dirty="0">
                           <a:latin typeface="Arial" panose="020B0604020202020204" pitchFamily="34" charset="0"/>
                           <a:cs typeface="Arial" panose="020B0604020202020204" pitchFamily="34" charset="0"/>
                         </a:rPr>
-                        <a:t>Član </a:t>
+                        <a:t>Član 16</a:t>
                       </a:r>
-                      <a:r>
-                        <a:rPr lang="en-US" sz="2400" dirty="0">
-                          <a:latin typeface="Arial" panose="020B0604020202020204" pitchFamily="34" charset="0"/>
-                          <a:cs typeface="Arial" panose="020B0604020202020204" pitchFamily="34" charset="0"/>
-                        </a:rPr>
-                        <a:t>16</a:t>
-                      </a:r>
+                      <a:endParaRPr lang="en-US" sz="2000" dirty="0">
+                        <a:latin typeface="Arial" panose="020B0604020202020204" pitchFamily="34" charset="0"/>
+                        <a:cs typeface="Arial" panose="020B0604020202020204" pitchFamily="34" charset="0"/>
+                      </a:endParaRPr>
                     </a:p>
                   </a:txBody>
                   <a:tcPr anchor="ctr"/>
@@ -13188,20 +9197,20 @@
                     <a:bodyPr/>
                     <a:lstStyle/>
                     <a:p>
-                      <a:endParaRPr lang="en-US" sz="1800" dirty="0">
-                        <a:latin typeface="Arial" panose="020B0604020202020204" pitchFamily="34" charset="0"/>
-                        <a:cs typeface="Arial" panose="020B0604020202020204" pitchFamily="34" charset="0"/>
-                      </a:endParaRPr>
-                    </a:p>
-                  </a:txBody>
-                  <a:tcPr anchor="ctr"/>
-                </a:tc>
-                <a:tc>
-                  <a:txBody>
-                    <a:bodyPr/>
-                    <a:lstStyle/>
-                    <a:p>
-                      <a:endParaRPr lang="en-US" sz="1800" dirty="0">
+                      <a:endParaRPr lang="en-US" sz="1600" dirty="0">
+                        <a:latin typeface="Arial" panose="020B0604020202020204" pitchFamily="34" charset="0"/>
+                        <a:cs typeface="Arial" panose="020B0604020202020204" pitchFamily="34" charset="0"/>
+                      </a:endParaRPr>
+                    </a:p>
+                  </a:txBody>
+                  <a:tcPr anchor="ctr"/>
+                </a:tc>
+                <a:tc rowSpan="3">
+                  <a:txBody>
+                    <a:bodyPr/>
+                    <a:lstStyle/>
+                    <a:p>
+                      <a:endParaRPr lang="en-US" sz="1600" dirty="0">
                         <a:latin typeface="Arial" panose="020B0604020202020204" pitchFamily="34" charset="0"/>
                         <a:cs typeface="Arial" panose="020B0604020202020204" pitchFamily="34" charset="0"/>
                       </a:endParaRPr>
@@ -13215,7 +9224,7 @@
                   </a:ext>
                 </a:extLst>
               </a:tr>
-              <a:tr h="388216">
+              <a:tr h="1048447">
                 <a:tc vMerge="1">
                   <a:txBody>
                     <a:bodyPr/>
@@ -13231,15 +9240,15 @@
                     <a:bodyPr/>
                     <a:lstStyle/>
                     <a:p>
-                      <a:endParaRPr lang="en-US" sz="1800" dirty="0">
-                        <a:latin typeface="Arial" panose="020B0604020202020204" pitchFamily="34" charset="0"/>
-                        <a:cs typeface="Arial" panose="020B0604020202020204" pitchFamily="34" charset="0"/>
-                      </a:endParaRPr>
-                    </a:p>
-                  </a:txBody>
-                  <a:tcPr anchor="ctr"/>
-                </a:tc>
-                <a:tc>
+                      <a:endParaRPr lang="en-US" sz="1600" dirty="0">
+                        <a:latin typeface="Arial" panose="020B0604020202020204" pitchFamily="34" charset="0"/>
+                        <a:cs typeface="Arial" panose="020B0604020202020204" pitchFamily="34" charset="0"/>
+                      </a:endParaRPr>
+                    </a:p>
+                  </a:txBody>
+                  <a:tcPr anchor="ctr"/>
+                </a:tc>
+                <a:tc vMerge="1">
                   <a:txBody>
                     <a:bodyPr/>
                     <a:lstStyle/>
@@ -13258,7 +9267,7 @@
                   </a:ext>
                 </a:extLst>
               </a:tr>
-              <a:tr h="388216">
+              <a:tr h="1048447">
                 <a:tc vMerge="1">
                   <a:txBody>
                     <a:bodyPr/>
@@ -13274,250 +9283,15 @@
                     <a:bodyPr/>
                     <a:lstStyle/>
                     <a:p>
-                      <a:endParaRPr lang="en-US" sz="1800" dirty="0">
-                        <a:latin typeface="Arial" panose="020B0604020202020204" pitchFamily="34" charset="0"/>
-                        <a:cs typeface="Arial" panose="020B0604020202020204" pitchFamily="34" charset="0"/>
-                      </a:endParaRPr>
-                    </a:p>
-                  </a:txBody>
-                  <a:tcPr anchor="ctr"/>
-                </a:tc>
-                <a:tc>
-                  <a:txBody>
-                    <a:bodyPr/>
-                    <a:lstStyle/>
-                    <a:p>
-                      <a:endParaRPr lang="en-US" sz="1800" dirty="0">
-                        <a:latin typeface="Arial" panose="020B0604020202020204" pitchFamily="34" charset="0"/>
-                        <a:cs typeface="Arial" panose="020B0604020202020204" pitchFamily="34" charset="0"/>
-                      </a:endParaRPr>
-                    </a:p>
-                  </a:txBody>
-                  <a:tcPr anchor="ctr"/>
-                </a:tc>
-                <a:extLst>
-                  <a:ext uri="{0D108BD9-81ED-4DB2-BD59-A6C34878D82A}">
-                    <a16:rowId xmlns:a16="http://schemas.microsoft.com/office/drawing/2014/main" val="894306909"/>
-                  </a:ext>
-                </a:extLst>
-              </a:tr>
-              <a:tr h="388216">
+                      <a:endParaRPr lang="en-US" sz="1600" dirty="0">
+                        <a:latin typeface="Arial" panose="020B0604020202020204" pitchFamily="34" charset="0"/>
+                        <a:cs typeface="Arial" panose="020B0604020202020204" pitchFamily="34" charset="0"/>
+                      </a:endParaRPr>
+                    </a:p>
+                  </a:txBody>
+                  <a:tcPr anchor="ctr"/>
+                </a:tc>
                 <a:tc vMerge="1">
-                  <a:txBody>
-                    <a:bodyPr/>
-                    <a:lstStyle/>
-                    <a:p>
-                      <a:endParaRPr lang="en-US"/>
-                    </a:p>
-                  </a:txBody>
-                  <a:tcPr/>
-                </a:tc>
-                <a:tc>
-                  <a:txBody>
-                    <a:bodyPr/>
-                    <a:lstStyle/>
-                    <a:p>
-                      <a:endParaRPr lang="en-US" sz="1800" dirty="0">
-                        <a:latin typeface="Arial" panose="020B0604020202020204" pitchFamily="34" charset="0"/>
-                        <a:cs typeface="Arial" panose="020B0604020202020204" pitchFamily="34" charset="0"/>
-                      </a:endParaRPr>
-                    </a:p>
-                  </a:txBody>
-                  <a:tcPr anchor="ctr"/>
-                </a:tc>
-                <a:tc>
-                  <a:txBody>
-                    <a:bodyPr/>
-                    <a:lstStyle/>
-                    <a:p>
-                      <a:endParaRPr lang="en-US" sz="1800" dirty="0">
-                        <a:latin typeface="Arial" panose="020B0604020202020204" pitchFamily="34" charset="0"/>
-                        <a:cs typeface="Arial" panose="020B0604020202020204" pitchFamily="34" charset="0"/>
-                      </a:endParaRPr>
-                    </a:p>
-                  </a:txBody>
-                  <a:tcPr anchor="ctr"/>
-                </a:tc>
-                <a:extLst>
-                  <a:ext uri="{0D108BD9-81ED-4DB2-BD59-A6C34878D82A}">
-                    <a16:rowId xmlns:a16="http://schemas.microsoft.com/office/drawing/2014/main" val="2002167997"/>
-                  </a:ext>
-                </a:extLst>
-              </a:tr>
-              <a:tr h="388216">
-                <a:tc vMerge="1">
-                  <a:txBody>
-                    <a:bodyPr/>
-                    <a:lstStyle/>
-                    <a:p>
-                      <a:r>
-                        <a:rPr lang="sr-Latn-RS" sz="2400" dirty="0">
-                          <a:latin typeface="Arial" panose="020B0604020202020204" pitchFamily="34" charset="0"/>
-                          <a:cs typeface="Arial" panose="020B0604020202020204" pitchFamily="34" charset="0"/>
-                        </a:rPr>
-                        <a:t>Član 4</a:t>
-                      </a:r>
-                      <a:endParaRPr lang="en-US" sz="2400" dirty="0">
-                        <a:latin typeface="Arial" panose="020B0604020202020204" pitchFamily="34" charset="0"/>
-                        <a:cs typeface="Arial" panose="020B0604020202020204" pitchFamily="34" charset="0"/>
-                      </a:endParaRPr>
-                    </a:p>
-                  </a:txBody>
-                  <a:tcPr anchor="ctr">
-                    <a:lnT w="12700" cap="flat" cmpd="sng" algn="ctr">
-                      <a:solidFill>
-                        <a:schemeClr val="tx1"/>
-                      </a:solidFill>
-                      <a:prstDash val="solid"/>
-                      <a:round/>
-                      <a:headEnd type="none" w="med" len="med"/>
-                      <a:tailEnd type="none" w="med" len="med"/>
-                    </a:lnT>
-                  </a:tcPr>
-                </a:tc>
-                <a:tc>
-                  <a:txBody>
-                    <a:bodyPr/>
-                    <a:lstStyle/>
-                    <a:p>
-                      <a:endParaRPr lang="en-US" sz="1800" dirty="0">
-                        <a:latin typeface="Arial" panose="020B0604020202020204" pitchFamily="34" charset="0"/>
-                        <a:cs typeface="Arial" panose="020B0604020202020204" pitchFamily="34" charset="0"/>
-                      </a:endParaRPr>
-                    </a:p>
-                  </a:txBody>
-                  <a:tcPr anchor="ctr"/>
-                </a:tc>
-                <a:tc>
-                  <a:txBody>
-                    <a:bodyPr/>
-                    <a:lstStyle/>
-                    <a:p>
-                      <a:endParaRPr lang="en-US" sz="1800" dirty="0">
-                        <a:latin typeface="Arial" panose="020B0604020202020204" pitchFamily="34" charset="0"/>
-                        <a:cs typeface="Arial" panose="020B0604020202020204" pitchFamily="34" charset="0"/>
-                      </a:endParaRPr>
-                    </a:p>
-                  </a:txBody>
-                  <a:tcPr anchor="ctr"/>
-                </a:tc>
-                <a:extLst>
-                  <a:ext uri="{0D108BD9-81ED-4DB2-BD59-A6C34878D82A}">
-                    <a16:rowId xmlns:a16="http://schemas.microsoft.com/office/drawing/2014/main" val="2258469179"/>
-                  </a:ext>
-                </a:extLst>
-              </a:tr>
-              <a:tr h="388216">
-                <a:tc vMerge="1">
-                  <a:txBody>
-                    <a:bodyPr/>
-                    <a:lstStyle/>
-                    <a:p>
-                      <a:endParaRPr lang="en-US"/>
-                    </a:p>
-                  </a:txBody>
-                  <a:tcPr/>
-                </a:tc>
-                <a:tc>
-                  <a:txBody>
-                    <a:bodyPr/>
-                    <a:lstStyle/>
-                    <a:p>
-                      <a:endParaRPr lang="en-US" sz="1800" dirty="0">
-                        <a:latin typeface="Arial" panose="020B0604020202020204" pitchFamily="34" charset="0"/>
-                        <a:cs typeface="Arial" panose="020B0604020202020204" pitchFamily="34" charset="0"/>
-                      </a:endParaRPr>
-                    </a:p>
-                  </a:txBody>
-                  <a:tcPr anchor="ctr"/>
-                </a:tc>
-                <a:tc>
-                  <a:txBody>
-                    <a:bodyPr/>
-                    <a:lstStyle/>
-                    <a:p>
-                      <a:endParaRPr lang="en-US" sz="1800" dirty="0">
-                        <a:latin typeface="Arial" panose="020B0604020202020204" pitchFamily="34" charset="0"/>
-                        <a:cs typeface="Arial" panose="020B0604020202020204" pitchFamily="34" charset="0"/>
-                      </a:endParaRPr>
-                    </a:p>
-                  </a:txBody>
-                  <a:tcPr anchor="ctr"/>
-                </a:tc>
-                <a:extLst>
-                  <a:ext uri="{0D108BD9-81ED-4DB2-BD59-A6C34878D82A}">
-                    <a16:rowId xmlns:a16="http://schemas.microsoft.com/office/drawing/2014/main" val="3385457170"/>
-                  </a:ext>
-                </a:extLst>
-              </a:tr>
-              <a:tr h="388216">
-                <a:tc vMerge="1">
-                  <a:txBody>
-                    <a:bodyPr/>
-                    <a:lstStyle/>
-                    <a:p>
-                      <a:endParaRPr lang="en-US"/>
-                    </a:p>
-                  </a:txBody>
-                  <a:tcPr/>
-                </a:tc>
-                <a:tc>
-                  <a:txBody>
-                    <a:bodyPr/>
-                    <a:lstStyle/>
-                    <a:p>
-                      <a:endParaRPr lang="en-US" sz="1800" dirty="0">
-                        <a:latin typeface="Arial" panose="020B0604020202020204" pitchFamily="34" charset="0"/>
-                        <a:cs typeface="Arial" panose="020B0604020202020204" pitchFamily="34" charset="0"/>
-                      </a:endParaRPr>
-                    </a:p>
-                  </a:txBody>
-                  <a:tcPr anchor="ctr"/>
-                </a:tc>
-                <a:tc>
-                  <a:txBody>
-                    <a:bodyPr/>
-                    <a:lstStyle/>
-                    <a:p>
-                      <a:endParaRPr lang="en-US" sz="1800" dirty="0">
-                        <a:latin typeface="Arial" panose="020B0604020202020204" pitchFamily="34" charset="0"/>
-                        <a:cs typeface="Arial" panose="020B0604020202020204" pitchFamily="34" charset="0"/>
-                      </a:endParaRPr>
-                    </a:p>
-                  </a:txBody>
-                  <a:tcPr anchor="ctr"/>
-                </a:tc>
-                <a:extLst>
-                  <a:ext uri="{0D108BD9-81ED-4DB2-BD59-A6C34878D82A}">
-                    <a16:rowId xmlns:a16="http://schemas.microsoft.com/office/drawing/2014/main" val="1285668822"/>
-                  </a:ext>
-                </a:extLst>
-              </a:tr>
-              <a:tr h="388216">
-                <a:tc vMerge="1">
-                  <a:txBody>
-                    <a:bodyPr/>
-                    <a:lstStyle/>
-                    <a:p>
-                      <a:endParaRPr lang="en-US"/>
-                    </a:p>
-                  </a:txBody>
-                  <a:tcPr/>
-                </a:tc>
-                <a:tc>
-                  <a:txBody>
-                    <a:bodyPr/>
-                    <a:lstStyle/>
-                    <a:p>
-                      <a:endParaRPr lang="en-US" sz="1800" dirty="0">
-                        <a:latin typeface="Arial" panose="020B0604020202020204" pitchFamily="34" charset="0"/>
-                        <a:cs typeface="Arial" panose="020B0604020202020204" pitchFamily="34" charset="0"/>
-                      </a:endParaRPr>
-                    </a:p>
-                  </a:txBody>
-                  <a:tcPr anchor="ctr"/>
-                </a:tc>
-                <a:tc>
                   <a:txBody>
                     <a:bodyPr/>
                     <a:lstStyle/>
@@ -13543,7 +9317,7 @@
     </p:spTree>
     <p:extLst>
       <p:ext uri="{BB962C8B-B14F-4D97-AF65-F5344CB8AC3E}">
-        <p14:creationId xmlns:p14="http://schemas.microsoft.com/office/powerpoint/2010/main" val="2211851263"/>
+        <p14:creationId xmlns:p14="http://schemas.microsoft.com/office/powerpoint/2010/main" val="2165599822"/>
       </p:ext>
     </p:extLst>
   </p:cSld>
